--- a/Project 2.pptx
+++ b/Project 2.pptx
@@ -3716,11 +3716,11 @@
   <p:clrMapOvr>
     <a:masterClrMapping/>
   </p:clrMapOvr>
-  <mc:AlternateContent xmlns:mc="http://schemas.openxmlformats.org/markup-compatibility/2006">
-    <mc:Choice xmlns:p14="http://schemas.microsoft.com/office/powerpoint/2010/main" Requires="p14">
+  <mc:AlternateContent xmlns:mc="http://schemas.openxmlformats.org/markup-compatibility/2006" xmlns:p14="http://schemas.microsoft.com/office/powerpoint/2010/main">
+    <mc:Choice Requires="p14">
       <p:transition spd="slow" p14:dur="2000" advTm="9459"/>
     </mc:Choice>
-    <mc:Fallback>
+    <mc:Fallback xmlns="">
       <p:transition spd="slow" advTm="9459"/>
     </mc:Fallback>
   </mc:AlternateContent>
@@ -5432,11 +5432,11 @@
   <p:clrMapOvr>
     <a:masterClrMapping/>
   </p:clrMapOvr>
-  <mc:AlternateContent xmlns:mc="http://schemas.openxmlformats.org/markup-compatibility/2006">
-    <mc:Choice xmlns:p14="http://schemas.microsoft.com/office/powerpoint/2010/main" Requires="p14">
+  <mc:AlternateContent xmlns:mc="http://schemas.openxmlformats.org/markup-compatibility/2006" xmlns:p14="http://schemas.microsoft.com/office/powerpoint/2010/main">
+    <mc:Choice Requires="p14">
       <p:transition spd="slow" p14:dur="2000" advTm="5044"/>
     </mc:Choice>
-    <mc:Fallback>
+    <mc:Fallback xmlns="">
       <p:transition spd="slow" advTm="5044"/>
     </mc:Fallback>
   </mc:AlternateContent>
@@ -6361,7 +6361,7 @@
         </p:blipFill>
         <p:spPr>
           <a:xfrm>
-            <a:off x="387817" y="2277759"/>
+            <a:off x="334166" y="1886515"/>
             <a:ext cx="4749418" cy="4376555"/>
           </a:xfrm>
           <a:prstGeom prst="rect">
@@ -6377,8 +6377,8 @@
         </p:nvCxnSpPr>
         <p:spPr>
           <a:xfrm>
-            <a:off x="5137235" y="2277759"/>
-            <a:ext cx="3755095" cy="1681845"/>
+            <a:off x="5083584" y="1886515"/>
+            <a:ext cx="3808746" cy="2073089"/>
           </a:xfrm>
           <a:prstGeom prst="line">
             <a:avLst/>
@@ -6407,8 +6407,8 @@
         </p:nvCxnSpPr>
         <p:spPr>
           <a:xfrm flipV="1">
-            <a:off x="5137235" y="5201256"/>
-            <a:ext cx="4275398" cy="1389737"/>
+            <a:off x="5083584" y="5201257"/>
+            <a:ext cx="4329049" cy="1061813"/>
           </a:xfrm>
           <a:prstGeom prst="line">
             <a:avLst/>
@@ -6486,7 +6486,7 @@
       </p:sp>
       <p:pic>
         <p:nvPicPr>
-          <p:cNvPr id="18" name="Рисунок 17"/>
+          <p:cNvPr id="4" name="Рисунок 3"/>
           <p:cNvPicPr>
             <a:picLocks noChangeAspect="1"/>
           </p:cNvPicPr>
@@ -6506,7 +6506,7 @@
         </p:blipFill>
         <p:spPr>
           <a:xfrm>
-            <a:off x="13986871" y="-76500"/>
+            <a:off x="14520021" y="0"/>
             <a:ext cx="6139467" cy="6858000"/>
           </a:xfrm>
           <a:prstGeom prst="rect">
@@ -6524,11 +6524,11 @@
   <p:clrMapOvr>
     <a:masterClrMapping/>
   </p:clrMapOvr>
-  <mc:AlternateContent xmlns:mc="http://schemas.openxmlformats.org/markup-compatibility/2006">
-    <mc:Choice xmlns:p14="http://schemas.microsoft.com/office/powerpoint/2010/main" Requires="p14">
+  <mc:AlternateContent xmlns:mc="http://schemas.openxmlformats.org/markup-compatibility/2006" xmlns:p14="http://schemas.microsoft.com/office/powerpoint/2010/main">
+    <mc:Choice Requires="p14">
       <p:transition spd="slow" p14:dur="2000" advTm="2108"/>
     </mc:Choice>
-    <mc:Fallback>
+    <mc:Fallback xmlns="">
       <p:transition spd="slow" advTm="2108"/>
     </mc:Fallback>
   </mc:AlternateContent>
@@ -6636,18 +6636,18 @@
                                     <p:cond delay="0"/>
                                   </p:stCondLst>
                                   <p:childTnLst>
-                                    <p:animMotion origin="layout" path="M 1.66667E-6 1.11111E-6 L -0.65208 0.01111 " pathEditMode="relative" rAng="0" ptsTypes="AA">
+                                    <p:animMotion origin="layout" path="M 1.66667E-6 0 L -0.69505 0 " pathEditMode="relative" rAng="0" ptsTypes="AA">
                                       <p:cBhvr>
                                         <p:cTn id="13" dur="2000" fill="hold"/>
                                         <p:tgtEl>
-                                          <p:spTgt spid="18"/>
+                                          <p:spTgt spid="4"/>
                                         </p:tgtEl>
                                         <p:attrNameLst>
                                           <p:attrName>ppt_x</p:attrName>
                                           <p:attrName>ppt_y</p:attrName>
                                         </p:attrNameLst>
                                       </p:cBhvr>
-                                      <p:rCtr x="-32604" y="556"/>
+                                      <p:rCtr x="-34753" y="0"/>
                                     </p:animMotion>
                                   </p:childTnLst>
                                 </p:cTn>
@@ -7488,7 +7488,7 @@
       </p:sp>
       <p:pic>
         <p:nvPicPr>
-          <p:cNvPr id="15" name="Рисунок 14"/>
+          <p:cNvPr id="16" name="Рисунок 15"/>
           <p:cNvPicPr>
             <a:picLocks noChangeAspect="1"/>
           </p:cNvPicPr>
@@ -7508,8 +7508,8 @@
         </p:blipFill>
         <p:spPr>
           <a:xfrm>
-            <a:off x="14200353" y="0"/>
-            <a:ext cx="6122367" cy="6858000"/>
+            <a:off x="308872" y="1727420"/>
+            <a:ext cx="5061931" cy="4694745"/>
           </a:xfrm>
           <a:prstGeom prst="rect">
             <a:avLst/>
@@ -7518,7 +7518,7 @@
       </p:pic>
       <p:pic>
         <p:nvPicPr>
-          <p:cNvPr id="16" name="Рисунок 15"/>
+          <p:cNvPr id="3" name="Рисунок 2"/>
           <p:cNvPicPr>
             <a:picLocks noChangeAspect="1"/>
           </p:cNvPicPr>
@@ -7538,8 +7538,8 @@
         </p:blipFill>
         <p:spPr>
           <a:xfrm>
-            <a:off x="308872" y="1727420"/>
-            <a:ext cx="5061931" cy="4694745"/>
+            <a:off x="14907469" y="0"/>
+            <a:ext cx="6122367" cy="6858000"/>
           </a:xfrm>
           <a:prstGeom prst="rect">
             <a:avLst/>
@@ -7556,11 +7556,11 @@
   <p:clrMapOvr>
     <a:masterClrMapping/>
   </p:clrMapOvr>
-  <mc:AlternateContent xmlns:mc="http://schemas.openxmlformats.org/markup-compatibility/2006">
-    <mc:Choice xmlns:p14="http://schemas.microsoft.com/office/powerpoint/2010/main" Requires="p14">
+  <mc:AlternateContent xmlns:mc="http://schemas.openxmlformats.org/markup-compatibility/2006" xmlns:p14="http://schemas.microsoft.com/office/powerpoint/2010/main">
+    <mc:Choice Requires="p14">
       <p:transition spd="slow" p14:dur="2000" advTm="1379"/>
     </mc:Choice>
-    <mc:Fallback>
+    <mc:Fallback xmlns="">
       <p:transition spd="slow" advTm="1379"/>
     </mc:Fallback>
   </mc:AlternateContent>
@@ -7668,18 +7668,18 @@
                                     <p:cond delay="0"/>
                                   </p:stCondLst>
                                   <p:childTnLst>
-                                    <p:animMotion origin="layout" path="M 4.79167E-6 0 L -0.66888 0 " pathEditMode="relative" rAng="0" ptsTypes="AA">
+                                    <p:animMotion origin="layout" path="M 1.875E-6 0 L -0.72735 0 " pathEditMode="relative" rAng="0" ptsTypes="AA">
                                       <p:cBhvr>
                                         <p:cTn id="13" dur="2000" fill="hold"/>
                                         <p:tgtEl>
-                                          <p:spTgt spid="15"/>
+                                          <p:spTgt spid="3"/>
                                         </p:tgtEl>
                                         <p:attrNameLst>
                                           <p:attrName>ppt_x</p:attrName>
                                           <p:attrName>ppt_y</p:attrName>
                                         </p:attrNameLst>
                                       </p:cBhvr>
-                                      <p:rCtr x="-33451" y="0"/>
+                                      <p:rCtr x="-36367" y="0"/>
                                     </p:animMotion>
                                   </p:childTnLst>
                                 </p:cTn>

--- a/Project 2.pptx
+++ b/Project 2.pptx
@@ -15,6 +15,7 @@
     <p:sldId id="272" r:id="rId9"/>
     <p:sldId id="273" r:id="rId10"/>
     <p:sldId id="274" r:id="rId11"/>
+    <p:sldId id="275" r:id="rId12"/>
   </p:sldIdLst>
   <p:sldSz cx="12192000" cy="6858000"/>
   <p:notesSz cx="6858000" cy="9144000"/>
@@ -121,6 +122,4729 @@
 </p:presentation>
 </file>
 
+<file path=ppt/charts/chart1.xml><?xml version="1.0" encoding="utf-8"?>
+<c:chartSpace xmlns:c="http://schemas.openxmlformats.org/drawingml/2006/chart" xmlns:a="http://schemas.openxmlformats.org/drawingml/2006/main" xmlns:r="http://schemas.openxmlformats.org/officeDocument/2006/relationships" xmlns:c16r2="http://schemas.microsoft.com/office/drawing/2015/06/chart">
+  <c:date1904 val="0"/>
+  <c:lang val="ru-RU"/>
+  <c:roundedCorners val="0"/>
+  <mc:AlternateContent xmlns:mc="http://schemas.openxmlformats.org/markup-compatibility/2006">
+    <mc:Choice xmlns:c14="http://schemas.microsoft.com/office/drawing/2007/8/2/chart" Requires="c14">
+      <c14:style val="102"/>
+    </mc:Choice>
+    <mc:Fallback>
+      <c:style val="2"/>
+    </mc:Fallback>
+  </mc:AlternateContent>
+  <c:chart>
+    <c:autoTitleDeleted val="1"/>
+    <c:plotArea>
+      <c:layout/>
+      <c:pieChart>
+        <c:varyColors val="1"/>
+        <c:dLbls>
+          <c:showLegendKey val="0"/>
+          <c:showVal val="0"/>
+          <c:showCatName val="0"/>
+          <c:showSerName val="0"/>
+          <c:showPercent val="0"/>
+          <c:showBubbleSize val="0"/>
+          <c:showLeaderLines val="0"/>
+        </c:dLbls>
+        <c:firstSliceAng val="0"/>
+      </c:pieChart>
+      <c:spPr>
+        <a:noFill/>
+        <a:ln>
+          <a:noFill/>
+        </a:ln>
+        <a:effectLst/>
+      </c:spPr>
+    </c:plotArea>
+    <c:plotVisOnly val="1"/>
+    <c:dispBlanksAs val="gap"/>
+    <c:extLst>
+      <c:ext xmlns:c16r3="http://schemas.microsoft.com/office/drawing/2017/03/chart" uri="{56B9EC1D-385E-4148-901F-78D8002777C0}">
+        <c16r3:dataDisplayOptions16>
+          <c16r3:dispNaAsBlank val="1"/>
+        </c16r3:dataDisplayOptions16>
+      </c:ext>
+    </c:extLst>
+    <c:showDLblsOverMax val="0"/>
+  </c:chart>
+  <c:spPr>
+    <a:noFill/>
+    <a:ln>
+      <a:noFill/>
+    </a:ln>
+    <a:effectLst/>
+  </c:spPr>
+  <c:txPr>
+    <a:bodyPr/>
+    <a:lstStyle/>
+    <a:p>
+      <a:pPr>
+        <a:defRPr/>
+      </a:pPr>
+      <a:endParaRPr lang="ru-RU"/>
+    </a:p>
+  </c:txPr>
+  <c:externalData r:id="rId3">
+    <c:autoUpdate val="0"/>
+  </c:externalData>
+</c:chartSpace>
+</file>
+
+<file path=ppt/charts/chart2.xml><?xml version="1.0" encoding="utf-8"?>
+<c:chartSpace xmlns:c="http://schemas.openxmlformats.org/drawingml/2006/chart" xmlns:a="http://schemas.openxmlformats.org/drawingml/2006/main" xmlns:r="http://schemas.openxmlformats.org/officeDocument/2006/relationships" xmlns:c16r2="http://schemas.microsoft.com/office/drawing/2015/06/chart">
+  <c:date1904 val="0"/>
+  <c:lang val="ru-RU"/>
+  <c:roundedCorners val="0"/>
+  <mc:AlternateContent xmlns:mc="http://schemas.openxmlformats.org/markup-compatibility/2006">
+    <mc:Choice xmlns:c14="http://schemas.microsoft.com/office/drawing/2007/8/2/chart" Requires="c14">
+      <c14:style val="102"/>
+    </mc:Choice>
+    <mc:Fallback>
+      <c:style val="2"/>
+    </mc:Fallback>
+  </mc:AlternateContent>
+  <c:chart>
+    <c:autoTitleDeleted val="1"/>
+    <c:plotArea>
+      <c:layout/>
+      <c:pieChart>
+        <c:varyColors val="1"/>
+        <c:dLbls>
+          <c:showLegendKey val="0"/>
+          <c:showVal val="0"/>
+          <c:showCatName val="0"/>
+          <c:showSerName val="0"/>
+          <c:showPercent val="0"/>
+          <c:showBubbleSize val="0"/>
+          <c:showLeaderLines val="0"/>
+        </c:dLbls>
+        <c:firstSliceAng val="0"/>
+      </c:pieChart>
+      <c:spPr>
+        <a:noFill/>
+        <a:ln>
+          <a:noFill/>
+        </a:ln>
+        <a:effectLst/>
+      </c:spPr>
+    </c:plotArea>
+    <c:plotVisOnly val="1"/>
+    <c:dispBlanksAs val="gap"/>
+    <c:extLst>
+      <c:ext xmlns:c16r3="http://schemas.microsoft.com/office/drawing/2017/03/chart" uri="{56B9EC1D-385E-4148-901F-78D8002777C0}">
+        <c16r3:dataDisplayOptions16>
+          <c16r3:dispNaAsBlank val="1"/>
+        </c16r3:dataDisplayOptions16>
+      </c:ext>
+    </c:extLst>
+    <c:showDLblsOverMax val="0"/>
+  </c:chart>
+  <c:spPr>
+    <a:noFill/>
+    <a:ln>
+      <a:noFill/>
+    </a:ln>
+    <a:effectLst/>
+  </c:spPr>
+  <c:txPr>
+    <a:bodyPr/>
+    <a:lstStyle/>
+    <a:p>
+      <a:pPr>
+        <a:defRPr/>
+      </a:pPr>
+      <a:endParaRPr lang="ru-RU"/>
+    </a:p>
+  </c:txPr>
+  <c:externalData r:id="rId3">
+    <c:autoUpdate val="0"/>
+  </c:externalData>
+</c:chartSpace>
+</file>
+
+<file path=ppt/charts/chart3.xml><?xml version="1.0" encoding="utf-8"?>
+<c:chartSpace xmlns:c="http://schemas.openxmlformats.org/drawingml/2006/chart" xmlns:a="http://schemas.openxmlformats.org/drawingml/2006/main" xmlns:r="http://schemas.openxmlformats.org/officeDocument/2006/relationships" xmlns:c16r2="http://schemas.microsoft.com/office/drawing/2015/06/chart">
+  <c:date1904 val="0"/>
+  <c:lang val="ru-RU"/>
+  <c:roundedCorners val="0"/>
+  <mc:AlternateContent xmlns:mc="http://schemas.openxmlformats.org/markup-compatibility/2006">
+    <mc:Choice xmlns:c14="http://schemas.microsoft.com/office/drawing/2007/8/2/chart" Requires="c14">
+      <c14:style val="102"/>
+    </mc:Choice>
+    <mc:Fallback>
+      <c:style val="2"/>
+    </mc:Fallback>
+  </mc:AlternateContent>
+  <c:chart>
+    <c:autoTitleDeleted val="1"/>
+    <c:plotArea>
+      <c:layout/>
+      <c:pieChart>
+        <c:varyColors val="1"/>
+        <c:dLbls>
+          <c:showLegendKey val="0"/>
+          <c:showVal val="0"/>
+          <c:showCatName val="0"/>
+          <c:showSerName val="0"/>
+          <c:showPercent val="0"/>
+          <c:showBubbleSize val="0"/>
+          <c:showLeaderLines val="0"/>
+        </c:dLbls>
+        <c:firstSliceAng val="0"/>
+      </c:pieChart>
+      <c:spPr>
+        <a:noFill/>
+        <a:ln>
+          <a:noFill/>
+        </a:ln>
+        <a:effectLst/>
+      </c:spPr>
+    </c:plotArea>
+    <c:plotVisOnly val="1"/>
+    <c:dispBlanksAs val="gap"/>
+    <c:extLst>
+      <c:ext xmlns:c16r3="http://schemas.microsoft.com/office/drawing/2017/03/chart" uri="{56B9EC1D-385E-4148-901F-78D8002777C0}">
+        <c16r3:dataDisplayOptions16>
+          <c16r3:dispNaAsBlank val="1"/>
+        </c16r3:dataDisplayOptions16>
+      </c:ext>
+    </c:extLst>
+    <c:showDLblsOverMax val="0"/>
+  </c:chart>
+  <c:spPr>
+    <a:noFill/>
+    <a:ln>
+      <a:noFill/>
+    </a:ln>
+    <a:effectLst/>
+  </c:spPr>
+  <c:txPr>
+    <a:bodyPr/>
+    <a:lstStyle/>
+    <a:p>
+      <a:pPr>
+        <a:defRPr/>
+      </a:pPr>
+      <a:endParaRPr lang="ru-RU"/>
+    </a:p>
+  </c:txPr>
+  <c:externalData r:id="rId3">
+    <c:autoUpdate val="0"/>
+  </c:externalData>
+</c:chartSpace>
+</file>
+
+<file path=ppt/charts/chart4.xml><?xml version="1.0" encoding="utf-8"?>
+<c:chartSpace xmlns:c="http://schemas.openxmlformats.org/drawingml/2006/chart" xmlns:a="http://schemas.openxmlformats.org/drawingml/2006/main" xmlns:r="http://schemas.openxmlformats.org/officeDocument/2006/relationships" xmlns:c16r2="http://schemas.microsoft.com/office/drawing/2015/06/chart">
+  <c:date1904 val="0"/>
+  <c:lang val="ru-RU"/>
+  <c:roundedCorners val="0"/>
+  <mc:AlternateContent xmlns:mc="http://schemas.openxmlformats.org/markup-compatibility/2006">
+    <mc:Choice xmlns:c14="http://schemas.microsoft.com/office/drawing/2007/8/2/chart" Requires="c14">
+      <c14:style val="102"/>
+    </mc:Choice>
+    <mc:Fallback>
+      <c:style val="2"/>
+    </mc:Fallback>
+  </mc:AlternateContent>
+  <c:chart>
+    <c:autoTitleDeleted val="1"/>
+    <c:plotArea>
+      <c:layout/>
+      <c:pieChart>
+        <c:varyColors val="1"/>
+        <c:dLbls>
+          <c:showLegendKey val="0"/>
+          <c:showVal val="0"/>
+          <c:showCatName val="0"/>
+          <c:showSerName val="0"/>
+          <c:showPercent val="0"/>
+          <c:showBubbleSize val="0"/>
+          <c:showLeaderLines val="0"/>
+        </c:dLbls>
+        <c:firstSliceAng val="0"/>
+      </c:pieChart>
+      <c:spPr>
+        <a:noFill/>
+        <a:ln>
+          <a:noFill/>
+        </a:ln>
+        <a:effectLst/>
+      </c:spPr>
+    </c:plotArea>
+    <c:plotVisOnly val="1"/>
+    <c:dispBlanksAs val="gap"/>
+    <c:extLst>
+      <c:ext xmlns:c16r3="http://schemas.microsoft.com/office/drawing/2017/03/chart" uri="{56B9EC1D-385E-4148-901F-78D8002777C0}">
+        <c16r3:dataDisplayOptions16>
+          <c16r3:dispNaAsBlank val="1"/>
+        </c16r3:dataDisplayOptions16>
+      </c:ext>
+    </c:extLst>
+    <c:showDLblsOverMax val="0"/>
+  </c:chart>
+  <c:spPr>
+    <a:noFill/>
+    <a:ln>
+      <a:noFill/>
+    </a:ln>
+    <a:effectLst/>
+  </c:spPr>
+  <c:txPr>
+    <a:bodyPr/>
+    <a:lstStyle/>
+    <a:p>
+      <a:pPr>
+        <a:defRPr/>
+      </a:pPr>
+      <a:endParaRPr lang="ru-RU"/>
+    </a:p>
+  </c:txPr>
+  <c:externalData r:id="rId3">
+    <c:autoUpdate val="0"/>
+  </c:externalData>
+</c:chartSpace>
+</file>
+
+<file path=ppt/charts/chart5.xml><?xml version="1.0" encoding="utf-8"?>
+<c:chartSpace xmlns:c="http://schemas.openxmlformats.org/drawingml/2006/chart" xmlns:a="http://schemas.openxmlformats.org/drawingml/2006/main" xmlns:r="http://schemas.openxmlformats.org/officeDocument/2006/relationships" xmlns:c16r2="http://schemas.microsoft.com/office/drawing/2015/06/chart">
+  <c:date1904 val="0"/>
+  <c:lang val="ru-RU"/>
+  <c:roundedCorners val="0"/>
+  <mc:AlternateContent xmlns:mc="http://schemas.openxmlformats.org/markup-compatibility/2006">
+    <mc:Choice xmlns:c14="http://schemas.microsoft.com/office/drawing/2007/8/2/chart" Requires="c14">
+      <c14:style val="102"/>
+    </mc:Choice>
+    <mc:Fallback>
+      <c:style val="2"/>
+    </mc:Fallback>
+  </mc:AlternateContent>
+  <c:chart>
+    <c:autoTitleDeleted val="1"/>
+    <c:plotArea>
+      <c:layout/>
+      <c:pieChart>
+        <c:varyColors val="1"/>
+        <c:ser>
+          <c:idx val="0"/>
+          <c:order val="0"/>
+          <c:dPt>
+            <c:idx val="0"/>
+            <c:bubble3D val="0"/>
+            <c:spPr>
+              <a:solidFill>
+                <a:schemeClr val="accent1"/>
+              </a:solidFill>
+              <a:ln w="19050">
+                <a:solidFill>
+                  <a:schemeClr val="lt1"/>
+                </a:solidFill>
+              </a:ln>
+              <a:effectLst/>
+            </c:spPr>
+            <c:extLst>
+              <c:ext xmlns:c16="http://schemas.microsoft.com/office/drawing/2014/chart" uri="{C3380CC4-5D6E-409C-BE32-E72D297353CC}">
+                <c16:uniqueId val="{00000001-4699-476C-8913-743A1267B4E4}"/>
+              </c:ext>
+            </c:extLst>
+          </c:dPt>
+          <c:dPt>
+            <c:idx val="1"/>
+            <c:bubble3D val="0"/>
+            <c:spPr>
+              <a:solidFill>
+                <a:schemeClr val="accent2"/>
+              </a:solidFill>
+              <a:ln w="19050">
+                <a:solidFill>
+                  <a:schemeClr val="lt1"/>
+                </a:solidFill>
+              </a:ln>
+              <a:effectLst/>
+            </c:spPr>
+            <c:extLst>
+              <c:ext xmlns:c16="http://schemas.microsoft.com/office/drawing/2014/chart" uri="{C3380CC4-5D6E-409C-BE32-E72D297353CC}">
+                <c16:uniqueId val="{00000003-4699-476C-8913-743A1267B4E4}"/>
+              </c:ext>
+            </c:extLst>
+          </c:dPt>
+          <c:dLbls>
+            <c:spPr>
+              <a:noFill/>
+              <a:ln>
+                <a:noFill/>
+              </a:ln>
+              <a:effectLst/>
+            </c:spPr>
+            <c:txPr>
+              <a:bodyPr rot="0" spcFirstLastPara="1" vertOverflow="ellipsis" vert="horz" wrap="square" lIns="38100" tIns="19050" rIns="38100" bIns="19050" anchor="ctr" anchorCtr="1">
+                <a:spAutoFit/>
+              </a:bodyPr>
+              <a:lstStyle/>
+              <a:p>
+                <a:pPr>
+                  <a:defRPr sz="900" b="0" i="0" u="none" strike="noStrike" kern="1200" baseline="0">
+                    <a:solidFill>
+                      <a:schemeClr val="tx1"/>
+                    </a:solidFill>
+                    <a:latin typeface="+mn-lt"/>
+                    <a:ea typeface="+mn-ea"/>
+                    <a:cs typeface="+mn-cs"/>
+                  </a:defRPr>
+                </a:pPr>
+                <a:endParaRPr lang="ru-RU"/>
+              </a:p>
+            </c:txPr>
+            <c:showLegendKey val="0"/>
+            <c:showVal val="0"/>
+            <c:showCatName val="0"/>
+            <c:showSerName val="0"/>
+            <c:showPercent val="1"/>
+            <c:showBubbleSize val="0"/>
+            <c:showLeaderLines val="0"/>
+            <c:extLst>
+              <c:ext xmlns:c15="http://schemas.microsoft.com/office/drawing/2012/chart" uri="{CE6537A1-D6FC-4f65-9D91-7224C49458BB}"/>
+            </c:extLst>
+          </c:dLbls>
+          <c:val>
+            <c:numRef>
+              <c:f>(Sheet1!$D$3,Sheet1!$G$3)</c:f>
+              <c:numCache>
+                <c:formatCode>0</c:formatCode>
+                <c:ptCount val="2"/>
+                <c:pt idx="0">
+                  <c:v>27721.29285714286</c:v>
+                </c:pt>
+                <c:pt idx="1">
+                  <c:v>18000</c:v>
+                </c:pt>
+              </c:numCache>
+            </c:numRef>
+          </c:val>
+          <c:extLst>
+            <c:ext xmlns:c16="http://schemas.microsoft.com/office/drawing/2014/chart" uri="{C3380CC4-5D6E-409C-BE32-E72D297353CC}">
+              <c16:uniqueId val="{00000004-4699-476C-8913-743A1267B4E4}"/>
+            </c:ext>
+          </c:extLst>
+        </c:ser>
+        <c:dLbls>
+          <c:showLegendKey val="0"/>
+          <c:showVal val="0"/>
+          <c:showCatName val="0"/>
+          <c:showSerName val="0"/>
+          <c:showPercent val="0"/>
+          <c:showBubbleSize val="0"/>
+          <c:showLeaderLines val="0"/>
+        </c:dLbls>
+        <c:firstSliceAng val="0"/>
+      </c:pieChart>
+      <c:spPr>
+        <a:noFill/>
+        <a:ln>
+          <a:noFill/>
+        </a:ln>
+        <a:effectLst/>
+      </c:spPr>
+    </c:plotArea>
+    <c:plotVisOnly val="1"/>
+    <c:dispBlanksAs val="gap"/>
+    <c:extLst>
+      <c:ext xmlns:c16r3="http://schemas.microsoft.com/office/drawing/2017/03/chart" uri="{56B9EC1D-385E-4148-901F-78D8002777C0}">
+        <c16r3:dataDisplayOptions16>
+          <c16r3:dispNaAsBlank val="1"/>
+        </c16r3:dataDisplayOptions16>
+      </c:ext>
+    </c:extLst>
+    <c:showDLblsOverMax val="0"/>
+  </c:chart>
+  <c:spPr>
+    <a:noFill/>
+    <a:ln>
+      <a:noFill/>
+    </a:ln>
+    <a:effectLst/>
+  </c:spPr>
+  <c:txPr>
+    <a:bodyPr/>
+    <a:lstStyle/>
+    <a:p>
+      <a:pPr>
+        <a:defRPr/>
+      </a:pPr>
+      <a:endParaRPr lang="ru-RU"/>
+    </a:p>
+  </c:txPr>
+  <c:externalData r:id="rId3">
+    <c:autoUpdate val="0"/>
+  </c:externalData>
+</c:chartSpace>
+</file>
+
+<file path=ppt/charts/chart6.xml><?xml version="1.0" encoding="utf-8"?>
+<c:chartSpace xmlns:c="http://schemas.openxmlformats.org/drawingml/2006/chart" xmlns:a="http://schemas.openxmlformats.org/drawingml/2006/main" xmlns:r="http://schemas.openxmlformats.org/officeDocument/2006/relationships" xmlns:c16r2="http://schemas.microsoft.com/office/drawing/2015/06/chart">
+  <c:date1904 val="0"/>
+  <c:lang val="ru-RU"/>
+  <c:roundedCorners val="0"/>
+  <mc:AlternateContent xmlns:mc="http://schemas.openxmlformats.org/markup-compatibility/2006">
+    <mc:Choice xmlns:c14="http://schemas.microsoft.com/office/drawing/2007/8/2/chart" Requires="c14">
+      <c14:style val="102"/>
+    </mc:Choice>
+    <mc:Fallback>
+      <c:style val="2"/>
+    </mc:Fallback>
+  </mc:AlternateContent>
+  <c:chart>
+    <c:autoTitleDeleted val="1"/>
+    <c:plotArea>
+      <c:layout/>
+      <c:pieChart>
+        <c:varyColors val="1"/>
+        <c:ser>
+          <c:idx val="0"/>
+          <c:order val="0"/>
+          <c:dPt>
+            <c:idx val="0"/>
+            <c:bubble3D val="0"/>
+            <c:spPr>
+              <a:solidFill>
+                <a:schemeClr val="accent1"/>
+              </a:solidFill>
+              <a:ln w="19050">
+                <a:solidFill>
+                  <a:schemeClr val="lt1"/>
+                </a:solidFill>
+              </a:ln>
+              <a:effectLst/>
+            </c:spPr>
+            <c:extLst>
+              <c:ext xmlns:c16="http://schemas.microsoft.com/office/drawing/2014/chart" uri="{C3380CC4-5D6E-409C-BE32-E72D297353CC}">
+                <c16:uniqueId val="{00000001-AA64-4A70-A766-9A9EC909CD52}"/>
+              </c:ext>
+            </c:extLst>
+          </c:dPt>
+          <c:dPt>
+            <c:idx val="1"/>
+            <c:bubble3D val="0"/>
+            <c:spPr>
+              <a:solidFill>
+                <a:schemeClr val="accent2"/>
+              </a:solidFill>
+              <a:ln w="19050">
+                <a:solidFill>
+                  <a:schemeClr val="lt1"/>
+                </a:solidFill>
+              </a:ln>
+              <a:effectLst/>
+            </c:spPr>
+            <c:extLst>
+              <c:ext xmlns:c16="http://schemas.microsoft.com/office/drawing/2014/chart" uri="{C3380CC4-5D6E-409C-BE32-E72D297353CC}">
+                <c16:uniqueId val="{00000003-AA64-4A70-A766-9A9EC909CD52}"/>
+              </c:ext>
+            </c:extLst>
+          </c:dPt>
+          <c:dLbls>
+            <c:spPr>
+              <a:noFill/>
+              <a:ln>
+                <a:noFill/>
+              </a:ln>
+              <a:effectLst/>
+            </c:spPr>
+            <c:txPr>
+              <a:bodyPr rot="0" spcFirstLastPara="1" vertOverflow="ellipsis" vert="horz" wrap="square" lIns="38100" tIns="19050" rIns="38100" bIns="19050" anchor="ctr" anchorCtr="1">
+                <a:spAutoFit/>
+              </a:bodyPr>
+              <a:lstStyle/>
+              <a:p>
+                <a:pPr>
+                  <a:defRPr sz="900" b="0" i="0" u="none" strike="noStrike" kern="1200" baseline="0">
+                    <a:solidFill>
+                      <a:schemeClr val="tx1"/>
+                    </a:solidFill>
+                    <a:latin typeface="+mn-lt"/>
+                    <a:ea typeface="+mn-ea"/>
+                    <a:cs typeface="+mn-cs"/>
+                  </a:defRPr>
+                </a:pPr>
+                <a:endParaRPr lang="ru-RU"/>
+              </a:p>
+            </c:txPr>
+            <c:showLegendKey val="0"/>
+            <c:showVal val="0"/>
+            <c:showCatName val="0"/>
+            <c:showSerName val="0"/>
+            <c:showPercent val="1"/>
+            <c:showBubbleSize val="0"/>
+            <c:showLeaderLines val="0"/>
+            <c:extLst>
+              <c:ext xmlns:c15="http://schemas.microsoft.com/office/drawing/2012/chart" uri="{CE6537A1-D6FC-4f65-9D91-7224C49458BB}"/>
+            </c:extLst>
+          </c:dLbls>
+          <c:val>
+            <c:numRef>
+              <c:f>(Sheet1!$D$4,Sheet1!$G$4)</c:f>
+              <c:numCache>
+                <c:formatCode>0</c:formatCode>
+                <c:ptCount val="2"/>
+                <c:pt idx="0">
+                  <c:v>36034.050000000003</c:v>
+                </c:pt>
+                <c:pt idx="1">
+                  <c:v>17100</c:v>
+                </c:pt>
+              </c:numCache>
+            </c:numRef>
+          </c:val>
+          <c:extLst>
+            <c:ext xmlns:c16="http://schemas.microsoft.com/office/drawing/2014/chart" uri="{C3380CC4-5D6E-409C-BE32-E72D297353CC}">
+              <c16:uniqueId val="{00000004-AA64-4A70-A766-9A9EC909CD52}"/>
+            </c:ext>
+          </c:extLst>
+        </c:ser>
+        <c:dLbls>
+          <c:showLegendKey val="0"/>
+          <c:showVal val="0"/>
+          <c:showCatName val="0"/>
+          <c:showSerName val="0"/>
+          <c:showPercent val="0"/>
+          <c:showBubbleSize val="0"/>
+          <c:showLeaderLines val="0"/>
+        </c:dLbls>
+        <c:firstSliceAng val="0"/>
+      </c:pieChart>
+      <c:spPr>
+        <a:noFill/>
+        <a:ln>
+          <a:noFill/>
+        </a:ln>
+        <a:effectLst/>
+      </c:spPr>
+    </c:plotArea>
+    <c:plotVisOnly val="1"/>
+    <c:dispBlanksAs val="gap"/>
+    <c:extLst>
+      <c:ext xmlns:c16r3="http://schemas.microsoft.com/office/drawing/2017/03/chart" uri="{56B9EC1D-385E-4148-901F-78D8002777C0}">
+        <c16r3:dataDisplayOptions16>
+          <c16r3:dispNaAsBlank val="1"/>
+        </c16r3:dataDisplayOptions16>
+      </c:ext>
+    </c:extLst>
+    <c:showDLblsOverMax val="0"/>
+  </c:chart>
+  <c:spPr>
+    <a:noFill/>
+    <a:ln>
+      <a:noFill/>
+    </a:ln>
+    <a:effectLst/>
+  </c:spPr>
+  <c:txPr>
+    <a:bodyPr/>
+    <a:lstStyle/>
+    <a:p>
+      <a:pPr>
+        <a:defRPr/>
+      </a:pPr>
+      <a:endParaRPr lang="ru-RU"/>
+    </a:p>
+  </c:txPr>
+  <c:externalData r:id="rId3">
+    <c:autoUpdate val="0"/>
+  </c:externalData>
+</c:chartSpace>
+</file>
+
+<file path=ppt/charts/chart7.xml><?xml version="1.0" encoding="utf-8"?>
+<c:chartSpace xmlns:c="http://schemas.openxmlformats.org/drawingml/2006/chart" xmlns:a="http://schemas.openxmlformats.org/drawingml/2006/main" xmlns:r="http://schemas.openxmlformats.org/officeDocument/2006/relationships" xmlns:c16r2="http://schemas.microsoft.com/office/drawing/2015/06/chart">
+  <c:date1904 val="0"/>
+  <c:lang val="ru-RU"/>
+  <c:roundedCorners val="0"/>
+  <mc:AlternateContent xmlns:mc="http://schemas.openxmlformats.org/markup-compatibility/2006">
+    <mc:Choice xmlns:c14="http://schemas.microsoft.com/office/drawing/2007/8/2/chart" Requires="c14">
+      <c14:style val="102"/>
+    </mc:Choice>
+    <mc:Fallback>
+      <c:style val="2"/>
+    </mc:Fallback>
+  </mc:AlternateContent>
+  <c:chart>
+    <c:autoTitleDeleted val="1"/>
+    <c:plotArea>
+      <c:layout/>
+      <c:pieChart>
+        <c:varyColors val="1"/>
+        <c:ser>
+          <c:idx val="0"/>
+          <c:order val="0"/>
+          <c:dPt>
+            <c:idx val="0"/>
+            <c:bubble3D val="0"/>
+            <c:spPr>
+              <a:solidFill>
+                <a:schemeClr val="accent1"/>
+              </a:solidFill>
+              <a:ln w="19050">
+                <a:solidFill>
+                  <a:schemeClr val="lt1"/>
+                </a:solidFill>
+              </a:ln>
+              <a:effectLst/>
+            </c:spPr>
+            <c:extLst>
+              <c:ext xmlns:c16="http://schemas.microsoft.com/office/drawing/2014/chart" uri="{C3380CC4-5D6E-409C-BE32-E72D297353CC}">
+                <c16:uniqueId val="{00000001-AA15-4D7D-BCDA-7B3D95C2D0E4}"/>
+              </c:ext>
+            </c:extLst>
+          </c:dPt>
+          <c:dPt>
+            <c:idx val="1"/>
+            <c:bubble3D val="0"/>
+            <c:spPr>
+              <a:solidFill>
+                <a:schemeClr val="accent2"/>
+              </a:solidFill>
+              <a:ln w="19050">
+                <a:solidFill>
+                  <a:schemeClr val="lt1"/>
+                </a:solidFill>
+              </a:ln>
+              <a:effectLst/>
+            </c:spPr>
+            <c:extLst>
+              <c:ext xmlns:c16="http://schemas.microsoft.com/office/drawing/2014/chart" uri="{C3380CC4-5D6E-409C-BE32-E72D297353CC}">
+                <c16:uniqueId val="{00000003-AA15-4D7D-BCDA-7B3D95C2D0E4}"/>
+              </c:ext>
+            </c:extLst>
+          </c:dPt>
+          <c:dLbls>
+            <c:spPr>
+              <a:noFill/>
+              <a:ln>
+                <a:noFill/>
+              </a:ln>
+              <a:effectLst/>
+            </c:spPr>
+            <c:txPr>
+              <a:bodyPr rot="0" spcFirstLastPara="1" vertOverflow="ellipsis" vert="horz" wrap="square" lIns="38100" tIns="19050" rIns="38100" bIns="19050" anchor="ctr" anchorCtr="1">
+                <a:spAutoFit/>
+              </a:bodyPr>
+              <a:lstStyle/>
+              <a:p>
+                <a:pPr>
+                  <a:defRPr sz="900" b="0" i="0" u="none" strike="noStrike" kern="1200" baseline="0">
+                    <a:solidFill>
+                      <a:schemeClr val="tx1"/>
+                    </a:solidFill>
+                    <a:latin typeface="+mn-lt"/>
+                    <a:ea typeface="+mn-ea"/>
+                    <a:cs typeface="+mn-cs"/>
+                  </a:defRPr>
+                </a:pPr>
+                <a:endParaRPr lang="ru-RU"/>
+              </a:p>
+            </c:txPr>
+            <c:showLegendKey val="0"/>
+            <c:showVal val="0"/>
+            <c:showCatName val="0"/>
+            <c:showSerName val="0"/>
+            <c:showPercent val="1"/>
+            <c:showBubbleSize val="0"/>
+            <c:showLeaderLines val="0"/>
+            <c:extLst>
+              <c:ext xmlns:c15="http://schemas.microsoft.com/office/drawing/2012/chart" uri="{CE6537A1-D6FC-4f65-9D91-7224C49458BB}"/>
+            </c:extLst>
+          </c:dLbls>
+          <c:val>
+            <c:numRef>
+              <c:f>(Sheet1!$D$2,Sheet1!$G$2)</c:f>
+              <c:numCache>
+                <c:formatCode>0</c:formatCode>
+                <c:ptCount val="2"/>
+                <c:pt idx="0">
+                  <c:v>78841.935714285719</c:v>
+                </c:pt>
+                <c:pt idx="1">
+                  <c:v>31500</c:v>
+                </c:pt>
+              </c:numCache>
+            </c:numRef>
+          </c:val>
+          <c:extLst>
+            <c:ext xmlns:c16="http://schemas.microsoft.com/office/drawing/2014/chart" uri="{C3380CC4-5D6E-409C-BE32-E72D297353CC}">
+              <c16:uniqueId val="{00000004-AA15-4D7D-BCDA-7B3D95C2D0E4}"/>
+            </c:ext>
+          </c:extLst>
+        </c:ser>
+        <c:dLbls>
+          <c:showLegendKey val="0"/>
+          <c:showVal val="0"/>
+          <c:showCatName val="0"/>
+          <c:showSerName val="0"/>
+          <c:showPercent val="0"/>
+          <c:showBubbleSize val="0"/>
+          <c:showLeaderLines val="0"/>
+        </c:dLbls>
+        <c:firstSliceAng val="0"/>
+      </c:pieChart>
+      <c:spPr>
+        <a:noFill/>
+        <a:ln>
+          <a:noFill/>
+        </a:ln>
+        <a:effectLst/>
+      </c:spPr>
+    </c:plotArea>
+    <c:plotVisOnly val="1"/>
+    <c:dispBlanksAs val="gap"/>
+    <c:extLst>
+      <c:ext xmlns:c16r3="http://schemas.microsoft.com/office/drawing/2017/03/chart" uri="{56B9EC1D-385E-4148-901F-78D8002777C0}">
+        <c16r3:dataDisplayOptions16>
+          <c16r3:dispNaAsBlank val="1"/>
+        </c16r3:dataDisplayOptions16>
+      </c:ext>
+    </c:extLst>
+    <c:showDLblsOverMax val="0"/>
+  </c:chart>
+  <c:spPr>
+    <a:noFill/>
+    <a:ln>
+      <a:noFill/>
+    </a:ln>
+    <a:effectLst/>
+  </c:spPr>
+  <c:txPr>
+    <a:bodyPr/>
+    <a:lstStyle/>
+    <a:p>
+      <a:pPr>
+        <a:defRPr/>
+      </a:pPr>
+      <a:endParaRPr lang="ru-RU"/>
+    </a:p>
+  </c:txPr>
+  <c:externalData r:id="rId3">
+    <c:autoUpdate val="0"/>
+  </c:externalData>
+</c:chartSpace>
+</file>
+
+<file path=ppt/charts/colors1.xml><?xml version="1.0" encoding="utf-8"?>
+<cs:colorStyle xmlns:cs="http://schemas.microsoft.com/office/drawing/2012/chartStyle" xmlns:a="http://schemas.openxmlformats.org/drawingml/2006/main" meth="cycle" id="10">
+  <a:schemeClr val="accent1"/>
+  <a:schemeClr val="accent2"/>
+  <a:schemeClr val="accent3"/>
+  <a:schemeClr val="accent4"/>
+  <a:schemeClr val="accent5"/>
+  <a:schemeClr val="accent6"/>
+  <cs:variation/>
+  <cs:variation>
+    <a:lumMod val="60000"/>
+  </cs:variation>
+  <cs:variation>
+    <a:lumMod val="80000"/>
+    <a:lumOff val="20000"/>
+  </cs:variation>
+  <cs:variation>
+    <a:lumMod val="80000"/>
+  </cs:variation>
+  <cs:variation>
+    <a:lumMod val="60000"/>
+    <a:lumOff val="40000"/>
+  </cs:variation>
+  <cs:variation>
+    <a:lumMod val="50000"/>
+  </cs:variation>
+  <cs:variation>
+    <a:lumMod val="70000"/>
+    <a:lumOff val="30000"/>
+  </cs:variation>
+  <cs:variation>
+    <a:lumMod val="70000"/>
+  </cs:variation>
+  <cs:variation>
+    <a:lumMod val="50000"/>
+    <a:lumOff val="50000"/>
+  </cs:variation>
+</cs:colorStyle>
+</file>
+
+<file path=ppt/charts/colors2.xml><?xml version="1.0" encoding="utf-8"?>
+<cs:colorStyle xmlns:cs="http://schemas.microsoft.com/office/drawing/2012/chartStyle" xmlns:a="http://schemas.openxmlformats.org/drawingml/2006/main" meth="cycle" id="10">
+  <a:schemeClr val="accent1"/>
+  <a:schemeClr val="accent2"/>
+  <a:schemeClr val="accent3"/>
+  <a:schemeClr val="accent4"/>
+  <a:schemeClr val="accent5"/>
+  <a:schemeClr val="accent6"/>
+  <cs:variation/>
+  <cs:variation>
+    <a:lumMod val="60000"/>
+  </cs:variation>
+  <cs:variation>
+    <a:lumMod val="80000"/>
+    <a:lumOff val="20000"/>
+  </cs:variation>
+  <cs:variation>
+    <a:lumMod val="80000"/>
+  </cs:variation>
+  <cs:variation>
+    <a:lumMod val="60000"/>
+    <a:lumOff val="40000"/>
+  </cs:variation>
+  <cs:variation>
+    <a:lumMod val="50000"/>
+  </cs:variation>
+  <cs:variation>
+    <a:lumMod val="70000"/>
+    <a:lumOff val="30000"/>
+  </cs:variation>
+  <cs:variation>
+    <a:lumMod val="70000"/>
+  </cs:variation>
+  <cs:variation>
+    <a:lumMod val="50000"/>
+    <a:lumOff val="50000"/>
+  </cs:variation>
+</cs:colorStyle>
+</file>
+
+<file path=ppt/charts/colors3.xml><?xml version="1.0" encoding="utf-8"?>
+<cs:colorStyle xmlns:cs="http://schemas.microsoft.com/office/drawing/2012/chartStyle" xmlns:a="http://schemas.openxmlformats.org/drawingml/2006/main" meth="cycle" id="10">
+  <a:schemeClr val="accent1"/>
+  <a:schemeClr val="accent2"/>
+  <a:schemeClr val="accent3"/>
+  <a:schemeClr val="accent4"/>
+  <a:schemeClr val="accent5"/>
+  <a:schemeClr val="accent6"/>
+  <cs:variation/>
+  <cs:variation>
+    <a:lumMod val="60000"/>
+  </cs:variation>
+  <cs:variation>
+    <a:lumMod val="80000"/>
+    <a:lumOff val="20000"/>
+  </cs:variation>
+  <cs:variation>
+    <a:lumMod val="80000"/>
+  </cs:variation>
+  <cs:variation>
+    <a:lumMod val="60000"/>
+    <a:lumOff val="40000"/>
+  </cs:variation>
+  <cs:variation>
+    <a:lumMod val="50000"/>
+  </cs:variation>
+  <cs:variation>
+    <a:lumMod val="70000"/>
+    <a:lumOff val="30000"/>
+  </cs:variation>
+  <cs:variation>
+    <a:lumMod val="70000"/>
+  </cs:variation>
+  <cs:variation>
+    <a:lumMod val="50000"/>
+    <a:lumOff val="50000"/>
+  </cs:variation>
+</cs:colorStyle>
+</file>
+
+<file path=ppt/charts/colors4.xml><?xml version="1.0" encoding="utf-8"?>
+<cs:colorStyle xmlns:cs="http://schemas.microsoft.com/office/drawing/2012/chartStyle" xmlns:a="http://schemas.openxmlformats.org/drawingml/2006/main" meth="cycle" id="10">
+  <a:schemeClr val="accent1"/>
+  <a:schemeClr val="accent2"/>
+  <a:schemeClr val="accent3"/>
+  <a:schemeClr val="accent4"/>
+  <a:schemeClr val="accent5"/>
+  <a:schemeClr val="accent6"/>
+  <cs:variation/>
+  <cs:variation>
+    <a:lumMod val="60000"/>
+  </cs:variation>
+  <cs:variation>
+    <a:lumMod val="80000"/>
+    <a:lumOff val="20000"/>
+  </cs:variation>
+  <cs:variation>
+    <a:lumMod val="80000"/>
+  </cs:variation>
+  <cs:variation>
+    <a:lumMod val="60000"/>
+    <a:lumOff val="40000"/>
+  </cs:variation>
+  <cs:variation>
+    <a:lumMod val="50000"/>
+  </cs:variation>
+  <cs:variation>
+    <a:lumMod val="70000"/>
+    <a:lumOff val="30000"/>
+  </cs:variation>
+  <cs:variation>
+    <a:lumMod val="70000"/>
+  </cs:variation>
+  <cs:variation>
+    <a:lumMod val="50000"/>
+    <a:lumOff val="50000"/>
+  </cs:variation>
+</cs:colorStyle>
+</file>
+
+<file path=ppt/charts/colors5.xml><?xml version="1.0" encoding="utf-8"?>
+<cs:colorStyle xmlns:cs="http://schemas.microsoft.com/office/drawing/2012/chartStyle" xmlns:a="http://schemas.openxmlformats.org/drawingml/2006/main" meth="cycle" id="10">
+  <a:schemeClr val="accent1"/>
+  <a:schemeClr val="accent2"/>
+  <a:schemeClr val="accent3"/>
+  <a:schemeClr val="accent4"/>
+  <a:schemeClr val="accent5"/>
+  <a:schemeClr val="accent6"/>
+  <cs:variation/>
+  <cs:variation>
+    <a:lumMod val="60000"/>
+  </cs:variation>
+  <cs:variation>
+    <a:lumMod val="80000"/>
+    <a:lumOff val="20000"/>
+  </cs:variation>
+  <cs:variation>
+    <a:lumMod val="80000"/>
+  </cs:variation>
+  <cs:variation>
+    <a:lumMod val="60000"/>
+    <a:lumOff val="40000"/>
+  </cs:variation>
+  <cs:variation>
+    <a:lumMod val="50000"/>
+  </cs:variation>
+  <cs:variation>
+    <a:lumMod val="70000"/>
+    <a:lumOff val="30000"/>
+  </cs:variation>
+  <cs:variation>
+    <a:lumMod val="70000"/>
+  </cs:variation>
+  <cs:variation>
+    <a:lumMod val="50000"/>
+    <a:lumOff val="50000"/>
+  </cs:variation>
+</cs:colorStyle>
+</file>
+
+<file path=ppt/charts/colors6.xml><?xml version="1.0" encoding="utf-8"?>
+<cs:colorStyle xmlns:cs="http://schemas.microsoft.com/office/drawing/2012/chartStyle" xmlns:a="http://schemas.openxmlformats.org/drawingml/2006/main" meth="cycle" id="10">
+  <a:schemeClr val="accent1"/>
+  <a:schemeClr val="accent2"/>
+  <a:schemeClr val="accent3"/>
+  <a:schemeClr val="accent4"/>
+  <a:schemeClr val="accent5"/>
+  <a:schemeClr val="accent6"/>
+  <cs:variation/>
+  <cs:variation>
+    <a:lumMod val="60000"/>
+  </cs:variation>
+  <cs:variation>
+    <a:lumMod val="80000"/>
+    <a:lumOff val="20000"/>
+  </cs:variation>
+  <cs:variation>
+    <a:lumMod val="80000"/>
+  </cs:variation>
+  <cs:variation>
+    <a:lumMod val="60000"/>
+    <a:lumOff val="40000"/>
+  </cs:variation>
+  <cs:variation>
+    <a:lumMod val="50000"/>
+  </cs:variation>
+  <cs:variation>
+    <a:lumMod val="70000"/>
+    <a:lumOff val="30000"/>
+  </cs:variation>
+  <cs:variation>
+    <a:lumMod val="70000"/>
+  </cs:variation>
+  <cs:variation>
+    <a:lumMod val="50000"/>
+    <a:lumOff val="50000"/>
+  </cs:variation>
+</cs:colorStyle>
+</file>
+
+<file path=ppt/charts/colors7.xml><?xml version="1.0" encoding="utf-8"?>
+<cs:colorStyle xmlns:cs="http://schemas.microsoft.com/office/drawing/2012/chartStyle" xmlns:a="http://schemas.openxmlformats.org/drawingml/2006/main" meth="cycle" id="10">
+  <a:schemeClr val="accent1"/>
+  <a:schemeClr val="accent2"/>
+  <a:schemeClr val="accent3"/>
+  <a:schemeClr val="accent4"/>
+  <a:schemeClr val="accent5"/>
+  <a:schemeClr val="accent6"/>
+  <cs:variation/>
+  <cs:variation>
+    <a:lumMod val="60000"/>
+  </cs:variation>
+  <cs:variation>
+    <a:lumMod val="80000"/>
+    <a:lumOff val="20000"/>
+  </cs:variation>
+  <cs:variation>
+    <a:lumMod val="80000"/>
+  </cs:variation>
+  <cs:variation>
+    <a:lumMod val="60000"/>
+    <a:lumOff val="40000"/>
+  </cs:variation>
+  <cs:variation>
+    <a:lumMod val="50000"/>
+  </cs:variation>
+  <cs:variation>
+    <a:lumMod val="70000"/>
+    <a:lumOff val="30000"/>
+  </cs:variation>
+  <cs:variation>
+    <a:lumMod val="70000"/>
+  </cs:variation>
+  <cs:variation>
+    <a:lumMod val="50000"/>
+    <a:lumOff val="50000"/>
+  </cs:variation>
+</cs:colorStyle>
+</file>
+
+<file path=ppt/charts/style1.xml><?xml version="1.0" encoding="utf-8"?>
+<cs:chartStyle xmlns:cs="http://schemas.microsoft.com/office/drawing/2012/chartStyle" xmlns:a="http://schemas.openxmlformats.org/drawingml/2006/main" id="251">
+  <cs:axisTitle>
+    <cs:lnRef idx="0"/>
+    <cs:fillRef idx="0"/>
+    <cs:effectRef idx="0"/>
+    <cs:fontRef idx="minor">
+      <a:schemeClr val="tx1">
+        <a:lumMod val="65000"/>
+        <a:lumOff val="35000"/>
+      </a:schemeClr>
+    </cs:fontRef>
+    <cs:defRPr sz="1000" kern="1200"/>
+  </cs:axisTitle>
+  <cs:categoryAxis>
+    <cs:lnRef idx="0"/>
+    <cs:fillRef idx="0"/>
+    <cs:effectRef idx="0"/>
+    <cs:fontRef idx="minor">
+      <a:schemeClr val="tx1">
+        <a:lumMod val="65000"/>
+        <a:lumOff val="35000"/>
+      </a:schemeClr>
+    </cs:fontRef>
+    <cs:spPr>
+      <a:ln w="9525" cap="flat" cmpd="sng" algn="ctr">
+        <a:solidFill>
+          <a:schemeClr val="tx1">
+            <a:lumMod val="15000"/>
+            <a:lumOff val="85000"/>
+          </a:schemeClr>
+        </a:solidFill>
+        <a:round/>
+      </a:ln>
+    </cs:spPr>
+    <cs:defRPr sz="900" kern="1200"/>
+  </cs:categoryAxis>
+  <cs:chartArea mods="allowNoFillOverride allowNoLineOverride">
+    <cs:lnRef idx="0"/>
+    <cs:fillRef idx="0"/>
+    <cs:effectRef idx="0"/>
+    <cs:fontRef idx="minor">
+      <a:schemeClr val="tx1"/>
+    </cs:fontRef>
+    <cs:spPr>
+      <a:solidFill>
+        <a:schemeClr val="bg1"/>
+      </a:solidFill>
+      <a:ln w="9525" cap="flat" cmpd="sng" algn="ctr">
+        <a:solidFill>
+          <a:schemeClr val="tx1">
+            <a:lumMod val="15000"/>
+            <a:lumOff val="85000"/>
+          </a:schemeClr>
+        </a:solidFill>
+        <a:round/>
+      </a:ln>
+    </cs:spPr>
+    <cs:defRPr sz="900" kern="1200"/>
+  </cs:chartArea>
+  <cs:dataLabel>
+    <cs:lnRef idx="0"/>
+    <cs:fillRef idx="0"/>
+    <cs:effectRef idx="0"/>
+    <cs:fontRef idx="minor">
+      <a:schemeClr val="tx1">
+        <a:lumMod val="75000"/>
+        <a:lumOff val="25000"/>
+      </a:schemeClr>
+    </cs:fontRef>
+    <cs:defRPr sz="900" kern="1200"/>
+  </cs:dataLabel>
+  <cs:dataLabelCallout>
+    <cs:lnRef idx="0"/>
+    <cs:fillRef idx="0"/>
+    <cs:effectRef idx="0"/>
+    <cs:fontRef idx="minor">
+      <a:schemeClr val="dk1">
+        <a:lumMod val="65000"/>
+        <a:lumOff val="35000"/>
+      </a:schemeClr>
+    </cs:fontRef>
+    <cs:spPr>
+      <a:solidFill>
+        <a:schemeClr val="lt1"/>
+      </a:solidFill>
+      <a:ln>
+        <a:solidFill>
+          <a:schemeClr val="dk1">
+            <a:lumMod val="25000"/>
+            <a:lumOff val="75000"/>
+          </a:schemeClr>
+        </a:solidFill>
+      </a:ln>
+    </cs:spPr>
+    <cs:defRPr sz="900" kern="1200"/>
+    <cs:bodyPr rot="0" spcFirstLastPara="1" vertOverflow="clip" horzOverflow="clip" vert="horz" wrap="square" lIns="36576" tIns="18288" rIns="36576" bIns="18288" anchor="ctr" anchorCtr="1">
+      <a:spAutoFit/>
+    </cs:bodyPr>
+  </cs:dataLabelCallout>
+  <cs:dataPoint>
+    <cs:lnRef idx="0"/>
+    <cs:fillRef idx="1">
+      <cs:styleClr val="auto"/>
+    </cs:fillRef>
+    <cs:effectRef idx="0"/>
+    <cs:fontRef idx="minor">
+      <a:schemeClr val="tx1"/>
+    </cs:fontRef>
+    <cs:spPr>
+      <a:ln w="19050">
+        <a:solidFill>
+          <a:schemeClr val="lt1"/>
+        </a:solidFill>
+      </a:ln>
+    </cs:spPr>
+  </cs:dataPoint>
+  <cs:dataPoint3D>
+    <cs:lnRef idx="0"/>
+    <cs:fillRef idx="1">
+      <cs:styleClr val="auto"/>
+    </cs:fillRef>
+    <cs:effectRef idx="0"/>
+    <cs:fontRef idx="minor">
+      <a:schemeClr val="tx1"/>
+    </cs:fontRef>
+    <cs:spPr>
+      <a:ln w="25400">
+        <a:solidFill>
+          <a:schemeClr val="lt1"/>
+        </a:solidFill>
+      </a:ln>
+    </cs:spPr>
+  </cs:dataPoint3D>
+  <cs:dataPointLine>
+    <cs:lnRef idx="0">
+      <cs:styleClr val="auto"/>
+    </cs:lnRef>
+    <cs:fillRef idx="0"/>
+    <cs:effectRef idx="0"/>
+    <cs:fontRef idx="minor">
+      <a:schemeClr val="tx1"/>
+    </cs:fontRef>
+    <cs:spPr>
+      <a:ln w="28575" cap="rnd">
+        <a:solidFill>
+          <a:schemeClr val="phClr"/>
+        </a:solidFill>
+        <a:round/>
+      </a:ln>
+    </cs:spPr>
+  </cs:dataPointLine>
+  <cs:dataPointMarker>
+    <cs:lnRef idx="0">
+      <cs:styleClr val="auto"/>
+    </cs:lnRef>
+    <cs:fillRef idx="1">
+      <cs:styleClr val="auto"/>
+    </cs:fillRef>
+    <cs:effectRef idx="0"/>
+    <cs:fontRef idx="minor">
+      <a:schemeClr val="tx1"/>
+    </cs:fontRef>
+    <cs:spPr>
+      <a:ln w="9525">
+        <a:solidFill>
+          <a:schemeClr val="phClr"/>
+        </a:solidFill>
+      </a:ln>
+    </cs:spPr>
+  </cs:dataPointMarker>
+  <cs:dataPointMarkerLayout symbol="circle" size="5"/>
+  <cs:dataPointWireframe>
+    <cs:lnRef idx="0">
+      <cs:styleClr val="auto"/>
+    </cs:lnRef>
+    <cs:fillRef idx="0"/>
+    <cs:effectRef idx="0"/>
+    <cs:fontRef idx="minor">
+      <a:schemeClr val="tx1"/>
+    </cs:fontRef>
+    <cs:spPr>
+      <a:ln w="9525" cap="rnd">
+        <a:solidFill>
+          <a:schemeClr val="phClr"/>
+        </a:solidFill>
+        <a:round/>
+      </a:ln>
+    </cs:spPr>
+  </cs:dataPointWireframe>
+  <cs:dataTable>
+    <cs:lnRef idx="0"/>
+    <cs:fillRef idx="0"/>
+    <cs:effectRef idx="0"/>
+    <cs:fontRef idx="minor">
+      <a:schemeClr val="tx1">
+        <a:lumMod val="65000"/>
+        <a:lumOff val="35000"/>
+      </a:schemeClr>
+    </cs:fontRef>
+    <cs:spPr>
+      <a:noFill/>
+      <a:ln w="9525" cap="flat" cmpd="sng" algn="ctr">
+        <a:solidFill>
+          <a:schemeClr val="tx1">
+            <a:lumMod val="15000"/>
+            <a:lumOff val="85000"/>
+          </a:schemeClr>
+        </a:solidFill>
+        <a:round/>
+      </a:ln>
+    </cs:spPr>
+    <cs:defRPr sz="900" kern="1200"/>
+  </cs:dataTable>
+  <cs:downBar>
+    <cs:lnRef idx="0"/>
+    <cs:fillRef idx="0"/>
+    <cs:effectRef idx="0"/>
+    <cs:fontRef idx="minor">
+      <a:schemeClr val="tx1"/>
+    </cs:fontRef>
+    <cs:spPr>
+      <a:solidFill>
+        <a:schemeClr val="dk1">
+          <a:lumMod val="75000"/>
+          <a:lumOff val="25000"/>
+        </a:schemeClr>
+      </a:solidFill>
+      <a:ln w="9525" cap="flat" cmpd="sng" algn="ctr">
+        <a:solidFill>
+          <a:schemeClr val="tx1">
+            <a:lumMod val="65000"/>
+            <a:lumOff val="35000"/>
+          </a:schemeClr>
+        </a:solidFill>
+        <a:round/>
+      </a:ln>
+    </cs:spPr>
+  </cs:downBar>
+  <cs:dropLine>
+    <cs:lnRef idx="0"/>
+    <cs:fillRef idx="0"/>
+    <cs:effectRef idx="0"/>
+    <cs:fontRef idx="minor">
+      <a:schemeClr val="tx1"/>
+    </cs:fontRef>
+    <cs:spPr>
+      <a:ln w="9525" cap="flat" cmpd="sng" algn="ctr">
+        <a:solidFill>
+          <a:schemeClr val="tx1">
+            <a:lumMod val="35000"/>
+            <a:lumOff val="65000"/>
+          </a:schemeClr>
+        </a:solidFill>
+        <a:round/>
+      </a:ln>
+    </cs:spPr>
+  </cs:dropLine>
+  <cs:errorBar>
+    <cs:lnRef idx="0"/>
+    <cs:fillRef idx="0"/>
+    <cs:effectRef idx="0"/>
+    <cs:fontRef idx="minor">
+      <a:schemeClr val="tx1"/>
+    </cs:fontRef>
+    <cs:spPr>
+      <a:ln w="9525" cap="flat" cmpd="sng" algn="ctr">
+        <a:solidFill>
+          <a:schemeClr val="tx1">
+            <a:lumMod val="65000"/>
+            <a:lumOff val="35000"/>
+          </a:schemeClr>
+        </a:solidFill>
+        <a:round/>
+      </a:ln>
+    </cs:spPr>
+  </cs:errorBar>
+  <cs:floor>
+    <cs:lnRef idx="0"/>
+    <cs:fillRef idx="0"/>
+    <cs:effectRef idx="0"/>
+    <cs:fontRef idx="minor">
+      <a:schemeClr val="tx1"/>
+    </cs:fontRef>
+    <cs:spPr>
+      <a:noFill/>
+      <a:ln>
+        <a:noFill/>
+      </a:ln>
+    </cs:spPr>
+  </cs:floor>
+  <cs:gridlineMajor>
+    <cs:lnRef idx="0"/>
+    <cs:fillRef idx="0"/>
+    <cs:effectRef idx="0"/>
+    <cs:fontRef idx="minor">
+      <a:schemeClr val="tx1"/>
+    </cs:fontRef>
+    <cs:spPr>
+      <a:ln w="9525" cap="flat" cmpd="sng" algn="ctr">
+        <a:solidFill>
+          <a:schemeClr val="tx1">
+            <a:lumMod val="15000"/>
+            <a:lumOff val="85000"/>
+          </a:schemeClr>
+        </a:solidFill>
+        <a:round/>
+      </a:ln>
+    </cs:spPr>
+  </cs:gridlineMajor>
+  <cs:gridlineMinor>
+    <cs:lnRef idx="0"/>
+    <cs:fillRef idx="0"/>
+    <cs:effectRef idx="0"/>
+    <cs:fontRef idx="minor">
+      <a:schemeClr val="tx1"/>
+    </cs:fontRef>
+    <cs:spPr>
+      <a:ln w="9525" cap="flat" cmpd="sng" algn="ctr">
+        <a:solidFill>
+          <a:schemeClr val="tx1">
+            <a:lumMod val="5000"/>
+            <a:lumOff val="95000"/>
+          </a:schemeClr>
+        </a:solidFill>
+        <a:round/>
+      </a:ln>
+    </cs:spPr>
+  </cs:gridlineMinor>
+  <cs:hiLoLine>
+    <cs:lnRef idx="0"/>
+    <cs:fillRef idx="0"/>
+    <cs:effectRef idx="0"/>
+    <cs:fontRef idx="minor">
+      <a:schemeClr val="tx1"/>
+    </cs:fontRef>
+    <cs:spPr>
+      <a:ln w="9525" cap="flat" cmpd="sng" algn="ctr">
+        <a:solidFill>
+          <a:schemeClr val="tx1">
+            <a:lumMod val="50000"/>
+            <a:lumOff val="50000"/>
+          </a:schemeClr>
+        </a:solidFill>
+        <a:round/>
+      </a:ln>
+    </cs:spPr>
+  </cs:hiLoLine>
+  <cs:leaderLine>
+    <cs:lnRef idx="0"/>
+    <cs:fillRef idx="0"/>
+    <cs:effectRef idx="0"/>
+    <cs:fontRef idx="minor">
+      <a:schemeClr val="tx1"/>
+    </cs:fontRef>
+    <cs:spPr>
+      <a:ln w="9525" cap="flat" cmpd="sng" algn="ctr">
+        <a:solidFill>
+          <a:schemeClr val="tx1">
+            <a:lumMod val="35000"/>
+            <a:lumOff val="65000"/>
+          </a:schemeClr>
+        </a:solidFill>
+        <a:round/>
+      </a:ln>
+    </cs:spPr>
+  </cs:leaderLine>
+  <cs:legend>
+    <cs:lnRef idx="0"/>
+    <cs:fillRef idx="0"/>
+    <cs:effectRef idx="0"/>
+    <cs:fontRef idx="minor">
+      <a:schemeClr val="tx1">
+        <a:lumMod val="65000"/>
+        <a:lumOff val="35000"/>
+      </a:schemeClr>
+    </cs:fontRef>
+    <cs:defRPr sz="900" kern="1200"/>
+  </cs:legend>
+  <cs:plotArea mods="allowNoFillOverride allowNoLineOverride">
+    <cs:lnRef idx="0"/>
+    <cs:fillRef idx="0"/>
+    <cs:effectRef idx="0"/>
+    <cs:fontRef idx="minor">
+      <a:schemeClr val="tx1"/>
+    </cs:fontRef>
+  </cs:plotArea>
+  <cs:plotArea3D mods="allowNoFillOverride allowNoLineOverride">
+    <cs:lnRef idx="0"/>
+    <cs:fillRef idx="0"/>
+    <cs:effectRef idx="0"/>
+    <cs:fontRef idx="minor">
+      <a:schemeClr val="tx1"/>
+    </cs:fontRef>
+  </cs:plotArea3D>
+  <cs:seriesAxis>
+    <cs:lnRef idx="0"/>
+    <cs:fillRef idx="0"/>
+    <cs:effectRef idx="0"/>
+    <cs:fontRef idx="minor">
+      <a:schemeClr val="tx1">
+        <a:lumMod val="65000"/>
+        <a:lumOff val="35000"/>
+      </a:schemeClr>
+    </cs:fontRef>
+    <cs:defRPr sz="900" kern="1200"/>
+  </cs:seriesAxis>
+  <cs:seriesLine>
+    <cs:lnRef idx="0"/>
+    <cs:fillRef idx="0"/>
+    <cs:effectRef idx="0"/>
+    <cs:fontRef idx="minor">
+      <a:schemeClr val="tx1"/>
+    </cs:fontRef>
+    <cs:spPr>
+      <a:ln w="9525" cap="flat" cmpd="sng" algn="ctr">
+        <a:solidFill>
+          <a:schemeClr val="tx1">
+            <a:lumMod val="35000"/>
+            <a:lumOff val="65000"/>
+          </a:schemeClr>
+        </a:solidFill>
+        <a:round/>
+      </a:ln>
+    </cs:spPr>
+  </cs:seriesLine>
+  <cs:title>
+    <cs:lnRef idx="0"/>
+    <cs:fillRef idx="0"/>
+    <cs:effectRef idx="0"/>
+    <cs:fontRef idx="minor">
+      <a:schemeClr val="tx1">
+        <a:lumMod val="65000"/>
+        <a:lumOff val="35000"/>
+      </a:schemeClr>
+    </cs:fontRef>
+    <cs:defRPr sz="1400" b="0" kern="1200" spc="0" baseline="0"/>
+  </cs:title>
+  <cs:trendline>
+    <cs:lnRef idx="0">
+      <cs:styleClr val="auto"/>
+    </cs:lnRef>
+    <cs:fillRef idx="0"/>
+    <cs:effectRef idx="0"/>
+    <cs:fontRef idx="minor">
+      <a:schemeClr val="tx1"/>
+    </cs:fontRef>
+    <cs:spPr>
+      <a:ln w="19050" cap="rnd">
+        <a:solidFill>
+          <a:schemeClr val="phClr"/>
+        </a:solidFill>
+        <a:prstDash val="sysDot"/>
+      </a:ln>
+    </cs:spPr>
+  </cs:trendline>
+  <cs:trendlineLabel>
+    <cs:lnRef idx="0"/>
+    <cs:fillRef idx="0"/>
+    <cs:effectRef idx="0"/>
+    <cs:fontRef idx="minor">
+      <a:schemeClr val="tx1">
+        <a:lumMod val="65000"/>
+        <a:lumOff val="35000"/>
+      </a:schemeClr>
+    </cs:fontRef>
+    <cs:defRPr sz="900" kern="1200"/>
+  </cs:trendlineLabel>
+  <cs:upBar>
+    <cs:lnRef idx="0"/>
+    <cs:fillRef idx="0"/>
+    <cs:effectRef idx="0"/>
+    <cs:fontRef idx="minor">
+      <a:schemeClr val="tx1"/>
+    </cs:fontRef>
+    <cs:spPr>
+      <a:solidFill>
+        <a:schemeClr val="lt1"/>
+      </a:solidFill>
+      <a:ln w="9525" cap="flat" cmpd="sng" algn="ctr">
+        <a:solidFill>
+          <a:schemeClr val="tx1">
+            <a:lumMod val="65000"/>
+            <a:lumOff val="35000"/>
+          </a:schemeClr>
+        </a:solidFill>
+        <a:round/>
+      </a:ln>
+    </cs:spPr>
+  </cs:upBar>
+  <cs:valueAxis>
+    <cs:lnRef idx="0"/>
+    <cs:fillRef idx="0"/>
+    <cs:effectRef idx="0"/>
+    <cs:fontRef idx="minor">
+      <a:schemeClr val="tx1">
+        <a:lumMod val="65000"/>
+        <a:lumOff val="35000"/>
+      </a:schemeClr>
+    </cs:fontRef>
+    <cs:defRPr sz="900" kern="1200"/>
+  </cs:valueAxis>
+  <cs:wall>
+    <cs:lnRef idx="0"/>
+    <cs:fillRef idx="0"/>
+    <cs:effectRef idx="0"/>
+    <cs:fontRef idx="minor">
+      <a:schemeClr val="tx1"/>
+    </cs:fontRef>
+    <cs:spPr>
+      <a:noFill/>
+      <a:ln>
+        <a:noFill/>
+      </a:ln>
+    </cs:spPr>
+  </cs:wall>
+</cs:chartStyle>
+</file>
+
+<file path=ppt/charts/style2.xml><?xml version="1.0" encoding="utf-8"?>
+<cs:chartStyle xmlns:cs="http://schemas.microsoft.com/office/drawing/2012/chartStyle" xmlns:a="http://schemas.openxmlformats.org/drawingml/2006/main" id="251">
+  <cs:axisTitle>
+    <cs:lnRef idx="0"/>
+    <cs:fillRef idx="0"/>
+    <cs:effectRef idx="0"/>
+    <cs:fontRef idx="minor">
+      <a:schemeClr val="tx1">
+        <a:lumMod val="65000"/>
+        <a:lumOff val="35000"/>
+      </a:schemeClr>
+    </cs:fontRef>
+    <cs:defRPr sz="1000" kern="1200"/>
+  </cs:axisTitle>
+  <cs:categoryAxis>
+    <cs:lnRef idx="0"/>
+    <cs:fillRef idx="0"/>
+    <cs:effectRef idx="0"/>
+    <cs:fontRef idx="minor">
+      <a:schemeClr val="tx1">
+        <a:lumMod val="65000"/>
+        <a:lumOff val="35000"/>
+      </a:schemeClr>
+    </cs:fontRef>
+    <cs:spPr>
+      <a:ln w="9525" cap="flat" cmpd="sng" algn="ctr">
+        <a:solidFill>
+          <a:schemeClr val="tx1">
+            <a:lumMod val="15000"/>
+            <a:lumOff val="85000"/>
+          </a:schemeClr>
+        </a:solidFill>
+        <a:round/>
+      </a:ln>
+    </cs:spPr>
+    <cs:defRPr sz="900" kern="1200"/>
+  </cs:categoryAxis>
+  <cs:chartArea mods="allowNoFillOverride allowNoLineOverride">
+    <cs:lnRef idx="0"/>
+    <cs:fillRef idx="0"/>
+    <cs:effectRef idx="0"/>
+    <cs:fontRef idx="minor">
+      <a:schemeClr val="tx1"/>
+    </cs:fontRef>
+    <cs:spPr>
+      <a:solidFill>
+        <a:schemeClr val="bg1"/>
+      </a:solidFill>
+      <a:ln w="9525" cap="flat" cmpd="sng" algn="ctr">
+        <a:solidFill>
+          <a:schemeClr val="tx1">
+            <a:lumMod val="15000"/>
+            <a:lumOff val="85000"/>
+          </a:schemeClr>
+        </a:solidFill>
+        <a:round/>
+      </a:ln>
+    </cs:spPr>
+    <cs:defRPr sz="900" kern="1200"/>
+  </cs:chartArea>
+  <cs:dataLabel>
+    <cs:lnRef idx="0"/>
+    <cs:fillRef idx="0"/>
+    <cs:effectRef idx="0"/>
+    <cs:fontRef idx="minor">
+      <a:schemeClr val="tx1">
+        <a:lumMod val="75000"/>
+        <a:lumOff val="25000"/>
+      </a:schemeClr>
+    </cs:fontRef>
+    <cs:defRPr sz="900" kern="1200"/>
+  </cs:dataLabel>
+  <cs:dataLabelCallout>
+    <cs:lnRef idx="0"/>
+    <cs:fillRef idx="0"/>
+    <cs:effectRef idx="0"/>
+    <cs:fontRef idx="minor">
+      <a:schemeClr val="dk1">
+        <a:lumMod val="65000"/>
+        <a:lumOff val="35000"/>
+      </a:schemeClr>
+    </cs:fontRef>
+    <cs:spPr>
+      <a:solidFill>
+        <a:schemeClr val="lt1"/>
+      </a:solidFill>
+      <a:ln>
+        <a:solidFill>
+          <a:schemeClr val="dk1">
+            <a:lumMod val="25000"/>
+            <a:lumOff val="75000"/>
+          </a:schemeClr>
+        </a:solidFill>
+      </a:ln>
+    </cs:spPr>
+    <cs:defRPr sz="900" kern="1200"/>
+    <cs:bodyPr rot="0" spcFirstLastPara="1" vertOverflow="clip" horzOverflow="clip" vert="horz" wrap="square" lIns="36576" tIns="18288" rIns="36576" bIns="18288" anchor="ctr" anchorCtr="1">
+      <a:spAutoFit/>
+    </cs:bodyPr>
+  </cs:dataLabelCallout>
+  <cs:dataPoint>
+    <cs:lnRef idx="0"/>
+    <cs:fillRef idx="1">
+      <cs:styleClr val="auto"/>
+    </cs:fillRef>
+    <cs:effectRef idx="0"/>
+    <cs:fontRef idx="minor">
+      <a:schemeClr val="tx1"/>
+    </cs:fontRef>
+    <cs:spPr>
+      <a:ln w="19050">
+        <a:solidFill>
+          <a:schemeClr val="lt1"/>
+        </a:solidFill>
+      </a:ln>
+    </cs:spPr>
+  </cs:dataPoint>
+  <cs:dataPoint3D>
+    <cs:lnRef idx="0"/>
+    <cs:fillRef idx="1">
+      <cs:styleClr val="auto"/>
+    </cs:fillRef>
+    <cs:effectRef idx="0"/>
+    <cs:fontRef idx="minor">
+      <a:schemeClr val="tx1"/>
+    </cs:fontRef>
+    <cs:spPr>
+      <a:ln w="25400">
+        <a:solidFill>
+          <a:schemeClr val="lt1"/>
+        </a:solidFill>
+      </a:ln>
+    </cs:spPr>
+  </cs:dataPoint3D>
+  <cs:dataPointLine>
+    <cs:lnRef idx="0">
+      <cs:styleClr val="auto"/>
+    </cs:lnRef>
+    <cs:fillRef idx="0"/>
+    <cs:effectRef idx="0"/>
+    <cs:fontRef idx="minor">
+      <a:schemeClr val="tx1"/>
+    </cs:fontRef>
+    <cs:spPr>
+      <a:ln w="28575" cap="rnd">
+        <a:solidFill>
+          <a:schemeClr val="phClr"/>
+        </a:solidFill>
+        <a:round/>
+      </a:ln>
+    </cs:spPr>
+  </cs:dataPointLine>
+  <cs:dataPointMarker>
+    <cs:lnRef idx="0">
+      <cs:styleClr val="auto"/>
+    </cs:lnRef>
+    <cs:fillRef idx="1">
+      <cs:styleClr val="auto"/>
+    </cs:fillRef>
+    <cs:effectRef idx="0"/>
+    <cs:fontRef idx="minor">
+      <a:schemeClr val="tx1"/>
+    </cs:fontRef>
+    <cs:spPr>
+      <a:ln w="9525">
+        <a:solidFill>
+          <a:schemeClr val="phClr"/>
+        </a:solidFill>
+      </a:ln>
+    </cs:spPr>
+  </cs:dataPointMarker>
+  <cs:dataPointMarkerLayout symbol="circle" size="5"/>
+  <cs:dataPointWireframe>
+    <cs:lnRef idx="0">
+      <cs:styleClr val="auto"/>
+    </cs:lnRef>
+    <cs:fillRef idx="0"/>
+    <cs:effectRef idx="0"/>
+    <cs:fontRef idx="minor">
+      <a:schemeClr val="tx1"/>
+    </cs:fontRef>
+    <cs:spPr>
+      <a:ln w="9525" cap="rnd">
+        <a:solidFill>
+          <a:schemeClr val="phClr"/>
+        </a:solidFill>
+        <a:round/>
+      </a:ln>
+    </cs:spPr>
+  </cs:dataPointWireframe>
+  <cs:dataTable>
+    <cs:lnRef idx="0"/>
+    <cs:fillRef idx="0"/>
+    <cs:effectRef idx="0"/>
+    <cs:fontRef idx="minor">
+      <a:schemeClr val="tx1">
+        <a:lumMod val="65000"/>
+        <a:lumOff val="35000"/>
+      </a:schemeClr>
+    </cs:fontRef>
+    <cs:spPr>
+      <a:noFill/>
+      <a:ln w="9525" cap="flat" cmpd="sng" algn="ctr">
+        <a:solidFill>
+          <a:schemeClr val="tx1">
+            <a:lumMod val="15000"/>
+            <a:lumOff val="85000"/>
+          </a:schemeClr>
+        </a:solidFill>
+        <a:round/>
+      </a:ln>
+    </cs:spPr>
+    <cs:defRPr sz="900" kern="1200"/>
+  </cs:dataTable>
+  <cs:downBar>
+    <cs:lnRef idx="0"/>
+    <cs:fillRef idx="0"/>
+    <cs:effectRef idx="0"/>
+    <cs:fontRef idx="minor">
+      <a:schemeClr val="tx1"/>
+    </cs:fontRef>
+    <cs:spPr>
+      <a:solidFill>
+        <a:schemeClr val="dk1">
+          <a:lumMod val="75000"/>
+          <a:lumOff val="25000"/>
+        </a:schemeClr>
+      </a:solidFill>
+      <a:ln w="9525" cap="flat" cmpd="sng" algn="ctr">
+        <a:solidFill>
+          <a:schemeClr val="tx1">
+            <a:lumMod val="65000"/>
+            <a:lumOff val="35000"/>
+          </a:schemeClr>
+        </a:solidFill>
+        <a:round/>
+      </a:ln>
+    </cs:spPr>
+  </cs:downBar>
+  <cs:dropLine>
+    <cs:lnRef idx="0"/>
+    <cs:fillRef idx="0"/>
+    <cs:effectRef idx="0"/>
+    <cs:fontRef idx="minor">
+      <a:schemeClr val="tx1"/>
+    </cs:fontRef>
+    <cs:spPr>
+      <a:ln w="9525" cap="flat" cmpd="sng" algn="ctr">
+        <a:solidFill>
+          <a:schemeClr val="tx1">
+            <a:lumMod val="35000"/>
+            <a:lumOff val="65000"/>
+          </a:schemeClr>
+        </a:solidFill>
+        <a:round/>
+      </a:ln>
+    </cs:spPr>
+  </cs:dropLine>
+  <cs:errorBar>
+    <cs:lnRef idx="0"/>
+    <cs:fillRef idx="0"/>
+    <cs:effectRef idx="0"/>
+    <cs:fontRef idx="minor">
+      <a:schemeClr val="tx1"/>
+    </cs:fontRef>
+    <cs:spPr>
+      <a:ln w="9525" cap="flat" cmpd="sng" algn="ctr">
+        <a:solidFill>
+          <a:schemeClr val="tx1">
+            <a:lumMod val="65000"/>
+            <a:lumOff val="35000"/>
+          </a:schemeClr>
+        </a:solidFill>
+        <a:round/>
+      </a:ln>
+    </cs:spPr>
+  </cs:errorBar>
+  <cs:floor>
+    <cs:lnRef idx="0"/>
+    <cs:fillRef idx="0"/>
+    <cs:effectRef idx="0"/>
+    <cs:fontRef idx="minor">
+      <a:schemeClr val="tx1"/>
+    </cs:fontRef>
+    <cs:spPr>
+      <a:noFill/>
+      <a:ln>
+        <a:noFill/>
+      </a:ln>
+    </cs:spPr>
+  </cs:floor>
+  <cs:gridlineMajor>
+    <cs:lnRef idx="0"/>
+    <cs:fillRef idx="0"/>
+    <cs:effectRef idx="0"/>
+    <cs:fontRef idx="minor">
+      <a:schemeClr val="tx1"/>
+    </cs:fontRef>
+    <cs:spPr>
+      <a:ln w="9525" cap="flat" cmpd="sng" algn="ctr">
+        <a:solidFill>
+          <a:schemeClr val="tx1">
+            <a:lumMod val="15000"/>
+            <a:lumOff val="85000"/>
+          </a:schemeClr>
+        </a:solidFill>
+        <a:round/>
+      </a:ln>
+    </cs:spPr>
+  </cs:gridlineMajor>
+  <cs:gridlineMinor>
+    <cs:lnRef idx="0"/>
+    <cs:fillRef idx="0"/>
+    <cs:effectRef idx="0"/>
+    <cs:fontRef idx="minor">
+      <a:schemeClr val="tx1"/>
+    </cs:fontRef>
+    <cs:spPr>
+      <a:ln w="9525" cap="flat" cmpd="sng" algn="ctr">
+        <a:solidFill>
+          <a:schemeClr val="tx1">
+            <a:lumMod val="5000"/>
+            <a:lumOff val="95000"/>
+          </a:schemeClr>
+        </a:solidFill>
+        <a:round/>
+      </a:ln>
+    </cs:spPr>
+  </cs:gridlineMinor>
+  <cs:hiLoLine>
+    <cs:lnRef idx="0"/>
+    <cs:fillRef idx="0"/>
+    <cs:effectRef idx="0"/>
+    <cs:fontRef idx="minor">
+      <a:schemeClr val="tx1"/>
+    </cs:fontRef>
+    <cs:spPr>
+      <a:ln w="9525" cap="flat" cmpd="sng" algn="ctr">
+        <a:solidFill>
+          <a:schemeClr val="tx1">
+            <a:lumMod val="50000"/>
+            <a:lumOff val="50000"/>
+          </a:schemeClr>
+        </a:solidFill>
+        <a:round/>
+      </a:ln>
+    </cs:spPr>
+  </cs:hiLoLine>
+  <cs:leaderLine>
+    <cs:lnRef idx="0"/>
+    <cs:fillRef idx="0"/>
+    <cs:effectRef idx="0"/>
+    <cs:fontRef idx="minor">
+      <a:schemeClr val="tx1"/>
+    </cs:fontRef>
+    <cs:spPr>
+      <a:ln w="9525" cap="flat" cmpd="sng" algn="ctr">
+        <a:solidFill>
+          <a:schemeClr val="tx1">
+            <a:lumMod val="35000"/>
+            <a:lumOff val="65000"/>
+          </a:schemeClr>
+        </a:solidFill>
+        <a:round/>
+      </a:ln>
+    </cs:spPr>
+  </cs:leaderLine>
+  <cs:legend>
+    <cs:lnRef idx="0"/>
+    <cs:fillRef idx="0"/>
+    <cs:effectRef idx="0"/>
+    <cs:fontRef idx="minor">
+      <a:schemeClr val="tx1">
+        <a:lumMod val="65000"/>
+        <a:lumOff val="35000"/>
+      </a:schemeClr>
+    </cs:fontRef>
+    <cs:defRPr sz="900" kern="1200"/>
+  </cs:legend>
+  <cs:plotArea mods="allowNoFillOverride allowNoLineOverride">
+    <cs:lnRef idx="0"/>
+    <cs:fillRef idx="0"/>
+    <cs:effectRef idx="0"/>
+    <cs:fontRef idx="minor">
+      <a:schemeClr val="tx1"/>
+    </cs:fontRef>
+  </cs:plotArea>
+  <cs:plotArea3D mods="allowNoFillOverride allowNoLineOverride">
+    <cs:lnRef idx="0"/>
+    <cs:fillRef idx="0"/>
+    <cs:effectRef idx="0"/>
+    <cs:fontRef idx="minor">
+      <a:schemeClr val="tx1"/>
+    </cs:fontRef>
+  </cs:plotArea3D>
+  <cs:seriesAxis>
+    <cs:lnRef idx="0"/>
+    <cs:fillRef idx="0"/>
+    <cs:effectRef idx="0"/>
+    <cs:fontRef idx="minor">
+      <a:schemeClr val="tx1">
+        <a:lumMod val="65000"/>
+        <a:lumOff val="35000"/>
+      </a:schemeClr>
+    </cs:fontRef>
+    <cs:defRPr sz="900" kern="1200"/>
+  </cs:seriesAxis>
+  <cs:seriesLine>
+    <cs:lnRef idx="0"/>
+    <cs:fillRef idx="0"/>
+    <cs:effectRef idx="0"/>
+    <cs:fontRef idx="minor">
+      <a:schemeClr val="tx1"/>
+    </cs:fontRef>
+    <cs:spPr>
+      <a:ln w="9525" cap="flat" cmpd="sng" algn="ctr">
+        <a:solidFill>
+          <a:schemeClr val="tx1">
+            <a:lumMod val="35000"/>
+            <a:lumOff val="65000"/>
+          </a:schemeClr>
+        </a:solidFill>
+        <a:round/>
+      </a:ln>
+    </cs:spPr>
+  </cs:seriesLine>
+  <cs:title>
+    <cs:lnRef idx="0"/>
+    <cs:fillRef idx="0"/>
+    <cs:effectRef idx="0"/>
+    <cs:fontRef idx="minor">
+      <a:schemeClr val="tx1">
+        <a:lumMod val="65000"/>
+        <a:lumOff val="35000"/>
+      </a:schemeClr>
+    </cs:fontRef>
+    <cs:defRPr sz="1400" b="0" kern="1200" spc="0" baseline="0"/>
+  </cs:title>
+  <cs:trendline>
+    <cs:lnRef idx="0">
+      <cs:styleClr val="auto"/>
+    </cs:lnRef>
+    <cs:fillRef idx="0"/>
+    <cs:effectRef idx="0"/>
+    <cs:fontRef idx="minor">
+      <a:schemeClr val="tx1"/>
+    </cs:fontRef>
+    <cs:spPr>
+      <a:ln w="19050" cap="rnd">
+        <a:solidFill>
+          <a:schemeClr val="phClr"/>
+        </a:solidFill>
+        <a:prstDash val="sysDot"/>
+      </a:ln>
+    </cs:spPr>
+  </cs:trendline>
+  <cs:trendlineLabel>
+    <cs:lnRef idx="0"/>
+    <cs:fillRef idx="0"/>
+    <cs:effectRef idx="0"/>
+    <cs:fontRef idx="minor">
+      <a:schemeClr val="tx1">
+        <a:lumMod val="65000"/>
+        <a:lumOff val="35000"/>
+      </a:schemeClr>
+    </cs:fontRef>
+    <cs:defRPr sz="900" kern="1200"/>
+  </cs:trendlineLabel>
+  <cs:upBar>
+    <cs:lnRef idx="0"/>
+    <cs:fillRef idx="0"/>
+    <cs:effectRef idx="0"/>
+    <cs:fontRef idx="minor">
+      <a:schemeClr val="tx1"/>
+    </cs:fontRef>
+    <cs:spPr>
+      <a:solidFill>
+        <a:schemeClr val="lt1"/>
+      </a:solidFill>
+      <a:ln w="9525" cap="flat" cmpd="sng" algn="ctr">
+        <a:solidFill>
+          <a:schemeClr val="tx1">
+            <a:lumMod val="65000"/>
+            <a:lumOff val="35000"/>
+          </a:schemeClr>
+        </a:solidFill>
+        <a:round/>
+      </a:ln>
+    </cs:spPr>
+  </cs:upBar>
+  <cs:valueAxis>
+    <cs:lnRef idx="0"/>
+    <cs:fillRef idx="0"/>
+    <cs:effectRef idx="0"/>
+    <cs:fontRef idx="minor">
+      <a:schemeClr val="tx1">
+        <a:lumMod val="65000"/>
+        <a:lumOff val="35000"/>
+      </a:schemeClr>
+    </cs:fontRef>
+    <cs:defRPr sz="900" kern="1200"/>
+  </cs:valueAxis>
+  <cs:wall>
+    <cs:lnRef idx="0"/>
+    <cs:fillRef idx="0"/>
+    <cs:effectRef idx="0"/>
+    <cs:fontRef idx="minor">
+      <a:schemeClr val="tx1"/>
+    </cs:fontRef>
+    <cs:spPr>
+      <a:noFill/>
+      <a:ln>
+        <a:noFill/>
+      </a:ln>
+    </cs:spPr>
+  </cs:wall>
+</cs:chartStyle>
+</file>
+
+<file path=ppt/charts/style3.xml><?xml version="1.0" encoding="utf-8"?>
+<cs:chartStyle xmlns:cs="http://schemas.microsoft.com/office/drawing/2012/chartStyle" xmlns:a="http://schemas.openxmlformats.org/drawingml/2006/main" id="251">
+  <cs:axisTitle>
+    <cs:lnRef idx="0"/>
+    <cs:fillRef idx="0"/>
+    <cs:effectRef idx="0"/>
+    <cs:fontRef idx="minor">
+      <a:schemeClr val="tx1">
+        <a:lumMod val="65000"/>
+        <a:lumOff val="35000"/>
+      </a:schemeClr>
+    </cs:fontRef>
+    <cs:defRPr sz="1000" kern="1200"/>
+  </cs:axisTitle>
+  <cs:categoryAxis>
+    <cs:lnRef idx="0"/>
+    <cs:fillRef idx="0"/>
+    <cs:effectRef idx="0"/>
+    <cs:fontRef idx="minor">
+      <a:schemeClr val="tx1">
+        <a:lumMod val="65000"/>
+        <a:lumOff val="35000"/>
+      </a:schemeClr>
+    </cs:fontRef>
+    <cs:spPr>
+      <a:ln w="9525" cap="flat" cmpd="sng" algn="ctr">
+        <a:solidFill>
+          <a:schemeClr val="tx1">
+            <a:lumMod val="15000"/>
+            <a:lumOff val="85000"/>
+          </a:schemeClr>
+        </a:solidFill>
+        <a:round/>
+      </a:ln>
+    </cs:spPr>
+    <cs:defRPr sz="900" kern="1200"/>
+  </cs:categoryAxis>
+  <cs:chartArea mods="allowNoFillOverride allowNoLineOverride">
+    <cs:lnRef idx="0"/>
+    <cs:fillRef idx="0"/>
+    <cs:effectRef idx="0"/>
+    <cs:fontRef idx="minor">
+      <a:schemeClr val="tx1"/>
+    </cs:fontRef>
+    <cs:spPr>
+      <a:solidFill>
+        <a:schemeClr val="bg1"/>
+      </a:solidFill>
+      <a:ln w="9525" cap="flat" cmpd="sng" algn="ctr">
+        <a:solidFill>
+          <a:schemeClr val="tx1">
+            <a:lumMod val="15000"/>
+            <a:lumOff val="85000"/>
+          </a:schemeClr>
+        </a:solidFill>
+        <a:round/>
+      </a:ln>
+    </cs:spPr>
+    <cs:defRPr sz="900" kern="1200"/>
+  </cs:chartArea>
+  <cs:dataLabel>
+    <cs:lnRef idx="0"/>
+    <cs:fillRef idx="0"/>
+    <cs:effectRef idx="0"/>
+    <cs:fontRef idx="minor">
+      <a:schemeClr val="tx1">
+        <a:lumMod val="75000"/>
+        <a:lumOff val="25000"/>
+      </a:schemeClr>
+    </cs:fontRef>
+    <cs:defRPr sz="900" kern="1200"/>
+  </cs:dataLabel>
+  <cs:dataLabelCallout>
+    <cs:lnRef idx="0"/>
+    <cs:fillRef idx="0"/>
+    <cs:effectRef idx="0"/>
+    <cs:fontRef idx="minor">
+      <a:schemeClr val="dk1">
+        <a:lumMod val="65000"/>
+        <a:lumOff val="35000"/>
+      </a:schemeClr>
+    </cs:fontRef>
+    <cs:spPr>
+      <a:solidFill>
+        <a:schemeClr val="lt1"/>
+      </a:solidFill>
+      <a:ln>
+        <a:solidFill>
+          <a:schemeClr val="dk1">
+            <a:lumMod val="25000"/>
+            <a:lumOff val="75000"/>
+          </a:schemeClr>
+        </a:solidFill>
+      </a:ln>
+    </cs:spPr>
+    <cs:defRPr sz="900" kern="1200"/>
+    <cs:bodyPr rot="0" spcFirstLastPara="1" vertOverflow="clip" horzOverflow="clip" vert="horz" wrap="square" lIns="36576" tIns="18288" rIns="36576" bIns="18288" anchor="ctr" anchorCtr="1">
+      <a:spAutoFit/>
+    </cs:bodyPr>
+  </cs:dataLabelCallout>
+  <cs:dataPoint>
+    <cs:lnRef idx="0"/>
+    <cs:fillRef idx="1">
+      <cs:styleClr val="auto"/>
+    </cs:fillRef>
+    <cs:effectRef idx="0"/>
+    <cs:fontRef idx="minor">
+      <a:schemeClr val="tx1"/>
+    </cs:fontRef>
+    <cs:spPr>
+      <a:ln w="19050">
+        <a:solidFill>
+          <a:schemeClr val="lt1"/>
+        </a:solidFill>
+      </a:ln>
+    </cs:spPr>
+  </cs:dataPoint>
+  <cs:dataPoint3D>
+    <cs:lnRef idx="0"/>
+    <cs:fillRef idx="1">
+      <cs:styleClr val="auto"/>
+    </cs:fillRef>
+    <cs:effectRef idx="0"/>
+    <cs:fontRef idx="minor">
+      <a:schemeClr val="tx1"/>
+    </cs:fontRef>
+    <cs:spPr>
+      <a:ln w="25400">
+        <a:solidFill>
+          <a:schemeClr val="lt1"/>
+        </a:solidFill>
+      </a:ln>
+    </cs:spPr>
+  </cs:dataPoint3D>
+  <cs:dataPointLine>
+    <cs:lnRef idx="0">
+      <cs:styleClr val="auto"/>
+    </cs:lnRef>
+    <cs:fillRef idx="0"/>
+    <cs:effectRef idx="0"/>
+    <cs:fontRef idx="minor">
+      <a:schemeClr val="tx1"/>
+    </cs:fontRef>
+    <cs:spPr>
+      <a:ln w="28575" cap="rnd">
+        <a:solidFill>
+          <a:schemeClr val="phClr"/>
+        </a:solidFill>
+        <a:round/>
+      </a:ln>
+    </cs:spPr>
+  </cs:dataPointLine>
+  <cs:dataPointMarker>
+    <cs:lnRef idx="0">
+      <cs:styleClr val="auto"/>
+    </cs:lnRef>
+    <cs:fillRef idx="1">
+      <cs:styleClr val="auto"/>
+    </cs:fillRef>
+    <cs:effectRef idx="0"/>
+    <cs:fontRef idx="minor">
+      <a:schemeClr val="tx1"/>
+    </cs:fontRef>
+    <cs:spPr>
+      <a:ln w="9525">
+        <a:solidFill>
+          <a:schemeClr val="phClr"/>
+        </a:solidFill>
+      </a:ln>
+    </cs:spPr>
+  </cs:dataPointMarker>
+  <cs:dataPointMarkerLayout symbol="circle" size="5"/>
+  <cs:dataPointWireframe>
+    <cs:lnRef idx="0">
+      <cs:styleClr val="auto"/>
+    </cs:lnRef>
+    <cs:fillRef idx="0"/>
+    <cs:effectRef idx="0"/>
+    <cs:fontRef idx="minor">
+      <a:schemeClr val="tx1"/>
+    </cs:fontRef>
+    <cs:spPr>
+      <a:ln w="9525" cap="rnd">
+        <a:solidFill>
+          <a:schemeClr val="phClr"/>
+        </a:solidFill>
+        <a:round/>
+      </a:ln>
+    </cs:spPr>
+  </cs:dataPointWireframe>
+  <cs:dataTable>
+    <cs:lnRef idx="0"/>
+    <cs:fillRef idx="0"/>
+    <cs:effectRef idx="0"/>
+    <cs:fontRef idx="minor">
+      <a:schemeClr val="tx1">
+        <a:lumMod val="65000"/>
+        <a:lumOff val="35000"/>
+      </a:schemeClr>
+    </cs:fontRef>
+    <cs:spPr>
+      <a:noFill/>
+      <a:ln w="9525" cap="flat" cmpd="sng" algn="ctr">
+        <a:solidFill>
+          <a:schemeClr val="tx1">
+            <a:lumMod val="15000"/>
+            <a:lumOff val="85000"/>
+          </a:schemeClr>
+        </a:solidFill>
+        <a:round/>
+      </a:ln>
+    </cs:spPr>
+    <cs:defRPr sz="900" kern="1200"/>
+  </cs:dataTable>
+  <cs:downBar>
+    <cs:lnRef idx="0"/>
+    <cs:fillRef idx="0"/>
+    <cs:effectRef idx="0"/>
+    <cs:fontRef idx="minor">
+      <a:schemeClr val="tx1"/>
+    </cs:fontRef>
+    <cs:spPr>
+      <a:solidFill>
+        <a:schemeClr val="dk1">
+          <a:lumMod val="75000"/>
+          <a:lumOff val="25000"/>
+        </a:schemeClr>
+      </a:solidFill>
+      <a:ln w="9525" cap="flat" cmpd="sng" algn="ctr">
+        <a:solidFill>
+          <a:schemeClr val="tx1">
+            <a:lumMod val="65000"/>
+            <a:lumOff val="35000"/>
+          </a:schemeClr>
+        </a:solidFill>
+        <a:round/>
+      </a:ln>
+    </cs:spPr>
+  </cs:downBar>
+  <cs:dropLine>
+    <cs:lnRef idx="0"/>
+    <cs:fillRef idx="0"/>
+    <cs:effectRef idx="0"/>
+    <cs:fontRef idx="minor">
+      <a:schemeClr val="tx1"/>
+    </cs:fontRef>
+    <cs:spPr>
+      <a:ln w="9525" cap="flat" cmpd="sng" algn="ctr">
+        <a:solidFill>
+          <a:schemeClr val="tx1">
+            <a:lumMod val="35000"/>
+            <a:lumOff val="65000"/>
+          </a:schemeClr>
+        </a:solidFill>
+        <a:round/>
+      </a:ln>
+    </cs:spPr>
+  </cs:dropLine>
+  <cs:errorBar>
+    <cs:lnRef idx="0"/>
+    <cs:fillRef idx="0"/>
+    <cs:effectRef idx="0"/>
+    <cs:fontRef idx="minor">
+      <a:schemeClr val="tx1"/>
+    </cs:fontRef>
+    <cs:spPr>
+      <a:ln w="9525" cap="flat" cmpd="sng" algn="ctr">
+        <a:solidFill>
+          <a:schemeClr val="tx1">
+            <a:lumMod val="65000"/>
+            <a:lumOff val="35000"/>
+          </a:schemeClr>
+        </a:solidFill>
+        <a:round/>
+      </a:ln>
+    </cs:spPr>
+  </cs:errorBar>
+  <cs:floor>
+    <cs:lnRef idx="0"/>
+    <cs:fillRef idx="0"/>
+    <cs:effectRef idx="0"/>
+    <cs:fontRef idx="minor">
+      <a:schemeClr val="tx1"/>
+    </cs:fontRef>
+    <cs:spPr>
+      <a:noFill/>
+      <a:ln>
+        <a:noFill/>
+      </a:ln>
+    </cs:spPr>
+  </cs:floor>
+  <cs:gridlineMajor>
+    <cs:lnRef idx="0"/>
+    <cs:fillRef idx="0"/>
+    <cs:effectRef idx="0"/>
+    <cs:fontRef idx="minor">
+      <a:schemeClr val="tx1"/>
+    </cs:fontRef>
+    <cs:spPr>
+      <a:ln w="9525" cap="flat" cmpd="sng" algn="ctr">
+        <a:solidFill>
+          <a:schemeClr val="tx1">
+            <a:lumMod val="15000"/>
+            <a:lumOff val="85000"/>
+          </a:schemeClr>
+        </a:solidFill>
+        <a:round/>
+      </a:ln>
+    </cs:spPr>
+  </cs:gridlineMajor>
+  <cs:gridlineMinor>
+    <cs:lnRef idx="0"/>
+    <cs:fillRef idx="0"/>
+    <cs:effectRef idx="0"/>
+    <cs:fontRef idx="minor">
+      <a:schemeClr val="tx1"/>
+    </cs:fontRef>
+    <cs:spPr>
+      <a:ln w="9525" cap="flat" cmpd="sng" algn="ctr">
+        <a:solidFill>
+          <a:schemeClr val="tx1">
+            <a:lumMod val="5000"/>
+            <a:lumOff val="95000"/>
+          </a:schemeClr>
+        </a:solidFill>
+        <a:round/>
+      </a:ln>
+    </cs:spPr>
+  </cs:gridlineMinor>
+  <cs:hiLoLine>
+    <cs:lnRef idx="0"/>
+    <cs:fillRef idx="0"/>
+    <cs:effectRef idx="0"/>
+    <cs:fontRef idx="minor">
+      <a:schemeClr val="tx1"/>
+    </cs:fontRef>
+    <cs:spPr>
+      <a:ln w="9525" cap="flat" cmpd="sng" algn="ctr">
+        <a:solidFill>
+          <a:schemeClr val="tx1">
+            <a:lumMod val="50000"/>
+            <a:lumOff val="50000"/>
+          </a:schemeClr>
+        </a:solidFill>
+        <a:round/>
+      </a:ln>
+    </cs:spPr>
+  </cs:hiLoLine>
+  <cs:leaderLine>
+    <cs:lnRef idx="0"/>
+    <cs:fillRef idx="0"/>
+    <cs:effectRef idx="0"/>
+    <cs:fontRef idx="minor">
+      <a:schemeClr val="tx1"/>
+    </cs:fontRef>
+    <cs:spPr>
+      <a:ln w="9525" cap="flat" cmpd="sng" algn="ctr">
+        <a:solidFill>
+          <a:schemeClr val="tx1">
+            <a:lumMod val="35000"/>
+            <a:lumOff val="65000"/>
+          </a:schemeClr>
+        </a:solidFill>
+        <a:round/>
+      </a:ln>
+    </cs:spPr>
+  </cs:leaderLine>
+  <cs:legend>
+    <cs:lnRef idx="0"/>
+    <cs:fillRef idx="0"/>
+    <cs:effectRef idx="0"/>
+    <cs:fontRef idx="minor">
+      <a:schemeClr val="tx1">
+        <a:lumMod val="65000"/>
+        <a:lumOff val="35000"/>
+      </a:schemeClr>
+    </cs:fontRef>
+    <cs:defRPr sz="900" kern="1200"/>
+  </cs:legend>
+  <cs:plotArea mods="allowNoFillOverride allowNoLineOverride">
+    <cs:lnRef idx="0"/>
+    <cs:fillRef idx="0"/>
+    <cs:effectRef idx="0"/>
+    <cs:fontRef idx="minor">
+      <a:schemeClr val="tx1"/>
+    </cs:fontRef>
+  </cs:plotArea>
+  <cs:plotArea3D mods="allowNoFillOverride allowNoLineOverride">
+    <cs:lnRef idx="0"/>
+    <cs:fillRef idx="0"/>
+    <cs:effectRef idx="0"/>
+    <cs:fontRef idx="minor">
+      <a:schemeClr val="tx1"/>
+    </cs:fontRef>
+  </cs:plotArea3D>
+  <cs:seriesAxis>
+    <cs:lnRef idx="0"/>
+    <cs:fillRef idx="0"/>
+    <cs:effectRef idx="0"/>
+    <cs:fontRef idx="minor">
+      <a:schemeClr val="tx1">
+        <a:lumMod val="65000"/>
+        <a:lumOff val="35000"/>
+      </a:schemeClr>
+    </cs:fontRef>
+    <cs:defRPr sz="900" kern="1200"/>
+  </cs:seriesAxis>
+  <cs:seriesLine>
+    <cs:lnRef idx="0"/>
+    <cs:fillRef idx="0"/>
+    <cs:effectRef idx="0"/>
+    <cs:fontRef idx="minor">
+      <a:schemeClr val="tx1"/>
+    </cs:fontRef>
+    <cs:spPr>
+      <a:ln w="9525" cap="flat" cmpd="sng" algn="ctr">
+        <a:solidFill>
+          <a:schemeClr val="tx1">
+            <a:lumMod val="35000"/>
+            <a:lumOff val="65000"/>
+          </a:schemeClr>
+        </a:solidFill>
+        <a:round/>
+      </a:ln>
+    </cs:spPr>
+  </cs:seriesLine>
+  <cs:title>
+    <cs:lnRef idx="0"/>
+    <cs:fillRef idx="0"/>
+    <cs:effectRef idx="0"/>
+    <cs:fontRef idx="minor">
+      <a:schemeClr val="tx1">
+        <a:lumMod val="65000"/>
+        <a:lumOff val="35000"/>
+      </a:schemeClr>
+    </cs:fontRef>
+    <cs:defRPr sz="1400" b="0" kern="1200" spc="0" baseline="0"/>
+  </cs:title>
+  <cs:trendline>
+    <cs:lnRef idx="0">
+      <cs:styleClr val="auto"/>
+    </cs:lnRef>
+    <cs:fillRef idx="0"/>
+    <cs:effectRef idx="0"/>
+    <cs:fontRef idx="minor">
+      <a:schemeClr val="tx1"/>
+    </cs:fontRef>
+    <cs:spPr>
+      <a:ln w="19050" cap="rnd">
+        <a:solidFill>
+          <a:schemeClr val="phClr"/>
+        </a:solidFill>
+        <a:prstDash val="sysDot"/>
+      </a:ln>
+    </cs:spPr>
+  </cs:trendline>
+  <cs:trendlineLabel>
+    <cs:lnRef idx="0"/>
+    <cs:fillRef idx="0"/>
+    <cs:effectRef idx="0"/>
+    <cs:fontRef idx="minor">
+      <a:schemeClr val="tx1">
+        <a:lumMod val="65000"/>
+        <a:lumOff val="35000"/>
+      </a:schemeClr>
+    </cs:fontRef>
+    <cs:defRPr sz="900" kern="1200"/>
+  </cs:trendlineLabel>
+  <cs:upBar>
+    <cs:lnRef idx="0"/>
+    <cs:fillRef idx="0"/>
+    <cs:effectRef idx="0"/>
+    <cs:fontRef idx="minor">
+      <a:schemeClr val="tx1"/>
+    </cs:fontRef>
+    <cs:spPr>
+      <a:solidFill>
+        <a:schemeClr val="lt1"/>
+      </a:solidFill>
+      <a:ln w="9525" cap="flat" cmpd="sng" algn="ctr">
+        <a:solidFill>
+          <a:schemeClr val="tx1">
+            <a:lumMod val="65000"/>
+            <a:lumOff val="35000"/>
+          </a:schemeClr>
+        </a:solidFill>
+        <a:round/>
+      </a:ln>
+    </cs:spPr>
+  </cs:upBar>
+  <cs:valueAxis>
+    <cs:lnRef idx="0"/>
+    <cs:fillRef idx="0"/>
+    <cs:effectRef idx="0"/>
+    <cs:fontRef idx="minor">
+      <a:schemeClr val="tx1">
+        <a:lumMod val="65000"/>
+        <a:lumOff val="35000"/>
+      </a:schemeClr>
+    </cs:fontRef>
+    <cs:defRPr sz="900" kern="1200"/>
+  </cs:valueAxis>
+  <cs:wall>
+    <cs:lnRef idx="0"/>
+    <cs:fillRef idx="0"/>
+    <cs:effectRef idx="0"/>
+    <cs:fontRef idx="minor">
+      <a:schemeClr val="tx1"/>
+    </cs:fontRef>
+    <cs:spPr>
+      <a:noFill/>
+      <a:ln>
+        <a:noFill/>
+      </a:ln>
+    </cs:spPr>
+  </cs:wall>
+</cs:chartStyle>
+</file>
+
+<file path=ppt/charts/style4.xml><?xml version="1.0" encoding="utf-8"?>
+<cs:chartStyle xmlns:cs="http://schemas.microsoft.com/office/drawing/2012/chartStyle" xmlns:a="http://schemas.openxmlformats.org/drawingml/2006/main" id="251">
+  <cs:axisTitle>
+    <cs:lnRef idx="0"/>
+    <cs:fillRef idx="0"/>
+    <cs:effectRef idx="0"/>
+    <cs:fontRef idx="minor">
+      <a:schemeClr val="tx1">
+        <a:lumMod val="65000"/>
+        <a:lumOff val="35000"/>
+      </a:schemeClr>
+    </cs:fontRef>
+    <cs:defRPr sz="1000" kern="1200"/>
+  </cs:axisTitle>
+  <cs:categoryAxis>
+    <cs:lnRef idx="0"/>
+    <cs:fillRef idx="0"/>
+    <cs:effectRef idx="0"/>
+    <cs:fontRef idx="minor">
+      <a:schemeClr val="tx1">
+        <a:lumMod val="65000"/>
+        <a:lumOff val="35000"/>
+      </a:schemeClr>
+    </cs:fontRef>
+    <cs:spPr>
+      <a:ln w="9525" cap="flat" cmpd="sng" algn="ctr">
+        <a:solidFill>
+          <a:schemeClr val="tx1">
+            <a:lumMod val="15000"/>
+            <a:lumOff val="85000"/>
+          </a:schemeClr>
+        </a:solidFill>
+        <a:round/>
+      </a:ln>
+    </cs:spPr>
+    <cs:defRPr sz="900" kern="1200"/>
+  </cs:categoryAxis>
+  <cs:chartArea mods="allowNoFillOverride allowNoLineOverride">
+    <cs:lnRef idx="0"/>
+    <cs:fillRef idx="0"/>
+    <cs:effectRef idx="0"/>
+    <cs:fontRef idx="minor">
+      <a:schemeClr val="tx1"/>
+    </cs:fontRef>
+    <cs:spPr>
+      <a:solidFill>
+        <a:schemeClr val="bg1"/>
+      </a:solidFill>
+      <a:ln w="9525" cap="flat" cmpd="sng" algn="ctr">
+        <a:solidFill>
+          <a:schemeClr val="tx1">
+            <a:lumMod val="15000"/>
+            <a:lumOff val="85000"/>
+          </a:schemeClr>
+        </a:solidFill>
+        <a:round/>
+      </a:ln>
+    </cs:spPr>
+    <cs:defRPr sz="900" kern="1200"/>
+  </cs:chartArea>
+  <cs:dataLabel>
+    <cs:lnRef idx="0"/>
+    <cs:fillRef idx="0"/>
+    <cs:effectRef idx="0"/>
+    <cs:fontRef idx="minor">
+      <a:schemeClr val="tx1">
+        <a:lumMod val="75000"/>
+        <a:lumOff val="25000"/>
+      </a:schemeClr>
+    </cs:fontRef>
+    <cs:defRPr sz="900" kern="1200"/>
+  </cs:dataLabel>
+  <cs:dataLabelCallout>
+    <cs:lnRef idx="0"/>
+    <cs:fillRef idx="0"/>
+    <cs:effectRef idx="0"/>
+    <cs:fontRef idx="minor">
+      <a:schemeClr val="dk1">
+        <a:lumMod val="65000"/>
+        <a:lumOff val="35000"/>
+      </a:schemeClr>
+    </cs:fontRef>
+    <cs:spPr>
+      <a:solidFill>
+        <a:schemeClr val="lt1"/>
+      </a:solidFill>
+      <a:ln>
+        <a:solidFill>
+          <a:schemeClr val="dk1">
+            <a:lumMod val="25000"/>
+            <a:lumOff val="75000"/>
+          </a:schemeClr>
+        </a:solidFill>
+      </a:ln>
+    </cs:spPr>
+    <cs:defRPr sz="900" kern="1200"/>
+    <cs:bodyPr rot="0" spcFirstLastPara="1" vertOverflow="clip" horzOverflow="clip" vert="horz" wrap="square" lIns="36576" tIns="18288" rIns="36576" bIns="18288" anchor="ctr" anchorCtr="1">
+      <a:spAutoFit/>
+    </cs:bodyPr>
+  </cs:dataLabelCallout>
+  <cs:dataPoint>
+    <cs:lnRef idx="0"/>
+    <cs:fillRef idx="1">
+      <cs:styleClr val="auto"/>
+    </cs:fillRef>
+    <cs:effectRef idx="0"/>
+    <cs:fontRef idx="minor">
+      <a:schemeClr val="tx1"/>
+    </cs:fontRef>
+    <cs:spPr>
+      <a:ln w="19050">
+        <a:solidFill>
+          <a:schemeClr val="lt1"/>
+        </a:solidFill>
+      </a:ln>
+    </cs:spPr>
+  </cs:dataPoint>
+  <cs:dataPoint3D>
+    <cs:lnRef idx="0"/>
+    <cs:fillRef idx="1">
+      <cs:styleClr val="auto"/>
+    </cs:fillRef>
+    <cs:effectRef idx="0"/>
+    <cs:fontRef idx="minor">
+      <a:schemeClr val="tx1"/>
+    </cs:fontRef>
+    <cs:spPr>
+      <a:ln w="25400">
+        <a:solidFill>
+          <a:schemeClr val="lt1"/>
+        </a:solidFill>
+      </a:ln>
+    </cs:spPr>
+  </cs:dataPoint3D>
+  <cs:dataPointLine>
+    <cs:lnRef idx="0">
+      <cs:styleClr val="auto"/>
+    </cs:lnRef>
+    <cs:fillRef idx="0"/>
+    <cs:effectRef idx="0"/>
+    <cs:fontRef idx="minor">
+      <a:schemeClr val="tx1"/>
+    </cs:fontRef>
+    <cs:spPr>
+      <a:ln w="28575" cap="rnd">
+        <a:solidFill>
+          <a:schemeClr val="phClr"/>
+        </a:solidFill>
+        <a:round/>
+      </a:ln>
+    </cs:spPr>
+  </cs:dataPointLine>
+  <cs:dataPointMarker>
+    <cs:lnRef idx="0">
+      <cs:styleClr val="auto"/>
+    </cs:lnRef>
+    <cs:fillRef idx="1">
+      <cs:styleClr val="auto"/>
+    </cs:fillRef>
+    <cs:effectRef idx="0"/>
+    <cs:fontRef idx="minor">
+      <a:schemeClr val="tx1"/>
+    </cs:fontRef>
+    <cs:spPr>
+      <a:ln w="9525">
+        <a:solidFill>
+          <a:schemeClr val="phClr"/>
+        </a:solidFill>
+      </a:ln>
+    </cs:spPr>
+  </cs:dataPointMarker>
+  <cs:dataPointMarkerLayout symbol="circle" size="5"/>
+  <cs:dataPointWireframe>
+    <cs:lnRef idx="0">
+      <cs:styleClr val="auto"/>
+    </cs:lnRef>
+    <cs:fillRef idx="0"/>
+    <cs:effectRef idx="0"/>
+    <cs:fontRef idx="minor">
+      <a:schemeClr val="tx1"/>
+    </cs:fontRef>
+    <cs:spPr>
+      <a:ln w="9525" cap="rnd">
+        <a:solidFill>
+          <a:schemeClr val="phClr"/>
+        </a:solidFill>
+        <a:round/>
+      </a:ln>
+    </cs:spPr>
+  </cs:dataPointWireframe>
+  <cs:dataTable>
+    <cs:lnRef idx="0"/>
+    <cs:fillRef idx="0"/>
+    <cs:effectRef idx="0"/>
+    <cs:fontRef idx="minor">
+      <a:schemeClr val="tx1">
+        <a:lumMod val="65000"/>
+        <a:lumOff val="35000"/>
+      </a:schemeClr>
+    </cs:fontRef>
+    <cs:spPr>
+      <a:noFill/>
+      <a:ln w="9525" cap="flat" cmpd="sng" algn="ctr">
+        <a:solidFill>
+          <a:schemeClr val="tx1">
+            <a:lumMod val="15000"/>
+            <a:lumOff val="85000"/>
+          </a:schemeClr>
+        </a:solidFill>
+        <a:round/>
+      </a:ln>
+    </cs:spPr>
+    <cs:defRPr sz="900" kern="1200"/>
+  </cs:dataTable>
+  <cs:downBar>
+    <cs:lnRef idx="0"/>
+    <cs:fillRef idx="0"/>
+    <cs:effectRef idx="0"/>
+    <cs:fontRef idx="minor">
+      <a:schemeClr val="tx1"/>
+    </cs:fontRef>
+    <cs:spPr>
+      <a:solidFill>
+        <a:schemeClr val="dk1">
+          <a:lumMod val="75000"/>
+          <a:lumOff val="25000"/>
+        </a:schemeClr>
+      </a:solidFill>
+      <a:ln w="9525" cap="flat" cmpd="sng" algn="ctr">
+        <a:solidFill>
+          <a:schemeClr val="tx1">
+            <a:lumMod val="65000"/>
+            <a:lumOff val="35000"/>
+          </a:schemeClr>
+        </a:solidFill>
+        <a:round/>
+      </a:ln>
+    </cs:spPr>
+  </cs:downBar>
+  <cs:dropLine>
+    <cs:lnRef idx="0"/>
+    <cs:fillRef idx="0"/>
+    <cs:effectRef idx="0"/>
+    <cs:fontRef idx="minor">
+      <a:schemeClr val="tx1"/>
+    </cs:fontRef>
+    <cs:spPr>
+      <a:ln w="9525" cap="flat" cmpd="sng" algn="ctr">
+        <a:solidFill>
+          <a:schemeClr val="tx1">
+            <a:lumMod val="35000"/>
+            <a:lumOff val="65000"/>
+          </a:schemeClr>
+        </a:solidFill>
+        <a:round/>
+      </a:ln>
+    </cs:spPr>
+  </cs:dropLine>
+  <cs:errorBar>
+    <cs:lnRef idx="0"/>
+    <cs:fillRef idx="0"/>
+    <cs:effectRef idx="0"/>
+    <cs:fontRef idx="minor">
+      <a:schemeClr val="tx1"/>
+    </cs:fontRef>
+    <cs:spPr>
+      <a:ln w="9525" cap="flat" cmpd="sng" algn="ctr">
+        <a:solidFill>
+          <a:schemeClr val="tx1">
+            <a:lumMod val="65000"/>
+            <a:lumOff val="35000"/>
+          </a:schemeClr>
+        </a:solidFill>
+        <a:round/>
+      </a:ln>
+    </cs:spPr>
+  </cs:errorBar>
+  <cs:floor>
+    <cs:lnRef idx="0"/>
+    <cs:fillRef idx="0"/>
+    <cs:effectRef idx="0"/>
+    <cs:fontRef idx="minor">
+      <a:schemeClr val="tx1"/>
+    </cs:fontRef>
+    <cs:spPr>
+      <a:noFill/>
+      <a:ln>
+        <a:noFill/>
+      </a:ln>
+    </cs:spPr>
+  </cs:floor>
+  <cs:gridlineMajor>
+    <cs:lnRef idx="0"/>
+    <cs:fillRef idx="0"/>
+    <cs:effectRef idx="0"/>
+    <cs:fontRef idx="minor">
+      <a:schemeClr val="tx1"/>
+    </cs:fontRef>
+    <cs:spPr>
+      <a:ln w="9525" cap="flat" cmpd="sng" algn="ctr">
+        <a:solidFill>
+          <a:schemeClr val="tx1">
+            <a:lumMod val="15000"/>
+            <a:lumOff val="85000"/>
+          </a:schemeClr>
+        </a:solidFill>
+        <a:round/>
+      </a:ln>
+    </cs:spPr>
+  </cs:gridlineMajor>
+  <cs:gridlineMinor>
+    <cs:lnRef idx="0"/>
+    <cs:fillRef idx="0"/>
+    <cs:effectRef idx="0"/>
+    <cs:fontRef idx="minor">
+      <a:schemeClr val="tx1"/>
+    </cs:fontRef>
+    <cs:spPr>
+      <a:ln w="9525" cap="flat" cmpd="sng" algn="ctr">
+        <a:solidFill>
+          <a:schemeClr val="tx1">
+            <a:lumMod val="5000"/>
+            <a:lumOff val="95000"/>
+          </a:schemeClr>
+        </a:solidFill>
+        <a:round/>
+      </a:ln>
+    </cs:spPr>
+  </cs:gridlineMinor>
+  <cs:hiLoLine>
+    <cs:lnRef idx="0"/>
+    <cs:fillRef idx="0"/>
+    <cs:effectRef idx="0"/>
+    <cs:fontRef idx="minor">
+      <a:schemeClr val="tx1"/>
+    </cs:fontRef>
+    <cs:spPr>
+      <a:ln w="9525" cap="flat" cmpd="sng" algn="ctr">
+        <a:solidFill>
+          <a:schemeClr val="tx1">
+            <a:lumMod val="50000"/>
+            <a:lumOff val="50000"/>
+          </a:schemeClr>
+        </a:solidFill>
+        <a:round/>
+      </a:ln>
+    </cs:spPr>
+  </cs:hiLoLine>
+  <cs:leaderLine>
+    <cs:lnRef idx="0"/>
+    <cs:fillRef idx="0"/>
+    <cs:effectRef idx="0"/>
+    <cs:fontRef idx="minor">
+      <a:schemeClr val="tx1"/>
+    </cs:fontRef>
+    <cs:spPr>
+      <a:ln w="9525" cap="flat" cmpd="sng" algn="ctr">
+        <a:solidFill>
+          <a:schemeClr val="tx1">
+            <a:lumMod val="35000"/>
+            <a:lumOff val="65000"/>
+          </a:schemeClr>
+        </a:solidFill>
+        <a:round/>
+      </a:ln>
+    </cs:spPr>
+  </cs:leaderLine>
+  <cs:legend>
+    <cs:lnRef idx="0"/>
+    <cs:fillRef idx="0"/>
+    <cs:effectRef idx="0"/>
+    <cs:fontRef idx="minor">
+      <a:schemeClr val="tx1">
+        <a:lumMod val="65000"/>
+        <a:lumOff val="35000"/>
+      </a:schemeClr>
+    </cs:fontRef>
+    <cs:defRPr sz="900" kern="1200"/>
+  </cs:legend>
+  <cs:plotArea mods="allowNoFillOverride allowNoLineOverride">
+    <cs:lnRef idx="0"/>
+    <cs:fillRef idx="0"/>
+    <cs:effectRef idx="0"/>
+    <cs:fontRef idx="minor">
+      <a:schemeClr val="tx1"/>
+    </cs:fontRef>
+  </cs:plotArea>
+  <cs:plotArea3D mods="allowNoFillOverride allowNoLineOverride">
+    <cs:lnRef idx="0"/>
+    <cs:fillRef idx="0"/>
+    <cs:effectRef idx="0"/>
+    <cs:fontRef idx="minor">
+      <a:schemeClr val="tx1"/>
+    </cs:fontRef>
+  </cs:plotArea3D>
+  <cs:seriesAxis>
+    <cs:lnRef idx="0"/>
+    <cs:fillRef idx="0"/>
+    <cs:effectRef idx="0"/>
+    <cs:fontRef idx="minor">
+      <a:schemeClr val="tx1">
+        <a:lumMod val="65000"/>
+        <a:lumOff val="35000"/>
+      </a:schemeClr>
+    </cs:fontRef>
+    <cs:defRPr sz="900" kern="1200"/>
+  </cs:seriesAxis>
+  <cs:seriesLine>
+    <cs:lnRef idx="0"/>
+    <cs:fillRef idx="0"/>
+    <cs:effectRef idx="0"/>
+    <cs:fontRef idx="minor">
+      <a:schemeClr val="tx1"/>
+    </cs:fontRef>
+    <cs:spPr>
+      <a:ln w="9525" cap="flat" cmpd="sng" algn="ctr">
+        <a:solidFill>
+          <a:schemeClr val="tx1">
+            <a:lumMod val="35000"/>
+            <a:lumOff val="65000"/>
+          </a:schemeClr>
+        </a:solidFill>
+        <a:round/>
+      </a:ln>
+    </cs:spPr>
+  </cs:seriesLine>
+  <cs:title>
+    <cs:lnRef idx="0"/>
+    <cs:fillRef idx="0"/>
+    <cs:effectRef idx="0"/>
+    <cs:fontRef idx="minor">
+      <a:schemeClr val="tx1">
+        <a:lumMod val="65000"/>
+        <a:lumOff val="35000"/>
+      </a:schemeClr>
+    </cs:fontRef>
+    <cs:defRPr sz="1400" b="0" kern="1200" spc="0" baseline="0"/>
+  </cs:title>
+  <cs:trendline>
+    <cs:lnRef idx="0">
+      <cs:styleClr val="auto"/>
+    </cs:lnRef>
+    <cs:fillRef idx="0"/>
+    <cs:effectRef idx="0"/>
+    <cs:fontRef idx="minor">
+      <a:schemeClr val="tx1"/>
+    </cs:fontRef>
+    <cs:spPr>
+      <a:ln w="19050" cap="rnd">
+        <a:solidFill>
+          <a:schemeClr val="phClr"/>
+        </a:solidFill>
+        <a:prstDash val="sysDot"/>
+      </a:ln>
+    </cs:spPr>
+  </cs:trendline>
+  <cs:trendlineLabel>
+    <cs:lnRef idx="0"/>
+    <cs:fillRef idx="0"/>
+    <cs:effectRef idx="0"/>
+    <cs:fontRef idx="minor">
+      <a:schemeClr val="tx1">
+        <a:lumMod val="65000"/>
+        <a:lumOff val="35000"/>
+      </a:schemeClr>
+    </cs:fontRef>
+    <cs:defRPr sz="900" kern="1200"/>
+  </cs:trendlineLabel>
+  <cs:upBar>
+    <cs:lnRef idx="0"/>
+    <cs:fillRef idx="0"/>
+    <cs:effectRef idx="0"/>
+    <cs:fontRef idx="minor">
+      <a:schemeClr val="tx1"/>
+    </cs:fontRef>
+    <cs:spPr>
+      <a:solidFill>
+        <a:schemeClr val="lt1"/>
+      </a:solidFill>
+      <a:ln w="9525" cap="flat" cmpd="sng" algn="ctr">
+        <a:solidFill>
+          <a:schemeClr val="tx1">
+            <a:lumMod val="65000"/>
+            <a:lumOff val="35000"/>
+          </a:schemeClr>
+        </a:solidFill>
+        <a:round/>
+      </a:ln>
+    </cs:spPr>
+  </cs:upBar>
+  <cs:valueAxis>
+    <cs:lnRef idx="0"/>
+    <cs:fillRef idx="0"/>
+    <cs:effectRef idx="0"/>
+    <cs:fontRef idx="minor">
+      <a:schemeClr val="tx1">
+        <a:lumMod val="65000"/>
+        <a:lumOff val="35000"/>
+      </a:schemeClr>
+    </cs:fontRef>
+    <cs:defRPr sz="900" kern="1200"/>
+  </cs:valueAxis>
+  <cs:wall>
+    <cs:lnRef idx="0"/>
+    <cs:fillRef idx="0"/>
+    <cs:effectRef idx="0"/>
+    <cs:fontRef idx="minor">
+      <a:schemeClr val="tx1"/>
+    </cs:fontRef>
+    <cs:spPr>
+      <a:noFill/>
+      <a:ln>
+        <a:noFill/>
+      </a:ln>
+    </cs:spPr>
+  </cs:wall>
+</cs:chartStyle>
+</file>
+
+<file path=ppt/charts/style5.xml><?xml version="1.0" encoding="utf-8"?>
+<cs:chartStyle xmlns:cs="http://schemas.microsoft.com/office/drawing/2012/chartStyle" xmlns:a="http://schemas.openxmlformats.org/drawingml/2006/main" id="251">
+  <cs:axisTitle>
+    <cs:lnRef idx="0"/>
+    <cs:fillRef idx="0"/>
+    <cs:effectRef idx="0"/>
+    <cs:fontRef idx="minor">
+      <a:schemeClr val="tx1">
+        <a:lumMod val="65000"/>
+        <a:lumOff val="35000"/>
+      </a:schemeClr>
+    </cs:fontRef>
+    <cs:defRPr sz="1000" kern="1200"/>
+  </cs:axisTitle>
+  <cs:categoryAxis>
+    <cs:lnRef idx="0"/>
+    <cs:fillRef idx="0"/>
+    <cs:effectRef idx="0"/>
+    <cs:fontRef idx="minor">
+      <a:schemeClr val="tx1">
+        <a:lumMod val="65000"/>
+        <a:lumOff val="35000"/>
+      </a:schemeClr>
+    </cs:fontRef>
+    <cs:spPr>
+      <a:ln w="9525" cap="flat" cmpd="sng" algn="ctr">
+        <a:solidFill>
+          <a:schemeClr val="tx1">
+            <a:lumMod val="15000"/>
+            <a:lumOff val="85000"/>
+          </a:schemeClr>
+        </a:solidFill>
+        <a:round/>
+      </a:ln>
+    </cs:spPr>
+    <cs:defRPr sz="900" kern="1200"/>
+  </cs:categoryAxis>
+  <cs:chartArea mods="allowNoFillOverride allowNoLineOverride">
+    <cs:lnRef idx="0"/>
+    <cs:fillRef idx="0"/>
+    <cs:effectRef idx="0"/>
+    <cs:fontRef idx="minor">
+      <a:schemeClr val="tx1"/>
+    </cs:fontRef>
+    <cs:spPr>
+      <a:solidFill>
+        <a:schemeClr val="bg1"/>
+      </a:solidFill>
+      <a:ln w="9525" cap="flat" cmpd="sng" algn="ctr">
+        <a:solidFill>
+          <a:schemeClr val="tx1">
+            <a:lumMod val="15000"/>
+            <a:lumOff val="85000"/>
+          </a:schemeClr>
+        </a:solidFill>
+        <a:round/>
+      </a:ln>
+    </cs:spPr>
+    <cs:defRPr sz="900" kern="1200"/>
+  </cs:chartArea>
+  <cs:dataLabel>
+    <cs:lnRef idx="0"/>
+    <cs:fillRef idx="0"/>
+    <cs:effectRef idx="0"/>
+    <cs:fontRef idx="minor">
+      <a:schemeClr val="tx1">
+        <a:lumMod val="75000"/>
+        <a:lumOff val="25000"/>
+      </a:schemeClr>
+    </cs:fontRef>
+    <cs:defRPr sz="900" kern="1200"/>
+  </cs:dataLabel>
+  <cs:dataLabelCallout>
+    <cs:lnRef idx="0"/>
+    <cs:fillRef idx="0"/>
+    <cs:effectRef idx="0"/>
+    <cs:fontRef idx="minor">
+      <a:schemeClr val="dk1">
+        <a:lumMod val="65000"/>
+        <a:lumOff val="35000"/>
+      </a:schemeClr>
+    </cs:fontRef>
+    <cs:spPr>
+      <a:solidFill>
+        <a:schemeClr val="lt1"/>
+      </a:solidFill>
+      <a:ln>
+        <a:solidFill>
+          <a:schemeClr val="dk1">
+            <a:lumMod val="25000"/>
+            <a:lumOff val="75000"/>
+          </a:schemeClr>
+        </a:solidFill>
+      </a:ln>
+    </cs:spPr>
+    <cs:defRPr sz="900" kern="1200"/>
+    <cs:bodyPr rot="0" spcFirstLastPara="1" vertOverflow="clip" horzOverflow="clip" vert="horz" wrap="square" lIns="36576" tIns="18288" rIns="36576" bIns="18288" anchor="ctr" anchorCtr="1">
+      <a:spAutoFit/>
+    </cs:bodyPr>
+  </cs:dataLabelCallout>
+  <cs:dataPoint>
+    <cs:lnRef idx="0"/>
+    <cs:fillRef idx="1">
+      <cs:styleClr val="auto"/>
+    </cs:fillRef>
+    <cs:effectRef idx="0"/>
+    <cs:fontRef idx="minor">
+      <a:schemeClr val="tx1"/>
+    </cs:fontRef>
+    <cs:spPr>
+      <a:ln w="19050">
+        <a:solidFill>
+          <a:schemeClr val="lt1"/>
+        </a:solidFill>
+      </a:ln>
+    </cs:spPr>
+  </cs:dataPoint>
+  <cs:dataPoint3D>
+    <cs:lnRef idx="0"/>
+    <cs:fillRef idx="1">
+      <cs:styleClr val="auto"/>
+    </cs:fillRef>
+    <cs:effectRef idx="0"/>
+    <cs:fontRef idx="minor">
+      <a:schemeClr val="tx1"/>
+    </cs:fontRef>
+    <cs:spPr>
+      <a:ln w="25400">
+        <a:solidFill>
+          <a:schemeClr val="lt1"/>
+        </a:solidFill>
+      </a:ln>
+    </cs:spPr>
+  </cs:dataPoint3D>
+  <cs:dataPointLine>
+    <cs:lnRef idx="0">
+      <cs:styleClr val="auto"/>
+    </cs:lnRef>
+    <cs:fillRef idx="0"/>
+    <cs:effectRef idx="0"/>
+    <cs:fontRef idx="minor">
+      <a:schemeClr val="tx1"/>
+    </cs:fontRef>
+    <cs:spPr>
+      <a:ln w="28575" cap="rnd">
+        <a:solidFill>
+          <a:schemeClr val="phClr"/>
+        </a:solidFill>
+        <a:round/>
+      </a:ln>
+    </cs:spPr>
+  </cs:dataPointLine>
+  <cs:dataPointMarker>
+    <cs:lnRef idx="0">
+      <cs:styleClr val="auto"/>
+    </cs:lnRef>
+    <cs:fillRef idx="1">
+      <cs:styleClr val="auto"/>
+    </cs:fillRef>
+    <cs:effectRef idx="0"/>
+    <cs:fontRef idx="minor">
+      <a:schemeClr val="tx1"/>
+    </cs:fontRef>
+    <cs:spPr>
+      <a:ln w="9525">
+        <a:solidFill>
+          <a:schemeClr val="phClr"/>
+        </a:solidFill>
+      </a:ln>
+    </cs:spPr>
+  </cs:dataPointMarker>
+  <cs:dataPointMarkerLayout symbol="circle" size="5"/>
+  <cs:dataPointWireframe>
+    <cs:lnRef idx="0">
+      <cs:styleClr val="auto"/>
+    </cs:lnRef>
+    <cs:fillRef idx="0"/>
+    <cs:effectRef idx="0"/>
+    <cs:fontRef idx="minor">
+      <a:schemeClr val="tx1"/>
+    </cs:fontRef>
+    <cs:spPr>
+      <a:ln w="9525" cap="rnd">
+        <a:solidFill>
+          <a:schemeClr val="phClr"/>
+        </a:solidFill>
+        <a:round/>
+      </a:ln>
+    </cs:spPr>
+  </cs:dataPointWireframe>
+  <cs:dataTable>
+    <cs:lnRef idx="0"/>
+    <cs:fillRef idx="0"/>
+    <cs:effectRef idx="0"/>
+    <cs:fontRef idx="minor">
+      <a:schemeClr val="tx1">
+        <a:lumMod val="65000"/>
+        <a:lumOff val="35000"/>
+      </a:schemeClr>
+    </cs:fontRef>
+    <cs:spPr>
+      <a:noFill/>
+      <a:ln w="9525" cap="flat" cmpd="sng" algn="ctr">
+        <a:solidFill>
+          <a:schemeClr val="tx1">
+            <a:lumMod val="15000"/>
+            <a:lumOff val="85000"/>
+          </a:schemeClr>
+        </a:solidFill>
+        <a:round/>
+      </a:ln>
+    </cs:spPr>
+    <cs:defRPr sz="900" kern="1200"/>
+  </cs:dataTable>
+  <cs:downBar>
+    <cs:lnRef idx="0"/>
+    <cs:fillRef idx="0"/>
+    <cs:effectRef idx="0"/>
+    <cs:fontRef idx="minor">
+      <a:schemeClr val="tx1"/>
+    </cs:fontRef>
+    <cs:spPr>
+      <a:solidFill>
+        <a:schemeClr val="dk1">
+          <a:lumMod val="75000"/>
+          <a:lumOff val="25000"/>
+        </a:schemeClr>
+      </a:solidFill>
+      <a:ln w="9525" cap="flat" cmpd="sng" algn="ctr">
+        <a:solidFill>
+          <a:schemeClr val="tx1">
+            <a:lumMod val="65000"/>
+            <a:lumOff val="35000"/>
+          </a:schemeClr>
+        </a:solidFill>
+        <a:round/>
+      </a:ln>
+    </cs:spPr>
+  </cs:downBar>
+  <cs:dropLine>
+    <cs:lnRef idx="0"/>
+    <cs:fillRef idx="0"/>
+    <cs:effectRef idx="0"/>
+    <cs:fontRef idx="minor">
+      <a:schemeClr val="tx1"/>
+    </cs:fontRef>
+    <cs:spPr>
+      <a:ln w="9525" cap="flat" cmpd="sng" algn="ctr">
+        <a:solidFill>
+          <a:schemeClr val="tx1">
+            <a:lumMod val="35000"/>
+            <a:lumOff val="65000"/>
+          </a:schemeClr>
+        </a:solidFill>
+        <a:round/>
+      </a:ln>
+    </cs:spPr>
+  </cs:dropLine>
+  <cs:errorBar>
+    <cs:lnRef idx="0"/>
+    <cs:fillRef idx="0"/>
+    <cs:effectRef idx="0"/>
+    <cs:fontRef idx="minor">
+      <a:schemeClr val="tx1"/>
+    </cs:fontRef>
+    <cs:spPr>
+      <a:ln w="9525" cap="flat" cmpd="sng" algn="ctr">
+        <a:solidFill>
+          <a:schemeClr val="tx1">
+            <a:lumMod val="65000"/>
+            <a:lumOff val="35000"/>
+          </a:schemeClr>
+        </a:solidFill>
+        <a:round/>
+      </a:ln>
+    </cs:spPr>
+  </cs:errorBar>
+  <cs:floor>
+    <cs:lnRef idx="0"/>
+    <cs:fillRef idx="0"/>
+    <cs:effectRef idx="0"/>
+    <cs:fontRef idx="minor">
+      <a:schemeClr val="tx1"/>
+    </cs:fontRef>
+    <cs:spPr>
+      <a:noFill/>
+      <a:ln>
+        <a:noFill/>
+      </a:ln>
+    </cs:spPr>
+  </cs:floor>
+  <cs:gridlineMajor>
+    <cs:lnRef idx="0"/>
+    <cs:fillRef idx="0"/>
+    <cs:effectRef idx="0"/>
+    <cs:fontRef idx="minor">
+      <a:schemeClr val="tx1"/>
+    </cs:fontRef>
+    <cs:spPr>
+      <a:ln w="9525" cap="flat" cmpd="sng" algn="ctr">
+        <a:solidFill>
+          <a:schemeClr val="tx1">
+            <a:lumMod val="15000"/>
+            <a:lumOff val="85000"/>
+          </a:schemeClr>
+        </a:solidFill>
+        <a:round/>
+      </a:ln>
+    </cs:spPr>
+  </cs:gridlineMajor>
+  <cs:gridlineMinor>
+    <cs:lnRef idx="0"/>
+    <cs:fillRef idx="0"/>
+    <cs:effectRef idx="0"/>
+    <cs:fontRef idx="minor">
+      <a:schemeClr val="tx1"/>
+    </cs:fontRef>
+    <cs:spPr>
+      <a:ln w="9525" cap="flat" cmpd="sng" algn="ctr">
+        <a:solidFill>
+          <a:schemeClr val="tx1">
+            <a:lumMod val="5000"/>
+            <a:lumOff val="95000"/>
+          </a:schemeClr>
+        </a:solidFill>
+        <a:round/>
+      </a:ln>
+    </cs:spPr>
+  </cs:gridlineMinor>
+  <cs:hiLoLine>
+    <cs:lnRef idx="0"/>
+    <cs:fillRef idx="0"/>
+    <cs:effectRef idx="0"/>
+    <cs:fontRef idx="minor">
+      <a:schemeClr val="tx1"/>
+    </cs:fontRef>
+    <cs:spPr>
+      <a:ln w="9525" cap="flat" cmpd="sng" algn="ctr">
+        <a:solidFill>
+          <a:schemeClr val="tx1">
+            <a:lumMod val="50000"/>
+            <a:lumOff val="50000"/>
+          </a:schemeClr>
+        </a:solidFill>
+        <a:round/>
+      </a:ln>
+    </cs:spPr>
+  </cs:hiLoLine>
+  <cs:leaderLine>
+    <cs:lnRef idx="0"/>
+    <cs:fillRef idx="0"/>
+    <cs:effectRef idx="0"/>
+    <cs:fontRef idx="minor">
+      <a:schemeClr val="tx1"/>
+    </cs:fontRef>
+    <cs:spPr>
+      <a:ln w="9525" cap="flat" cmpd="sng" algn="ctr">
+        <a:solidFill>
+          <a:schemeClr val="tx1">
+            <a:lumMod val="35000"/>
+            <a:lumOff val="65000"/>
+          </a:schemeClr>
+        </a:solidFill>
+        <a:round/>
+      </a:ln>
+    </cs:spPr>
+  </cs:leaderLine>
+  <cs:legend>
+    <cs:lnRef idx="0"/>
+    <cs:fillRef idx="0"/>
+    <cs:effectRef idx="0"/>
+    <cs:fontRef idx="minor">
+      <a:schemeClr val="tx1">
+        <a:lumMod val="65000"/>
+        <a:lumOff val="35000"/>
+      </a:schemeClr>
+    </cs:fontRef>
+    <cs:defRPr sz="900" kern="1200"/>
+  </cs:legend>
+  <cs:plotArea mods="allowNoFillOverride allowNoLineOverride">
+    <cs:lnRef idx="0"/>
+    <cs:fillRef idx="0"/>
+    <cs:effectRef idx="0"/>
+    <cs:fontRef idx="minor">
+      <a:schemeClr val="tx1"/>
+    </cs:fontRef>
+  </cs:plotArea>
+  <cs:plotArea3D mods="allowNoFillOverride allowNoLineOverride">
+    <cs:lnRef idx="0"/>
+    <cs:fillRef idx="0"/>
+    <cs:effectRef idx="0"/>
+    <cs:fontRef idx="minor">
+      <a:schemeClr val="tx1"/>
+    </cs:fontRef>
+  </cs:plotArea3D>
+  <cs:seriesAxis>
+    <cs:lnRef idx="0"/>
+    <cs:fillRef idx="0"/>
+    <cs:effectRef idx="0"/>
+    <cs:fontRef idx="minor">
+      <a:schemeClr val="tx1">
+        <a:lumMod val="65000"/>
+        <a:lumOff val="35000"/>
+      </a:schemeClr>
+    </cs:fontRef>
+    <cs:defRPr sz="900" kern="1200"/>
+  </cs:seriesAxis>
+  <cs:seriesLine>
+    <cs:lnRef idx="0"/>
+    <cs:fillRef idx="0"/>
+    <cs:effectRef idx="0"/>
+    <cs:fontRef idx="minor">
+      <a:schemeClr val="tx1"/>
+    </cs:fontRef>
+    <cs:spPr>
+      <a:ln w="9525" cap="flat" cmpd="sng" algn="ctr">
+        <a:solidFill>
+          <a:schemeClr val="tx1">
+            <a:lumMod val="35000"/>
+            <a:lumOff val="65000"/>
+          </a:schemeClr>
+        </a:solidFill>
+        <a:round/>
+      </a:ln>
+    </cs:spPr>
+  </cs:seriesLine>
+  <cs:title>
+    <cs:lnRef idx="0"/>
+    <cs:fillRef idx="0"/>
+    <cs:effectRef idx="0"/>
+    <cs:fontRef idx="minor">
+      <a:schemeClr val="tx1">
+        <a:lumMod val="65000"/>
+        <a:lumOff val="35000"/>
+      </a:schemeClr>
+    </cs:fontRef>
+    <cs:defRPr sz="1400" b="0" kern="1200" spc="0" baseline="0"/>
+  </cs:title>
+  <cs:trendline>
+    <cs:lnRef idx="0">
+      <cs:styleClr val="auto"/>
+    </cs:lnRef>
+    <cs:fillRef idx="0"/>
+    <cs:effectRef idx="0"/>
+    <cs:fontRef idx="minor">
+      <a:schemeClr val="tx1"/>
+    </cs:fontRef>
+    <cs:spPr>
+      <a:ln w="19050" cap="rnd">
+        <a:solidFill>
+          <a:schemeClr val="phClr"/>
+        </a:solidFill>
+        <a:prstDash val="sysDot"/>
+      </a:ln>
+    </cs:spPr>
+  </cs:trendline>
+  <cs:trendlineLabel>
+    <cs:lnRef idx="0"/>
+    <cs:fillRef idx="0"/>
+    <cs:effectRef idx="0"/>
+    <cs:fontRef idx="minor">
+      <a:schemeClr val="tx1">
+        <a:lumMod val="65000"/>
+        <a:lumOff val="35000"/>
+      </a:schemeClr>
+    </cs:fontRef>
+    <cs:defRPr sz="900" kern="1200"/>
+  </cs:trendlineLabel>
+  <cs:upBar>
+    <cs:lnRef idx="0"/>
+    <cs:fillRef idx="0"/>
+    <cs:effectRef idx="0"/>
+    <cs:fontRef idx="minor">
+      <a:schemeClr val="tx1"/>
+    </cs:fontRef>
+    <cs:spPr>
+      <a:solidFill>
+        <a:schemeClr val="lt1"/>
+      </a:solidFill>
+      <a:ln w="9525" cap="flat" cmpd="sng" algn="ctr">
+        <a:solidFill>
+          <a:schemeClr val="tx1">
+            <a:lumMod val="65000"/>
+            <a:lumOff val="35000"/>
+          </a:schemeClr>
+        </a:solidFill>
+        <a:round/>
+      </a:ln>
+    </cs:spPr>
+  </cs:upBar>
+  <cs:valueAxis>
+    <cs:lnRef idx="0"/>
+    <cs:fillRef idx="0"/>
+    <cs:effectRef idx="0"/>
+    <cs:fontRef idx="minor">
+      <a:schemeClr val="tx1">
+        <a:lumMod val="65000"/>
+        <a:lumOff val="35000"/>
+      </a:schemeClr>
+    </cs:fontRef>
+    <cs:defRPr sz="900" kern="1200"/>
+  </cs:valueAxis>
+  <cs:wall>
+    <cs:lnRef idx="0"/>
+    <cs:fillRef idx="0"/>
+    <cs:effectRef idx="0"/>
+    <cs:fontRef idx="minor">
+      <a:schemeClr val="tx1"/>
+    </cs:fontRef>
+    <cs:spPr>
+      <a:noFill/>
+      <a:ln>
+        <a:noFill/>
+      </a:ln>
+    </cs:spPr>
+  </cs:wall>
+</cs:chartStyle>
+</file>
+
+<file path=ppt/charts/style6.xml><?xml version="1.0" encoding="utf-8"?>
+<cs:chartStyle xmlns:cs="http://schemas.microsoft.com/office/drawing/2012/chartStyle" xmlns:a="http://schemas.openxmlformats.org/drawingml/2006/main" id="251">
+  <cs:axisTitle>
+    <cs:lnRef idx="0"/>
+    <cs:fillRef idx="0"/>
+    <cs:effectRef idx="0"/>
+    <cs:fontRef idx="minor">
+      <a:schemeClr val="tx1">
+        <a:lumMod val="65000"/>
+        <a:lumOff val="35000"/>
+      </a:schemeClr>
+    </cs:fontRef>
+    <cs:defRPr sz="1000" kern="1200"/>
+  </cs:axisTitle>
+  <cs:categoryAxis>
+    <cs:lnRef idx="0"/>
+    <cs:fillRef idx="0"/>
+    <cs:effectRef idx="0"/>
+    <cs:fontRef idx="minor">
+      <a:schemeClr val="tx1">
+        <a:lumMod val="65000"/>
+        <a:lumOff val="35000"/>
+      </a:schemeClr>
+    </cs:fontRef>
+    <cs:spPr>
+      <a:ln w="9525" cap="flat" cmpd="sng" algn="ctr">
+        <a:solidFill>
+          <a:schemeClr val="tx1">
+            <a:lumMod val="15000"/>
+            <a:lumOff val="85000"/>
+          </a:schemeClr>
+        </a:solidFill>
+        <a:round/>
+      </a:ln>
+    </cs:spPr>
+    <cs:defRPr sz="900" kern="1200"/>
+  </cs:categoryAxis>
+  <cs:chartArea mods="allowNoFillOverride allowNoLineOverride">
+    <cs:lnRef idx="0"/>
+    <cs:fillRef idx="0"/>
+    <cs:effectRef idx="0"/>
+    <cs:fontRef idx="minor">
+      <a:schemeClr val="tx1"/>
+    </cs:fontRef>
+    <cs:spPr>
+      <a:solidFill>
+        <a:schemeClr val="bg1"/>
+      </a:solidFill>
+      <a:ln w="9525" cap="flat" cmpd="sng" algn="ctr">
+        <a:solidFill>
+          <a:schemeClr val="tx1">
+            <a:lumMod val="15000"/>
+            <a:lumOff val="85000"/>
+          </a:schemeClr>
+        </a:solidFill>
+        <a:round/>
+      </a:ln>
+    </cs:spPr>
+    <cs:defRPr sz="900" kern="1200"/>
+  </cs:chartArea>
+  <cs:dataLabel>
+    <cs:lnRef idx="0"/>
+    <cs:fillRef idx="0"/>
+    <cs:effectRef idx="0"/>
+    <cs:fontRef idx="minor">
+      <a:schemeClr val="tx1">
+        <a:lumMod val="75000"/>
+        <a:lumOff val="25000"/>
+      </a:schemeClr>
+    </cs:fontRef>
+    <cs:defRPr sz="900" kern="1200"/>
+  </cs:dataLabel>
+  <cs:dataLabelCallout>
+    <cs:lnRef idx="0"/>
+    <cs:fillRef idx="0"/>
+    <cs:effectRef idx="0"/>
+    <cs:fontRef idx="minor">
+      <a:schemeClr val="dk1">
+        <a:lumMod val="65000"/>
+        <a:lumOff val="35000"/>
+      </a:schemeClr>
+    </cs:fontRef>
+    <cs:spPr>
+      <a:solidFill>
+        <a:schemeClr val="lt1"/>
+      </a:solidFill>
+      <a:ln>
+        <a:solidFill>
+          <a:schemeClr val="dk1">
+            <a:lumMod val="25000"/>
+            <a:lumOff val="75000"/>
+          </a:schemeClr>
+        </a:solidFill>
+      </a:ln>
+    </cs:spPr>
+    <cs:defRPr sz="900" kern="1200"/>
+    <cs:bodyPr rot="0" spcFirstLastPara="1" vertOverflow="clip" horzOverflow="clip" vert="horz" wrap="square" lIns="36576" tIns="18288" rIns="36576" bIns="18288" anchor="ctr" anchorCtr="1">
+      <a:spAutoFit/>
+    </cs:bodyPr>
+  </cs:dataLabelCallout>
+  <cs:dataPoint>
+    <cs:lnRef idx="0"/>
+    <cs:fillRef idx="1">
+      <cs:styleClr val="auto"/>
+    </cs:fillRef>
+    <cs:effectRef idx="0"/>
+    <cs:fontRef idx="minor">
+      <a:schemeClr val="tx1"/>
+    </cs:fontRef>
+    <cs:spPr>
+      <a:ln w="19050">
+        <a:solidFill>
+          <a:schemeClr val="lt1"/>
+        </a:solidFill>
+      </a:ln>
+    </cs:spPr>
+  </cs:dataPoint>
+  <cs:dataPoint3D>
+    <cs:lnRef idx="0"/>
+    <cs:fillRef idx="1">
+      <cs:styleClr val="auto"/>
+    </cs:fillRef>
+    <cs:effectRef idx="0"/>
+    <cs:fontRef idx="minor">
+      <a:schemeClr val="tx1"/>
+    </cs:fontRef>
+    <cs:spPr>
+      <a:ln w="25400">
+        <a:solidFill>
+          <a:schemeClr val="lt1"/>
+        </a:solidFill>
+      </a:ln>
+    </cs:spPr>
+  </cs:dataPoint3D>
+  <cs:dataPointLine>
+    <cs:lnRef idx="0">
+      <cs:styleClr val="auto"/>
+    </cs:lnRef>
+    <cs:fillRef idx="0"/>
+    <cs:effectRef idx="0"/>
+    <cs:fontRef idx="minor">
+      <a:schemeClr val="tx1"/>
+    </cs:fontRef>
+    <cs:spPr>
+      <a:ln w="28575" cap="rnd">
+        <a:solidFill>
+          <a:schemeClr val="phClr"/>
+        </a:solidFill>
+        <a:round/>
+      </a:ln>
+    </cs:spPr>
+  </cs:dataPointLine>
+  <cs:dataPointMarker>
+    <cs:lnRef idx="0">
+      <cs:styleClr val="auto"/>
+    </cs:lnRef>
+    <cs:fillRef idx="1">
+      <cs:styleClr val="auto"/>
+    </cs:fillRef>
+    <cs:effectRef idx="0"/>
+    <cs:fontRef idx="minor">
+      <a:schemeClr val="tx1"/>
+    </cs:fontRef>
+    <cs:spPr>
+      <a:ln w="9525">
+        <a:solidFill>
+          <a:schemeClr val="phClr"/>
+        </a:solidFill>
+      </a:ln>
+    </cs:spPr>
+  </cs:dataPointMarker>
+  <cs:dataPointMarkerLayout symbol="circle" size="5"/>
+  <cs:dataPointWireframe>
+    <cs:lnRef idx="0">
+      <cs:styleClr val="auto"/>
+    </cs:lnRef>
+    <cs:fillRef idx="0"/>
+    <cs:effectRef idx="0"/>
+    <cs:fontRef idx="minor">
+      <a:schemeClr val="tx1"/>
+    </cs:fontRef>
+    <cs:spPr>
+      <a:ln w="9525" cap="rnd">
+        <a:solidFill>
+          <a:schemeClr val="phClr"/>
+        </a:solidFill>
+        <a:round/>
+      </a:ln>
+    </cs:spPr>
+  </cs:dataPointWireframe>
+  <cs:dataTable>
+    <cs:lnRef idx="0"/>
+    <cs:fillRef idx="0"/>
+    <cs:effectRef idx="0"/>
+    <cs:fontRef idx="minor">
+      <a:schemeClr val="tx1">
+        <a:lumMod val="65000"/>
+        <a:lumOff val="35000"/>
+      </a:schemeClr>
+    </cs:fontRef>
+    <cs:spPr>
+      <a:noFill/>
+      <a:ln w="9525" cap="flat" cmpd="sng" algn="ctr">
+        <a:solidFill>
+          <a:schemeClr val="tx1">
+            <a:lumMod val="15000"/>
+            <a:lumOff val="85000"/>
+          </a:schemeClr>
+        </a:solidFill>
+        <a:round/>
+      </a:ln>
+    </cs:spPr>
+    <cs:defRPr sz="900" kern="1200"/>
+  </cs:dataTable>
+  <cs:downBar>
+    <cs:lnRef idx="0"/>
+    <cs:fillRef idx="0"/>
+    <cs:effectRef idx="0"/>
+    <cs:fontRef idx="minor">
+      <a:schemeClr val="tx1"/>
+    </cs:fontRef>
+    <cs:spPr>
+      <a:solidFill>
+        <a:schemeClr val="dk1">
+          <a:lumMod val="75000"/>
+          <a:lumOff val="25000"/>
+        </a:schemeClr>
+      </a:solidFill>
+      <a:ln w="9525" cap="flat" cmpd="sng" algn="ctr">
+        <a:solidFill>
+          <a:schemeClr val="tx1">
+            <a:lumMod val="65000"/>
+            <a:lumOff val="35000"/>
+          </a:schemeClr>
+        </a:solidFill>
+        <a:round/>
+      </a:ln>
+    </cs:spPr>
+  </cs:downBar>
+  <cs:dropLine>
+    <cs:lnRef idx="0"/>
+    <cs:fillRef idx="0"/>
+    <cs:effectRef idx="0"/>
+    <cs:fontRef idx="minor">
+      <a:schemeClr val="tx1"/>
+    </cs:fontRef>
+    <cs:spPr>
+      <a:ln w="9525" cap="flat" cmpd="sng" algn="ctr">
+        <a:solidFill>
+          <a:schemeClr val="tx1">
+            <a:lumMod val="35000"/>
+            <a:lumOff val="65000"/>
+          </a:schemeClr>
+        </a:solidFill>
+        <a:round/>
+      </a:ln>
+    </cs:spPr>
+  </cs:dropLine>
+  <cs:errorBar>
+    <cs:lnRef idx="0"/>
+    <cs:fillRef idx="0"/>
+    <cs:effectRef idx="0"/>
+    <cs:fontRef idx="minor">
+      <a:schemeClr val="tx1"/>
+    </cs:fontRef>
+    <cs:spPr>
+      <a:ln w="9525" cap="flat" cmpd="sng" algn="ctr">
+        <a:solidFill>
+          <a:schemeClr val="tx1">
+            <a:lumMod val="65000"/>
+            <a:lumOff val="35000"/>
+          </a:schemeClr>
+        </a:solidFill>
+        <a:round/>
+      </a:ln>
+    </cs:spPr>
+  </cs:errorBar>
+  <cs:floor>
+    <cs:lnRef idx="0"/>
+    <cs:fillRef idx="0"/>
+    <cs:effectRef idx="0"/>
+    <cs:fontRef idx="minor">
+      <a:schemeClr val="tx1"/>
+    </cs:fontRef>
+    <cs:spPr>
+      <a:noFill/>
+      <a:ln>
+        <a:noFill/>
+      </a:ln>
+    </cs:spPr>
+  </cs:floor>
+  <cs:gridlineMajor>
+    <cs:lnRef idx="0"/>
+    <cs:fillRef idx="0"/>
+    <cs:effectRef idx="0"/>
+    <cs:fontRef idx="minor">
+      <a:schemeClr val="tx1"/>
+    </cs:fontRef>
+    <cs:spPr>
+      <a:ln w="9525" cap="flat" cmpd="sng" algn="ctr">
+        <a:solidFill>
+          <a:schemeClr val="tx1">
+            <a:lumMod val="15000"/>
+            <a:lumOff val="85000"/>
+          </a:schemeClr>
+        </a:solidFill>
+        <a:round/>
+      </a:ln>
+    </cs:spPr>
+  </cs:gridlineMajor>
+  <cs:gridlineMinor>
+    <cs:lnRef idx="0"/>
+    <cs:fillRef idx="0"/>
+    <cs:effectRef idx="0"/>
+    <cs:fontRef idx="minor">
+      <a:schemeClr val="tx1"/>
+    </cs:fontRef>
+    <cs:spPr>
+      <a:ln w="9525" cap="flat" cmpd="sng" algn="ctr">
+        <a:solidFill>
+          <a:schemeClr val="tx1">
+            <a:lumMod val="5000"/>
+            <a:lumOff val="95000"/>
+          </a:schemeClr>
+        </a:solidFill>
+        <a:round/>
+      </a:ln>
+    </cs:spPr>
+  </cs:gridlineMinor>
+  <cs:hiLoLine>
+    <cs:lnRef idx="0"/>
+    <cs:fillRef idx="0"/>
+    <cs:effectRef idx="0"/>
+    <cs:fontRef idx="minor">
+      <a:schemeClr val="tx1"/>
+    </cs:fontRef>
+    <cs:spPr>
+      <a:ln w="9525" cap="flat" cmpd="sng" algn="ctr">
+        <a:solidFill>
+          <a:schemeClr val="tx1">
+            <a:lumMod val="50000"/>
+            <a:lumOff val="50000"/>
+          </a:schemeClr>
+        </a:solidFill>
+        <a:round/>
+      </a:ln>
+    </cs:spPr>
+  </cs:hiLoLine>
+  <cs:leaderLine>
+    <cs:lnRef idx="0"/>
+    <cs:fillRef idx="0"/>
+    <cs:effectRef idx="0"/>
+    <cs:fontRef idx="minor">
+      <a:schemeClr val="tx1"/>
+    </cs:fontRef>
+    <cs:spPr>
+      <a:ln w="9525" cap="flat" cmpd="sng" algn="ctr">
+        <a:solidFill>
+          <a:schemeClr val="tx1">
+            <a:lumMod val="35000"/>
+            <a:lumOff val="65000"/>
+          </a:schemeClr>
+        </a:solidFill>
+        <a:round/>
+      </a:ln>
+    </cs:spPr>
+  </cs:leaderLine>
+  <cs:legend>
+    <cs:lnRef idx="0"/>
+    <cs:fillRef idx="0"/>
+    <cs:effectRef idx="0"/>
+    <cs:fontRef idx="minor">
+      <a:schemeClr val="tx1">
+        <a:lumMod val="65000"/>
+        <a:lumOff val="35000"/>
+      </a:schemeClr>
+    </cs:fontRef>
+    <cs:defRPr sz="900" kern="1200"/>
+  </cs:legend>
+  <cs:plotArea mods="allowNoFillOverride allowNoLineOverride">
+    <cs:lnRef idx="0"/>
+    <cs:fillRef idx="0"/>
+    <cs:effectRef idx="0"/>
+    <cs:fontRef idx="minor">
+      <a:schemeClr val="tx1"/>
+    </cs:fontRef>
+  </cs:plotArea>
+  <cs:plotArea3D mods="allowNoFillOverride allowNoLineOverride">
+    <cs:lnRef idx="0"/>
+    <cs:fillRef idx="0"/>
+    <cs:effectRef idx="0"/>
+    <cs:fontRef idx="minor">
+      <a:schemeClr val="tx1"/>
+    </cs:fontRef>
+  </cs:plotArea3D>
+  <cs:seriesAxis>
+    <cs:lnRef idx="0"/>
+    <cs:fillRef idx="0"/>
+    <cs:effectRef idx="0"/>
+    <cs:fontRef idx="minor">
+      <a:schemeClr val="tx1">
+        <a:lumMod val="65000"/>
+        <a:lumOff val="35000"/>
+      </a:schemeClr>
+    </cs:fontRef>
+    <cs:defRPr sz="900" kern="1200"/>
+  </cs:seriesAxis>
+  <cs:seriesLine>
+    <cs:lnRef idx="0"/>
+    <cs:fillRef idx="0"/>
+    <cs:effectRef idx="0"/>
+    <cs:fontRef idx="minor">
+      <a:schemeClr val="tx1"/>
+    </cs:fontRef>
+    <cs:spPr>
+      <a:ln w="9525" cap="flat" cmpd="sng" algn="ctr">
+        <a:solidFill>
+          <a:schemeClr val="tx1">
+            <a:lumMod val="35000"/>
+            <a:lumOff val="65000"/>
+          </a:schemeClr>
+        </a:solidFill>
+        <a:round/>
+      </a:ln>
+    </cs:spPr>
+  </cs:seriesLine>
+  <cs:title>
+    <cs:lnRef idx="0"/>
+    <cs:fillRef idx="0"/>
+    <cs:effectRef idx="0"/>
+    <cs:fontRef idx="minor">
+      <a:schemeClr val="tx1">
+        <a:lumMod val="65000"/>
+        <a:lumOff val="35000"/>
+      </a:schemeClr>
+    </cs:fontRef>
+    <cs:defRPr sz="1400" b="0" kern="1200" spc="0" baseline="0"/>
+  </cs:title>
+  <cs:trendline>
+    <cs:lnRef idx="0">
+      <cs:styleClr val="auto"/>
+    </cs:lnRef>
+    <cs:fillRef idx="0"/>
+    <cs:effectRef idx="0"/>
+    <cs:fontRef idx="minor">
+      <a:schemeClr val="tx1"/>
+    </cs:fontRef>
+    <cs:spPr>
+      <a:ln w="19050" cap="rnd">
+        <a:solidFill>
+          <a:schemeClr val="phClr"/>
+        </a:solidFill>
+        <a:prstDash val="sysDot"/>
+      </a:ln>
+    </cs:spPr>
+  </cs:trendline>
+  <cs:trendlineLabel>
+    <cs:lnRef idx="0"/>
+    <cs:fillRef idx="0"/>
+    <cs:effectRef idx="0"/>
+    <cs:fontRef idx="minor">
+      <a:schemeClr val="tx1">
+        <a:lumMod val="65000"/>
+        <a:lumOff val="35000"/>
+      </a:schemeClr>
+    </cs:fontRef>
+    <cs:defRPr sz="900" kern="1200"/>
+  </cs:trendlineLabel>
+  <cs:upBar>
+    <cs:lnRef idx="0"/>
+    <cs:fillRef idx="0"/>
+    <cs:effectRef idx="0"/>
+    <cs:fontRef idx="minor">
+      <a:schemeClr val="tx1"/>
+    </cs:fontRef>
+    <cs:spPr>
+      <a:solidFill>
+        <a:schemeClr val="lt1"/>
+      </a:solidFill>
+      <a:ln w="9525" cap="flat" cmpd="sng" algn="ctr">
+        <a:solidFill>
+          <a:schemeClr val="tx1">
+            <a:lumMod val="65000"/>
+            <a:lumOff val="35000"/>
+          </a:schemeClr>
+        </a:solidFill>
+        <a:round/>
+      </a:ln>
+    </cs:spPr>
+  </cs:upBar>
+  <cs:valueAxis>
+    <cs:lnRef idx="0"/>
+    <cs:fillRef idx="0"/>
+    <cs:effectRef idx="0"/>
+    <cs:fontRef idx="minor">
+      <a:schemeClr val="tx1">
+        <a:lumMod val="65000"/>
+        <a:lumOff val="35000"/>
+      </a:schemeClr>
+    </cs:fontRef>
+    <cs:defRPr sz="900" kern="1200"/>
+  </cs:valueAxis>
+  <cs:wall>
+    <cs:lnRef idx="0"/>
+    <cs:fillRef idx="0"/>
+    <cs:effectRef idx="0"/>
+    <cs:fontRef idx="minor">
+      <a:schemeClr val="tx1"/>
+    </cs:fontRef>
+    <cs:spPr>
+      <a:noFill/>
+      <a:ln>
+        <a:noFill/>
+      </a:ln>
+    </cs:spPr>
+  </cs:wall>
+</cs:chartStyle>
+</file>
+
+<file path=ppt/charts/style7.xml><?xml version="1.0" encoding="utf-8"?>
+<cs:chartStyle xmlns:cs="http://schemas.microsoft.com/office/drawing/2012/chartStyle" xmlns:a="http://schemas.openxmlformats.org/drawingml/2006/main" id="251">
+  <cs:axisTitle>
+    <cs:lnRef idx="0"/>
+    <cs:fillRef idx="0"/>
+    <cs:effectRef idx="0"/>
+    <cs:fontRef idx="minor">
+      <a:schemeClr val="tx1">
+        <a:lumMod val="65000"/>
+        <a:lumOff val="35000"/>
+      </a:schemeClr>
+    </cs:fontRef>
+    <cs:defRPr sz="1000" kern="1200"/>
+  </cs:axisTitle>
+  <cs:categoryAxis>
+    <cs:lnRef idx="0"/>
+    <cs:fillRef idx="0"/>
+    <cs:effectRef idx="0"/>
+    <cs:fontRef idx="minor">
+      <a:schemeClr val="tx1">
+        <a:lumMod val="65000"/>
+        <a:lumOff val="35000"/>
+      </a:schemeClr>
+    </cs:fontRef>
+    <cs:spPr>
+      <a:ln w="9525" cap="flat" cmpd="sng" algn="ctr">
+        <a:solidFill>
+          <a:schemeClr val="tx1">
+            <a:lumMod val="15000"/>
+            <a:lumOff val="85000"/>
+          </a:schemeClr>
+        </a:solidFill>
+        <a:round/>
+      </a:ln>
+    </cs:spPr>
+    <cs:defRPr sz="900" kern="1200"/>
+  </cs:categoryAxis>
+  <cs:chartArea mods="allowNoFillOverride allowNoLineOverride">
+    <cs:lnRef idx="0"/>
+    <cs:fillRef idx="0"/>
+    <cs:effectRef idx="0"/>
+    <cs:fontRef idx="minor">
+      <a:schemeClr val="tx1"/>
+    </cs:fontRef>
+    <cs:spPr>
+      <a:solidFill>
+        <a:schemeClr val="bg1"/>
+      </a:solidFill>
+      <a:ln w="9525" cap="flat" cmpd="sng" algn="ctr">
+        <a:solidFill>
+          <a:schemeClr val="tx1">
+            <a:lumMod val="15000"/>
+            <a:lumOff val="85000"/>
+          </a:schemeClr>
+        </a:solidFill>
+        <a:round/>
+      </a:ln>
+    </cs:spPr>
+    <cs:defRPr sz="900" kern="1200"/>
+  </cs:chartArea>
+  <cs:dataLabel>
+    <cs:lnRef idx="0"/>
+    <cs:fillRef idx="0"/>
+    <cs:effectRef idx="0"/>
+    <cs:fontRef idx="minor">
+      <a:schemeClr val="tx1">
+        <a:lumMod val="75000"/>
+        <a:lumOff val="25000"/>
+      </a:schemeClr>
+    </cs:fontRef>
+    <cs:defRPr sz="900" kern="1200"/>
+  </cs:dataLabel>
+  <cs:dataLabelCallout>
+    <cs:lnRef idx="0"/>
+    <cs:fillRef idx="0"/>
+    <cs:effectRef idx="0"/>
+    <cs:fontRef idx="minor">
+      <a:schemeClr val="dk1">
+        <a:lumMod val="65000"/>
+        <a:lumOff val="35000"/>
+      </a:schemeClr>
+    </cs:fontRef>
+    <cs:spPr>
+      <a:solidFill>
+        <a:schemeClr val="lt1"/>
+      </a:solidFill>
+      <a:ln>
+        <a:solidFill>
+          <a:schemeClr val="dk1">
+            <a:lumMod val="25000"/>
+            <a:lumOff val="75000"/>
+          </a:schemeClr>
+        </a:solidFill>
+      </a:ln>
+    </cs:spPr>
+    <cs:defRPr sz="900" kern="1200"/>
+    <cs:bodyPr rot="0" spcFirstLastPara="1" vertOverflow="clip" horzOverflow="clip" vert="horz" wrap="square" lIns="36576" tIns="18288" rIns="36576" bIns="18288" anchor="ctr" anchorCtr="1">
+      <a:spAutoFit/>
+    </cs:bodyPr>
+  </cs:dataLabelCallout>
+  <cs:dataPoint>
+    <cs:lnRef idx="0"/>
+    <cs:fillRef idx="1">
+      <cs:styleClr val="auto"/>
+    </cs:fillRef>
+    <cs:effectRef idx="0"/>
+    <cs:fontRef idx="minor">
+      <a:schemeClr val="tx1"/>
+    </cs:fontRef>
+    <cs:spPr>
+      <a:ln w="19050">
+        <a:solidFill>
+          <a:schemeClr val="lt1"/>
+        </a:solidFill>
+      </a:ln>
+    </cs:spPr>
+  </cs:dataPoint>
+  <cs:dataPoint3D>
+    <cs:lnRef idx="0"/>
+    <cs:fillRef idx="1">
+      <cs:styleClr val="auto"/>
+    </cs:fillRef>
+    <cs:effectRef idx="0"/>
+    <cs:fontRef idx="minor">
+      <a:schemeClr val="tx1"/>
+    </cs:fontRef>
+    <cs:spPr>
+      <a:ln w="25400">
+        <a:solidFill>
+          <a:schemeClr val="lt1"/>
+        </a:solidFill>
+      </a:ln>
+    </cs:spPr>
+  </cs:dataPoint3D>
+  <cs:dataPointLine>
+    <cs:lnRef idx="0">
+      <cs:styleClr val="auto"/>
+    </cs:lnRef>
+    <cs:fillRef idx="0"/>
+    <cs:effectRef idx="0"/>
+    <cs:fontRef idx="minor">
+      <a:schemeClr val="tx1"/>
+    </cs:fontRef>
+    <cs:spPr>
+      <a:ln w="28575" cap="rnd">
+        <a:solidFill>
+          <a:schemeClr val="phClr"/>
+        </a:solidFill>
+        <a:round/>
+      </a:ln>
+    </cs:spPr>
+  </cs:dataPointLine>
+  <cs:dataPointMarker>
+    <cs:lnRef idx="0">
+      <cs:styleClr val="auto"/>
+    </cs:lnRef>
+    <cs:fillRef idx="1">
+      <cs:styleClr val="auto"/>
+    </cs:fillRef>
+    <cs:effectRef idx="0"/>
+    <cs:fontRef idx="minor">
+      <a:schemeClr val="tx1"/>
+    </cs:fontRef>
+    <cs:spPr>
+      <a:ln w="9525">
+        <a:solidFill>
+          <a:schemeClr val="phClr"/>
+        </a:solidFill>
+      </a:ln>
+    </cs:spPr>
+  </cs:dataPointMarker>
+  <cs:dataPointMarkerLayout symbol="circle" size="5"/>
+  <cs:dataPointWireframe>
+    <cs:lnRef idx="0">
+      <cs:styleClr val="auto"/>
+    </cs:lnRef>
+    <cs:fillRef idx="0"/>
+    <cs:effectRef idx="0"/>
+    <cs:fontRef idx="minor">
+      <a:schemeClr val="tx1"/>
+    </cs:fontRef>
+    <cs:spPr>
+      <a:ln w="9525" cap="rnd">
+        <a:solidFill>
+          <a:schemeClr val="phClr"/>
+        </a:solidFill>
+        <a:round/>
+      </a:ln>
+    </cs:spPr>
+  </cs:dataPointWireframe>
+  <cs:dataTable>
+    <cs:lnRef idx="0"/>
+    <cs:fillRef idx="0"/>
+    <cs:effectRef idx="0"/>
+    <cs:fontRef idx="minor">
+      <a:schemeClr val="tx1">
+        <a:lumMod val="65000"/>
+        <a:lumOff val="35000"/>
+      </a:schemeClr>
+    </cs:fontRef>
+    <cs:spPr>
+      <a:noFill/>
+      <a:ln w="9525" cap="flat" cmpd="sng" algn="ctr">
+        <a:solidFill>
+          <a:schemeClr val="tx1">
+            <a:lumMod val="15000"/>
+            <a:lumOff val="85000"/>
+          </a:schemeClr>
+        </a:solidFill>
+        <a:round/>
+      </a:ln>
+    </cs:spPr>
+    <cs:defRPr sz="900" kern="1200"/>
+  </cs:dataTable>
+  <cs:downBar>
+    <cs:lnRef idx="0"/>
+    <cs:fillRef idx="0"/>
+    <cs:effectRef idx="0"/>
+    <cs:fontRef idx="minor">
+      <a:schemeClr val="tx1"/>
+    </cs:fontRef>
+    <cs:spPr>
+      <a:solidFill>
+        <a:schemeClr val="dk1">
+          <a:lumMod val="75000"/>
+          <a:lumOff val="25000"/>
+        </a:schemeClr>
+      </a:solidFill>
+      <a:ln w="9525" cap="flat" cmpd="sng" algn="ctr">
+        <a:solidFill>
+          <a:schemeClr val="tx1">
+            <a:lumMod val="65000"/>
+            <a:lumOff val="35000"/>
+          </a:schemeClr>
+        </a:solidFill>
+        <a:round/>
+      </a:ln>
+    </cs:spPr>
+  </cs:downBar>
+  <cs:dropLine>
+    <cs:lnRef idx="0"/>
+    <cs:fillRef idx="0"/>
+    <cs:effectRef idx="0"/>
+    <cs:fontRef idx="minor">
+      <a:schemeClr val="tx1"/>
+    </cs:fontRef>
+    <cs:spPr>
+      <a:ln w="9525" cap="flat" cmpd="sng" algn="ctr">
+        <a:solidFill>
+          <a:schemeClr val="tx1">
+            <a:lumMod val="35000"/>
+            <a:lumOff val="65000"/>
+          </a:schemeClr>
+        </a:solidFill>
+        <a:round/>
+      </a:ln>
+    </cs:spPr>
+  </cs:dropLine>
+  <cs:errorBar>
+    <cs:lnRef idx="0"/>
+    <cs:fillRef idx="0"/>
+    <cs:effectRef idx="0"/>
+    <cs:fontRef idx="minor">
+      <a:schemeClr val="tx1"/>
+    </cs:fontRef>
+    <cs:spPr>
+      <a:ln w="9525" cap="flat" cmpd="sng" algn="ctr">
+        <a:solidFill>
+          <a:schemeClr val="tx1">
+            <a:lumMod val="65000"/>
+            <a:lumOff val="35000"/>
+          </a:schemeClr>
+        </a:solidFill>
+        <a:round/>
+      </a:ln>
+    </cs:spPr>
+  </cs:errorBar>
+  <cs:floor>
+    <cs:lnRef idx="0"/>
+    <cs:fillRef idx="0"/>
+    <cs:effectRef idx="0"/>
+    <cs:fontRef idx="minor">
+      <a:schemeClr val="tx1"/>
+    </cs:fontRef>
+    <cs:spPr>
+      <a:noFill/>
+      <a:ln>
+        <a:noFill/>
+      </a:ln>
+    </cs:spPr>
+  </cs:floor>
+  <cs:gridlineMajor>
+    <cs:lnRef idx="0"/>
+    <cs:fillRef idx="0"/>
+    <cs:effectRef idx="0"/>
+    <cs:fontRef idx="minor">
+      <a:schemeClr val="tx1"/>
+    </cs:fontRef>
+    <cs:spPr>
+      <a:ln w="9525" cap="flat" cmpd="sng" algn="ctr">
+        <a:solidFill>
+          <a:schemeClr val="tx1">
+            <a:lumMod val="15000"/>
+            <a:lumOff val="85000"/>
+          </a:schemeClr>
+        </a:solidFill>
+        <a:round/>
+      </a:ln>
+    </cs:spPr>
+  </cs:gridlineMajor>
+  <cs:gridlineMinor>
+    <cs:lnRef idx="0"/>
+    <cs:fillRef idx="0"/>
+    <cs:effectRef idx="0"/>
+    <cs:fontRef idx="minor">
+      <a:schemeClr val="tx1"/>
+    </cs:fontRef>
+    <cs:spPr>
+      <a:ln w="9525" cap="flat" cmpd="sng" algn="ctr">
+        <a:solidFill>
+          <a:schemeClr val="tx1">
+            <a:lumMod val="5000"/>
+            <a:lumOff val="95000"/>
+          </a:schemeClr>
+        </a:solidFill>
+        <a:round/>
+      </a:ln>
+    </cs:spPr>
+  </cs:gridlineMinor>
+  <cs:hiLoLine>
+    <cs:lnRef idx="0"/>
+    <cs:fillRef idx="0"/>
+    <cs:effectRef idx="0"/>
+    <cs:fontRef idx="minor">
+      <a:schemeClr val="tx1"/>
+    </cs:fontRef>
+    <cs:spPr>
+      <a:ln w="9525" cap="flat" cmpd="sng" algn="ctr">
+        <a:solidFill>
+          <a:schemeClr val="tx1">
+            <a:lumMod val="50000"/>
+            <a:lumOff val="50000"/>
+          </a:schemeClr>
+        </a:solidFill>
+        <a:round/>
+      </a:ln>
+    </cs:spPr>
+  </cs:hiLoLine>
+  <cs:leaderLine>
+    <cs:lnRef idx="0"/>
+    <cs:fillRef idx="0"/>
+    <cs:effectRef idx="0"/>
+    <cs:fontRef idx="minor">
+      <a:schemeClr val="tx1"/>
+    </cs:fontRef>
+    <cs:spPr>
+      <a:ln w="9525" cap="flat" cmpd="sng" algn="ctr">
+        <a:solidFill>
+          <a:schemeClr val="tx1">
+            <a:lumMod val="35000"/>
+            <a:lumOff val="65000"/>
+          </a:schemeClr>
+        </a:solidFill>
+        <a:round/>
+      </a:ln>
+    </cs:spPr>
+  </cs:leaderLine>
+  <cs:legend>
+    <cs:lnRef idx="0"/>
+    <cs:fillRef idx="0"/>
+    <cs:effectRef idx="0"/>
+    <cs:fontRef idx="minor">
+      <a:schemeClr val="tx1">
+        <a:lumMod val="65000"/>
+        <a:lumOff val="35000"/>
+      </a:schemeClr>
+    </cs:fontRef>
+    <cs:defRPr sz="900" kern="1200"/>
+  </cs:legend>
+  <cs:plotArea mods="allowNoFillOverride allowNoLineOverride">
+    <cs:lnRef idx="0"/>
+    <cs:fillRef idx="0"/>
+    <cs:effectRef idx="0"/>
+    <cs:fontRef idx="minor">
+      <a:schemeClr val="tx1"/>
+    </cs:fontRef>
+  </cs:plotArea>
+  <cs:plotArea3D mods="allowNoFillOverride allowNoLineOverride">
+    <cs:lnRef idx="0"/>
+    <cs:fillRef idx="0"/>
+    <cs:effectRef idx="0"/>
+    <cs:fontRef idx="minor">
+      <a:schemeClr val="tx1"/>
+    </cs:fontRef>
+  </cs:plotArea3D>
+  <cs:seriesAxis>
+    <cs:lnRef idx="0"/>
+    <cs:fillRef idx="0"/>
+    <cs:effectRef idx="0"/>
+    <cs:fontRef idx="minor">
+      <a:schemeClr val="tx1">
+        <a:lumMod val="65000"/>
+        <a:lumOff val="35000"/>
+      </a:schemeClr>
+    </cs:fontRef>
+    <cs:defRPr sz="900" kern="1200"/>
+  </cs:seriesAxis>
+  <cs:seriesLine>
+    <cs:lnRef idx="0"/>
+    <cs:fillRef idx="0"/>
+    <cs:effectRef idx="0"/>
+    <cs:fontRef idx="minor">
+      <a:schemeClr val="tx1"/>
+    </cs:fontRef>
+    <cs:spPr>
+      <a:ln w="9525" cap="flat" cmpd="sng" algn="ctr">
+        <a:solidFill>
+          <a:schemeClr val="tx1">
+            <a:lumMod val="35000"/>
+            <a:lumOff val="65000"/>
+          </a:schemeClr>
+        </a:solidFill>
+        <a:round/>
+      </a:ln>
+    </cs:spPr>
+  </cs:seriesLine>
+  <cs:title>
+    <cs:lnRef idx="0"/>
+    <cs:fillRef idx="0"/>
+    <cs:effectRef idx="0"/>
+    <cs:fontRef idx="minor">
+      <a:schemeClr val="tx1">
+        <a:lumMod val="65000"/>
+        <a:lumOff val="35000"/>
+      </a:schemeClr>
+    </cs:fontRef>
+    <cs:defRPr sz="1400" b="0" kern="1200" spc="0" baseline="0"/>
+  </cs:title>
+  <cs:trendline>
+    <cs:lnRef idx="0">
+      <cs:styleClr val="auto"/>
+    </cs:lnRef>
+    <cs:fillRef idx="0"/>
+    <cs:effectRef idx="0"/>
+    <cs:fontRef idx="minor">
+      <a:schemeClr val="tx1"/>
+    </cs:fontRef>
+    <cs:spPr>
+      <a:ln w="19050" cap="rnd">
+        <a:solidFill>
+          <a:schemeClr val="phClr"/>
+        </a:solidFill>
+        <a:prstDash val="sysDot"/>
+      </a:ln>
+    </cs:spPr>
+  </cs:trendline>
+  <cs:trendlineLabel>
+    <cs:lnRef idx="0"/>
+    <cs:fillRef idx="0"/>
+    <cs:effectRef idx="0"/>
+    <cs:fontRef idx="minor">
+      <a:schemeClr val="tx1">
+        <a:lumMod val="65000"/>
+        <a:lumOff val="35000"/>
+      </a:schemeClr>
+    </cs:fontRef>
+    <cs:defRPr sz="900" kern="1200"/>
+  </cs:trendlineLabel>
+  <cs:upBar>
+    <cs:lnRef idx="0"/>
+    <cs:fillRef idx="0"/>
+    <cs:effectRef idx="0"/>
+    <cs:fontRef idx="minor">
+      <a:schemeClr val="tx1"/>
+    </cs:fontRef>
+    <cs:spPr>
+      <a:solidFill>
+        <a:schemeClr val="lt1"/>
+      </a:solidFill>
+      <a:ln w="9525" cap="flat" cmpd="sng" algn="ctr">
+        <a:solidFill>
+          <a:schemeClr val="tx1">
+            <a:lumMod val="65000"/>
+            <a:lumOff val="35000"/>
+          </a:schemeClr>
+        </a:solidFill>
+        <a:round/>
+      </a:ln>
+    </cs:spPr>
+  </cs:upBar>
+  <cs:valueAxis>
+    <cs:lnRef idx="0"/>
+    <cs:fillRef idx="0"/>
+    <cs:effectRef idx="0"/>
+    <cs:fontRef idx="minor">
+      <a:schemeClr val="tx1">
+        <a:lumMod val="65000"/>
+        <a:lumOff val="35000"/>
+      </a:schemeClr>
+    </cs:fontRef>
+    <cs:defRPr sz="900" kern="1200"/>
+  </cs:valueAxis>
+  <cs:wall>
+    <cs:lnRef idx="0"/>
+    <cs:fillRef idx="0"/>
+    <cs:effectRef idx="0"/>
+    <cs:fontRef idx="minor">
+      <a:schemeClr val="tx1"/>
+    </cs:fontRef>
+    <cs:spPr>
+      <a:noFill/>
+      <a:ln>
+        <a:noFill/>
+      </a:ln>
+    </cs:spPr>
+  </cs:wall>
+</cs:chartStyle>
+</file>
+
 <file path=ppt/slideLayouts/slideLayout1.xml><?xml version="1.0" encoding="utf-8"?>
 <p:sldLayout xmlns:a="http://schemas.openxmlformats.org/drawingml/2006/main" xmlns:r="http://schemas.openxmlformats.org/officeDocument/2006/relationships" xmlns:p="http://schemas.openxmlformats.org/presentationml/2006/main" type="title" preserve="1">
   <p:cSld name="Титульный слайд">
@@ -163,10 +4887,9 @@
           </a:lstStyle>
           <a:p>
             <a:r>
-              <a:rPr lang="ru-RU" smtClean="0"/>
+              <a:rPr lang="ru-RU"/>
               <a:t>Образец заголовка</a:t>
             </a:r>
-            <a:endParaRPr lang="ru-RU"/>
           </a:p>
         </p:txBody>
       </p:sp>
@@ -228,10 +4951,9 @@
           </a:lstStyle>
           <a:p>
             <a:r>
-              <a:rPr lang="ru-RU" smtClean="0"/>
+              <a:rPr lang="ru-RU"/>
               <a:t>Образец подзаголовка</a:t>
             </a:r>
-            <a:endParaRPr lang="ru-RU"/>
           </a:p>
         </p:txBody>
       </p:sp>
@@ -252,7 +4974,7 @@
           <a:p>
             <a:fld id="{F7D52920-8BF2-4F03-85D4-A552724BFEE7}" type="datetimeFigureOut">
               <a:rPr lang="ru-RU" smtClean="0"/>
-              <a:t>11.12.23</a:t>
+              <a:t>13.12.2023</a:t>
             </a:fld>
             <a:endParaRPr lang="ru-RU"/>
           </a:p>
@@ -346,10 +5068,9 @@
           <a:lstStyle/>
           <a:p>
             <a:r>
-              <a:rPr lang="ru-RU" smtClean="0"/>
+              <a:rPr lang="ru-RU"/>
               <a:t>Образец заголовка</a:t>
             </a:r>
-            <a:endParaRPr lang="ru-RU"/>
           </a:p>
         </p:txBody>
       </p:sp>
@@ -370,38 +5091,37 @@
           <a:p>
             <a:pPr lvl="0"/>
             <a:r>
-              <a:rPr lang="ru-RU" smtClean="0"/>
+              <a:rPr lang="ru-RU"/>
               <a:t>Образец текста</a:t>
             </a:r>
           </a:p>
           <a:p>
             <a:pPr lvl="1"/>
             <a:r>
-              <a:rPr lang="ru-RU" smtClean="0"/>
+              <a:rPr lang="ru-RU"/>
               <a:t>Второй уровень</a:t>
             </a:r>
           </a:p>
           <a:p>
             <a:pPr lvl="2"/>
             <a:r>
-              <a:rPr lang="ru-RU" smtClean="0"/>
+              <a:rPr lang="ru-RU"/>
               <a:t>Третий уровень</a:t>
             </a:r>
           </a:p>
           <a:p>
             <a:pPr lvl="3"/>
             <a:r>
-              <a:rPr lang="ru-RU" smtClean="0"/>
+              <a:rPr lang="ru-RU"/>
               <a:t>Четвертый уровень</a:t>
             </a:r>
           </a:p>
           <a:p>
             <a:pPr lvl="4"/>
             <a:r>
-              <a:rPr lang="ru-RU" smtClean="0"/>
+              <a:rPr lang="ru-RU"/>
               <a:t>Пятый уровень</a:t>
             </a:r>
-            <a:endParaRPr lang="ru-RU"/>
           </a:p>
         </p:txBody>
       </p:sp>
@@ -422,7 +5142,7 @@
           <a:p>
             <a:fld id="{F7D52920-8BF2-4F03-85D4-A552724BFEE7}" type="datetimeFigureOut">
               <a:rPr lang="ru-RU" smtClean="0"/>
-              <a:t>11.12.23</a:t>
+              <a:t>13.12.2023</a:t>
             </a:fld>
             <a:endParaRPr lang="ru-RU"/>
           </a:p>
@@ -521,10 +5241,9 @@
           <a:lstStyle/>
           <a:p>
             <a:r>
-              <a:rPr lang="ru-RU" smtClean="0"/>
+              <a:rPr lang="ru-RU"/>
               <a:t>Образец заголовка</a:t>
             </a:r>
-            <a:endParaRPr lang="ru-RU"/>
           </a:p>
         </p:txBody>
       </p:sp>
@@ -550,38 +5269,37 @@
           <a:p>
             <a:pPr lvl="0"/>
             <a:r>
-              <a:rPr lang="ru-RU" smtClean="0"/>
+              <a:rPr lang="ru-RU"/>
               <a:t>Образец текста</a:t>
             </a:r>
           </a:p>
           <a:p>
             <a:pPr lvl="1"/>
             <a:r>
-              <a:rPr lang="ru-RU" smtClean="0"/>
+              <a:rPr lang="ru-RU"/>
               <a:t>Второй уровень</a:t>
             </a:r>
           </a:p>
           <a:p>
             <a:pPr lvl="2"/>
             <a:r>
-              <a:rPr lang="ru-RU" smtClean="0"/>
+              <a:rPr lang="ru-RU"/>
               <a:t>Третий уровень</a:t>
             </a:r>
           </a:p>
           <a:p>
             <a:pPr lvl="3"/>
             <a:r>
-              <a:rPr lang="ru-RU" smtClean="0"/>
+              <a:rPr lang="ru-RU"/>
               <a:t>Четвертый уровень</a:t>
             </a:r>
           </a:p>
           <a:p>
             <a:pPr lvl="4"/>
             <a:r>
-              <a:rPr lang="ru-RU" smtClean="0"/>
+              <a:rPr lang="ru-RU"/>
               <a:t>Пятый уровень</a:t>
             </a:r>
-            <a:endParaRPr lang="ru-RU"/>
           </a:p>
         </p:txBody>
       </p:sp>
@@ -602,7 +5320,7 @@
           <a:p>
             <a:fld id="{F7D52920-8BF2-4F03-85D4-A552724BFEE7}" type="datetimeFigureOut">
               <a:rPr lang="ru-RU" smtClean="0"/>
-              <a:t>11.12.23</a:t>
+              <a:t>13.12.2023</a:t>
             </a:fld>
             <a:endParaRPr lang="ru-RU"/>
           </a:p>
@@ -696,10 +5414,9 @@
           <a:lstStyle/>
           <a:p>
             <a:r>
-              <a:rPr lang="ru-RU" smtClean="0"/>
+              <a:rPr lang="ru-RU"/>
               <a:t>Образец заголовка</a:t>
             </a:r>
-            <a:endParaRPr lang="ru-RU"/>
           </a:p>
         </p:txBody>
       </p:sp>
@@ -720,38 +5437,37 @@
           <a:p>
             <a:pPr lvl="0"/>
             <a:r>
-              <a:rPr lang="ru-RU" smtClean="0"/>
+              <a:rPr lang="ru-RU"/>
               <a:t>Образец текста</a:t>
             </a:r>
           </a:p>
           <a:p>
             <a:pPr lvl="1"/>
             <a:r>
-              <a:rPr lang="ru-RU" smtClean="0"/>
+              <a:rPr lang="ru-RU"/>
               <a:t>Второй уровень</a:t>
             </a:r>
           </a:p>
           <a:p>
             <a:pPr lvl="2"/>
             <a:r>
-              <a:rPr lang="ru-RU" smtClean="0"/>
+              <a:rPr lang="ru-RU"/>
               <a:t>Третий уровень</a:t>
             </a:r>
           </a:p>
           <a:p>
             <a:pPr lvl="3"/>
             <a:r>
-              <a:rPr lang="ru-RU" smtClean="0"/>
+              <a:rPr lang="ru-RU"/>
               <a:t>Четвертый уровень</a:t>
             </a:r>
           </a:p>
           <a:p>
             <a:pPr lvl="4"/>
             <a:r>
-              <a:rPr lang="ru-RU" smtClean="0"/>
+              <a:rPr lang="ru-RU"/>
               <a:t>Пятый уровень</a:t>
             </a:r>
-            <a:endParaRPr lang="ru-RU"/>
           </a:p>
         </p:txBody>
       </p:sp>
@@ -772,7 +5488,7 @@
           <a:p>
             <a:fld id="{F7D52920-8BF2-4F03-85D4-A552724BFEE7}" type="datetimeFigureOut">
               <a:rPr lang="ru-RU" smtClean="0"/>
-              <a:t>11.12.23</a:t>
+              <a:t>13.12.2023</a:t>
             </a:fld>
             <a:endParaRPr lang="ru-RU"/>
           </a:p>
@@ -875,10 +5591,9 @@
           </a:lstStyle>
           <a:p>
             <a:r>
-              <a:rPr lang="ru-RU" smtClean="0"/>
+              <a:rPr lang="ru-RU"/>
               <a:t>Образец заголовка</a:t>
             </a:r>
-            <a:endParaRPr lang="ru-RU"/>
           </a:p>
         </p:txBody>
       </p:sp>
@@ -995,7 +5710,7 @@
           <a:p>
             <a:pPr lvl="0"/>
             <a:r>
-              <a:rPr lang="ru-RU" smtClean="0"/>
+              <a:rPr lang="ru-RU"/>
               <a:t>Образец текста</a:t>
             </a:r>
           </a:p>
@@ -1018,7 +5733,7 @@
           <a:p>
             <a:fld id="{F7D52920-8BF2-4F03-85D4-A552724BFEE7}" type="datetimeFigureOut">
               <a:rPr lang="ru-RU" smtClean="0"/>
-              <a:t>11.12.23</a:t>
+              <a:t>13.12.2023</a:t>
             </a:fld>
             <a:endParaRPr lang="ru-RU"/>
           </a:p>
@@ -1112,10 +5827,9 @@
           <a:lstStyle/>
           <a:p>
             <a:r>
-              <a:rPr lang="ru-RU" smtClean="0"/>
+              <a:rPr lang="ru-RU"/>
               <a:t>Образец заголовка</a:t>
             </a:r>
-            <a:endParaRPr lang="ru-RU"/>
           </a:p>
         </p:txBody>
       </p:sp>
@@ -1141,38 +5855,37 @@
           <a:p>
             <a:pPr lvl="0"/>
             <a:r>
-              <a:rPr lang="ru-RU" smtClean="0"/>
+              <a:rPr lang="ru-RU"/>
               <a:t>Образец текста</a:t>
             </a:r>
           </a:p>
           <a:p>
             <a:pPr lvl="1"/>
             <a:r>
-              <a:rPr lang="ru-RU" smtClean="0"/>
+              <a:rPr lang="ru-RU"/>
               <a:t>Второй уровень</a:t>
             </a:r>
           </a:p>
           <a:p>
             <a:pPr lvl="2"/>
             <a:r>
-              <a:rPr lang="ru-RU" smtClean="0"/>
+              <a:rPr lang="ru-RU"/>
               <a:t>Третий уровень</a:t>
             </a:r>
           </a:p>
           <a:p>
             <a:pPr lvl="3"/>
             <a:r>
-              <a:rPr lang="ru-RU" smtClean="0"/>
+              <a:rPr lang="ru-RU"/>
               <a:t>Четвертый уровень</a:t>
             </a:r>
           </a:p>
           <a:p>
             <a:pPr lvl="4"/>
             <a:r>
-              <a:rPr lang="ru-RU" smtClean="0"/>
+              <a:rPr lang="ru-RU"/>
               <a:t>Пятый уровень</a:t>
             </a:r>
-            <a:endParaRPr lang="ru-RU"/>
           </a:p>
         </p:txBody>
       </p:sp>
@@ -1198,38 +5911,37 @@
           <a:p>
             <a:pPr lvl="0"/>
             <a:r>
-              <a:rPr lang="ru-RU" smtClean="0"/>
+              <a:rPr lang="ru-RU"/>
               <a:t>Образец текста</a:t>
             </a:r>
           </a:p>
           <a:p>
             <a:pPr lvl="1"/>
             <a:r>
-              <a:rPr lang="ru-RU" smtClean="0"/>
+              <a:rPr lang="ru-RU"/>
               <a:t>Второй уровень</a:t>
             </a:r>
           </a:p>
           <a:p>
             <a:pPr lvl="2"/>
             <a:r>
-              <a:rPr lang="ru-RU" smtClean="0"/>
+              <a:rPr lang="ru-RU"/>
               <a:t>Третий уровень</a:t>
             </a:r>
           </a:p>
           <a:p>
             <a:pPr lvl="3"/>
             <a:r>
-              <a:rPr lang="ru-RU" smtClean="0"/>
+              <a:rPr lang="ru-RU"/>
               <a:t>Четвертый уровень</a:t>
             </a:r>
           </a:p>
           <a:p>
             <a:pPr lvl="4"/>
             <a:r>
-              <a:rPr lang="ru-RU" smtClean="0"/>
+              <a:rPr lang="ru-RU"/>
               <a:t>Пятый уровень</a:t>
             </a:r>
-            <a:endParaRPr lang="ru-RU"/>
           </a:p>
         </p:txBody>
       </p:sp>
@@ -1250,7 +5962,7 @@
           <a:p>
             <a:fld id="{F7D52920-8BF2-4F03-85D4-A552724BFEE7}" type="datetimeFigureOut">
               <a:rPr lang="ru-RU" smtClean="0"/>
-              <a:t>11.12.23</a:t>
+              <a:t>13.12.2023</a:t>
             </a:fld>
             <a:endParaRPr lang="ru-RU"/>
           </a:p>
@@ -1349,10 +6061,9 @@
           <a:lstStyle/>
           <a:p>
             <a:r>
-              <a:rPr lang="ru-RU" smtClean="0"/>
+              <a:rPr lang="ru-RU"/>
               <a:t>Образец заголовка</a:t>
             </a:r>
-            <a:endParaRPr lang="ru-RU"/>
           </a:p>
         </p:txBody>
       </p:sp>
@@ -1415,7 +6126,7 @@
           <a:p>
             <a:pPr lvl="0"/>
             <a:r>
-              <a:rPr lang="ru-RU" smtClean="0"/>
+              <a:rPr lang="ru-RU"/>
               <a:t>Образец текста</a:t>
             </a:r>
           </a:p>
@@ -1443,38 +6154,37 @@
           <a:p>
             <a:pPr lvl="0"/>
             <a:r>
-              <a:rPr lang="ru-RU" smtClean="0"/>
+              <a:rPr lang="ru-RU"/>
               <a:t>Образец текста</a:t>
             </a:r>
           </a:p>
           <a:p>
             <a:pPr lvl="1"/>
             <a:r>
-              <a:rPr lang="ru-RU" smtClean="0"/>
+              <a:rPr lang="ru-RU"/>
               <a:t>Второй уровень</a:t>
             </a:r>
           </a:p>
           <a:p>
             <a:pPr lvl="2"/>
             <a:r>
-              <a:rPr lang="ru-RU" smtClean="0"/>
+              <a:rPr lang="ru-RU"/>
               <a:t>Третий уровень</a:t>
             </a:r>
           </a:p>
           <a:p>
             <a:pPr lvl="3"/>
             <a:r>
-              <a:rPr lang="ru-RU" smtClean="0"/>
+              <a:rPr lang="ru-RU"/>
               <a:t>Четвертый уровень</a:t>
             </a:r>
           </a:p>
           <a:p>
             <a:pPr lvl="4"/>
             <a:r>
-              <a:rPr lang="ru-RU" smtClean="0"/>
+              <a:rPr lang="ru-RU"/>
               <a:t>Пятый уровень</a:t>
             </a:r>
-            <a:endParaRPr lang="ru-RU"/>
           </a:p>
         </p:txBody>
       </p:sp>
@@ -1537,7 +6247,7 @@
           <a:p>
             <a:pPr lvl="0"/>
             <a:r>
-              <a:rPr lang="ru-RU" smtClean="0"/>
+              <a:rPr lang="ru-RU"/>
               <a:t>Образец текста</a:t>
             </a:r>
           </a:p>
@@ -1565,38 +6275,37 @@
           <a:p>
             <a:pPr lvl="0"/>
             <a:r>
-              <a:rPr lang="ru-RU" smtClean="0"/>
+              <a:rPr lang="ru-RU"/>
               <a:t>Образец текста</a:t>
             </a:r>
           </a:p>
           <a:p>
             <a:pPr lvl="1"/>
             <a:r>
-              <a:rPr lang="ru-RU" smtClean="0"/>
+              <a:rPr lang="ru-RU"/>
               <a:t>Второй уровень</a:t>
             </a:r>
           </a:p>
           <a:p>
             <a:pPr lvl="2"/>
             <a:r>
-              <a:rPr lang="ru-RU" smtClean="0"/>
+              <a:rPr lang="ru-RU"/>
               <a:t>Третий уровень</a:t>
             </a:r>
           </a:p>
           <a:p>
             <a:pPr lvl="3"/>
             <a:r>
-              <a:rPr lang="ru-RU" smtClean="0"/>
+              <a:rPr lang="ru-RU"/>
               <a:t>Четвертый уровень</a:t>
             </a:r>
           </a:p>
           <a:p>
             <a:pPr lvl="4"/>
             <a:r>
-              <a:rPr lang="ru-RU" smtClean="0"/>
+              <a:rPr lang="ru-RU"/>
               <a:t>Пятый уровень</a:t>
             </a:r>
-            <a:endParaRPr lang="ru-RU"/>
           </a:p>
         </p:txBody>
       </p:sp>
@@ -1617,7 +6326,7 @@
           <a:p>
             <a:fld id="{F7D52920-8BF2-4F03-85D4-A552724BFEE7}" type="datetimeFigureOut">
               <a:rPr lang="ru-RU" smtClean="0"/>
-              <a:t>11.12.23</a:t>
+              <a:t>13.12.2023</a:t>
             </a:fld>
             <a:endParaRPr lang="ru-RU"/>
           </a:p>
@@ -1711,10 +6420,9 @@
           <a:lstStyle/>
           <a:p>
             <a:r>
-              <a:rPr lang="ru-RU" smtClean="0"/>
+              <a:rPr lang="ru-RU"/>
               <a:t>Образец заголовка</a:t>
             </a:r>
-            <a:endParaRPr lang="ru-RU"/>
           </a:p>
         </p:txBody>
       </p:sp>
@@ -1735,7 +6443,7 @@
           <a:p>
             <a:fld id="{F7D52920-8BF2-4F03-85D4-A552724BFEE7}" type="datetimeFigureOut">
               <a:rPr lang="ru-RU" smtClean="0"/>
-              <a:t>11.12.23</a:t>
+              <a:t>13.12.2023</a:t>
             </a:fld>
             <a:endParaRPr lang="ru-RU"/>
           </a:p>
@@ -1830,7 +6538,7 @@
           <a:p>
             <a:fld id="{F7D52920-8BF2-4F03-85D4-A552724BFEE7}" type="datetimeFigureOut">
               <a:rPr lang="ru-RU" smtClean="0"/>
-              <a:t>11.12.23</a:t>
+              <a:t>13.12.2023</a:t>
             </a:fld>
             <a:endParaRPr lang="ru-RU"/>
           </a:p>
@@ -1933,10 +6641,9 @@
           </a:lstStyle>
           <a:p>
             <a:r>
-              <a:rPr lang="ru-RU" smtClean="0"/>
+              <a:rPr lang="ru-RU"/>
               <a:t>Образец заголовка</a:t>
             </a:r>
-            <a:endParaRPr lang="ru-RU"/>
           </a:p>
         </p:txBody>
       </p:sp>
@@ -1990,38 +6697,37 @@
           <a:p>
             <a:pPr lvl="0"/>
             <a:r>
-              <a:rPr lang="ru-RU" smtClean="0"/>
+              <a:rPr lang="ru-RU"/>
               <a:t>Образец текста</a:t>
             </a:r>
           </a:p>
           <a:p>
             <a:pPr lvl="1"/>
             <a:r>
-              <a:rPr lang="ru-RU" smtClean="0"/>
+              <a:rPr lang="ru-RU"/>
               <a:t>Второй уровень</a:t>
             </a:r>
           </a:p>
           <a:p>
             <a:pPr lvl="2"/>
             <a:r>
-              <a:rPr lang="ru-RU" smtClean="0"/>
+              <a:rPr lang="ru-RU"/>
               <a:t>Третий уровень</a:t>
             </a:r>
           </a:p>
           <a:p>
             <a:pPr lvl="3"/>
             <a:r>
-              <a:rPr lang="ru-RU" smtClean="0"/>
+              <a:rPr lang="ru-RU"/>
               <a:t>Четвертый уровень</a:t>
             </a:r>
           </a:p>
           <a:p>
             <a:pPr lvl="4"/>
             <a:r>
-              <a:rPr lang="ru-RU" smtClean="0"/>
+              <a:rPr lang="ru-RU"/>
               <a:t>Пятый уровень</a:t>
             </a:r>
-            <a:endParaRPr lang="ru-RU"/>
           </a:p>
         </p:txBody>
       </p:sp>
@@ -2084,7 +6790,7 @@
           <a:p>
             <a:pPr lvl="0"/>
             <a:r>
-              <a:rPr lang="ru-RU" smtClean="0"/>
+              <a:rPr lang="ru-RU"/>
               <a:t>Образец текста</a:t>
             </a:r>
           </a:p>
@@ -2107,7 +6813,7 @@
           <a:p>
             <a:fld id="{F7D52920-8BF2-4F03-85D4-A552724BFEE7}" type="datetimeFigureOut">
               <a:rPr lang="ru-RU" smtClean="0"/>
-              <a:t>11.12.23</a:t>
+              <a:t>13.12.2023</a:t>
             </a:fld>
             <a:endParaRPr lang="ru-RU"/>
           </a:p>
@@ -2210,10 +6916,9 @@
           </a:lstStyle>
           <a:p>
             <a:r>
-              <a:rPr lang="ru-RU" smtClean="0"/>
+              <a:rPr lang="ru-RU"/>
               <a:t>Образец заголовка</a:t>
             </a:r>
-            <a:endParaRPr lang="ru-RU"/>
           </a:p>
         </p:txBody>
       </p:sp>
@@ -2337,7 +7042,7 @@
           <a:p>
             <a:pPr lvl="0"/>
             <a:r>
-              <a:rPr lang="ru-RU" smtClean="0"/>
+              <a:rPr lang="ru-RU"/>
               <a:t>Образец текста</a:t>
             </a:r>
           </a:p>
@@ -2360,7 +7065,7 @@
           <a:p>
             <a:fld id="{F7D52920-8BF2-4F03-85D4-A552724BFEE7}" type="datetimeFigureOut">
               <a:rPr lang="ru-RU" smtClean="0"/>
-              <a:t>11.12.23</a:t>
+              <a:t>13.12.2023</a:t>
             </a:fld>
             <a:endParaRPr lang="ru-RU"/>
           </a:p>
@@ -2469,10 +7174,9 @@
           <a:lstStyle/>
           <a:p>
             <a:r>
-              <a:rPr lang="ru-RU" smtClean="0"/>
+              <a:rPr lang="ru-RU"/>
               <a:t>Образец заголовка</a:t>
             </a:r>
-            <a:endParaRPr lang="ru-RU"/>
           </a:p>
         </p:txBody>
       </p:sp>
@@ -2503,38 +7207,37 @@
           <a:p>
             <a:pPr lvl="0"/>
             <a:r>
-              <a:rPr lang="ru-RU" smtClean="0"/>
+              <a:rPr lang="ru-RU"/>
               <a:t>Образец текста</a:t>
             </a:r>
           </a:p>
           <a:p>
             <a:pPr lvl="1"/>
             <a:r>
-              <a:rPr lang="ru-RU" smtClean="0"/>
+              <a:rPr lang="ru-RU"/>
               <a:t>Второй уровень</a:t>
             </a:r>
           </a:p>
           <a:p>
             <a:pPr lvl="2"/>
             <a:r>
-              <a:rPr lang="ru-RU" smtClean="0"/>
+              <a:rPr lang="ru-RU"/>
               <a:t>Третий уровень</a:t>
             </a:r>
           </a:p>
           <a:p>
             <a:pPr lvl="3"/>
             <a:r>
-              <a:rPr lang="ru-RU" smtClean="0"/>
+              <a:rPr lang="ru-RU"/>
               <a:t>Четвертый уровень</a:t>
             </a:r>
           </a:p>
           <a:p>
             <a:pPr lvl="4"/>
             <a:r>
-              <a:rPr lang="ru-RU" smtClean="0"/>
+              <a:rPr lang="ru-RU"/>
               <a:t>Пятый уровень</a:t>
             </a:r>
-            <a:endParaRPr lang="ru-RU"/>
           </a:p>
         </p:txBody>
       </p:sp>
@@ -2573,7 +7276,7 @@
           <a:p>
             <a:fld id="{F7D52920-8BF2-4F03-85D4-A552724BFEE7}" type="datetimeFigureOut">
               <a:rPr lang="ru-RU" smtClean="0"/>
-              <a:t>11.12.23</a:t>
+              <a:t>13.12.2023</a:t>
             </a:fld>
             <a:endParaRPr lang="ru-RU"/>
           </a:p>
@@ -3055,7 +7758,7 @@
           <a:p>
             <a:pPr algn="ctr"/>
             <a:r>
-              <a:rPr lang="en-US" sz="5400" b="0" cap="none" spc="0" dirty="0" smtClean="0">
+              <a:rPr lang="en-US" sz="5400" b="0" cap="none" spc="0" dirty="0">
                 <a:ln w="0"/>
                 <a:solidFill>
                   <a:schemeClr val="tx1"/>
@@ -3120,7 +7823,7 @@
           <a:p>
             <a:pPr algn="ctr"/>
             <a:r>
-              <a:rPr lang="en-US" sz="5400" b="0" cap="none" spc="0" dirty="0" smtClean="0">
+              <a:rPr lang="en-US" sz="5400" b="0" cap="none" spc="0" dirty="0">
                 <a:ln w="0"/>
                 <a:solidFill>
                   <a:schemeClr val="tx1"/>
@@ -3185,7 +7888,7 @@
           <a:p>
             <a:pPr algn="ctr"/>
             <a:r>
-              <a:rPr lang="en-US" sz="5400" b="0" cap="none" spc="0" dirty="0" smtClean="0">
+              <a:rPr lang="en-US" sz="5400" b="0" cap="none" spc="0" dirty="0">
                 <a:ln w="0"/>
                 <a:solidFill>
                   <a:schemeClr val="tx1"/>
@@ -3239,7 +7942,7 @@
           <a:lstStyle/>
           <a:p>
             <a:r>
-              <a:rPr lang="en-US" dirty="0" smtClean="0"/>
+              <a:rPr lang="en-US" dirty="0"/>
               <a:t>Cleveland</a:t>
             </a:r>
             <a:endParaRPr lang="ru-RU" dirty="0"/>
@@ -3269,7 +7972,7 @@
           <a:lstStyle/>
           <a:p>
             <a:r>
-              <a:rPr lang="en-US" dirty="0" smtClean="0"/>
+              <a:rPr lang="en-US" dirty="0"/>
               <a:t>Cincinnati</a:t>
             </a:r>
             <a:endParaRPr lang="ru-RU" dirty="0"/>
@@ -3299,7 +8002,7 @@
           <a:lstStyle/>
           <a:p>
             <a:r>
-              <a:rPr lang="en-US" dirty="0" smtClean="0"/>
+              <a:rPr lang="en-US" dirty="0"/>
               <a:t>Columbus</a:t>
             </a:r>
             <a:endParaRPr lang="ru-RU" dirty="0"/>
@@ -3569,7 +8272,7 @@
           <a:lstStyle/>
           <a:p>
             <a:r>
-              <a:rPr lang="en-US" dirty="0" smtClean="0"/>
+              <a:rPr lang="en-US" dirty="0"/>
               <a:t>Miami</a:t>
             </a:r>
             <a:endParaRPr lang="ru-RU" dirty="0"/>
@@ -3664,7 +8367,7 @@
           <a:lstStyle/>
           <a:p>
             <a:r>
-              <a:rPr lang="en-US" dirty="0" smtClean="0"/>
+              <a:rPr lang="en-US" dirty="0"/>
               <a:t>Las Vegas</a:t>
             </a:r>
             <a:endParaRPr lang="ru-RU" dirty="0"/>
@@ -3724,13 +8427,6 @@
       <p:transition spd="slow" advTm="9459"/>
     </mc:Fallback>
   </mc:AlternateContent>
-  <p:timing>
-    <p:tnLst>
-      <p:par>
-        <p:cTn id="1" dur="indefinite" restart="never" nodeType="tmRoot"/>
-      </p:par>
-    </p:tnLst>
-  </p:timing>
 </p:sld>
 </file>
 
@@ -3828,7 +8524,7 @@
           <a:p>
             <a:pPr algn="ctr"/>
             <a:r>
-              <a:rPr lang="en-US" sz="5400" b="0" cap="none" spc="0" dirty="0" smtClean="0">
+              <a:rPr lang="en-US" sz="5400" b="0" cap="none" spc="0" dirty="0">
                 <a:ln w="0"/>
                 <a:solidFill>
                   <a:schemeClr val="tx1"/>
@@ -3893,7 +8589,7 @@
           <a:p>
             <a:pPr algn="ctr"/>
             <a:r>
-              <a:rPr lang="en-US" sz="5400" b="0" cap="none" spc="0" dirty="0" smtClean="0">
+              <a:rPr lang="en-US" sz="5400" b="0" cap="none" spc="0" dirty="0">
                 <a:ln w="0"/>
                 <a:solidFill>
                   <a:schemeClr val="tx1"/>
@@ -3958,7 +8654,7 @@
           <a:p>
             <a:pPr algn="ctr"/>
             <a:r>
-              <a:rPr lang="en-US" sz="5400" b="0" cap="none" spc="0" dirty="0" smtClean="0">
+              <a:rPr lang="en-US" sz="5400" b="0" cap="none" spc="0" dirty="0">
                 <a:ln w="0"/>
                 <a:solidFill>
                   <a:schemeClr val="tx1"/>
@@ -4012,7 +8708,7 @@
           <a:lstStyle/>
           <a:p>
             <a:r>
-              <a:rPr lang="en-US" dirty="0" smtClean="0"/>
+              <a:rPr lang="en-US" dirty="0"/>
               <a:t>Cleveland</a:t>
             </a:r>
             <a:endParaRPr lang="ru-RU" dirty="0"/>
@@ -4042,7 +8738,7 @@
           <a:lstStyle/>
           <a:p>
             <a:r>
-              <a:rPr lang="en-US" dirty="0" smtClean="0"/>
+              <a:rPr lang="en-US" dirty="0"/>
               <a:t>Cincinnati</a:t>
             </a:r>
             <a:endParaRPr lang="ru-RU" dirty="0"/>
@@ -4072,7 +8768,7 @@
           <a:lstStyle/>
           <a:p>
             <a:r>
-              <a:rPr lang="en-US" dirty="0" smtClean="0"/>
+              <a:rPr lang="en-US" dirty="0"/>
               <a:t>Columbus</a:t>
             </a:r>
             <a:endParaRPr lang="ru-RU" dirty="0"/>
@@ -4342,7 +9038,7 @@
           <a:lstStyle/>
           <a:p>
             <a:r>
-              <a:rPr lang="en-US" dirty="0" smtClean="0"/>
+              <a:rPr lang="en-US" dirty="0"/>
               <a:t>Miami</a:t>
             </a:r>
             <a:endParaRPr lang="ru-RU" dirty="0"/>
@@ -4437,7 +9133,7 @@
           <a:lstStyle/>
           <a:p>
             <a:r>
-              <a:rPr lang="en-US" dirty="0" smtClean="0"/>
+              <a:rPr lang="en-US" dirty="0"/>
               <a:t>Las Vegas</a:t>
             </a:r>
             <a:endParaRPr lang="ru-RU" dirty="0"/>
@@ -4489,17 +9185,10 @@
   <p:clrMapOvr>
     <a:masterClrMapping/>
   </p:clrMapOvr>
-  <p:timing>
-    <p:tnLst>
-      <p:par>
-        <p:cTn id="1" dur="indefinite" restart="never" nodeType="tmRoot"/>
-      </p:par>
-    </p:tnLst>
-  </p:timing>
 </p:sld>
 </file>
 
-<file path=ppt/slides/slide2.xml><?xml version="1.0" encoding="utf-8"?>
+<file path=ppt/slides/slide11.xml><?xml version="1.0" encoding="utf-8"?>
 <p:sld xmlns:a="http://schemas.openxmlformats.org/drawingml/2006/main" xmlns:r="http://schemas.openxmlformats.org/officeDocument/2006/relationships" xmlns:p="http://schemas.openxmlformats.org/presentationml/2006/main">
   <p:cSld>
     <p:spTree>
@@ -4593,7 +9282,7 @@
           <a:p>
             <a:pPr algn="ctr"/>
             <a:r>
-              <a:rPr lang="en-US" sz="5400" b="0" cap="none" spc="0" dirty="0" smtClean="0">
+              <a:rPr lang="en-US" sz="5400" b="0" cap="none" spc="0" dirty="0">
                 <a:ln w="0"/>
                 <a:solidFill>
                   <a:schemeClr val="tx1"/>
@@ -4658,7 +9347,7 @@
           <a:p>
             <a:pPr algn="ctr"/>
             <a:r>
-              <a:rPr lang="en-US" sz="5400" b="0" cap="none" spc="0" dirty="0" smtClean="0">
+              <a:rPr lang="en-US" sz="5400" b="0" cap="none" spc="0" dirty="0">
                 <a:ln w="0"/>
                 <a:solidFill>
                   <a:schemeClr val="tx1"/>
@@ -4723,7 +9412,7 @@
           <a:p>
             <a:pPr algn="ctr"/>
             <a:r>
-              <a:rPr lang="en-US" sz="5400" b="0" cap="none" spc="0" dirty="0" smtClean="0">
+              <a:rPr lang="en-US" sz="5400" b="0" cap="none" spc="0" dirty="0">
                 <a:ln w="0"/>
                 <a:solidFill>
                   <a:schemeClr val="tx1"/>
@@ -4777,7 +9466,7 @@
           <a:lstStyle/>
           <a:p>
             <a:r>
-              <a:rPr lang="en-US" dirty="0" smtClean="0"/>
+              <a:rPr lang="en-US" dirty="0"/>
               <a:t>Cleveland</a:t>
             </a:r>
             <a:endParaRPr lang="ru-RU" dirty="0"/>
@@ -4807,7 +9496,7 @@
           <a:lstStyle/>
           <a:p>
             <a:r>
-              <a:rPr lang="en-US" dirty="0" smtClean="0"/>
+              <a:rPr lang="en-US" dirty="0"/>
               <a:t>Cincinnati</a:t>
             </a:r>
             <a:endParaRPr lang="ru-RU" dirty="0"/>
@@ -4837,7 +9526,7 @@
           <a:lstStyle/>
           <a:p>
             <a:r>
-              <a:rPr lang="en-US" dirty="0" smtClean="0"/>
+              <a:rPr lang="en-US" dirty="0"/>
               <a:t>Columbus</a:t>
             </a:r>
             <a:endParaRPr lang="ru-RU" dirty="0"/>
@@ -5107,7 +9796,7 @@
           <a:lstStyle/>
           <a:p>
             <a:r>
-              <a:rPr lang="en-US" dirty="0" smtClean="0"/>
+              <a:rPr lang="en-US" dirty="0"/>
               <a:t>Miami</a:t>
             </a:r>
             <a:endParaRPr lang="ru-RU" dirty="0"/>
@@ -5202,7 +9891,7 @@
           <a:lstStyle/>
           <a:p>
             <a:r>
-              <a:rPr lang="en-US" dirty="0" smtClean="0"/>
+              <a:rPr lang="en-US" dirty="0"/>
               <a:t>Las Vegas</a:t>
             </a:r>
             <a:endParaRPr lang="ru-RU" dirty="0"/>
@@ -5266,8 +9955,8 @@
         </p:blipFill>
         <p:spPr>
           <a:xfrm>
-            <a:off x="509435" y="1877572"/>
-            <a:ext cx="4607124" cy="4222697"/>
+            <a:off x="31897" y="563880"/>
+            <a:ext cx="6517950" cy="5974080"/>
           </a:xfrm>
           <a:prstGeom prst="rect">
             <a:avLst/>
@@ -5282,7 +9971,2834 @@
         </p:nvCxnSpPr>
         <p:spPr>
           <a:xfrm>
-            <a:off x="5129259" y="1877572"/>
+            <a:off x="5096560" y="1879083"/>
+            <a:ext cx="3158060" cy="310662"/>
+          </a:xfrm>
+          <a:prstGeom prst="line">
+            <a:avLst/>
+          </a:prstGeom>
+        </p:spPr>
+        <p:style>
+          <a:lnRef idx="1">
+            <a:schemeClr val="accent1"/>
+          </a:lnRef>
+          <a:fillRef idx="0">
+            <a:schemeClr val="accent1"/>
+          </a:fillRef>
+          <a:effectRef idx="0">
+            <a:schemeClr val="accent1"/>
+          </a:effectRef>
+          <a:fontRef idx="minor">
+            <a:schemeClr val="tx1"/>
+          </a:fontRef>
+        </p:style>
+      </p:cxnSp>
+      <p:cxnSp>
+        <p:nvCxnSpPr>
+          <p:cNvPr id="15" name="Прямая соединительная линия 14"/>
+          <p:cNvCxnSpPr/>
+          <p:nvPr/>
+        </p:nvCxnSpPr>
+        <p:spPr>
+          <a:xfrm flipH="1">
+            <a:off x="5129259" y="2762437"/>
+            <a:ext cx="3119016" cy="3296858"/>
+          </a:xfrm>
+          <a:prstGeom prst="line">
+            <a:avLst/>
+          </a:prstGeom>
+        </p:spPr>
+        <p:style>
+          <a:lnRef idx="1">
+            <a:schemeClr val="accent1"/>
+          </a:lnRef>
+          <a:fillRef idx="0">
+            <a:schemeClr val="accent1"/>
+          </a:fillRef>
+          <a:effectRef idx="0">
+            <a:schemeClr val="accent1"/>
+          </a:effectRef>
+          <a:fontRef idx="minor">
+            <a:schemeClr val="tx1"/>
+          </a:fontRef>
+        </p:style>
+      </p:cxnSp>
+      <p:graphicFrame>
+        <p:nvGraphicFramePr>
+          <p:cNvPr id="26" name="Диаграмма 25">
+            <a:extLst>
+              <a:ext uri="{FF2B5EF4-FFF2-40B4-BE49-F238E27FC236}">
+                <a16:creationId xmlns:a16="http://schemas.microsoft.com/office/drawing/2014/main" id="{A440E4E0-B715-415C-A011-B1A008D5B9C0}"/>
+              </a:ext>
+            </a:extLst>
+          </p:cNvPr>
+          <p:cNvGraphicFramePr>
+            <a:graphicFrameLocks/>
+          </p:cNvGraphicFramePr>
+          <p:nvPr/>
+        </p:nvGraphicFramePr>
+        <p:xfrm>
+          <a:off x="3374759" y="3531796"/>
+          <a:ext cx="775386" cy="646331"/>
+        </p:xfrm>
+        <a:graphic>
+          <a:graphicData uri="http://schemas.openxmlformats.org/drawingml/2006/chart">
+            <c:chart xmlns:c="http://schemas.openxmlformats.org/drawingml/2006/chart" xmlns:r="http://schemas.openxmlformats.org/officeDocument/2006/relationships" r:id="rId7"/>
+          </a:graphicData>
+        </a:graphic>
+      </p:graphicFrame>
+      <p:graphicFrame>
+        <p:nvGraphicFramePr>
+          <p:cNvPr id="28" name="Диаграмма 27">
+            <a:extLst>
+              <a:ext uri="{FF2B5EF4-FFF2-40B4-BE49-F238E27FC236}">
+                <a16:creationId xmlns:a16="http://schemas.microsoft.com/office/drawing/2014/main" id="{05D78FDF-C87E-4856-B2F2-12210583C824}"/>
+              </a:ext>
+            </a:extLst>
+          </p:cNvPr>
+          <p:cNvGraphicFramePr>
+            <a:graphicFrameLocks/>
+          </p:cNvGraphicFramePr>
+          <p:nvPr>
+            <p:extLst>
+              <p:ext uri="{D42A27DB-BD31-4B8C-83A1-F6EECF244321}">
+                <p14:modId xmlns:p14="http://schemas.microsoft.com/office/powerpoint/2010/main" val="1198303514"/>
+              </p:ext>
+            </p:extLst>
+          </p:nvPr>
+        </p:nvGraphicFramePr>
+        <p:xfrm>
+          <a:off x="4159259" y="3996009"/>
+          <a:ext cx="1623714" cy="1243690"/>
+        </p:xfrm>
+        <a:graphic>
+          <a:graphicData uri="http://schemas.openxmlformats.org/drawingml/2006/chart">
+            <c:chart xmlns:c="http://schemas.openxmlformats.org/drawingml/2006/chart" xmlns:r="http://schemas.openxmlformats.org/officeDocument/2006/relationships" r:id="rId8"/>
+          </a:graphicData>
+        </a:graphic>
+      </p:graphicFrame>
+      <p:graphicFrame>
+        <p:nvGraphicFramePr>
+          <p:cNvPr id="29" name="Диаграмма 28">
+            <a:extLst>
+              <a:ext uri="{FF2B5EF4-FFF2-40B4-BE49-F238E27FC236}">
+                <a16:creationId xmlns:a16="http://schemas.microsoft.com/office/drawing/2014/main" id="{D3F78806-99E2-4807-A1C5-04635C2BE2F5}"/>
+              </a:ext>
+            </a:extLst>
+          </p:cNvPr>
+          <p:cNvGraphicFramePr>
+            <a:graphicFrameLocks/>
+          </p:cNvGraphicFramePr>
+          <p:nvPr>
+            <p:extLst>
+              <p:ext uri="{D42A27DB-BD31-4B8C-83A1-F6EECF244321}">
+                <p14:modId xmlns:p14="http://schemas.microsoft.com/office/powerpoint/2010/main" val="2701182040"/>
+              </p:ext>
+            </p:extLst>
+          </p:nvPr>
+        </p:nvGraphicFramePr>
+        <p:xfrm>
+          <a:off x="2636297" y="5078365"/>
+          <a:ext cx="1839248" cy="1506317"/>
+        </p:xfrm>
+        <a:graphic>
+          <a:graphicData uri="http://schemas.openxmlformats.org/drawingml/2006/chart">
+            <c:chart xmlns:c="http://schemas.openxmlformats.org/drawingml/2006/chart" xmlns:r="http://schemas.openxmlformats.org/officeDocument/2006/relationships" r:id="rId9"/>
+          </a:graphicData>
+        </a:graphic>
+      </p:graphicFrame>
+      <p:graphicFrame>
+        <p:nvGraphicFramePr>
+          <p:cNvPr id="30" name="Диаграмма 29">
+            <a:extLst>
+              <a:ext uri="{FF2B5EF4-FFF2-40B4-BE49-F238E27FC236}">
+                <a16:creationId xmlns:a16="http://schemas.microsoft.com/office/drawing/2014/main" id="{96AC4FD7-C2E5-44F2-AE32-A47BBB2F6138}"/>
+              </a:ext>
+            </a:extLst>
+          </p:cNvPr>
+          <p:cNvGraphicFramePr>
+            <a:graphicFrameLocks/>
+          </p:cNvGraphicFramePr>
+          <p:nvPr>
+            <p:extLst>
+              <p:ext uri="{D42A27DB-BD31-4B8C-83A1-F6EECF244321}">
+                <p14:modId xmlns:p14="http://schemas.microsoft.com/office/powerpoint/2010/main" val="480028860"/>
+              </p:ext>
+            </p:extLst>
+          </p:nvPr>
+        </p:nvGraphicFramePr>
+        <p:xfrm>
+          <a:off x="4668649" y="2320988"/>
+          <a:ext cx="2841032" cy="1838326"/>
+        </p:xfrm>
+        <a:graphic>
+          <a:graphicData uri="http://schemas.openxmlformats.org/drawingml/2006/chart">
+            <c:chart xmlns:c="http://schemas.openxmlformats.org/drawingml/2006/chart" xmlns:r="http://schemas.openxmlformats.org/officeDocument/2006/relationships" r:id="rId10"/>
+          </a:graphicData>
+        </a:graphic>
+      </p:graphicFrame>
+      <p:graphicFrame>
+        <p:nvGraphicFramePr>
+          <p:cNvPr id="14" name="Таблица 13">
+            <a:extLst>
+              <a:ext uri="{FF2B5EF4-FFF2-40B4-BE49-F238E27FC236}">
+                <a16:creationId xmlns:a16="http://schemas.microsoft.com/office/drawing/2014/main" id="{4A4E3755-00FA-4A1B-9309-56B01B05B9EC}"/>
+              </a:ext>
+            </a:extLst>
+          </p:cNvPr>
+          <p:cNvGraphicFramePr>
+            <a:graphicFrameLocks noGrp="1"/>
+          </p:cNvGraphicFramePr>
+          <p:nvPr>
+            <p:extLst>
+              <p:ext uri="{D42A27DB-BD31-4B8C-83A1-F6EECF244321}">
+                <p14:modId xmlns:p14="http://schemas.microsoft.com/office/powerpoint/2010/main" val="3959996265"/>
+              </p:ext>
+            </p:extLst>
+          </p:nvPr>
+        </p:nvGraphicFramePr>
+        <p:xfrm>
+          <a:off x="6752973" y="1059180"/>
+          <a:ext cx="5182870" cy="5490154"/>
+        </p:xfrm>
+        <a:graphic>
+          <a:graphicData uri="http://schemas.openxmlformats.org/drawingml/2006/table">
+            <a:tbl>
+              <a:tblPr>
+                <a:tableStyleId>{5C22544A-7EE6-4342-B048-85BDC9FD1C3A}</a:tableStyleId>
+              </a:tblPr>
+              <a:tblGrid>
+                <a:gridCol w="3245054">
+                  <a:extLst>
+                    <a:ext uri="{9D8B030D-6E8A-4147-A177-3AD203B41FA5}">
+                      <a16:colId xmlns:a16="http://schemas.microsoft.com/office/drawing/2014/main" val="3562106146"/>
+                    </a:ext>
+                  </a:extLst>
+                </a:gridCol>
+                <a:gridCol w="640440">
+                  <a:extLst>
+                    <a:ext uri="{9D8B030D-6E8A-4147-A177-3AD203B41FA5}">
+                      <a16:colId xmlns:a16="http://schemas.microsoft.com/office/drawing/2014/main" val="4104280519"/>
+                    </a:ext>
+                  </a:extLst>
+                </a:gridCol>
+                <a:gridCol w="652668">
+                  <a:extLst>
+                    <a:ext uri="{9D8B030D-6E8A-4147-A177-3AD203B41FA5}">
+                      <a16:colId xmlns:a16="http://schemas.microsoft.com/office/drawing/2014/main" val="2238400552"/>
+                    </a:ext>
+                  </a:extLst>
+                </a:gridCol>
+                <a:gridCol w="644708">
+                  <a:extLst>
+                    <a:ext uri="{9D8B030D-6E8A-4147-A177-3AD203B41FA5}">
+                      <a16:colId xmlns:a16="http://schemas.microsoft.com/office/drawing/2014/main" val="2965093383"/>
+                    </a:ext>
+                  </a:extLst>
+                </a:gridCol>
+              </a:tblGrid>
+              <a:tr h="941430">
+                <a:tc gridSpan="4">
+                  <a:txBody>
+                    <a:bodyPr/>
+                    <a:lstStyle/>
+                    <a:p>
+                      <a:pPr algn="l" fontAlgn="b"/>
+                      <a:r>
+                        <a:rPr lang="ru-RU" sz="1900" u="none" strike="noStrike" dirty="0">
+                          <a:solidFill>
+                            <a:srgbClr val="FF0000"/>
+                          </a:solidFill>
+                          <a:effectLst/>
+                        </a:rPr>
+                        <a:t>65% </a:t>
+                      </a:r>
+                      <a:r>
+                        <a:rPr lang="ru-RU" sz="1900" u="none" strike="noStrike" dirty="0">
+                          <a:effectLst/>
+                        </a:rPr>
+                        <a:t>населения потребляют фастфуд хотя бы раз в неделю</a:t>
+                      </a:r>
+                      <a:endParaRPr lang="ru-RU" sz="1900" b="0" i="0" u="none" strike="noStrike" dirty="0">
+                        <a:solidFill>
+                          <a:srgbClr val="000000"/>
+                        </a:solidFill>
+                        <a:effectLst/>
+                        <a:latin typeface="Calibri" panose="020F0502020204030204" pitchFamily="34" charset="0"/>
+                      </a:endParaRPr>
+                    </a:p>
+                  </a:txBody>
+                  <a:tcPr marL="9525" marR="9525" marT="9525" marB="0" anchor="b"/>
+                </a:tc>
+                <a:tc hMerge="1">
+                  <a:txBody>
+                    <a:bodyPr/>
+                    <a:lstStyle/>
+                    <a:p>
+                      <a:endParaRPr lang="ru-RU"/>
+                    </a:p>
+                  </a:txBody>
+                  <a:tcPr/>
+                </a:tc>
+                <a:tc hMerge="1">
+                  <a:txBody>
+                    <a:bodyPr/>
+                    <a:lstStyle/>
+                    <a:p>
+                      <a:endParaRPr lang="ru-RU"/>
+                    </a:p>
+                  </a:txBody>
+                  <a:tcPr/>
+                </a:tc>
+                <a:tc hMerge="1">
+                  <a:txBody>
+                    <a:bodyPr/>
+                    <a:lstStyle/>
+                    <a:p>
+                      <a:endParaRPr lang="ru-RU"/>
+                    </a:p>
+                  </a:txBody>
+                  <a:tcPr/>
+                </a:tc>
+                <a:extLst>
+                  <a:ext uri="{0D108BD9-81ED-4DB2-BD59-A6C34878D82A}">
+                    <a16:rowId xmlns:a16="http://schemas.microsoft.com/office/drawing/2014/main" val="411477261"/>
+                  </a:ext>
+                </a:extLst>
+              </a:tr>
+              <a:tr h="283344">
+                <a:tc>
+                  <a:txBody>
+                    <a:bodyPr/>
+                    <a:lstStyle/>
+                    <a:p>
+                      <a:pPr algn="l" fontAlgn="b"/>
+                      <a:endParaRPr lang="ru-RU" sz="1100" b="0" i="0" u="none" strike="noStrike">
+                        <a:solidFill>
+                          <a:srgbClr val="000000"/>
+                        </a:solidFill>
+                        <a:effectLst/>
+                        <a:latin typeface="Calibri" panose="020F0502020204030204" pitchFamily="34" charset="0"/>
+                      </a:endParaRPr>
+                    </a:p>
+                  </a:txBody>
+                  <a:tcPr marL="9525" marR="9525" marT="9525" marB="0" anchor="b"/>
+                </a:tc>
+                <a:tc>
+                  <a:txBody>
+                    <a:bodyPr/>
+                    <a:lstStyle/>
+                    <a:p>
+                      <a:pPr algn="l" fontAlgn="b"/>
+                      <a:endParaRPr lang="ru-RU" sz="1100" b="0" i="0" u="none" strike="noStrike">
+                        <a:solidFill>
+                          <a:srgbClr val="000000"/>
+                        </a:solidFill>
+                        <a:effectLst/>
+                        <a:latin typeface="Calibri" panose="020F0502020204030204" pitchFamily="34" charset="0"/>
+                      </a:endParaRPr>
+                    </a:p>
+                  </a:txBody>
+                  <a:tcPr marL="9525" marR="9525" marT="9525" marB="0" anchor="b"/>
+                </a:tc>
+                <a:tc>
+                  <a:txBody>
+                    <a:bodyPr/>
+                    <a:lstStyle/>
+                    <a:p>
+                      <a:pPr algn="l" fontAlgn="b"/>
+                      <a:endParaRPr lang="ru-RU" sz="1100" b="0" i="0" u="none" strike="noStrike">
+                        <a:solidFill>
+                          <a:srgbClr val="000000"/>
+                        </a:solidFill>
+                        <a:effectLst/>
+                        <a:latin typeface="Calibri" panose="020F0502020204030204" pitchFamily="34" charset="0"/>
+                      </a:endParaRPr>
+                    </a:p>
+                  </a:txBody>
+                  <a:tcPr marL="9525" marR="9525" marT="9525" marB="0" anchor="b"/>
+                </a:tc>
+                <a:tc>
+                  <a:txBody>
+                    <a:bodyPr/>
+                    <a:lstStyle/>
+                    <a:p>
+                      <a:pPr algn="l" fontAlgn="b"/>
+                      <a:endParaRPr lang="ru-RU" sz="1100" b="0" i="0" u="none" strike="noStrike">
+                        <a:solidFill>
+                          <a:srgbClr val="000000"/>
+                        </a:solidFill>
+                        <a:effectLst/>
+                        <a:latin typeface="Calibri" panose="020F0502020204030204" pitchFamily="34" charset="0"/>
+                      </a:endParaRPr>
+                    </a:p>
+                  </a:txBody>
+                  <a:tcPr marL="9525" marR="9525" marT="9525" marB="0" anchor="b"/>
+                </a:tc>
+                <a:extLst>
+                  <a:ext uri="{0D108BD9-81ED-4DB2-BD59-A6C34878D82A}">
+                    <a16:rowId xmlns:a16="http://schemas.microsoft.com/office/drawing/2014/main" val="1214697992"/>
+                  </a:ext>
+                </a:extLst>
+              </a:tr>
+              <a:tr h="304670">
+                <a:tc>
+                  <a:txBody>
+                    <a:bodyPr/>
+                    <a:lstStyle/>
+                    <a:p>
+                      <a:pPr algn="l" fontAlgn="b"/>
+                      <a:endParaRPr lang="ru-RU" sz="1100" b="0" i="0" u="none" strike="noStrike">
+                        <a:solidFill>
+                          <a:srgbClr val="000000"/>
+                        </a:solidFill>
+                        <a:effectLst/>
+                        <a:latin typeface="Calibri" panose="020F0502020204030204" pitchFamily="34" charset="0"/>
+                      </a:endParaRPr>
+                    </a:p>
+                  </a:txBody>
+                  <a:tcPr marL="9525" marR="9525" marT="9525" marB="0" anchor="b"/>
+                </a:tc>
+                <a:tc>
+                  <a:txBody>
+                    <a:bodyPr/>
+                    <a:lstStyle/>
+                    <a:p>
+                      <a:pPr algn="l" fontAlgn="b"/>
+                      <a:endParaRPr lang="ru-RU" sz="1100" b="0" i="0" u="none" strike="noStrike" dirty="0">
+                        <a:solidFill>
+                          <a:srgbClr val="000000"/>
+                        </a:solidFill>
+                        <a:effectLst/>
+                        <a:latin typeface="Calibri" panose="020F0502020204030204" pitchFamily="34" charset="0"/>
+                      </a:endParaRPr>
+                    </a:p>
+                  </a:txBody>
+                  <a:tcPr marL="9525" marR="9525" marT="9525" marB="0" anchor="b"/>
+                </a:tc>
+                <a:tc>
+                  <a:txBody>
+                    <a:bodyPr/>
+                    <a:lstStyle/>
+                    <a:p>
+                      <a:pPr algn="l" fontAlgn="b"/>
+                      <a:endParaRPr lang="ru-RU" sz="1100" b="0" i="0" u="none" strike="noStrike" dirty="0">
+                        <a:solidFill>
+                          <a:srgbClr val="000000"/>
+                        </a:solidFill>
+                        <a:effectLst/>
+                        <a:latin typeface="Calibri" panose="020F0502020204030204" pitchFamily="34" charset="0"/>
+                      </a:endParaRPr>
+                    </a:p>
+                  </a:txBody>
+                  <a:tcPr marL="9525" marR="9525" marT="9525" marB="0" anchor="b"/>
+                </a:tc>
+                <a:tc>
+                  <a:txBody>
+                    <a:bodyPr/>
+                    <a:lstStyle/>
+                    <a:p>
+                      <a:pPr algn="l" fontAlgn="b"/>
+                      <a:endParaRPr lang="ru-RU" sz="1100" b="0" i="0" u="none" strike="noStrike">
+                        <a:solidFill>
+                          <a:srgbClr val="000000"/>
+                        </a:solidFill>
+                        <a:effectLst/>
+                        <a:latin typeface="Calibri" panose="020F0502020204030204" pitchFamily="34" charset="0"/>
+                      </a:endParaRPr>
+                    </a:p>
+                  </a:txBody>
+                  <a:tcPr marL="9525" marR="9525" marT="9525" marB="0" anchor="b"/>
+                </a:tc>
+                <a:extLst>
+                  <a:ext uri="{0D108BD9-81ED-4DB2-BD59-A6C34878D82A}">
+                    <a16:rowId xmlns:a16="http://schemas.microsoft.com/office/drawing/2014/main" val="4175238716"/>
+                  </a:ext>
+                </a:extLst>
+              </a:tr>
+              <a:tr h="304670">
+                <a:tc>
+                  <a:txBody>
+                    <a:bodyPr/>
+                    <a:lstStyle/>
+                    <a:p>
+                      <a:pPr algn="l" fontAlgn="b"/>
+                      <a:endParaRPr lang="ru-RU" sz="1100" b="0" i="0" u="none" strike="noStrike">
+                        <a:solidFill>
+                          <a:srgbClr val="000000"/>
+                        </a:solidFill>
+                        <a:effectLst/>
+                        <a:latin typeface="Calibri" panose="020F0502020204030204" pitchFamily="34" charset="0"/>
+                      </a:endParaRPr>
+                    </a:p>
+                  </a:txBody>
+                  <a:tcPr marL="9525" marR="9525" marT="9525" marB="0" anchor="b"/>
+                </a:tc>
+                <a:tc>
+                  <a:txBody>
+                    <a:bodyPr/>
+                    <a:lstStyle/>
+                    <a:p>
+                      <a:pPr algn="l" fontAlgn="b"/>
+                      <a:endParaRPr lang="ru-RU" sz="1100" b="0" i="0" u="none" strike="noStrike">
+                        <a:solidFill>
+                          <a:srgbClr val="000000"/>
+                        </a:solidFill>
+                        <a:effectLst/>
+                        <a:latin typeface="Calibri" panose="020F0502020204030204" pitchFamily="34" charset="0"/>
+                      </a:endParaRPr>
+                    </a:p>
+                  </a:txBody>
+                  <a:tcPr marL="9525" marR="9525" marT="9525" marB="0" anchor="b"/>
+                </a:tc>
+                <a:tc>
+                  <a:txBody>
+                    <a:bodyPr/>
+                    <a:lstStyle/>
+                    <a:p>
+                      <a:pPr algn="l" fontAlgn="b"/>
+                      <a:endParaRPr lang="ru-RU" sz="1100" b="0" i="0" u="none" strike="noStrike">
+                        <a:solidFill>
+                          <a:srgbClr val="000000"/>
+                        </a:solidFill>
+                        <a:effectLst/>
+                        <a:latin typeface="Calibri" panose="020F0502020204030204" pitchFamily="34" charset="0"/>
+                      </a:endParaRPr>
+                    </a:p>
+                  </a:txBody>
+                  <a:tcPr marL="9525" marR="9525" marT="9525" marB="0" anchor="b"/>
+                </a:tc>
+                <a:tc>
+                  <a:txBody>
+                    <a:bodyPr/>
+                    <a:lstStyle/>
+                    <a:p>
+                      <a:pPr algn="l" fontAlgn="b"/>
+                      <a:endParaRPr lang="ru-RU" sz="1100" b="0" i="0" u="none" strike="noStrike">
+                        <a:solidFill>
+                          <a:srgbClr val="000000"/>
+                        </a:solidFill>
+                        <a:effectLst/>
+                        <a:latin typeface="Calibri" panose="020F0502020204030204" pitchFamily="34" charset="0"/>
+                      </a:endParaRPr>
+                    </a:p>
+                  </a:txBody>
+                  <a:tcPr marL="9525" marR="9525" marT="9525" marB="0" anchor="b"/>
+                </a:tc>
+                <a:extLst>
+                  <a:ext uri="{0D108BD9-81ED-4DB2-BD59-A6C34878D82A}">
+                    <a16:rowId xmlns:a16="http://schemas.microsoft.com/office/drawing/2014/main" val="3060134212"/>
+                  </a:ext>
+                </a:extLst>
+              </a:tr>
+              <a:tr h="304670">
+                <a:tc>
+                  <a:txBody>
+                    <a:bodyPr/>
+                    <a:lstStyle/>
+                    <a:p>
+                      <a:pPr algn="l" fontAlgn="b"/>
+                      <a:endParaRPr lang="ru-RU" sz="1100" b="0" i="0" u="none" strike="noStrike">
+                        <a:solidFill>
+                          <a:srgbClr val="000000"/>
+                        </a:solidFill>
+                        <a:effectLst/>
+                        <a:latin typeface="Calibri" panose="020F0502020204030204" pitchFamily="34" charset="0"/>
+                      </a:endParaRPr>
+                    </a:p>
+                  </a:txBody>
+                  <a:tcPr marL="9525" marR="9525" marT="9525" marB="0" anchor="b"/>
+                </a:tc>
+                <a:tc>
+                  <a:txBody>
+                    <a:bodyPr/>
+                    <a:lstStyle/>
+                    <a:p>
+                      <a:pPr algn="l" fontAlgn="b"/>
+                      <a:endParaRPr lang="ru-RU" sz="1100" b="0" i="0" u="none" strike="noStrike">
+                        <a:solidFill>
+                          <a:srgbClr val="000000"/>
+                        </a:solidFill>
+                        <a:effectLst/>
+                        <a:latin typeface="Calibri" panose="020F0502020204030204" pitchFamily="34" charset="0"/>
+                      </a:endParaRPr>
+                    </a:p>
+                  </a:txBody>
+                  <a:tcPr marL="9525" marR="9525" marT="9525" marB="0" anchor="b"/>
+                </a:tc>
+                <a:tc>
+                  <a:txBody>
+                    <a:bodyPr/>
+                    <a:lstStyle/>
+                    <a:p>
+                      <a:pPr algn="l" fontAlgn="b"/>
+                      <a:endParaRPr lang="ru-RU" sz="1100" b="0" i="0" u="none" strike="noStrike">
+                        <a:solidFill>
+                          <a:srgbClr val="000000"/>
+                        </a:solidFill>
+                        <a:effectLst/>
+                        <a:latin typeface="Calibri" panose="020F0502020204030204" pitchFamily="34" charset="0"/>
+                      </a:endParaRPr>
+                    </a:p>
+                  </a:txBody>
+                  <a:tcPr marL="9525" marR="9525" marT="9525" marB="0" anchor="b"/>
+                </a:tc>
+                <a:tc>
+                  <a:txBody>
+                    <a:bodyPr/>
+                    <a:lstStyle/>
+                    <a:p>
+                      <a:pPr algn="l" fontAlgn="b"/>
+                      <a:endParaRPr lang="ru-RU" sz="1100" b="0" i="0" u="none" strike="noStrike">
+                        <a:solidFill>
+                          <a:srgbClr val="000000"/>
+                        </a:solidFill>
+                        <a:effectLst/>
+                        <a:latin typeface="Calibri" panose="020F0502020204030204" pitchFamily="34" charset="0"/>
+                      </a:endParaRPr>
+                    </a:p>
+                  </a:txBody>
+                  <a:tcPr marL="9525" marR="9525" marT="9525" marB="0" anchor="b"/>
+                </a:tc>
+                <a:extLst>
+                  <a:ext uri="{0D108BD9-81ED-4DB2-BD59-A6C34878D82A}">
+                    <a16:rowId xmlns:a16="http://schemas.microsoft.com/office/drawing/2014/main" val="2021221265"/>
+                  </a:ext>
+                </a:extLst>
+              </a:tr>
+              <a:tr h="304670">
+                <a:tc>
+                  <a:txBody>
+                    <a:bodyPr/>
+                    <a:lstStyle/>
+                    <a:p>
+                      <a:pPr algn="l" fontAlgn="b"/>
+                      <a:endParaRPr lang="ru-RU" sz="1100" b="0" i="0" u="none" strike="noStrike">
+                        <a:solidFill>
+                          <a:srgbClr val="000000"/>
+                        </a:solidFill>
+                        <a:effectLst/>
+                        <a:latin typeface="Calibri" panose="020F0502020204030204" pitchFamily="34" charset="0"/>
+                      </a:endParaRPr>
+                    </a:p>
+                  </a:txBody>
+                  <a:tcPr marL="9525" marR="9525" marT="9525" marB="0" anchor="b"/>
+                </a:tc>
+                <a:tc>
+                  <a:txBody>
+                    <a:bodyPr/>
+                    <a:lstStyle/>
+                    <a:p>
+                      <a:pPr algn="l" fontAlgn="b"/>
+                      <a:r>
+                        <a:rPr lang="en-US" sz="1100" u="none" strike="noStrike" dirty="0">
+                          <a:effectLst/>
+                        </a:rPr>
+                        <a:t>Columbus</a:t>
+                      </a:r>
+                      <a:endParaRPr lang="en-US" sz="1100" b="0" i="0" u="none" strike="noStrike" dirty="0">
+                        <a:solidFill>
+                          <a:srgbClr val="000000"/>
+                        </a:solidFill>
+                        <a:effectLst/>
+                        <a:latin typeface="Calibri" panose="020F0502020204030204" pitchFamily="34" charset="0"/>
+                      </a:endParaRPr>
+                    </a:p>
+                  </a:txBody>
+                  <a:tcPr marL="9525" marR="9525" marT="9525" marB="0" anchor="b"/>
+                </a:tc>
+                <a:tc>
+                  <a:txBody>
+                    <a:bodyPr/>
+                    <a:lstStyle/>
+                    <a:p>
+                      <a:pPr algn="l" fontAlgn="b"/>
+                      <a:r>
+                        <a:rPr lang="en-US" sz="1100" u="none" strike="noStrike" dirty="0">
+                          <a:effectLst/>
+                        </a:rPr>
+                        <a:t>Cincinnati</a:t>
+                      </a:r>
+                      <a:endParaRPr lang="en-US" sz="1100" b="0" i="0" u="none" strike="noStrike" dirty="0">
+                        <a:solidFill>
+                          <a:srgbClr val="000000"/>
+                        </a:solidFill>
+                        <a:effectLst/>
+                        <a:latin typeface="Calibri" panose="020F0502020204030204" pitchFamily="34" charset="0"/>
+                      </a:endParaRPr>
+                    </a:p>
+                  </a:txBody>
+                  <a:tcPr marL="9525" marR="9525" marT="9525" marB="0" anchor="b"/>
+                </a:tc>
+                <a:tc>
+                  <a:txBody>
+                    <a:bodyPr/>
+                    <a:lstStyle/>
+                    <a:p>
+                      <a:pPr algn="l" fontAlgn="b"/>
+                      <a:r>
+                        <a:rPr lang="en-US" sz="1100" u="none" strike="noStrike" dirty="0">
+                          <a:effectLst/>
+                        </a:rPr>
+                        <a:t>Cleveland</a:t>
+                      </a:r>
+                      <a:endParaRPr lang="en-US" sz="1100" b="0" i="0" u="none" strike="noStrike" dirty="0">
+                        <a:solidFill>
+                          <a:srgbClr val="000000"/>
+                        </a:solidFill>
+                        <a:effectLst/>
+                        <a:latin typeface="Calibri" panose="020F0502020204030204" pitchFamily="34" charset="0"/>
+                      </a:endParaRPr>
+                    </a:p>
+                  </a:txBody>
+                  <a:tcPr marL="9525" marR="9525" marT="9525" marB="0" anchor="b"/>
+                </a:tc>
+                <a:extLst>
+                  <a:ext uri="{0D108BD9-81ED-4DB2-BD59-A6C34878D82A}">
+                    <a16:rowId xmlns:a16="http://schemas.microsoft.com/office/drawing/2014/main" val="1619588863"/>
+                  </a:ext>
+                </a:extLst>
+              </a:tr>
+              <a:tr h="304670">
+                <a:tc>
+                  <a:txBody>
+                    <a:bodyPr/>
+                    <a:lstStyle/>
+                    <a:p>
+                      <a:pPr algn="l" fontAlgn="ctr"/>
+                      <a:r>
+                        <a:rPr lang="ru-RU" sz="1100" u="none" strike="noStrike">
+                          <a:effectLst/>
+                        </a:rPr>
+                        <a:t>Население</a:t>
+                      </a:r>
+                      <a:endParaRPr lang="ru-RU" sz="1100" b="0" i="0" u="none" strike="noStrike">
+                        <a:solidFill>
+                          <a:srgbClr val="000000"/>
+                        </a:solidFill>
+                        <a:effectLst/>
+                        <a:latin typeface="Calibri" panose="020F0502020204030204" pitchFamily="34" charset="0"/>
+                      </a:endParaRPr>
+                    </a:p>
+                  </a:txBody>
+                  <a:tcPr marL="9525" marR="9525" marT="9525" marB="0" anchor="ctr"/>
+                </a:tc>
+                <a:tc>
+                  <a:txBody>
+                    <a:bodyPr/>
+                    <a:lstStyle/>
+                    <a:p>
+                      <a:pPr algn="r" fontAlgn="b"/>
+                      <a:r>
+                        <a:rPr lang="ru-RU" sz="1100" u="none" strike="noStrike">
+                          <a:effectLst/>
+                        </a:rPr>
+                        <a:t>849067</a:t>
+                      </a:r>
+                      <a:endParaRPr lang="ru-RU" sz="1100" b="0" i="0" u="none" strike="noStrike">
+                        <a:solidFill>
+                          <a:srgbClr val="000000"/>
+                        </a:solidFill>
+                        <a:effectLst/>
+                        <a:latin typeface="Calibri" panose="020F0502020204030204" pitchFamily="34" charset="0"/>
+                      </a:endParaRPr>
+                    </a:p>
+                  </a:txBody>
+                  <a:tcPr marL="9525" marR="9525" marT="9525" marB="0" anchor="b"/>
+                </a:tc>
+                <a:tc>
+                  <a:txBody>
+                    <a:bodyPr/>
+                    <a:lstStyle/>
+                    <a:p>
+                      <a:pPr algn="r" fontAlgn="b"/>
+                      <a:r>
+                        <a:rPr lang="ru-RU" sz="1100" u="none" strike="noStrike">
+                          <a:effectLst/>
+                        </a:rPr>
+                        <a:t>298537</a:t>
+                      </a:r>
+                      <a:endParaRPr lang="ru-RU" sz="1100" b="0" i="0" u="none" strike="noStrike">
+                        <a:solidFill>
+                          <a:srgbClr val="000000"/>
+                        </a:solidFill>
+                        <a:effectLst/>
+                        <a:latin typeface="Calibri" panose="020F0502020204030204" pitchFamily="34" charset="0"/>
+                      </a:endParaRPr>
+                    </a:p>
+                  </a:txBody>
+                  <a:tcPr marL="9525" marR="9525" marT="9525" marB="0" anchor="b"/>
+                </a:tc>
+                <a:tc>
+                  <a:txBody>
+                    <a:bodyPr/>
+                    <a:lstStyle/>
+                    <a:p>
+                      <a:pPr algn="r" fontAlgn="b"/>
+                      <a:r>
+                        <a:rPr lang="ru-RU" sz="1100" u="none" strike="noStrike">
+                          <a:effectLst/>
+                        </a:rPr>
+                        <a:t>388059</a:t>
+                      </a:r>
+                      <a:endParaRPr lang="ru-RU" sz="1100" b="0" i="0" u="none" strike="noStrike">
+                        <a:solidFill>
+                          <a:srgbClr val="000000"/>
+                        </a:solidFill>
+                        <a:effectLst/>
+                        <a:latin typeface="Calibri" panose="020F0502020204030204" pitchFamily="34" charset="0"/>
+                      </a:endParaRPr>
+                    </a:p>
+                  </a:txBody>
+                  <a:tcPr marL="9525" marR="9525" marT="9525" marB="0" anchor="b"/>
+                </a:tc>
+                <a:extLst>
+                  <a:ext uri="{0D108BD9-81ED-4DB2-BD59-A6C34878D82A}">
+                    <a16:rowId xmlns:a16="http://schemas.microsoft.com/office/drawing/2014/main" val="2626974336"/>
+                  </a:ext>
+                </a:extLst>
+              </a:tr>
+              <a:tr h="304670">
+                <a:tc>
+                  <a:txBody>
+                    <a:bodyPr/>
+                    <a:lstStyle/>
+                    <a:p>
+                      <a:pPr algn="l" fontAlgn="ctr"/>
+                      <a:r>
+                        <a:rPr lang="ru-RU" sz="1100" u="none" strike="noStrike">
+                          <a:effectLst/>
+                        </a:rPr>
+                        <a:t>65% населения</a:t>
+                      </a:r>
+                      <a:endParaRPr lang="ru-RU" sz="1100" b="0" i="0" u="none" strike="noStrike">
+                        <a:solidFill>
+                          <a:srgbClr val="000000"/>
+                        </a:solidFill>
+                        <a:effectLst/>
+                        <a:latin typeface="Calibri" panose="020F0502020204030204" pitchFamily="34" charset="0"/>
+                      </a:endParaRPr>
+                    </a:p>
+                  </a:txBody>
+                  <a:tcPr marL="9525" marR="9525" marT="9525" marB="0" anchor="ctr"/>
+                </a:tc>
+                <a:tc>
+                  <a:txBody>
+                    <a:bodyPr/>
+                    <a:lstStyle/>
+                    <a:p>
+                      <a:pPr algn="r" fontAlgn="b"/>
+                      <a:r>
+                        <a:rPr lang="ru-RU" sz="1100" u="none" strike="noStrike">
+                          <a:effectLst/>
+                        </a:rPr>
+                        <a:t>551894</a:t>
+                      </a:r>
+                      <a:endParaRPr lang="ru-RU" sz="1100" b="0" i="0" u="none" strike="noStrike">
+                        <a:solidFill>
+                          <a:srgbClr val="000000"/>
+                        </a:solidFill>
+                        <a:effectLst/>
+                        <a:latin typeface="Calibri" panose="020F0502020204030204" pitchFamily="34" charset="0"/>
+                      </a:endParaRPr>
+                    </a:p>
+                  </a:txBody>
+                  <a:tcPr marL="9525" marR="9525" marT="9525" marB="0" anchor="b"/>
+                </a:tc>
+                <a:tc>
+                  <a:txBody>
+                    <a:bodyPr/>
+                    <a:lstStyle/>
+                    <a:p>
+                      <a:pPr algn="r" fontAlgn="b"/>
+                      <a:r>
+                        <a:rPr lang="ru-RU" sz="1100" u="none" strike="noStrike">
+                          <a:effectLst/>
+                        </a:rPr>
+                        <a:t>194049</a:t>
+                      </a:r>
+                      <a:endParaRPr lang="ru-RU" sz="1100" b="0" i="0" u="none" strike="noStrike">
+                        <a:solidFill>
+                          <a:srgbClr val="000000"/>
+                        </a:solidFill>
+                        <a:effectLst/>
+                        <a:latin typeface="Calibri" panose="020F0502020204030204" pitchFamily="34" charset="0"/>
+                      </a:endParaRPr>
+                    </a:p>
+                  </a:txBody>
+                  <a:tcPr marL="9525" marR="9525" marT="9525" marB="0" anchor="b"/>
+                </a:tc>
+                <a:tc>
+                  <a:txBody>
+                    <a:bodyPr/>
+                    <a:lstStyle/>
+                    <a:p>
+                      <a:pPr algn="r" fontAlgn="b"/>
+                      <a:r>
+                        <a:rPr lang="ru-RU" sz="1100" u="none" strike="noStrike">
+                          <a:effectLst/>
+                        </a:rPr>
+                        <a:t>252238</a:t>
+                      </a:r>
+                      <a:endParaRPr lang="ru-RU" sz="1100" b="0" i="0" u="none" strike="noStrike">
+                        <a:solidFill>
+                          <a:srgbClr val="000000"/>
+                        </a:solidFill>
+                        <a:effectLst/>
+                        <a:latin typeface="Calibri" panose="020F0502020204030204" pitchFamily="34" charset="0"/>
+                      </a:endParaRPr>
+                    </a:p>
+                  </a:txBody>
+                  <a:tcPr marL="9525" marR="9525" marT="9525" marB="0" anchor="b"/>
+                </a:tc>
+                <a:extLst>
+                  <a:ext uri="{0D108BD9-81ED-4DB2-BD59-A6C34878D82A}">
+                    <a16:rowId xmlns:a16="http://schemas.microsoft.com/office/drawing/2014/main" val="766506785"/>
+                  </a:ext>
+                </a:extLst>
+              </a:tr>
+              <a:tr h="304670">
+                <a:tc>
+                  <a:txBody>
+                    <a:bodyPr/>
+                    <a:lstStyle/>
+                    <a:p>
+                      <a:pPr algn="l" fontAlgn="ctr"/>
+                      <a:r>
+                        <a:rPr lang="ru-RU" sz="1100" u="none" strike="noStrike">
+                          <a:effectLst/>
+                        </a:rPr>
+                        <a:t>Сколько человек в среднем едят фастфуд в день</a:t>
+                      </a:r>
+                      <a:endParaRPr lang="ru-RU" sz="1100" b="0" i="0" u="none" strike="noStrike">
+                        <a:solidFill>
+                          <a:srgbClr val="000000"/>
+                        </a:solidFill>
+                        <a:effectLst/>
+                        <a:latin typeface="Calibri" panose="020F0502020204030204" pitchFamily="34" charset="0"/>
+                      </a:endParaRPr>
+                    </a:p>
+                  </a:txBody>
+                  <a:tcPr marL="9525" marR="9525" marT="9525" marB="0" anchor="ctr"/>
+                </a:tc>
+                <a:tc>
+                  <a:txBody>
+                    <a:bodyPr/>
+                    <a:lstStyle/>
+                    <a:p>
+                      <a:pPr algn="r" fontAlgn="b"/>
+                      <a:r>
+                        <a:rPr lang="ru-RU" sz="1100" u="none" strike="noStrike">
+                          <a:effectLst/>
+                        </a:rPr>
+                        <a:t>78842</a:t>
+                      </a:r>
+                      <a:endParaRPr lang="ru-RU" sz="1100" b="0" i="0" u="none" strike="noStrike">
+                        <a:solidFill>
+                          <a:srgbClr val="000000"/>
+                        </a:solidFill>
+                        <a:effectLst/>
+                        <a:latin typeface="Calibri" panose="020F0502020204030204" pitchFamily="34" charset="0"/>
+                      </a:endParaRPr>
+                    </a:p>
+                  </a:txBody>
+                  <a:tcPr marL="9525" marR="9525" marT="9525" marB="0" anchor="b"/>
+                </a:tc>
+                <a:tc>
+                  <a:txBody>
+                    <a:bodyPr/>
+                    <a:lstStyle/>
+                    <a:p>
+                      <a:pPr algn="r" fontAlgn="b"/>
+                      <a:r>
+                        <a:rPr lang="ru-RU" sz="1100" u="none" strike="noStrike">
+                          <a:effectLst/>
+                        </a:rPr>
+                        <a:t>27721</a:t>
+                      </a:r>
+                      <a:endParaRPr lang="ru-RU" sz="1100" b="0" i="0" u="none" strike="noStrike">
+                        <a:solidFill>
+                          <a:srgbClr val="000000"/>
+                        </a:solidFill>
+                        <a:effectLst/>
+                        <a:latin typeface="Calibri" panose="020F0502020204030204" pitchFamily="34" charset="0"/>
+                      </a:endParaRPr>
+                    </a:p>
+                  </a:txBody>
+                  <a:tcPr marL="9525" marR="9525" marT="9525" marB="0" anchor="b"/>
+                </a:tc>
+                <a:tc>
+                  <a:txBody>
+                    <a:bodyPr/>
+                    <a:lstStyle/>
+                    <a:p>
+                      <a:pPr algn="r" fontAlgn="b"/>
+                      <a:r>
+                        <a:rPr lang="ru-RU" sz="1100" u="none" strike="noStrike">
+                          <a:effectLst/>
+                        </a:rPr>
+                        <a:t>36034</a:t>
+                      </a:r>
+                      <a:endParaRPr lang="ru-RU" sz="1100" b="0" i="0" u="none" strike="noStrike">
+                        <a:solidFill>
+                          <a:srgbClr val="000000"/>
+                        </a:solidFill>
+                        <a:effectLst/>
+                        <a:latin typeface="Calibri" panose="020F0502020204030204" pitchFamily="34" charset="0"/>
+                      </a:endParaRPr>
+                    </a:p>
+                  </a:txBody>
+                  <a:tcPr marL="9525" marR="9525" marT="9525" marB="0" anchor="b"/>
+                </a:tc>
+                <a:extLst>
+                  <a:ext uri="{0D108BD9-81ED-4DB2-BD59-A6C34878D82A}">
+                    <a16:rowId xmlns:a16="http://schemas.microsoft.com/office/drawing/2014/main" val="3059798312"/>
+                  </a:ext>
+                </a:extLst>
+              </a:tr>
+              <a:tr h="304670">
+                <a:tc>
+                  <a:txBody>
+                    <a:bodyPr/>
+                    <a:lstStyle/>
+                    <a:p>
+                      <a:pPr algn="l" fontAlgn="ctr"/>
+                      <a:r>
+                        <a:rPr lang="ru-RU" sz="1100" u="none" strike="noStrike">
+                          <a:effectLst/>
+                        </a:rPr>
+                        <a:t>Количество точек конкурентов в городе</a:t>
+                      </a:r>
+                      <a:endParaRPr lang="ru-RU" sz="1100" b="0" i="0" u="none" strike="noStrike">
+                        <a:solidFill>
+                          <a:srgbClr val="000000"/>
+                        </a:solidFill>
+                        <a:effectLst/>
+                        <a:latin typeface="Calibri" panose="020F0502020204030204" pitchFamily="34" charset="0"/>
+                      </a:endParaRPr>
+                    </a:p>
+                  </a:txBody>
+                  <a:tcPr marL="9525" marR="9525" marT="9525" marB="0" anchor="ctr"/>
+                </a:tc>
+                <a:tc>
+                  <a:txBody>
+                    <a:bodyPr/>
+                    <a:lstStyle/>
+                    <a:p>
+                      <a:pPr algn="r" fontAlgn="b"/>
+                      <a:r>
+                        <a:rPr lang="ru-RU" sz="1100" u="none" strike="noStrike">
+                          <a:effectLst/>
+                        </a:rPr>
+                        <a:t>105</a:t>
+                      </a:r>
+                      <a:endParaRPr lang="ru-RU" sz="1100" b="0" i="0" u="none" strike="noStrike">
+                        <a:solidFill>
+                          <a:srgbClr val="000000"/>
+                        </a:solidFill>
+                        <a:effectLst/>
+                        <a:latin typeface="Calibri" panose="020F0502020204030204" pitchFamily="34" charset="0"/>
+                      </a:endParaRPr>
+                    </a:p>
+                  </a:txBody>
+                  <a:tcPr marL="9525" marR="9525" marT="9525" marB="0" anchor="b"/>
+                </a:tc>
+                <a:tc>
+                  <a:txBody>
+                    <a:bodyPr/>
+                    <a:lstStyle/>
+                    <a:p>
+                      <a:pPr algn="r" fontAlgn="b"/>
+                      <a:r>
+                        <a:rPr lang="ru-RU" sz="1100" u="none" strike="noStrike">
+                          <a:effectLst/>
+                        </a:rPr>
+                        <a:t>60</a:t>
+                      </a:r>
+                      <a:endParaRPr lang="ru-RU" sz="1100" b="0" i="0" u="none" strike="noStrike">
+                        <a:solidFill>
+                          <a:srgbClr val="000000"/>
+                        </a:solidFill>
+                        <a:effectLst/>
+                        <a:latin typeface="Calibri" panose="020F0502020204030204" pitchFamily="34" charset="0"/>
+                      </a:endParaRPr>
+                    </a:p>
+                  </a:txBody>
+                  <a:tcPr marL="9525" marR="9525" marT="9525" marB="0" anchor="b"/>
+                </a:tc>
+                <a:tc>
+                  <a:txBody>
+                    <a:bodyPr/>
+                    <a:lstStyle/>
+                    <a:p>
+                      <a:pPr algn="r" fontAlgn="b"/>
+                      <a:r>
+                        <a:rPr lang="ru-RU" sz="1100" u="none" strike="noStrike">
+                          <a:effectLst/>
+                        </a:rPr>
+                        <a:t>57</a:t>
+                      </a:r>
+                      <a:endParaRPr lang="ru-RU" sz="1100" b="0" i="0" u="none" strike="noStrike">
+                        <a:solidFill>
+                          <a:srgbClr val="000000"/>
+                        </a:solidFill>
+                        <a:effectLst/>
+                        <a:latin typeface="Calibri" panose="020F0502020204030204" pitchFamily="34" charset="0"/>
+                      </a:endParaRPr>
+                    </a:p>
+                  </a:txBody>
+                  <a:tcPr marL="9525" marR="9525" marT="9525" marB="0" anchor="b"/>
+                </a:tc>
+                <a:extLst>
+                  <a:ext uri="{0D108BD9-81ED-4DB2-BD59-A6C34878D82A}">
+                    <a16:rowId xmlns:a16="http://schemas.microsoft.com/office/drawing/2014/main" val="338530917"/>
+                  </a:ext>
+                </a:extLst>
+              </a:tr>
+              <a:tr h="304670">
+                <a:tc>
+                  <a:txBody>
+                    <a:bodyPr/>
+                    <a:lstStyle/>
+                    <a:p>
+                      <a:pPr algn="l" fontAlgn="ctr"/>
+                      <a:r>
+                        <a:rPr lang="ru-RU" sz="1100" u="none" strike="noStrike">
+                          <a:effectLst/>
+                        </a:rPr>
+                        <a:t>Мощность 1 точки, чел в день</a:t>
+                      </a:r>
+                      <a:endParaRPr lang="ru-RU" sz="1100" b="0" i="0" u="none" strike="noStrike">
+                        <a:solidFill>
+                          <a:srgbClr val="000000"/>
+                        </a:solidFill>
+                        <a:effectLst/>
+                        <a:latin typeface="Calibri" panose="020F0502020204030204" pitchFamily="34" charset="0"/>
+                      </a:endParaRPr>
+                    </a:p>
+                  </a:txBody>
+                  <a:tcPr marL="9525" marR="9525" marT="9525" marB="0" anchor="ctr"/>
+                </a:tc>
+                <a:tc>
+                  <a:txBody>
+                    <a:bodyPr/>
+                    <a:lstStyle/>
+                    <a:p>
+                      <a:pPr algn="r" fontAlgn="b"/>
+                      <a:r>
+                        <a:rPr lang="ru-RU" sz="1100" u="none" strike="noStrike">
+                          <a:effectLst/>
+                        </a:rPr>
+                        <a:t>300</a:t>
+                      </a:r>
+                      <a:endParaRPr lang="ru-RU" sz="1100" b="0" i="0" u="none" strike="noStrike">
+                        <a:solidFill>
+                          <a:srgbClr val="000000"/>
+                        </a:solidFill>
+                        <a:effectLst/>
+                        <a:latin typeface="Calibri" panose="020F0502020204030204" pitchFamily="34" charset="0"/>
+                      </a:endParaRPr>
+                    </a:p>
+                  </a:txBody>
+                  <a:tcPr marL="9525" marR="9525" marT="9525" marB="0" anchor="b"/>
+                </a:tc>
+                <a:tc>
+                  <a:txBody>
+                    <a:bodyPr/>
+                    <a:lstStyle/>
+                    <a:p>
+                      <a:pPr algn="r" fontAlgn="b"/>
+                      <a:r>
+                        <a:rPr lang="ru-RU" sz="1100" u="none" strike="noStrike">
+                          <a:effectLst/>
+                        </a:rPr>
+                        <a:t>300</a:t>
+                      </a:r>
+                      <a:endParaRPr lang="ru-RU" sz="1100" b="0" i="0" u="none" strike="noStrike">
+                        <a:solidFill>
+                          <a:srgbClr val="000000"/>
+                        </a:solidFill>
+                        <a:effectLst/>
+                        <a:latin typeface="Calibri" panose="020F0502020204030204" pitchFamily="34" charset="0"/>
+                      </a:endParaRPr>
+                    </a:p>
+                  </a:txBody>
+                  <a:tcPr marL="9525" marR="9525" marT="9525" marB="0" anchor="b"/>
+                </a:tc>
+                <a:tc>
+                  <a:txBody>
+                    <a:bodyPr/>
+                    <a:lstStyle/>
+                    <a:p>
+                      <a:pPr algn="r" fontAlgn="b"/>
+                      <a:r>
+                        <a:rPr lang="ru-RU" sz="1100" u="none" strike="noStrike">
+                          <a:effectLst/>
+                        </a:rPr>
+                        <a:t>300</a:t>
+                      </a:r>
+                      <a:endParaRPr lang="ru-RU" sz="1100" b="0" i="0" u="none" strike="noStrike">
+                        <a:solidFill>
+                          <a:srgbClr val="000000"/>
+                        </a:solidFill>
+                        <a:effectLst/>
+                        <a:latin typeface="Calibri" panose="020F0502020204030204" pitchFamily="34" charset="0"/>
+                      </a:endParaRPr>
+                    </a:p>
+                  </a:txBody>
+                  <a:tcPr marL="9525" marR="9525" marT="9525" marB="0" anchor="b"/>
+                </a:tc>
+                <a:extLst>
+                  <a:ext uri="{0D108BD9-81ED-4DB2-BD59-A6C34878D82A}">
+                    <a16:rowId xmlns:a16="http://schemas.microsoft.com/office/drawing/2014/main" val="792318805"/>
+                  </a:ext>
+                </a:extLst>
+              </a:tr>
+              <a:tr h="304670">
+                <a:tc>
+                  <a:txBody>
+                    <a:bodyPr/>
+                    <a:lstStyle/>
+                    <a:p>
+                      <a:pPr algn="l" fontAlgn="ctr"/>
+                      <a:r>
+                        <a:rPr lang="ru-RU" sz="1100" u="none" strike="noStrike">
+                          <a:effectLst/>
+                        </a:rPr>
+                        <a:t>Сколько человек обслуживают конкуренты</a:t>
+                      </a:r>
+                      <a:endParaRPr lang="ru-RU" sz="1100" b="0" i="0" u="none" strike="noStrike">
+                        <a:solidFill>
+                          <a:srgbClr val="000000"/>
+                        </a:solidFill>
+                        <a:effectLst/>
+                        <a:latin typeface="Calibri" panose="020F0502020204030204" pitchFamily="34" charset="0"/>
+                      </a:endParaRPr>
+                    </a:p>
+                  </a:txBody>
+                  <a:tcPr marL="9525" marR="9525" marT="9525" marB="0" anchor="ctr"/>
+                </a:tc>
+                <a:tc>
+                  <a:txBody>
+                    <a:bodyPr/>
+                    <a:lstStyle/>
+                    <a:p>
+                      <a:pPr algn="r" fontAlgn="b"/>
+                      <a:r>
+                        <a:rPr lang="ru-RU" sz="1100" u="none" strike="noStrike">
+                          <a:effectLst/>
+                        </a:rPr>
+                        <a:t>31500</a:t>
+                      </a:r>
+                      <a:endParaRPr lang="ru-RU" sz="1100" b="0" i="0" u="none" strike="noStrike">
+                        <a:solidFill>
+                          <a:srgbClr val="000000"/>
+                        </a:solidFill>
+                        <a:effectLst/>
+                        <a:latin typeface="Calibri" panose="020F0502020204030204" pitchFamily="34" charset="0"/>
+                      </a:endParaRPr>
+                    </a:p>
+                  </a:txBody>
+                  <a:tcPr marL="9525" marR="9525" marT="9525" marB="0" anchor="b"/>
+                </a:tc>
+                <a:tc>
+                  <a:txBody>
+                    <a:bodyPr/>
+                    <a:lstStyle/>
+                    <a:p>
+                      <a:pPr algn="r" fontAlgn="b"/>
+                      <a:r>
+                        <a:rPr lang="ru-RU" sz="1100" u="none" strike="noStrike">
+                          <a:effectLst/>
+                        </a:rPr>
+                        <a:t>18000</a:t>
+                      </a:r>
+                      <a:endParaRPr lang="ru-RU" sz="1100" b="0" i="0" u="none" strike="noStrike">
+                        <a:solidFill>
+                          <a:srgbClr val="000000"/>
+                        </a:solidFill>
+                        <a:effectLst/>
+                        <a:latin typeface="Calibri" panose="020F0502020204030204" pitchFamily="34" charset="0"/>
+                      </a:endParaRPr>
+                    </a:p>
+                  </a:txBody>
+                  <a:tcPr marL="9525" marR="9525" marT="9525" marB="0" anchor="b"/>
+                </a:tc>
+                <a:tc>
+                  <a:txBody>
+                    <a:bodyPr/>
+                    <a:lstStyle/>
+                    <a:p>
+                      <a:pPr algn="r" fontAlgn="b"/>
+                      <a:r>
+                        <a:rPr lang="ru-RU" sz="1100" u="none" strike="noStrike">
+                          <a:effectLst/>
+                        </a:rPr>
+                        <a:t>17100</a:t>
+                      </a:r>
+                      <a:endParaRPr lang="ru-RU" sz="1100" b="0" i="0" u="none" strike="noStrike">
+                        <a:solidFill>
+                          <a:srgbClr val="000000"/>
+                        </a:solidFill>
+                        <a:effectLst/>
+                        <a:latin typeface="Calibri" panose="020F0502020204030204" pitchFamily="34" charset="0"/>
+                      </a:endParaRPr>
+                    </a:p>
+                  </a:txBody>
+                  <a:tcPr marL="9525" marR="9525" marT="9525" marB="0" anchor="b"/>
+                </a:tc>
+                <a:extLst>
+                  <a:ext uri="{0D108BD9-81ED-4DB2-BD59-A6C34878D82A}">
+                    <a16:rowId xmlns:a16="http://schemas.microsoft.com/office/drawing/2014/main" val="862372750"/>
+                  </a:ext>
+                </a:extLst>
+              </a:tr>
+              <a:tr h="304670">
+                <a:tc>
+                  <a:txBody>
+                    <a:bodyPr/>
+                    <a:lstStyle/>
+                    <a:p>
+                      <a:pPr algn="l" fontAlgn="ctr"/>
+                      <a:r>
+                        <a:rPr lang="ru-RU" sz="1100" u="none" strike="noStrike">
+                          <a:effectLst/>
+                        </a:rPr>
+                        <a:t>Доля занятая конкурентами</a:t>
+                      </a:r>
+                      <a:endParaRPr lang="ru-RU" sz="1100" b="0" i="0" u="none" strike="noStrike">
+                        <a:solidFill>
+                          <a:srgbClr val="000000"/>
+                        </a:solidFill>
+                        <a:effectLst/>
+                        <a:latin typeface="Calibri" panose="020F0502020204030204" pitchFamily="34" charset="0"/>
+                      </a:endParaRPr>
+                    </a:p>
+                  </a:txBody>
+                  <a:tcPr marL="9525" marR="9525" marT="9525" marB="0" anchor="ctr"/>
+                </a:tc>
+                <a:tc>
+                  <a:txBody>
+                    <a:bodyPr/>
+                    <a:lstStyle/>
+                    <a:p>
+                      <a:pPr algn="r" fontAlgn="b"/>
+                      <a:r>
+                        <a:rPr lang="ru-RU" sz="1100" u="none" strike="noStrike">
+                          <a:effectLst/>
+                        </a:rPr>
+                        <a:t>40%</a:t>
+                      </a:r>
+                      <a:endParaRPr lang="ru-RU" sz="1100" b="0" i="0" u="none" strike="noStrike">
+                        <a:solidFill>
+                          <a:srgbClr val="000000"/>
+                        </a:solidFill>
+                        <a:effectLst/>
+                        <a:latin typeface="Calibri" panose="020F0502020204030204" pitchFamily="34" charset="0"/>
+                      </a:endParaRPr>
+                    </a:p>
+                  </a:txBody>
+                  <a:tcPr marL="9525" marR="9525" marT="9525" marB="0" anchor="b"/>
+                </a:tc>
+                <a:tc>
+                  <a:txBody>
+                    <a:bodyPr/>
+                    <a:lstStyle/>
+                    <a:p>
+                      <a:pPr algn="r" fontAlgn="b"/>
+                      <a:r>
+                        <a:rPr lang="ru-RU" sz="1100" u="none" strike="noStrike">
+                          <a:effectLst/>
+                        </a:rPr>
+                        <a:t>65%</a:t>
+                      </a:r>
+                      <a:endParaRPr lang="ru-RU" sz="1100" b="0" i="0" u="none" strike="noStrike">
+                        <a:solidFill>
+                          <a:srgbClr val="000000"/>
+                        </a:solidFill>
+                        <a:effectLst/>
+                        <a:latin typeface="Calibri" panose="020F0502020204030204" pitchFamily="34" charset="0"/>
+                      </a:endParaRPr>
+                    </a:p>
+                  </a:txBody>
+                  <a:tcPr marL="9525" marR="9525" marT="9525" marB="0" anchor="b"/>
+                </a:tc>
+                <a:tc>
+                  <a:txBody>
+                    <a:bodyPr/>
+                    <a:lstStyle/>
+                    <a:p>
+                      <a:pPr algn="r" fontAlgn="b"/>
+                      <a:r>
+                        <a:rPr lang="ru-RU" sz="1100" u="none" strike="noStrike">
+                          <a:effectLst/>
+                        </a:rPr>
+                        <a:t>47%</a:t>
+                      </a:r>
+                      <a:endParaRPr lang="ru-RU" sz="1100" b="0" i="0" u="none" strike="noStrike">
+                        <a:solidFill>
+                          <a:srgbClr val="000000"/>
+                        </a:solidFill>
+                        <a:effectLst/>
+                        <a:latin typeface="Calibri" panose="020F0502020204030204" pitchFamily="34" charset="0"/>
+                      </a:endParaRPr>
+                    </a:p>
+                  </a:txBody>
+                  <a:tcPr marL="9525" marR="9525" marT="9525" marB="0" anchor="b"/>
+                </a:tc>
+                <a:extLst>
+                  <a:ext uri="{0D108BD9-81ED-4DB2-BD59-A6C34878D82A}">
+                    <a16:rowId xmlns:a16="http://schemas.microsoft.com/office/drawing/2014/main" val="4233625563"/>
+                  </a:ext>
+                </a:extLst>
+              </a:tr>
+              <a:tr h="304670">
+                <a:tc>
+                  <a:txBody>
+                    <a:bodyPr/>
+                    <a:lstStyle/>
+                    <a:p>
+                      <a:pPr algn="l" fontAlgn="ctr"/>
+                      <a:r>
+                        <a:rPr lang="ru-RU" sz="1100" u="none" strike="noStrike">
+                          <a:effectLst/>
+                        </a:rPr>
+                        <a:t>Потенциал = емкость рынка</a:t>
+                      </a:r>
+                      <a:endParaRPr lang="ru-RU" sz="1100" b="0" i="0" u="none" strike="noStrike">
+                        <a:solidFill>
+                          <a:srgbClr val="000000"/>
+                        </a:solidFill>
+                        <a:effectLst/>
+                        <a:latin typeface="Calibri" panose="020F0502020204030204" pitchFamily="34" charset="0"/>
+                      </a:endParaRPr>
+                    </a:p>
+                  </a:txBody>
+                  <a:tcPr marL="9525" marR="9525" marT="9525" marB="0" anchor="ctr"/>
+                </a:tc>
+                <a:tc>
+                  <a:txBody>
+                    <a:bodyPr/>
+                    <a:lstStyle/>
+                    <a:p>
+                      <a:pPr algn="r" fontAlgn="b"/>
+                      <a:r>
+                        <a:rPr lang="ru-RU" sz="1100" u="none" strike="noStrike">
+                          <a:effectLst/>
+                        </a:rPr>
+                        <a:t>263</a:t>
+                      </a:r>
+                      <a:endParaRPr lang="ru-RU" sz="1100" b="0" i="0" u="none" strike="noStrike">
+                        <a:solidFill>
+                          <a:srgbClr val="000000"/>
+                        </a:solidFill>
+                        <a:effectLst/>
+                        <a:latin typeface="Calibri" panose="020F0502020204030204" pitchFamily="34" charset="0"/>
+                      </a:endParaRPr>
+                    </a:p>
+                  </a:txBody>
+                  <a:tcPr marL="9525" marR="9525" marT="9525" marB="0" anchor="b"/>
+                </a:tc>
+                <a:tc>
+                  <a:txBody>
+                    <a:bodyPr/>
+                    <a:lstStyle/>
+                    <a:p>
+                      <a:pPr algn="r" fontAlgn="b"/>
+                      <a:r>
+                        <a:rPr lang="ru-RU" sz="1100" u="none" strike="noStrike">
+                          <a:effectLst/>
+                        </a:rPr>
+                        <a:t>92</a:t>
+                      </a:r>
+                      <a:endParaRPr lang="ru-RU" sz="1100" b="0" i="0" u="none" strike="noStrike">
+                        <a:solidFill>
+                          <a:srgbClr val="000000"/>
+                        </a:solidFill>
+                        <a:effectLst/>
+                        <a:latin typeface="Calibri" panose="020F0502020204030204" pitchFamily="34" charset="0"/>
+                      </a:endParaRPr>
+                    </a:p>
+                  </a:txBody>
+                  <a:tcPr marL="9525" marR="9525" marT="9525" marB="0" anchor="b"/>
+                </a:tc>
+                <a:tc>
+                  <a:txBody>
+                    <a:bodyPr/>
+                    <a:lstStyle/>
+                    <a:p>
+                      <a:pPr algn="r" fontAlgn="b"/>
+                      <a:r>
+                        <a:rPr lang="ru-RU" sz="1100" u="none" strike="noStrike">
+                          <a:effectLst/>
+                        </a:rPr>
+                        <a:t>120</a:t>
+                      </a:r>
+                      <a:endParaRPr lang="ru-RU" sz="1100" b="0" i="0" u="none" strike="noStrike">
+                        <a:solidFill>
+                          <a:srgbClr val="000000"/>
+                        </a:solidFill>
+                        <a:effectLst/>
+                        <a:latin typeface="Calibri" panose="020F0502020204030204" pitchFamily="34" charset="0"/>
+                      </a:endParaRPr>
+                    </a:p>
+                  </a:txBody>
+                  <a:tcPr marL="9525" marR="9525" marT="9525" marB="0" anchor="b"/>
+                </a:tc>
+                <a:extLst>
+                  <a:ext uri="{0D108BD9-81ED-4DB2-BD59-A6C34878D82A}">
+                    <a16:rowId xmlns:a16="http://schemas.microsoft.com/office/drawing/2014/main" val="1316378865"/>
+                  </a:ext>
+                </a:extLst>
+              </a:tr>
+              <a:tr h="609340">
+                <a:tc>
+                  <a:txBody>
+                    <a:bodyPr/>
+                    <a:lstStyle/>
+                    <a:p>
+                      <a:pPr algn="l" fontAlgn="ctr"/>
+                      <a:r>
+                        <a:rPr lang="ru-RU" sz="1100" u="none" strike="noStrike">
+                          <a:effectLst/>
+                        </a:rPr>
+                        <a:t>Количество ресторанов, которое можно открыть = незанятая ниша</a:t>
+                      </a:r>
+                      <a:endParaRPr lang="ru-RU" sz="1100" b="0" i="0" u="none" strike="noStrike">
+                        <a:solidFill>
+                          <a:srgbClr val="000000"/>
+                        </a:solidFill>
+                        <a:effectLst/>
+                        <a:latin typeface="Calibri" panose="020F0502020204030204" pitchFamily="34" charset="0"/>
+                      </a:endParaRPr>
+                    </a:p>
+                  </a:txBody>
+                  <a:tcPr marL="9525" marR="9525" marT="9525" marB="0" anchor="ctr"/>
+                </a:tc>
+                <a:tc>
+                  <a:txBody>
+                    <a:bodyPr/>
+                    <a:lstStyle/>
+                    <a:p>
+                      <a:pPr algn="r" fontAlgn="b"/>
+                      <a:r>
+                        <a:rPr lang="ru-RU" sz="1100" u="none" strike="noStrike" dirty="0">
+                          <a:effectLst/>
+                        </a:rPr>
+                        <a:t>158</a:t>
+                      </a:r>
+                      <a:endParaRPr lang="ru-RU" sz="1100" b="0" i="0" u="none" strike="noStrike" dirty="0">
+                        <a:solidFill>
+                          <a:srgbClr val="000000"/>
+                        </a:solidFill>
+                        <a:effectLst/>
+                        <a:latin typeface="Calibri" panose="020F0502020204030204" pitchFamily="34" charset="0"/>
+                      </a:endParaRPr>
+                    </a:p>
+                  </a:txBody>
+                  <a:tcPr marL="9525" marR="9525" marT="9525" marB="0" anchor="b"/>
+                </a:tc>
+                <a:tc>
+                  <a:txBody>
+                    <a:bodyPr/>
+                    <a:lstStyle/>
+                    <a:p>
+                      <a:pPr algn="r" fontAlgn="b"/>
+                      <a:r>
+                        <a:rPr lang="ru-RU" sz="1100" u="none" strike="noStrike" dirty="0">
+                          <a:effectLst/>
+                        </a:rPr>
+                        <a:t>32</a:t>
+                      </a:r>
+                      <a:endParaRPr lang="ru-RU" sz="1100" b="0" i="0" u="none" strike="noStrike" dirty="0">
+                        <a:solidFill>
+                          <a:srgbClr val="000000"/>
+                        </a:solidFill>
+                        <a:effectLst/>
+                        <a:latin typeface="Calibri" panose="020F0502020204030204" pitchFamily="34" charset="0"/>
+                      </a:endParaRPr>
+                    </a:p>
+                  </a:txBody>
+                  <a:tcPr marL="9525" marR="9525" marT="9525" marB="0" anchor="b"/>
+                </a:tc>
+                <a:tc>
+                  <a:txBody>
+                    <a:bodyPr/>
+                    <a:lstStyle/>
+                    <a:p>
+                      <a:pPr algn="r" fontAlgn="b"/>
+                      <a:r>
+                        <a:rPr lang="ru-RU" sz="1100" u="none" strike="noStrike" dirty="0">
+                          <a:effectLst/>
+                        </a:rPr>
+                        <a:t>63</a:t>
+                      </a:r>
+                      <a:endParaRPr lang="ru-RU" sz="1100" b="0" i="0" u="none" strike="noStrike" dirty="0">
+                        <a:solidFill>
+                          <a:srgbClr val="000000"/>
+                        </a:solidFill>
+                        <a:effectLst/>
+                        <a:latin typeface="Calibri" panose="020F0502020204030204" pitchFamily="34" charset="0"/>
+                      </a:endParaRPr>
+                    </a:p>
+                  </a:txBody>
+                  <a:tcPr marL="9525" marR="9525" marT="9525" marB="0" anchor="b"/>
+                </a:tc>
+                <a:extLst>
+                  <a:ext uri="{0D108BD9-81ED-4DB2-BD59-A6C34878D82A}">
+                    <a16:rowId xmlns:a16="http://schemas.microsoft.com/office/drawing/2014/main" val="2933137813"/>
+                  </a:ext>
+                </a:extLst>
+              </a:tr>
+            </a:tbl>
+          </a:graphicData>
+        </a:graphic>
+      </p:graphicFrame>
+    </p:spTree>
+    <p:custDataLst>
+      <p:tags r:id="rId1"/>
+    </p:custDataLst>
+    <p:extLst>
+      <p:ext uri="{BB962C8B-B14F-4D97-AF65-F5344CB8AC3E}">
+        <p14:creationId xmlns:p14="http://schemas.microsoft.com/office/powerpoint/2010/main" val="1343091455"/>
+      </p:ext>
+    </p:extLst>
+  </p:cSld>
+  <p:clrMapOvr>
+    <a:masterClrMapping/>
+  </p:clrMapOvr>
+  <mc:AlternateContent xmlns:mc="http://schemas.openxmlformats.org/markup-compatibility/2006" xmlns:p14="http://schemas.microsoft.com/office/powerpoint/2010/main">
+    <mc:Choice Requires="p14">
+      <p:transition spd="slow" p14:dur="2000" advTm="5044"/>
+    </mc:Choice>
+    <mc:Fallback xmlns="">
+      <p:transition spd="slow" advTm="5044"/>
+    </mc:Fallback>
+  </mc:AlternateContent>
+  <p:timing>
+    <p:tnLst>
+      <p:par>
+        <p:cTn id="1" dur="indefinite" restart="never" nodeType="tmRoot">
+          <p:childTnLst>
+            <p:seq concurrent="1" nextAc="seek">
+              <p:cTn id="2" dur="indefinite" nodeType="mainSeq">
+                <p:childTnLst>
+                  <p:par>
+                    <p:cTn id="3" fill="hold">
+                      <p:stCondLst>
+                        <p:cond delay="indefinite"/>
+                      </p:stCondLst>
+                      <p:childTnLst>
+                        <p:par>
+                          <p:cTn id="4" fill="hold">
+                            <p:stCondLst>
+                              <p:cond delay="0"/>
+                            </p:stCondLst>
+                            <p:childTnLst>
+                              <p:par>
+                                <p:cTn id="5" presetID="53" presetClass="entr" presetSubtype="16" fill="hold" nodeType="clickEffect">
+                                  <p:stCondLst>
+                                    <p:cond delay="0"/>
+                                  </p:stCondLst>
+                                  <p:childTnLst>
+                                    <p:set>
+                                      <p:cBhvr>
+                                        <p:cTn id="6" dur="1" fill="hold">
+                                          <p:stCondLst>
+                                            <p:cond delay="0"/>
+                                          </p:stCondLst>
+                                        </p:cTn>
+                                        <p:tgtEl>
+                                          <p:spTgt spid="3"/>
+                                        </p:tgtEl>
+                                        <p:attrNameLst>
+                                          <p:attrName>style.visibility</p:attrName>
+                                        </p:attrNameLst>
+                                      </p:cBhvr>
+                                      <p:to>
+                                        <p:strVal val="visible"/>
+                                      </p:to>
+                                    </p:set>
+                                    <p:anim calcmode="lin" valueType="num">
+                                      <p:cBhvr>
+                                        <p:cTn id="7" dur="500" fill="hold"/>
+                                        <p:tgtEl>
+                                          <p:spTgt spid="3"/>
+                                        </p:tgtEl>
+                                        <p:attrNameLst>
+                                          <p:attrName>ppt_w</p:attrName>
+                                        </p:attrNameLst>
+                                      </p:cBhvr>
+                                      <p:tavLst>
+                                        <p:tav tm="0">
+                                          <p:val>
+                                            <p:fltVal val="0"/>
+                                          </p:val>
+                                        </p:tav>
+                                        <p:tav tm="100000">
+                                          <p:val>
+                                            <p:strVal val="#ppt_w"/>
+                                          </p:val>
+                                        </p:tav>
+                                      </p:tavLst>
+                                    </p:anim>
+                                    <p:anim calcmode="lin" valueType="num">
+                                      <p:cBhvr>
+                                        <p:cTn id="8" dur="500" fill="hold"/>
+                                        <p:tgtEl>
+                                          <p:spTgt spid="3"/>
+                                        </p:tgtEl>
+                                        <p:attrNameLst>
+                                          <p:attrName>ppt_h</p:attrName>
+                                        </p:attrNameLst>
+                                      </p:cBhvr>
+                                      <p:tavLst>
+                                        <p:tav tm="0">
+                                          <p:val>
+                                            <p:fltVal val="0"/>
+                                          </p:val>
+                                        </p:tav>
+                                        <p:tav tm="100000">
+                                          <p:val>
+                                            <p:strVal val="#ppt_h"/>
+                                          </p:val>
+                                        </p:tav>
+                                      </p:tavLst>
+                                    </p:anim>
+                                    <p:animEffect transition="in" filter="fade">
+                                      <p:cBhvr>
+                                        <p:cTn id="9" dur="500"/>
+                                        <p:tgtEl>
+                                          <p:spTgt spid="3"/>
+                                        </p:tgtEl>
+                                      </p:cBhvr>
+                                    </p:animEffect>
+                                  </p:childTnLst>
+                                </p:cTn>
+                              </p:par>
+                            </p:childTnLst>
+                          </p:cTn>
+                        </p:par>
+                      </p:childTnLst>
+                    </p:cTn>
+                  </p:par>
+                  <p:par>
+                    <p:cTn id="10" fill="hold">
+                      <p:stCondLst>
+                        <p:cond delay="indefinite"/>
+                      </p:stCondLst>
+                      <p:childTnLst>
+                        <p:par>
+                          <p:cTn id="11" fill="hold">
+                            <p:stCondLst>
+                              <p:cond delay="0"/>
+                            </p:stCondLst>
+                            <p:childTnLst>
+                              <p:par>
+                                <p:cTn id="12" presetID="53" presetClass="entr" presetSubtype="16" fill="hold" grpId="0" nodeType="clickEffect">
+                                  <p:stCondLst>
+                                    <p:cond delay="0"/>
+                                  </p:stCondLst>
+                                  <p:childTnLst>
+                                    <p:set>
+                                      <p:cBhvr>
+                                        <p:cTn id="13" dur="1" fill="hold">
+                                          <p:stCondLst>
+                                            <p:cond delay="0"/>
+                                          </p:stCondLst>
+                                        </p:cTn>
+                                        <p:tgtEl>
+                                          <p:spTgt spid="30"/>
+                                        </p:tgtEl>
+                                        <p:attrNameLst>
+                                          <p:attrName>style.visibility</p:attrName>
+                                        </p:attrNameLst>
+                                      </p:cBhvr>
+                                      <p:to>
+                                        <p:strVal val="visible"/>
+                                      </p:to>
+                                    </p:set>
+                                    <p:anim calcmode="lin" valueType="num">
+                                      <p:cBhvr>
+                                        <p:cTn id="14" dur="500" fill="hold"/>
+                                        <p:tgtEl>
+                                          <p:spTgt spid="30"/>
+                                        </p:tgtEl>
+                                        <p:attrNameLst>
+                                          <p:attrName>ppt_w</p:attrName>
+                                        </p:attrNameLst>
+                                      </p:cBhvr>
+                                      <p:tavLst>
+                                        <p:tav tm="0">
+                                          <p:val>
+                                            <p:fltVal val="0"/>
+                                          </p:val>
+                                        </p:tav>
+                                        <p:tav tm="100000">
+                                          <p:val>
+                                            <p:strVal val="#ppt_w"/>
+                                          </p:val>
+                                        </p:tav>
+                                      </p:tavLst>
+                                    </p:anim>
+                                    <p:anim calcmode="lin" valueType="num">
+                                      <p:cBhvr>
+                                        <p:cTn id="15" dur="500" fill="hold"/>
+                                        <p:tgtEl>
+                                          <p:spTgt spid="30"/>
+                                        </p:tgtEl>
+                                        <p:attrNameLst>
+                                          <p:attrName>ppt_h</p:attrName>
+                                        </p:attrNameLst>
+                                      </p:cBhvr>
+                                      <p:tavLst>
+                                        <p:tav tm="0">
+                                          <p:val>
+                                            <p:fltVal val="0"/>
+                                          </p:val>
+                                        </p:tav>
+                                        <p:tav tm="100000">
+                                          <p:val>
+                                            <p:strVal val="#ppt_h"/>
+                                          </p:val>
+                                        </p:tav>
+                                      </p:tavLst>
+                                    </p:anim>
+                                    <p:animEffect transition="in" filter="fade">
+                                      <p:cBhvr>
+                                        <p:cTn id="16" dur="500"/>
+                                        <p:tgtEl>
+                                          <p:spTgt spid="30"/>
+                                        </p:tgtEl>
+                                      </p:cBhvr>
+                                    </p:animEffect>
+                                  </p:childTnLst>
+                                </p:cTn>
+                              </p:par>
+                            </p:childTnLst>
+                          </p:cTn>
+                        </p:par>
+                      </p:childTnLst>
+                    </p:cTn>
+                  </p:par>
+                  <p:par>
+                    <p:cTn id="17" fill="hold">
+                      <p:stCondLst>
+                        <p:cond delay="indefinite"/>
+                      </p:stCondLst>
+                      <p:childTnLst>
+                        <p:par>
+                          <p:cTn id="18" fill="hold">
+                            <p:stCondLst>
+                              <p:cond delay="0"/>
+                            </p:stCondLst>
+                            <p:childTnLst>
+                              <p:par>
+                                <p:cTn id="19" presetID="53" presetClass="entr" presetSubtype="16" fill="hold" grpId="0" nodeType="clickEffect">
+                                  <p:stCondLst>
+                                    <p:cond delay="0"/>
+                                  </p:stCondLst>
+                                  <p:childTnLst>
+                                    <p:set>
+                                      <p:cBhvr>
+                                        <p:cTn id="20" dur="1" fill="hold">
+                                          <p:stCondLst>
+                                            <p:cond delay="0"/>
+                                          </p:stCondLst>
+                                        </p:cTn>
+                                        <p:tgtEl>
+                                          <p:spTgt spid="28"/>
+                                        </p:tgtEl>
+                                        <p:attrNameLst>
+                                          <p:attrName>style.visibility</p:attrName>
+                                        </p:attrNameLst>
+                                      </p:cBhvr>
+                                      <p:to>
+                                        <p:strVal val="visible"/>
+                                      </p:to>
+                                    </p:set>
+                                    <p:anim calcmode="lin" valueType="num">
+                                      <p:cBhvr>
+                                        <p:cTn id="21" dur="500" fill="hold"/>
+                                        <p:tgtEl>
+                                          <p:spTgt spid="28"/>
+                                        </p:tgtEl>
+                                        <p:attrNameLst>
+                                          <p:attrName>ppt_w</p:attrName>
+                                        </p:attrNameLst>
+                                      </p:cBhvr>
+                                      <p:tavLst>
+                                        <p:tav tm="0">
+                                          <p:val>
+                                            <p:fltVal val="0"/>
+                                          </p:val>
+                                        </p:tav>
+                                        <p:tav tm="100000">
+                                          <p:val>
+                                            <p:strVal val="#ppt_w"/>
+                                          </p:val>
+                                        </p:tav>
+                                      </p:tavLst>
+                                    </p:anim>
+                                    <p:anim calcmode="lin" valueType="num">
+                                      <p:cBhvr>
+                                        <p:cTn id="22" dur="500" fill="hold"/>
+                                        <p:tgtEl>
+                                          <p:spTgt spid="28"/>
+                                        </p:tgtEl>
+                                        <p:attrNameLst>
+                                          <p:attrName>ppt_h</p:attrName>
+                                        </p:attrNameLst>
+                                      </p:cBhvr>
+                                      <p:tavLst>
+                                        <p:tav tm="0">
+                                          <p:val>
+                                            <p:fltVal val="0"/>
+                                          </p:val>
+                                        </p:tav>
+                                        <p:tav tm="100000">
+                                          <p:val>
+                                            <p:strVal val="#ppt_h"/>
+                                          </p:val>
+                                        </p:tav>
+                                      </p:tavLst>
+                                    </p:anim>
+                                    <p:animEffect transition="in" filter="fade">
+                                      <p:cBhvr>
+                                        <p:cTn id="23" dur="500"/>
+                                        <p:tgtEl>
+                                          <p:spTgt spid="28"/>
+                                        </p:tgtEl>
+                                      </p:cBhvr>
+                                    </p:animEffect>
+                                  </p:childTnLst>
+                                </p:cTn>
+                              </p:par>
+                            </p:childTnLst>
+                          </p:cTn>
+                        </p:par>
+                      </p:childTnLst>
+                    </p:cTn>
+                  </p:par>
+                  <p:par>
+                    <p:cTn id="24" fill="hold">
+                      <p:stCondLst>
+                        <p:cond delay="indefinite"/>
+                      </p:stCondLst>
+                      <p:childTnLst>
+                        <p:par>
+                          <p:cTn id="25" fill="hold">
+                            <p:stCondLst>
+                              <p:cond delay="0"/>
+                            </p:stCondLst>
+                            <p:childTnLst>
+                              <p:par>
+                                <p:cTn id="26" presetID="53" presetClass="entr" presetSubtype="16" fill="hold" grpId="0" nodeType="clickEffect">
+                                  <p:stCondLst>
+                                    <p:cond delay="0"/>
+                                  </p:stCondLst>
+                                  <p:childTnLst>
+                                    <p:set>
+                                      <p:cBhvr>
+                                        <p:cTn id="27" dur="1" fill="hold">
+                                          <p:stCondLst>
+                                            <p:cond delay="0"/>
+                                          </p:stCondLst>
+                                        </p:cTn>
+                                        <p:tgtEl>
+                                          <p:spTgt spid="29"/>
+                                        </p:tgtEl>
+                                        <p:attrNameLst>
+                                          <p:attrName>style.visibility</p:attrName>
+                                        </p:attrNameLst>
+                                      </p:cBhvr>
+                                      <p:to>
+                                        <p:strVal val="visible"/>
+                                      </p:to>
+                                    </p:set>
+                                    <p:anim calcmode="lin" valueType="num">
+                                      <p:cBhvr>
+                                        <p:cTn id="28" dur="500" fill="hold"/>
+                                        <p:tgtEl>
+                                          <p:spTgt spid="29"/>
+                                        </p:tgtEl>
+                                        <p:attrNameLst>
+                                          <p:attrName>ppt_w</p:attrName>
+                                        </p:attrNameLst>
+                                      </p:cBhvr>
+                                      <p:tavLst>
+                                        <p:tav tm="0">
+                                          <p:val>
+                                            <p:fltVal val="0"/>
+                                          </p:val>
+                                        </p:tav>
+                                        <p:tav tm="100000">
+                                          <p:val>
+                                            <p:strVal val="#ppt_w"/>
+                                          </p:val>
+                                        </p:tav>
+                                      </p:tavLst>
+                                    </p:anim>
+                                    <p:anim calcmode="lin" valueType="num">
+                                      <p:cBhvr>
+                                        <p:cTn id="29" dur="500" fill="hold"/>
+                                        <p:tgtEl>
+                                          <p:spTgt spid="29"/>
+                                        </p:tgtEl>
+                                        <p:attrNameLst>
+                                          <p:attrName>ppt_h</p:attrName>
+                                        </p:attrNameLst>
+                                      </p:cBhvr>
+                                      <p:tavLst>
+                                        <p:tav tm="0">
+                                          <p:val>
+                                            <p:fltVal val="0"/>
+                                          </p:val>
+                                        </p:tav>
+                                        <p:tav tm="100000">
+                                          <p:val>
+                                            <p:strVal val="#ppt_h"/>
+                                          </p:val>
+                                        </p:tav>
+                                      </p:tavLst>
+                                    </p:anim>
+                                    <p:animEffect transition="in" filter="fade">
+                                      <p:cBhvr>
+                                        <p:cTn id="30" dur="500"/>
+                                        <p:tgtEl>
+                                          <p:spTgt spid="29"/>
+                                        </p:tgtEl>
+                                      </p:cBhvr>
+                                    </p:animEffect>
+                                  </p:childTnLst>
+                                </p:cTn>
+                              </p:par>
+                            </p:childTnLst>
+                          </p:cTn>
+                        </p:par>
+                      </p:childTnLst>
+                    </p:cTn>
+                  </p:par>
+                </p:childTnLst>
+              </p:cTn>
+              <p:prevCondLst>
+                <p:cond evt="onPrev" delay="0">
+                  <p:tgtEl>
+                    <p:sldTgt/>
+                  </p:tgtEl>
+                </p:cond>
+              </p:prevCondLst>
+              <p:nextCondLst>
+                <p:cond evt="onNext" delay="0">
+                  <p:tgtEl>
+                    <p:sldTgt/>
+                  </p:tgtEl>
+                </p:cond>
+              </p:nextCondLst>
+            </p:seq>
+          </p:childTnLst>
+        </p:cTn>
+      </p:par>
+    </p:tnLst>
+    <p:bldLst>
+      <p:bldGraphic spid="28" grpId="0">
+        <p:bldAsOne/>
+      </p:bldGraphic>
+      <p:bldGraphic spid="29" grpId="0">
+        <p:bldAsOne/>
+      </p:bldGraphic>
+      <p:bldGraphic spid="30" grpId="0">
+        <p:bldAsOne/>
+      </p:bldGraphic>
+    </p:bldLst>
+  </p:timing>
+</p:sld>
+</file>
+
+<file path=ppt/slides/slide2.xml><?xml version="1.0" encoding="utf-8"?>
+<p:sld xmlns:a="http://schemas.openxmlformats.org/drawingml/2006/main" xmlns:r="http://schemas.openxmlformats.org/officeDocument/2006/relationships" xmlns:p="http://schemas.openxmlformats.org/presentationml/2006/main">
+  <p:cSld>
+    <p:spTree>
+      <p:nvGrpSpPr>
+        <p:cNvPr id="1" name=""/>
+        <p:cNvGrpSpPr/>
+        <p:nvPr/>
+      </p:nvGrpSpPr>
+      <p:grpSpPr>
+        <a:xfrm>
+          <a:off x="0" y="0"/>
+          <a:ext cx="0" cy="0"/>
+          <a:chOff x="0" y="0"/>
+          <a:chExt cx="0" cy="0"/>
+        </a:xfrm>
+      </p:grpSpPr>
+      <p:pic>
+        <p:nvPicPr>
+          <p:cNvPr id="5" name="Рисунок 4"/>
+          <p:cNvPicPr>
+            <a:picLocks noChangeAspect="1"/>
+          </p:cNvPicPr>
+          <p:nvPr/>
+        </p:nvPicPr>
+        <p:blipFill>
+          <a:blip r:embed="rId3" cstate="print">
+            <a:extLst>
+              <a:ext uri="{BEBA8EAE-BF5A-486C-A8C5-ECC9F3942E4B}">
+                <a14:imgProps xmlns:a14="http://schemas.microsoft.com/office/drawing/2010/main">
+                  <a14:imgLayer r:embed="rId4">
+                    <a14:imgEffect>
+                      <a14:backgroundRemoval t="0" b="100000" l="0" r="100000">
+                        <a14:backgroundMark x1="63843" y1="31432" x2="63843" y2="33416"/>
+                        <a14:backgroundMark x1="3223" y1="30998" x2="3140" y2="45443"/>
+                        <a14:backgroundMark x1="13967" y1="66336" x2="16405" y2="59206"/>
+                      </a14:backgroundRemoval>
+                    </a14:imgEffect>
+                  </a14:imgLayer>
+                </a14:imgProps>
+              </a:ext>
+              <a:ext uri="{28A0092B-C50C-407E-A947-70E740481C1C}">
+                <a14:useLocalDpi xmlns:a14="http://schemas.microsoft.com/office/drawing/2010/main" val="0"/>
+              </a:ext>
+            </a:extLst>
+          </a:blip>
+          <a:stretch>
+            <a:fillRect/>
+          </a:stretch>
+        </p:blipFill>
+        <p:spPr>
+          <a:xfrm>
+            <a:off x="850265" y="0"/>
+            <a:ext cx="10058400" cy="6705001"/>
+          </a:xfrm>
+          <a:prstGeom prst="rect">
+            <a:avLst/>
+          </a:prstGeom>
+        </p:spPr>
+      </p:pic>
+      <p:sp>
+        <p:nvSpPr>
+          <p:cNvPr id="2" name="Прямоугольник 1">
+            <a:hlinkClick r:id="" action="ppaction://noaction"/>
+          </p:cNvPr>
+          <p:cNvSpPr/>
+          <p:nvPr/>
+        </p:nvSpPr>
+        <p:spPr>
+          <a:xfrm>
+            <a:off x="8298529" y="1669138"/>
+            <a:ext cx="1531188" cy="923330"/>
+          </a:xfrm>
+          <a:prstGeom prst="rect">
+            <a:avLst/>
+          </a:prstGeom>
+          <a:noFill/>
+          <a:effectLst>
+            <a:glow rad="139700">
+              <a:schemeClr val="accent2">
+                <a:satMod val="175000"/>
+                <a:alpha val="40000"/>
+              </a:schemeClr>
+            </a:glow>
+          </a:effectLst>
+        </p:spPr>
+        <p:txBody>
+          <a:bodyPr wrap="none" lIns="91440" tIns="45720" rIns="91440" bIns="45720">
+            <a:spAutoFit/>
+          </a:bodyPr>
+          <a:lstStyle/>
+          <a:p>
+            <a:pPr algn="ctr"/>
+            <a:r>
+              <a:rPr lang="en-US" sz="5400" b="0" cap="none" spc="0" dirty="0">
+                <a:ln w="0"/>
+                <a:solidFill>
+                  <a:schemeClr val="tx1"/>
+                </a:solidFill>
+                <a:effectLst>
+                  <a:outerShdw blurRad="38100" dist="19050" dir="2700000" algn="tl" rotWithShape="0">
+                    <a:schemeClr val="dk1">
+                      <a:alpha val="40000"/>
+                    </a:schemeClr>
+                  </a:outerShdw>
+                </a:effectLst>
+              </a:rPr>
+              <a:t>Ohio</a:t>
+            </a:r>
+            <a:endParaRPr lang="ru-RU" sz="5400" b="0" cap="none" spc="0" dirty="0">
+              <a:ln w="0"/>
+              <a:solidFill>
+                <a:schemeClr val="tx1"/>
+              </a:solidFill>
+              <a:effectLst>
+                <a:outerShdw blurRad="38100" dist="19050" dir="2700000" algn="tl" rotWithShape="0">
+                  <a:schemeClr val="dk1">
+                    <a:alpha val="40000"/>
+                  </a:schemeClr>
+                </a:outerShdw>
+              </a:effectLst>
+            </a:endParaRPr>
+          </a:p>
+        </p:txBody>
+      </p:sp>
+      <p:sp>
+        <p:nvSpPr>
+          <p:cNvPr id="11" name="Прямоугольник 10">
+            <a:hlinkClick r:id="" action="ppaction://noaction"/>
+          </p:cNvPr>
+          <p:cNvSpPr/>
+          <p:nvPr/>
+        </p:nvSpPr>
+        <p:spPr>
+          <a:xfrm>
+            <a:off x="8808803" y="3613128"/>
+            <a:ext cx="2122697" cy="923330"/>
+          </a:xfrm>
+          <a:prstGeom prst="rect">
+            <a:avLst/>
+          </a:prstGeom>
+          <a:noFill/>
+          <a:effectLst>
+            <a:glow rad="139700">
+              <a:schemeClr val="accent2">
+                <a:satMod val="175000"/>
+                <a:alpha val="40000"/>
+              </a:schemeClr>
+            </a:glow>
+          </a:effectLst>
+        </p:spPr>
+        <p:txBody>
+          <a:bodyPr wrap="none" lIns="91440" tIns="45720" rIns="91440" bIns="45720">
+            <a:spAutoFit/>
+          </a:bodyPr>
+          <a:lstStyle/>
+          <a:p>
+            <a:pPr algn="ctr"/>
+            <a:r>
+              <a:rPr lang="en-US" sz="5400" b="0" cap="none" spc="0" dirty="0">
+                <a:ln w="0"/>
+                <a:solidFill>
+                  <a:schemeClr val="tx1"/>
+                </a:solidFill>
+                <a:effectLst>
+                  <a:outerShdw blurRad="38100" dist="19050" dir="2700000" algn="tl" rotWithShape="0">
+                    <a:schemeClr val="dk1">
+                      <a:alpha val="40000"/>
+                    </a:schemeClr>
+                  </a:outerShdw>
+                </a:effectLst>
+              </a:rPr>
+              <a:t>Florida</a:t>
+            </a:r>
+            <a:endParaRPr lang="ru-RU" sz="5400" b="0" cap="none" spc="0" dirty="0">
+              <a:ln w="0"/>
+              <a:solidFill>
+                <a:schemeClr val="tx1"/>
+              </a:solidFill>
+              <a:effectLst>
+                <a:outerShdw blurRad="38100" dist="19050" dir="2700000" algn="tl" rotWithShape="0">
+                  <a:schemeClr val="dk1">
+                    <a:alpha val="40000"/>
+                  </a:schemeClr>
+                </a:outerShdw>
+              </a:effectLst>
+            </a:endParaRPr>
+          </a:p>
+        </p:txBody>
+      </p:sp>
+      <p:sp>
+        <p:nvSpPr>
+          <p:cNvPr id="6" name="Прямоугольник 5">
+            <a:hlinkClick r:id="" action="ppaction://noaction"/>
+          </p:cNvPr>
+          <p:cNvSpPr/>
+          <p:nvPr/>
+        </p:nvSpPr>
+        <p:spPr>
+          <a:xfrm>
+            <a:off x="2466563" y="1669138"/>
+            <a:ext cx="2303131" cy="923330"/>
+          </a:xfrm>
+          <a:prstGeom prst="rect">
+            <a:avLst/>
+          </a:prstGeom>
+          <a:noFill/>
+          <a:effectLst>
+            <a:glow rad="139700">
+              <a:schemeClr val="accent2">
+                <a:satMod val="175000"/>
+                <a:alpha val="40000"/>
+              </a:schemeClr>
+            </a:glow>
+          </a:effectLst>
+        </p:spPr>
+        <p:txBody>
+          <a:bodyPr wrap="none" lIns="91440" tIns="45720" rIns="91440" bIns="45720">
+            <a:spAutoFit/>
+          </a:bodyPr>
+          <a:lstStyle/>
+          <a:p>
+            <a:pPr algn="ctr"/>
+            <a:r>
+              <a:rPr lang="en-US" sz="5400" b="0" cap="none" spc="0" dirty="0">
+                <a:ln w="0"/>
+                <a:solidFill>
+                  <a:schemeClr val="tx1"/>
+                </a:solidFill>
+                <a:effectLst>
+                  <a:outerShdw blurRad="38100" dist="19050" dir="2700000" algn="tl" rotWithShape="0">
+                    <a:schemeClr val="dk1">
+                      <a:alpha val="40000"/>
+                    </a:schemeClr>
+                  </a:outerShdw>
+                </a:effectLst>
+              </a:rPr>
+              <a:t>Nevada</a:t>
+            </a:r>
+            <a:endParaRPr lang="ru-RU" sz="5400" b="0" cap="none" spc="0" dirty="0">
+              <a:ln w="0"/>
+              <a:solidFill>
+                <a:schemeClr val="tx1"/>
+              </a:solidFill>
+              <a:effectLst>
+                <a:outerShdw blurRad="38100" dist="19050" dir="2700000" algn="tl" rotWithShape="0">
+                  <a:schemeClr val="dk1">
+                    <a:alpha val="40000"/>
+                  </a:schemeClr>
+                </a:outerShdw>
+              </a:effectLst>
+            </a:endParaRPr>
+          </a:p>
+        </p:txBody>
+      </p:sp>
+      <p:sp>
+        <p:nvSpPr>
+          <p:cNvPr id="7" name="TextBox 6"/>
+          <p:cNvSpPr txBox="1"/>
+          <p:nvPr/>
+        </p:nvSpPr>
+        <p:spPr>
+          <a:xfrm>
+            <a:off x="8496297" y="760675"/>
+            <a:ext cx="1592826" cy="369332"/>
+          </a:xfrm>
+          <a:prstGeom prst="rect">
+            <a:avLst/>
+          </a:prstGeom>
+          <a:noFill/>
+        </p:spPr>
+        <p:txBody>
+          <a:bodyPr wrap="square" rtlCol="0">
+            <a:spAutoFit/>
+          </a:bodyPr>
+          <a:lstStyle/>
+          <a:p>
+            <a:r>
+              <a:rPr lang="en-US" dirty="0"/>
+              <a:t>Cleveland</a:t>
+            </a:r>
+            <a:endParaRPr lang="ru-RU" dirty="0"/>
+          </a:p>
+        </p:txBody>
+      </p:sp>
+      <p:sp>
+        <p:nvSpPr>
+          <p:cNvPr id="9" name="TextBox 8"/>
+          <p:cNvSpPr txBox="1"/>
+          <p:nvPr/>
+        </p:nvSpPr>
+        <p:spPr>
+          <a:xfrm>
+            <a:off x="6845138" y="106211"/>
+            <a:ext cx="1592826" cy="369332"/>
+          </a:xfrm>
+          <a:prstGeom prst="rect">
+            <a:avLst/>
+          </a:prstGeom>
+          <a:noFill/>
+        </p:spPr>
+        <p:txBody>
+          <a:bodyPr wrap="square" rtlCol="0">
+            <a:spAutoFit/>
+          </a:bodyPr>
+          <a:lstStyle/>
+          <a:p>
+            <a:r>
+              <a:rPr lang="en-US" dirty="0"/>
+              <a:t>Cincinnati</a:t>
+            </a:r>
+            <a:endParaRPr lang="ru-RU" dirty="0"/>
+          </a:p>
+        </p:txBody>
+      </p:sp>
+      <p:sp>
+        <p:nvSpPr>
+          <p:cNvPr id="10" name="TextBox 9"/>
+          <p:cNvSpPr txBox="1"/>
+          <p:nvPr/>
+        </p:nvSpPr>
+        <p:spPr>
+          <a:xfrm>
+            <a:off x="7713086" y="439518"/>
+            <a:ext cx="1592826" cy="369332"/>
+          </a:xfrm>
+          <a:prstGeom prst="rect">
+            <a:avLst/>
+          </a:prstGeom>
+          <a:noFill/>
+        </p:spPr>
+        <p:txBody>
+          <a:bodyPr wrap="square" rtlCol="0">
+            <a:spAutoFit/>
+          </a:bodyPr>
+          <a:lstStyle/>
+          <a:p>
+            <a:r>
+              <a:rPr lang="en-US" dirty="0"/>
+              <a:t>Columbus</a:t>
+            </a:r>
+            <a:endParaRPr lang="ru-RU" dirty="0"/>
+          </a:p>
+        </p:txBody>
+      </p:sp>
+      <p:cxnSp>
+        <p:nvCxnSpPr>
+          <p:cNvPr id="12" name="Соединительная линия уступом 11"/>
+          <p:cNvCxnSpPr>
+            <a:stCxn id="7" idx="1"/>
+            <a:endCxn id="45" idx="1"/>
+          </p:cNvCxnSpPr>
+          <p:nvPr/>
+        </p:nvCxnSpPr>
+        <p:spPr>
+          <a:xfrm rot="10800000" flipV="1">
+            <a:off x="8226993" y="945340"/>
+            <a:ext cx="269304" cy="1260883"/>
+          </a:xfrm>
+          <a:prstGeom prst="bentConnector3">
+            <a:avLst>
+              <a:gd name="adj1" fmla="val 184885"/>
+            </a:avLst>
+          </a:prstGeom>
+          <a:ln>
+            <a:solidFill>
+              <a:schemeClr val="tx1"/>
+            </a:solidFill>
+          </a:ln>
+        </p:spPr>
+        <p:style>
+          <a:lnRef idx="1">
+            <a:schemeClr val="accent1"/>
+          </a:lnRef>
+          <a:fillRef idx="0">
+            <a:schemeClr val="accent1"/>
+          </a:fillRef>
+          <a:effectRef idx="0">
+            <a:schemeClr val="accent1"/>
+          </a:effectRef>
+          <a:fontRef idx="minor">
+            <a:schemeClr val="tx1"/>
+          </a:fontRef>
+        </p:style>
+      </p:cxnSp>
+      <p:cxnSp>
+        <p:nvCxnSpPr>
+          <p:cNvPr id="17" name="Соединительная линия уступом 16"/>
+          <p:cNvCxnSpPr>
+            <a:stCxn id="10" idx="1"/>
+            <a:endCxn id="46" idx="1"/>
+          </p:cNvCxnSpPr>
+          <p:nvPr/>
+        </p:nvCxnSpPr>
+        <p:spPr>
+          <a:xfrm rot="10800000" flipH="1" flipV="1">
+            <a:off x="7713085" y="624183"/>
+            <a:ext cx="406605" cy="1892785"/>
+          </a:xfrm>
+          <a:prstGeom prst="bentConnector3">
+            <a:avLst>
+              <a:gd name="adj1" fmla="val -56222"/>
+            </a:avLst>
+          </a:prstGeom>
+          <a:ln>
+            <a:solidFill>
+              <a:schemeClr val="tx1"/>
+            </a:solidFill>
+          </a:ln>
+        </p:spPr>
+        <p:style>
+          <a:lnRef idx="1">
+            <a:schemeClr val="accent1"/>
+          </a:lnRef>
+          <a:fillRef idx="0">
+            <a:schemeClr val="accent1"/>
+          </a:fillRef>
+          <a:effectRef idx="0">
+            <a:schemeClr val="accent1"/>
+          </a:effectRef>
+          <a:fontRef idx="minor">
+            <a:schemeClr val="tx1"/>
+          </a:fontRef>
+        </p:style>
+      </p:cxnSp>
+      <p:cxnSp>
+        <p:nvCxnSpPr>
+          <p:cNvPr id="20" name="Соединительная линия уступом 19"/>
+          <p:cNvCxnSpPr>
+            <a:stCxn id="9" idx="1"/>
+            <a:endCxn id="47" idx="1"/>
+          </p:cNvCxnSpPr>
+          <p:nvPr/>
+        </p:nvCxnSpPr>
+        <p:spPr>
+          <a:xfrm rot="10800000" flipH="1" flipV="1">
+            <a:off x="6845138" y="290876"/>
+            <a:ext cx="1024180" cy="2322921"/>
+          </a:xfrm>
+          <a:prstGeom prst="bentConnector3">
+            <a:avLst>
+              <a:gd name="adj1" fmla="val -22320"/>
+            </a:avLst>
+          </a:prstGeom>
+          <a:ln>
+            <a:solidFill>
+              <a:schemeClr val="tx1"/>
+            </a:solidFill>
+          </a:ln>
+        </p:spPr>
+        <p:style>
+          <a:lnRef idx="1">
+            <a:schemeClr val="accent1"/>
+          </a:lnRef>
+          <a:fillRef idx="0">
+            <a:schemeClr val="accent1"/>
+          </a:fillRef>
+          <a:effectRef idx="0">
+            <a:schemeClr val="accent1"/>
+          </a:effectRef>
+          <a:fontRef idx="minor">
+            <a:schemeClr val="tx1"/>
+          </a:fontRef>
+        </p:style>
+      </p:cxnSp>
+      <p:pic>
+        <p:nvPicPr>
+          <p:cNvPr id="45" name="Рисунок 44"/>
+          <p:cNvPicPr>
+            <a:picLocks noChangeAspect="1"/>
+          </p:cNvPicPr>
+          <p:nvPr/>
+        </p:nvPicPr>
+        <p:blipFill>
+          <a:blip r:embed="rId5" cstate="print">
+            <a:extLst>
+              <a:ext uri="{28A0092B-C50C-407E-A947-70E740481C1C}">
+                <a14:useLocalDpi xmlns:a14="http://schemas.microsoft.com/office/drawing/2010/main" val="0"/>
+              </a:ext>
+            </a:extLst>
+          </a:blip>
+          <a:stretch>
+            <a:fillRect/>
+          </a:stretch>
+        </p:blipFill>
+        <p:spPr>
+          <a:xfrm>
+            <a:off x="8226993" y="2134689"/>
+            <a:ext cx="143070" cy="143070"/>
+          </a:xfrm>
+          <a:prstGeom prst="rect">
+            <a:avLst/>
+          </a:prstGeom>
+        </p:spPr>
+      </p:pic>
+      <p:pic>
+        <p:nvPicPr>
+          <p:cNvPr id="46" name="Рисунок 45"/>
+          <p:cNvPicPr>
+            <a:picLocks noChangeAspect="1"/>
+          </p:cNvPicPr>
+          <p:nvPr/>
+        </p:nvPicPr>
+        <p:blipFill>
+          <a:blip r:embed="rId5" cstate="print">
+            <a:extLst>
+              <a:ext uri="{28A0092B-C50C-407E-A947-70E740481C1C}">
+                <a14:useLocalDpi xmlns:a14="http://schemas.microsoft.com/office/drawing/2010/main" val="0"/>
+              </a:ext>
+            </a:extLst>
+          </a:blip>
+          <a:stretch>
+            <a:fillRect/>
+          </a:stretch>
+        </p:blipFill>
+        <p:spPr>
+          <a:xfrm>
+            <a:off x="8119691" y="2445434"/>
+            <a:ext cx="143070" cy="143070"/>
+          </a:xfrm>
+          <a:prstGeom prst="rect">
+            <a:avLst/>
+          </a:prstGeom>
+        </p:spPr>
+      </p:pic>
+      <p:pic>
+        <p:nvPicPr>
+          <p:cNvPr id="47" name="Рисунок 46"/>
+          <p:cNvPicPr>
+            <a:picLocks noChangeAspect="1"/>
+          </p:cNvPicPr>
+          <p:nvPr/>
+        </p:nvPicPr>
+        <p:blipFill>
+          <a:blip r:embed="rId5" cstate="print">
+            <a:extLst>
+              <a:ext uri="{28A0092B-C50C-407E-A947-70E740481C1C}">
+                <a14:useLocalDpi xmlns:a14="http://schemas.microsoft.com/office/drawing/2010/main" val="0"/>
+              </a:ext>
+            </a:extLst>
+          </a:blip>
+          <a:stretch>
+            <a:fillRect/>
+          </a:stretch>
+        </p:blipFill>
+        <p:spPr>
+          <a:xfrm>
+            <a:off x="7869318" y="2542263"/>
+            <a:ext cx="143070" cy="143070"/>
+          </a:xfrm>
+          <a:prstGeom prst="rect">
+            <a:avLst/>
+          </a:prstGeom>
+        </p:spPr>
+      </p:pic>
+      <p:pic>
+        <p:nvPicPr>
+          <p:cNvPr id="60" name="Рисунок 59"/>
+          <p:cNvPicPr>
+            <a:picLocks noChangeAspect="1"/>
+          </p:cNvPicPr>
+          <p:nvPr/>
+        </p:nvPicPr>
+        <p:blipFill>
+          <a:blip r:embed="rId5" cstate="print">
+            <a:extLst>
+              <a:ext uri="{28A0092B-C50C-407E-A947-70E740481C1C}">
+                <a14:useLocalDpi xmlns:a14="http://schemas.microsoft.com/office/drawing/2010/main" val="0"/>
+              </a:ext>
+            </a:extLst>
+          </a:blip>
+          <a:stretch>
+            <a:fillRect/>
+          </a:stretch>
+        </p:blipFill>
+        <p:spPr>
+          <a:xfrm>
+            <a:off x="9412633" y="4739591"/>
+            <a:ext cx="143070" cy="143070"/>
+          </a:xfrm>
+          <a:prstGeom prst="rect">
+            <a:avLst/>
+          </a:prstGeom>
+        </p:spPr>
+      </p:pic>
+      <p:sp>
+        <p:nvSpPr>
+          <p:cNvPr id="61" name="TextBox 60"/>
+          <p:cNvSpPr txBox="1"/>
+          <p:nvPr/>
+        </p:nvSpPr>
+        <p:spPr>
+          <a:xfrm>
+            <a:off x="8748591" y="5689963"/>
+            <a:ext cx="807112" cy="369332"/>
+          </a:xfrm>
+          <a:prstGeom prst="rect">
+            <a:avLst/>
+          </a:prstGeom>
+          <a:noFill/>
+        </p:spPr>
+        <p:txBody>
+          <a:bodyPr wrap="square" rtlCol="0">
+            <a:spAutoFit/>
+          </a:bodyPr>
+          <a:lstStyle/>
+          <a:p>
+            <a:r>
+              <a:rPr lang="en-US" dirty="0"/>
+              <a:t>Miami</a:t>
+            </a:r>
+            <a:endParaRPr lang="ru-RU" dirty="0"/>
+          </a:p>
+        </p:txBody>
+      </p:sp>
+      <p:cxnSp>
+        <p:nvCxnSpPr>
+          <p:cNvPr id="63" name="Соединительная линия уступом 62"/>
+          <p:cNvCxnSpPr>
+            <a:stCxn id="61" idx="3"/>
+            <a:endCxn id="60" idx="3"/>
+          </p:cNvCxnSpPr>
+          <p:nvPr/>
+        </p:nvCxnSpPr>
+        <p:spPr>
+          <a:xfrm flipV="1">
+            <a:off x="9555703" y="4811126"/>
+            <a:ext cx="12700" cy="1063503"/>
+          </a:xfrm>
+          <a:prstGeom prst="bentConnector3">
+            <a:avLst>
+              <a:gd name="adj1" fmla="val 1800000"/>
+            </a:avLst>
+          </a:prstGeom>
+        </p:spPr>
+        <p:style>
+          <a:lnRef idx="1">
+            <a:schemeClr val="accent1"/>
+          </a:lnRef>
+          <a:fillRef idx="0">
+            <a:schemeClr val="accent1"/>
+          </a:fillRef>
+          <a:effectRef idx="0">
+            <a:schemeClr val="accent1"/>
+          </a:effectRef>
+          <a:fontRef idx="minor">
+            <a:schemeClr val="tx1"/>
+          </a:fontRef>
+        </p:style>
+      </p:cxnSp>
+      <p:pic>
+        <p:nvPicPr>
+          <p:cNvPr id="69" name="Рисунок 68"/>
+          <p:cNvPicPr>
+            <a:picLocks noChangeAspect="1"/>
+          </p:cNvPicPr>
+          <p:nvPr/>
+        </p:nvPicPr>
+        <p:blipFill>
+          <a:blip r:embed="rId5" cstate="print">
+            <a:extLst>
+              <a:ext uri="{28A0092B-C50C-407E-A947-70E740481C1C}">
+                <a14:useLocalDpi xmlns:a14="http://schemas.microsoft.com/office/drawing/2010/main" val="0"/>
+              </a:ext>
+            </a:extLst>
+          </a:blip>
+          <a:stretch>
+            <a:fillRect/>
+          </a:stretch>
+        </p:blipFill>
+        <p:spPr>
+          <a:xfrm>
+            <a:off x="2466563" y="2925539"/>
+            <a:ext cx="143070" cy="143070"/>
+          </a:xfrm>
+          <a:prstGeom prst="rect">
+            <a:avLst/>
+          </a:prstGeom>
+        </p:spPr>
+      </p:pic>
+      <p:sp>
+        <p:nvSpPr>
+          <p:cNvPr id="70" name="TextBox 69"/>
+          <p:cNvSpPr txBox="1"/>
+          <p:nvPr/>
+        </p:nvSpPr>
+        <p:spPr>
+          <a:xfrm>
+            <a:off x="583367" y="4554925"/>
+            <a:ext cx="807112" cy="646331"/>
+          </a:xfrm>
+          <a:prstGeom prst="rect">
+            <a:avLst/>
+          </a:prstGeom>
+          <a:noFill/>
+        </p:spPr>
+        <p:txBody>
+          <a:bodyPr wrap="square" rtlCol="0">
+            <a:spAutoFit/>
+          </a:bodyPr>
+          <a:lstStyle/>
+          <a:p>
+            <a:r>
+              <a:rPr lang="en-US" dirty="0"/>
+              <a:t>Las Vegas</a:t>
+            </a:r>
+            <a:endParaRPr lang="ru-RU" dirty="0"/>
+          </a:p>
+        </p:txBody>
+      </p:sp>
+      <p:cxnSp>
+        <p:nvCxnSpPr>
+          <p:cNvPr id="73" name="Соединительная линия уступом 72"/>
+          <p:cNvCxnSpPr>
+            <a:stCxn id="70" idx="1"/>
+            <a:endCxn id="69" idx="1"/>
+          </p:cNvCxnSpPr>
+          <p:nvPr/>
+        </p:nvCxnSpPr>
+        <p:spPr>
+          <a:xfrm rot="10800000" flipH="1">
+            <a:off x="583367" y="2997075"/>
+            <a:ext cx="1883196" cy="1881017"/>
+          </a:xfrm>
+          <a:prstGeom prst="bentConnector3">
+            <a:avLst>
+              <a:gd name="adj1" fmla="val -12139"/>
+            </a:avLst>
+          </a:prstGeom>
+        </p:spPr>
+        <p:style>
+          <a:lnRef idx="1">
+            <a:schemeClr val="accent1"/>
+          </a:lnRef>
+          <a:fillRef idx="0">
+            <a:schemeClr val="accent1"/>
+          </a:fillRef>
+          <a:effectRef idx="0">
+            <a:schemeClr val="accent1"/>
+          </a:effectRef>
+          <a:fontRef idx="minor">
+            <a:schemeClr val="tx1"/>
+          </a:fontRef>
+        </p:style>
+      </p:cxnSp>
+      <p:pic>
+        <p:nvPicPr>
+          <p:cNvPr id="3" name="Рисунок 2"/>
+          <p:cNvPicPr>
+            <a:picLocks noChangeAspect="1"/>
+          </p:cNvPicPr>
+          <p:nvPr/>
+        </p:nvPicPr>
+        <p:blipFill>
+          <a:blip r:embed="rId6">
+            <a:extLst>
+              <a:ext uri="{28A0092B-C50C-407E-A947-70E740481C1C}">
+                <a14:useLocalDpi xmlns:a14="http://schemas.microsoft.com/office/drawing/2010/main" val="0"/>
+              </a:ext>
+            </a:extLst>
+          </a:blip>
+          <a:stretch>
+            <a:fillRect/>
+          </a:stretch>
+        </p:blipFill>
+        <p:spPr>
+          <a:xfrm>
+            <a:off x="509435" y="1877572"/>
+            <a:ext cx="4607124" cy="4222697"/>
+          </a:xfrm>
+          <a:prstGeom prst="rect">
+            <a:avLst/>
+          </a:prstGeom>
+        </p:spPr>
+      </p:pic>
+      <p:cxnSp>
+        <p:nvCxnSpPr>
+          <p:cNvPr id="8" name="Прямая соединительная линия 7"/>
+          <p:cNvCxnSpPr/>
+          <p:nvPr/>
+        </p:nvCxnSpPr>
+        <p:spPr>
+          <a:xfrm>
+            <a:off x="5096560" y="1879083"/>
             <a:ext cx="3158060" cy="310662"/>
           </a:xfrm>
           <a:prstGeom prst="line">
@@ -5388,7 +12904,7 @@
           <a:p>
             <a:pPr algn="ctr"/>
             <a:r>
-              <a:rPr lang="en-US" sz="5400" b="1" cap="none" spc="50" dirty="0" smtClean="0">
+              <a:rPr lang="en-US" sz="5400" b="1" cap="none" spc="50" dirty="0">
                 <a:ln w="0"/>
                 <a:solidFill>
                   <a:schemeClr val="bg2"/>
@@ -5419,6 +12935,96 @@
           </a:p>
         </p:txBody>
       </p:sp>
+      <p:graphicFrame>
+        <p:nvGraphicFramePr>
+          <p:cNvPr id="26" name="Диаграмма 25">
+            <a:extLst>
+              <a:ext uri="{FF2B5EF4-FFF2-40B4-BE49-F238E27FC236}">
+                <a16:creationId xmlns:a16="http://schemas.microsoft.com/office/drawing/2014/main" id="{A440E4E0-B715-415C-A011-B1A008D5B9C0}"/>
+              </a:ext>
+            </a:extLst>
+          </p:cNvPr>
+          <p:cNvGraphicFramePr>
+            <a:graphicFrameLocks/>
+          </p:cNvGraphicFramePr>
+          <p:nvPr>
+            <p:extLst>
+              <p:ext uri="{D42A27DB-BD31-4B8C-83A1-F6EECF244321}">
+                <p14:modId xmlns:p14="http://schemas.microsoft.com/office/powerpoint/2010/main" val="2760368539"/>
+              </p:ext>
+            </p:extLst>
+          </p:nvPr>
+        </p:nvGraphicFramePr>
+        <p:xfrm>
+          <a:off x="3374759" y="3531796"/>
+          <a:ext cx="775386" cy="646331"/>
+        </p:xfrm>
+        <a:graphic>
+          <a:graphicData uri="http://schemas.openxmlformats.org/drawingml/2006/chart">
+            <c:chart xmlns:c="http://schemas.openxmlformats.org/drawingml/2006/chart" xmlns:r="http://schemas.openxmlformats.org/officeDocument/2006/relationships" r:id="rId8"/>
+          </a:graphicData>
+        </a:graphic>
+      </p:graphicFrame>
+      <p:graphicFrame>
+        <p:nvGraphicFramePr>
+          <p:cNvPr id="28" name="Диаграмма 27">
+            <a:extLst>
+              <a:ext uri="{FF2B5EF4-FFF2-40B4-BE49-F238E27FC236}">
+                <a16:creationId xmlns:a16="http://schemas.microsoft.com/office/drawing/2014/main" id="{05D78FDF-C87E-4856-B2F2-12210583C824}"/>
+              </a:ext>
+            </a:extLst>
+          </p:cNvPr>
+          <p:cNvGraphicFramePr>
+            <a:graphicFrameLocks/>
+          </p:cNvGraphicFramePr>
+          <p:nvPr>
+            <p:extLst>
+              <p:ext uri="{D42A27DB-BD31-4B8C-83A1-F6EECF244321}">
+                <p14:modId xmlns:p14="http://schemas.microsoft.com/office/powerpoint/2010/main" val="1625616045"/>
+              </p:ext>
+            </p:extLst>
+          </p:nvPr>
+        </p:nvGraphicFramePr>
+        <p:xfrm>
+          <a:off x="3273675" y="4261606"/>
+          <a:ext cx="1484500" cy="1132277"/>
+        </p:xfrm>
+        <a:graphic>
+          <a:graphicData uri="http://schemas.openxmlformats.org/drawingml/2006/chart">
+            <c:chart xmlns:c="http://schemas.openxmlformats.org/drawingml/2006/chart" xmlns:r="http://schemas.openxmlformats.org/officeDocument/2006/relationships" r:id="rId9"/>
+          </a:graphicData>
+        </a:graphic>
+      </p:graphicFrame>
+      <p:graphicFrame>
+        <p:nvGraphicFramePr>
+          <p:cNvPr id="30" name="Диаграмма 29">
+            <a:extLst>
+              <a:ext uri="{FF2B5EF4-FFF2-40B4-BE49-F238E27FC236}">
+                <a16:creationId xmlns:a16="http://schemas.microsoft.com/office/drawing/2014/main" id="{96AC4FD7-C2E5-44F2-AE32-A47BBB2F6138}"/>
+              </a:ext>
+            </a:extLst>
+          </p:cNvPr>
+          <p:cNvGraphicFramePr>
+            <a:graphicFrameLocks/>
+          </p:cNvGraphicFramePr>
+          <p:nvPr>
+            <p:extLst>
+              <p:ext uri="{D42A27DB-BD31-4B8C-83A1-F6EECF244321}">
+                <p14:modId xmlns:p14="http://schemas.microsoft.com/office/powerpoint/2010/main" val="3644592558"/>
+              </p:ext>
+            </p:extLst>
+          </p:nvPr>
+        </p:nvGraphicFramePr>
+        <p:xfrm>
+          <a:off x="3722288" y="2984882"/>
+          <a:ext cx="2071773" cy="1436289"/>
+        </p:xfrm>
+        <a:graphic>
+          <a:graphicData uri="http://schemas.openxmlformats.org/drawingml/2006/chart">
+            <c:chart xmlns:c="http://schemas.openxmlformats.org/drawingml/2006/chart" xmlns:r="http://schemas.openxmlformats.org/officeDocument/2006/relationships" r:id="rId10"/>
+          </a:graphicData>
+        </a:graphic>
+      </p:graphicFrame>
     </p:spTree>
     <p:custDataLst>
       <p:tags r:id="rId1"/>
@@ -5688,7 +13294,7 @@
           <a:p>
             <a:pPr algn="ctr"/>
             <a:r>
-              <a:rPr lang="en-US" sz="5400" b="0" cap="none" spc="0" dirty="0" smtClean="0">
+              <a:rPr lang="en-US" sz="5400" b="0" cap="none" spc="0" dirty="0">
                 <a:ln w="0"/>
                 <a:solidFill>
                   <a:schemeClr val="tx1"/>
@@ -5753,7 +13359,7 @@
           <a:p>
             <a:pPr algn="ctr"/>
             <a:r>
-              <a:rPr lang="en-US" sz="5400" b="0" cap="none" spc="0" dirty="0" smtClean="0">
+              <a:rPr lang="en-US" sz="5400" b="0" cap="none" spc="0" dirty="0">
                 <a:ln w="0"/>
                 <a:solidFill>
                   <a:schemeClr val="tx1"/>
@@ -5818,7 +13424,7 @@
           <a:p>
             <a:pPr algn="ctr"/>
             <a:r>
-              <a:rPr lang="en-US" sz="5400" b="0" cap="none" spc="0" dirty="0" smtClean="0">
+              <a:rPr lang="en-US" sz="5400" b="0" cap="none" spc="0" dirty="0">
                 <a:ln w="0"/>
                 <a:solidFill>
                   <a:schemeClr val="tx1"/>
@@ -5872,7 +13478,7 @@
           <a:lstStyle/>
           <a:p>
             <a:r>
-              <a:rPr lang="en-US" dirty="0" smtClean="0"/>
+              <a:rPr lang="en-US" dirty="0"/>
               <a:t>Cleveland</a:t>
             </a:r>
             <a:endParaRPr lang="ru-RU" dirty="0"/>
@@ -5902,7 +13508,7 @@
           <a:lstStyle/>
           <a:p>
             <a:r>
-              <a:rPr lang="en-US" dirty="0" smtClean="0"/>
+              <a:rPr lang="en-US" dirty="0"/>
               <a:t>Cincinnati</a:t>
             </a:r>
             <a:endParaRPr lang="ru-RU" dirty="0"/>
@@ -5932,7 +13538,7 @@
           <a:lstStyle/>
           <a:p>
             <a:r>
-              <a:rPr lang="en-US" dirty="0" smtClean="0"/>
+              <a:rPr lang="en-US" dirty="0"/>
               <a:t>Columbus</a:t>
             </a:r>
             <a:endParaRPr lang="ru-RU" dirty="0"/>
@@ -6202,7 +13808,7 @@
           <a:lstStyle/>
           <a:p>
             <a:r>
-              <a:rPr lang="en-US" dirty="0" smtClean="0"/>
+              <a:rPr lang="en-US" dirty="0"/>
               <a:t>Miami</a:t>
             </a:r>
             <a:endParaRPr lang="ru-RU" dirty="0"/>
@@ -6297,7 +13903,7 @@
           <a:lstStyle/>
           <a:p>
             <a:r>
-              <a:rPr lang="en-US" dirty="0" smtClean="0"/>
+              <a:rPr lang="en-US" dirty="0"/>
               <a:t>Las Vegas</a:t>
             </a:r>
             <a:endParaRPr lang="ru-RU" dirty="0"/>
@@ -6453,7 +14059,7 @@
           <a:p>
             <a:pPr algn="ctr"/>
             <a:r>
-              <a:rPr lang="en-US" sz="5400" b="1" cap="none" spc="50" dirty="0" smtClean="0">
+              <a:rPr lang="en-US" sz="5400" b="1" cap="none" spc="50" dirty="0">
                 <a:ln w="0"/>
                 <a:solidFill>
                   <a:schemeClr val="bg2"/>
@@ -6780,7 +14386,7 @@
           <a:p>
             <a:pPr algn="ctr"/>
             <a:r>
-              <a:rPr lang="en-US" sz="5400" b="0" cap="none" spc="0" dirty="0" smtClean="0">
+              <a:rPr lang="en-US" sz="5400" b="0" cap="none" spc="0" dirty="0">
                 <a:ln w="0"/>
                 <a:solidFill>
                   <a:schemeClr val="tx1"/>
@@ -6845,7 +14451,7 @@
           <a:p>
             <a:pPr algn="ctr"/>
             <a:r>
-              <a:rPr lang="en-US" sz="5400" b="0" cap="none" spc="0" dirty="0" smtClean="0">
+              <a:rPr lang="en-US" sz="5400" b="0" cap="none" spc="0" dirty="0">
                 <a:ln w="0"/>
                 <a:solidFill>
                   <a:schemeClr val="tx1"/>
@@ -6910,7 +14516,7 @@
           <a:p>
             <a:pPr algn="ctr"/>
             <a:r>
-              <a:rPr lang="en-US" sz="5400" b="0" cap="none" spc="0" dirty="0" smtClean="0">
+              <a:rPr lang="en-US" sz="5400" b="0" cap="none" spc="0" dirty="0">
                 <a:ln w="0"/>
                 <a:solidFill>
                   <a:schemeClr val="tx1"/>
@@ -6964,7 +14570,7 @@
           <a:lstStyle/>
           <a:p>
             <a:r>
-              <a:rPr lang="en-US" dirty="0" smtClean="0"/>
+              <a:rPr lang="en-US" dirty="0"/>
               <a:t>Cleveland</a:t>
             </a:r>
             <a:endParaRPr lang="ru-RU" dirty="0"/>
@@ -6994,7 +14600,7 @@
           <a:lstStyle/>
           <a:p>
             <a:r>
-              <a:rPr lang="en-US" dirty="0" smtClean="0"/>
+              <a:rPr lang="en-US" dirty="0"/>
               <a:t>Cincinnati</a:t>
             </a:r>
             <a:endParaRPr lang="ru-RU" dirty="0"/>
@@ -7024,7 +14630,7 @@
           <a:lstStyle/>
           <a:p>
             <a:r>
-              <a:rPr lang="en-US" dirty="0" smtClean="0"/>
+              <a:rPr lang="en-US" dirty="0"/>
               <a:t>Columbus</a:t>
             </a:r>
             <a:endParaRPr lang="ru-RU" dirty="0"/>
@@ -7294,7 +14900,7 @@
           <a:lstStyle/>
           <a:p>
             <a:r>
-              <a:rPr lang="en-US" dirty="0" smtClean="0"/>
+              <a:rPr lang="en-US" dirty="0"/>
               <a:t>Miami</a:t>
             </a:r>
             <a:endParaRPr lang="ru-RU" dirty="0"/>
@@ -7389,7 +14995,7 @@
           <a:lstStyle/>
           <a:p>
             <a:r>
-              <a:rPr lang="en-US" dirty="0" smtClean="0"/>
+              <a:rPr lang="en-US" dirty="0"/>
               <a:t>Las Vegas</a:t>
             </a:r>
             <a:endParaRPr lang="ru-RU" dirty="0"/>
@@ -7455,7 +15061,7 @@
           <a:p>
             <a:pPr algn="ctr"/>
             <a:r>
-              <a:rPr lang="en-US" sz="5400" b="1" cap="none" spc="50" dirty="0" smtClean="0">
+              <a:rPr lang="en-US" sz="5400" b="1" cap="none" spc="50" dirty="0">
                 <a:ln w="0"/>
                 <a:solidFill>
                   <a:schemeClr val="bg2"/>
@@ -7812,7 +15418,7 @@
           <a:p>
             <a:pPr algn="ctr"/>
             <a:r>
-              <a:rPr lang="en-US" sz="5400" b="0" cap="none" spc="0" dirty="0" smtClean="0">
+              <a:rPr lang="en-US" sz="5400" b="0" cap="none" spc="0" dirty="0">
                 <a:ln w="0"/>
                 <a:solidFill>
                   <a:schemeClr val="tx1"/>
@@ -7877,7 +15483,7 @@
           <a:p>
             <a:pPr algn="ctr"/>
             <a:r>
-              <a:rPr lang="en-US" sz="5400" b="0" cap="none" spc="0" dirty="0" smtClean="0">
+              <a:rPr lang="en-US" sz="5400" b="0" cap="none" spc="0" dirty="0">
                 <a:ln w="0"/>
                 <a:solidFill>
                   <a:schemeClr val="tx1"/>
@@ -7942,7 +15548,7 @@
           <a:p>
             <a:pPr algn="ctr"/>
             <a:r>
-              <a:rPr lang="en-US" sz="5400" b="0" cap="none" spc="0" dirty="0" smtClean="0">
+              <a:rPr lang="en-US" sz="5400" b="0" cap="none" spc="0" dirty="0">
                 <a:ln w="0"/>
                 <a:solidFill>
                   <a:schemeClr val="tx1"/>
@@ -7996,7 +15602,7 @@
           <a:lstStyle/>
           <a:p>
             <a:r>
-              <a:rPr lang="en-US" dirty="0" smtClean="0"/>
+              <a:rPr lang="en-US" dirty="0"/>
               <a:t>Cleveland</a:t>
             </a:r>
             <a:endParaRPr lang="ru-RU" dirty="0"/>
@@ -8026,7 +15632,7 @@
           <a:lstStyle/>
           <a:p>
             <a:r>
-              <a:rPr lang="en-US" dirty="0" smtClean="0"/>
+              <a:rPr lang="en-US" dirty="0"/>
               <a:t>Cincinnati</a:t>
             </a:r>
             <a:endParaRPr lang="ru-RU" dirty="0"/>
@@ -8056,7 +15662,7 @@
           <a:lstStyle/>
           <a:p>
             <a:r>
-              <a:rPr lang="en-US" dirty="0" smtClean="0"/>
+              <a:rPr lang="en-US" dirty="0"/>
               <a:t>Columbus</a:t>
             </a:r>
             <a:endParaRPr lang="ru-RU" dirty="0"/>
@@ -8326,7 +15932,7 @@
           <a:lstStyle/>
           <a:p>
             <a:r>
-              <a:rPr lang="en-US" dirty="0" smtClean="0"/>
+              <a:rPr lang="en-US" dirty="0"/>
               <a:t>Miami</a:t>
             </a:r>
             <a:endParaRPr lang="ru-RU" dirty="0"/>
@@ -8421,7 +16027,7 @@
           <a:lstStyle/>
           <a:p>
             <a:r>
-              <a:rPr lang="en-US" dirty="0" smtClean="0"/>
+              <a:rPr lang="en-US" dirty="0"/>
               <a:t>Las Vegas</a:t>
             </a:r>
             <a:endParaRPr lang="ru-RU" dirty="0"/>
@@ -8463,6 +16069,42 @@
           </a:fontRef>
         </p:style>
       </p:cxnSp>
+      <p:pic>
+        <p:nvPicPr>
+          <p:cNvPr id="4" name="Рисунок 3">
+            <a:extLst>
+              <a:ext uri="{FF2B5EF4-FFF2-40B4-BE49-F238E27FC236}">
+                <a16:creationId xmlns:a16="http://schemas.microsoft.com/office/drawing/2014/main" id="{D5B29E27-F947-4E70-A30F-926B494AA589}"/>
+              </a:ext>
+            </a:extLst>
+          </p:cNvPr>
+          <p:cNvPicPr>
+            <a:picLocks noChangeAspect="1"/>
+          </p:cNvPicPr>
+          <p:nvPr/>
+        </p:nvPicPr>
+        <p:blipFill>
+          <a:blip r:embed="rId5">
+            <a:extLst>
+              <a:ext uri="{28A0092B-C50C-407E-A947-70E740481C1C}">
+                <a14:useLocalDpi xmlns:a14="http://schemas.microsoft.com/office/drawing/2010/main" val="0"/>
+              </a:ext>
+            </a:extLst>
+          </a:blip>
+          <a:stretch>
+            <a:fillRect/>
+          </a:stretch>
+        </p:blipFill>
+        <p:spPr>
+          <a:xfrm>
+            <a:off x="2260570" y="0"/>
+            <a:ext cx="7670859" cy="6858000"/>
+          </a:xfrm>
+          <a:prstGeom prst="rect">
+            <a:avLst/>
+          </a:prstGeom>
+        </p:spPr>
+      </p:pic>
     </p:spTree>
     <p:extLst>
       <p:ext uri="{BB962C8B-B14F-4D97-AF65-F5344CB8AC3E}">
@@ -8473,13 +16115,6 @@
   <p:clrMapOvr>
     <a:masterClrMapping/>
   </p:clrMapOvr>
-  <p:timing>
-    <p:tnLst>
-      <p:par>
-        <p:cTn id="1" dur="indefinite" restart="never" nodeType="tmRoot"/>
-      </p:par>
-    </p:tnLst>
-  </p:timing>
 </p:sld>
 </file>
 
@@ -8577,7 +16212,7 @@
           <a:p>
             <a:pPr algn="ctr"/>
             <a:r>
-              <a:rPr lang="en-US" sz="5400" b="0" cap="none" spc="0" dirty="0" smtClean="0">
+              <a:rPr lang="en-US" sz="5400" b="0" cap="none" spc="0" dirty="0">
                 <a:ln w="0"/>
                 <a:solidFill>
                   <a:schemeClr val="tx1"/>
@@ -8642,7 +16277,7 @@
           <a:p>
             <a:pPr algn="ctr"/>
             <a:r>
-              <a:rPr lang="en-US" sz="5400" b="0" cap="none" spc="0" dirty="0" smtClean="0">
+              <a:rPr lang="en-US" sz="5400" b="0" cap="none" spc="0" dirty="0">
                 <a:ln w="0"/>
                 <a:solidFill>
                   <a:schemeClr val="tx1"/>
@@ -8707,7 +16342,7 @@
           <a:p>
             <a:pPr algn="ctr"/>
             <a:r>
-              <a:rPr lang="en-US" sz="5400" b="0" cap="none" spc="0" dirty="0" smtClean="0">
+              <a:rPr lang="en-US" sz="5400" b="0" cap="none" spc="0" dirty="0">
                 <a:ln w="0"/>
                 <a:solidFill>
                   <a:schemeClr val="tx1"/>
@@ -8761,7 +16396,7 @@
           <a:lstStyle/>
           <a:p>
             <a:r>
-              <a:rPr lang="en-US" dirty="0" smtClean="0"/>
+              <a:rPr lang="en-US" dirty="0"/>
               <a:t>Cleveland</a:t>
             </a:r>
             <a:endParaRPr lang="ru-RU" dirty="0"/>
@@ -8791,7 +16426,7 @@
           <a:lstStyle/>
           <a:p>
             <a:r>
-              <a:rPr lang="en-US" dirty="0" smtClean="0"/>
+              <a:rPr lang="en-US" dirty="0"/>
               <a:t>Cincinnati</a:t>
             </a:r>
             <a:endParaRPr lang="ru-RU" dirty="0"/>
@@ -8821,7 +16456,7 @@
           <a:lstStyle/>
           <a:p>
             <a:r>
-              <a:rPr lang="en-US" dirty="0" smtClean="0"/>
+              <a:rPr lang="en-US" dirty="0"/>
               <a:t>Columbus</a:t>
             </a:r>
             <a:endParaRPr lang="ru-RU" dirty="0"/>
@@ -9091,7 +16726,7 @@
           <a:lstStyle/>
           <a:p>
             <a:r>
-              <a:rPr lang="en-US" dirty="0" smtClean="0"/>
+              <a:rPr lang="en-US" dirty="0"/>
               <a:t>Miami</a:t>
             </a:r>
             <a:endParaRPr lang="ru-RU" dirty="0"/>
@@ -9186,7 +16821,7 @@
           <a:lstStyle/>
           <a:p>
             <a:r>
-              <a:rPr lang="en-US" dirty="0" smtClean="0"/>
+              <a:rPr lang="en-US" dirty="0"/>
               <a:t>Las Vegas</a:t>
             </a:r>
             <a:endParaRPr lang="ru-RU" dirty="0"/>
@@ -9238,13 +16873,6 @@
   <p:clrMapOvr>
     <a:masterClrMapping/>
   </p:clrMapOvr>
-  <p:timing>
-    <p:tnLst>
-      <p:par>
-        <p:cTn id="1" dur="indefinite" restart="never" nodeType="tmRoot"/>
-      </p:par>
-    </p:tnLst>
-  </p:timing>
 </p:sld>
 </file>
 
@@ -9342,7 +16970,7 @@
           <a:p>
             <a:pPr algn="ctr"/>
             <a:r>
-              <a:rPr lang="en-US" sz="5400" b="0" cap="none" spc="0" dirty="0" smtClean="0">
+              <a:rPr lang="en-US" sz="5400" b="0" cap="none" spc="0" dirty="0">
                 <a:ln w="0"/>
                 <a:solidFill>
                   <a:schemeClr val="tx1"/>
@@ -9407,7 +17035,7 @@
           <a:p>
             <a:pPr algn="ctr"/>
             <a:r>
-              <a:rPr lang="en-US" sz="5400" b="0" cap="none" spc="0" dirty="0" smtClean="0">
+              <a:rPr lang="en-US" sz="5400" b="0" cap="none" spc="0" dirty="0">
                 <a:ln w="0"/>
                 <a:solidFill>
                   <a:schemeClr val="tx1"/>
@@ -9472,7 +17100,7 @@
           <a:p>
             <a:pPr algn="ctr"/>
             <a:r>
-              <a:rPr lang="en-US" sz="5400" b="0" cap="none" spc="0" dirty="0" smtClean="0">
+              <a:rPr lang="en-US" sz="5400" b="0" cap="none" spc="0" dirty="0">
                 <a:ln w="0"/>
                 <a:solidFill>
                   <a:schemeClr val="tx1"/>
@@ -9526,7 +17154,7 @@
           <a:lstStyle/>
           <a:p>
             <a:r>
-              <a:rPr lang="en-US" dirty="0" smtClean="0"/>
+              <a:rPr lang="en-US" dirty="0"/>
               <a:t>Cleveland</a:t>
             </a:r>
             <a:endParaRPr lang="ru-RU" dirty="0"/>
@@ -9556,7 +17184,7 @@
           <a:lstStyle/>
           <a:p>
             <a:r>
-              <a:rPr lang="en-US" dirty="0" smtClean="0"/>
+              <a:rPr lang="en-US" dirty="0"/>
               <a:t>Cincinnati</a:t>
             </a:r>
             <a:endParaRPr lang="ru-RU" dirty="0"/>
@@ -9586,7 +17214,7 @@
           <a:lstStyle/>
           <a:p>
             <a:r>
-              <a:rPr lang="en-US" dirty="0" smtClean="0"/>
+              <a:rPr lang="en-US" dirty="0"/>
               <a:t>Columbus</a:t>
             </a:r>
             <a:endParaRPr lang="ru-RU" dirty="0"/>
@@ -9856,7 +17484,7 @@
           <a:lstStyle/>
           <a:p>
             <a:r>
-              <a:rPr lang="en-US" dirty="0" smtClean="0"/>
+              <a:rPr lang="en-US" dirty="0"/>
               <a:t>Miami</a:t>
             </a:r>
             <a:endParaRPr lang="ru-RU" dirty="0"/>
@@ -9951,7 +17579,7 @@
           <a:lstStyle/>
           <a:p>
             <a:r>
-              <a:rPr lang="en-US" dirty="0" smtClean="0"/>
+              <a:rPr lang="en-US" dirty="0"/>
               <a:t>Las Vegas</a:t>
             </a:r>
             <a:endParaRPr lang="ru-RU" dirty="0"/>
@@ -10003,13 +17631,6 @@
   <p:clrMapOvr>
     <a:masterClrMapping/>
   </p:clrMapOvr>
-  <p:timing>
-    <p:tnLst>
-      <p:par>
-        <p:cTn id="1" dur="indefinite" restart="never" nodeType="tmRoot"/>
-      </p:par>
-    </p:tnLst>
-  </p:timing>
 </p:sld>
 </file>
 
@@ -10107,7 +17728,7 @@
           <a:p>
             <a:pPr algn="ctr"/>
             <a:r>
-              <a:rPr lang="en-US" sz="5400" b="0" cap="none" spc="0" dirty="0" smtClean="0">
+              <a:rPr lang="en-US" sz="5400" b="0" cap="none" spc="0" dirty="0">
                 <a:ln w="0"/>
                 <a:solidFill>
                   <a:schemeClr val="tx1"/>
@@ -10172,7 +17793,7 @@
           <a:p>
             <a:pPr algn="ctr"/>
             <a:r>
-              <a:rPr lang="en-US" sz="5400" b="0" cap="none" spc="0" dirty="0" smtClean="0">
+              <a:rPr lang="en-US" sz="5400" b="0" cap="none" spc="0" dirty="0">
                 <a:ln w="0"/>
                 <a:solidFill>
                   <a:schemeClr val="tx1"/>
@@ -10237,7 +17858,7 @@
           <a:p>
             <a:pPr algn="ctr"/>
             <a:r>
-              <a:rPr lang="en-US" sz="5400" b="0" cap="none" spc="0" dirty="0" smtClean="0">
+              <a:rPr lang="en-US" sz="5400" b="0" cap="none" spc="0" dirty="0">
                 <a:ln w="0"/>
                 <a:solidFill>
                   <a:schemeClr val="tx1"/>
@@ -10291,7 +17912,7 @@
           <a:lstStyle/>
           <a:p>
             <a:r>
-              <a:rPr lang="en-US" dirty="0" smtClean="0"/>
+              <a:rPr lang="en-US" dirty="0"/>
               <a:t>Cleveland</a:t>
             </a:r>
             <a:endParaRPr lang="ru-RU" dirty="0"/>
@@ -10321,7 +17942,7 @@
           <a:lstStyle/>
           <a:p>
             <a:r>
-              <a:rPr lang="en-US" dirty="0" smtClean="0"/>
+              <a:rPr lang="en-US" dirty="0"/>
               <a:t>Cincinnati</a:t>
             </a:r>
             <a:endParaRPr lang="ru-RU" dirty="0"/>
@@ -10351,7 +17972,7 @@
           <a:lstStyle/>
           <a:p>
             <a:r>
-              <a:rPr lang="en-US" dirty="0" smtClean="0"/>
+              <a:rPr lang="en-US" dirty="0"/>
               <a:t>Columbus</a:t>
             </a:r>
             <a:endParaRPr lang="ru-RU" dirty="0"/>
@@ -10621,7 +18242,7 @@
           <a:lstStyle/>
           <a:p>
             <a:r>
-              <a:rPr lang="en-US" dirty="0" smtClean="0"/>
+              <a:rPr lang="en-US" dirty="0"/>
               <a:t>Miami</a:t>
             </a:r>
             <a:endParaRPr lang="ru-RU" dirty="0"/>
@@ -10716,7 +18337,7 @@
           <a:lstStyle/>
           <a:p>
             <a:r>
-              <a:rPr lang="en-US" dirty="0" smtClean="0"/>
+              <a:rPr lang="en-US" dirty="0"/>
               <a:t>Las Vegas</a:t>
             </a:r>
             <a:endParaRPr lang="ru-RU" dirty="0"/>
@@ -10768,13 +18389,6 @@
   <p:clrMapOvr>
     <a:masterClrMapping/>
   </p:clrMapOvr>
-  <p:timing>
-    <p:tnLst>
-      <p:par>
-        <p:cTn id="1" dur="indefinite" restart="never" nodeType="tmRoot"/>
-      </p:par>
-    </p:tnLst>
-  </p:timing>
 </p:sld>
 </file>
 
@@ -10872,7 +18486,7 @@
           <a:p>
             <a:pPr algn="ctr"/>
             <a:r>
-              <a:rPr lang="en-US" sz="5400" b="0" cap="none" spc="0" dirty="0" smtClean="0">
+              <a:rPr lang="en-US" sz="5400" b="0" cap="none" spc="0" dirty="0">
                 <a:ln w="0"/>
                 <a:solidFill>
                   <a:schemeClr val="tx1"/>
@@ -10937,7 +18551,7 @@
           <a:p>
             <a:pPr algn="ctr"/>
             <a:r>
-              <a:rPr lang="en-US" sz="5400" b="0" cap="none" spc="0" dirty="0" smtClean="0">
+              <a:rPr lang="en-US" sz="5400" b="0" cap="none" spc="0" dirty="0">
                 <a:ln w="0"/>
                 <a:solidFill>
                   <a:schemeClr val="tx1"/>
@@ -11002,7 +18616,7 @@
           <a:p>
             <a:pPr algn="ctr"/>
             <a:r>
-              <a:rPr lang="en-US" sz="5400" b="0" cap="none" spc="0" dirty="0" smtClean="0">
+              <a:rPr lang="en-US" sz="5400" b="0" cap="none" spc="0" dirty="0">
                 <a:ln w="0"/>
                 <a:solidFill>
                   <a:schemeClr val="tx1"/>
@@ -11056,7 +18670,7 @@
           <a:lstStyle/>
           <a:p>
             <a:r>
-              <a:rPr lang="en-US" dirty="0" smtClean="0"/>
+              <a:rPr lang="en-US" dirty="0"/>
               <a:t>Cleveland</a:t>
             </a:r>
             <a:endParaRPr lang="ru-RU" dirty="0"/>
@@ -11086,7 +18700,7 @@
           <a:lstStyle/>
           <a:p>
             <a:r>
-              <a:rPr lang="en-US" dirty="0" smtClean="0"/>
+              <a:rPr lang="en-US" dirty="0"/>
               <a:t>Cincinnati</a:t>
             </a:r>
             <a:endParaRPr lang="ru-RU" dirty="0"/>
@@ -11116,7 +18730,7 @@
           <a:lstStyle/>
           <a:p>
             <a:r>
-              <a:rPr lang="en-US" dirty="0" smtClean="0"/>
+              <a:rPr lang="en-US" dirty="0"/>
               <a:t>Columbus</a:t>
             </a:r>
             <a:endParaRPr lang="ru-RU" dirty="0"/>
@@ -11386,7 +19000,7 @@
           <a:lstStyle/>
           <a:p>
             <a:r>
-              <a:rPr lang="en-US" dirty="0" smtClean="0"/>
+              <a:rPr lang="en-US" dirty="0"/>
               <a:t>Miami</a:t>
             </a:r>
             <a:endParaRPr lang="ru-RU" dirty="0"/>
@@ -11481,7 +19095,7 @@
           <a:lstStyle/>
           <a:p>
             <a:r>
-              <a:rPr lang="en-US" dirty="0" smtClean="0"/>
+              <a:rPr lang="en-US" dirty="0"/>
               <a:t>Las Vegas</a:t>
             </a:r>
             <a:endParaRPr lang="ru-RU" dirty="0"/>
@@ -11533,17 +19147,16 @@
   <p:clrMapOvr>
     <a:masterClrMapping/>
   </p:clrMapOvr>
-  <p:timing>
-    <p:tnLst>
-      <p:par>
-        <p:cTn id="1" dur="indefinite" restart="never" nodeType="tmRoot"/>
-      </p:par>
-    </p:tnLst>
-  </p:timing>
 </p:sld>
 </file>
 
 <file path=ppt/tags/tag1.xml><?xml version="1.0" encoding="utf-8"?>
+<p:tagLst xmlns:a="http://schemas.openxmlformats.org/drawingml/2006/main" xmlns:r="http://schemas.openxmlformats.org/officeDocument/2006/relationships" xmlns:p="http://schemas.openxmlformats.org/presentationml/2006/main">
+  <p:tag name="TIMING" val="|1.6"/>
+</p:tagLst>
+</file>
+
+<file path=ppt/tags/tag2.xml><?xml version="1.0" encoding="utf-8"?>
 <p:tagLst xmlns:a="http://schemas.openxmlformats.org/drawingml/2006/main" xmlns:r="http://schemas.openxmlformats.org/officeDocument/2006/relationships" xmlns:p="http://schemas.openxmlformats.org/presentationml/2006/main">
   <p:tag name="TIMING" val="|1.6"/>
 </p:tagLst>

--- a/Project 2.pptx
+++ b/Project 2.pptx
@@ -8447,84 +8447,119 @@
           <a:chExt cx="0" cy="0"/>
         </a:xfrm>
       </p:grpSpPr>
-      <p:pic>
-        <p:nvPicPr>
-          <p:cNvPr id="5" name="Рисунок 4"/>
-          <p:cNvPicPr>
-            <a:picLocks noChangeAspect="1"/>
-          </p:cNvPicPr>
-          <p:nvPr/>
-        </p:nvPicPr>
-        <p:blipFill>
-          <a:blip r:embed="rId2" cstate="print">
+      <p:grpSp>
+        <p:nvGrpSpPr>
+          <p:cNvPr id="3" name="Группа 2">
             <a:extLst>
-              <a:ext uri="{BEBA8EAE-BF5A-486C-A8C5-ECC9F3942E4B}">
-                <a14:imgProps xmlns:a14="http://schemas.microsoft.com/office/drawing/2010/main">
-                  <a14:imgLayer r:embed="rId3">
-                    <a14:imgEffect>
-                      <a14:backgroundRemoval t="0" b="100000" l="0" r="100000">
-                        <a14:backgroundMark x1="63843" y1="31432" x2="63843" y2="33416"/>
-                        <a14:backgroundMark x1="3223" y1="30998" x2="3140" y2="45443"/>
-                        <a14:backgroundMark x1="13967" y1="66336" x2="16405" y2="59206"/>
-                      </a14:backgroundRemoval>
-                    </a14:imgEffect>
-                  </a14:imgLayer>
-                </a14:imgProps>
-              </a:ext>
-              <a:ext uri="{28A0092B-C50C-407E-A947-70E740481C1C}">
-                <a14:useLocalDpi xmlns:a14="http://schemas.microsoft.com/office/drawing/2010/main" val="0"/>
+              <a:ext uri="{FF2B5EF4-FFF2-40B4-BE49-F238E27FC236}">
+                <a16:creationId xmlns:a16="http://schemas.microsoft.com/office/drawing/2014/main" id="{47F4F598-1685-4BDA-B39B-E5224970FC65}"/>
               </a:ext>
             </a:extLst>
-          </a:blip>
-          <a:stretch>
-            <a:fillRect/>
-          </a:stretch>
-        </p:blipFill>
-        <p:spPr>
+          </p:cNvPr>
+          <p:cNvGrpSpPr/>
+          <p:nvPr/>
+        </p:nvGrpSpPr>
+        <p:grpSpPr>
           <a:xfrm>
-            <a:off x="850265" y="0"/>
-            <a:ext cx="10058400" cy="6705001"/>
-          </a:xfrm>
-          <a:prstGeom prst="rect">
-            <a:avLst/>
-          </a:prstGeom>
-        </p:spPr>
-      </p:pic>
-      <p:sp>
-        <p:nvSpPr>
-          <p:cNvPr id="2" name="Прямоугольник 1">
-            <a:hlinkClick r:id="" action="ppaction://noaction"/>
-          </p:cNvPr>
-          <p:cNvSpPr/>
-          <p:nvPr/>
-        </p:nvSpPr>
-        <p:spPr>
-          <a:xfrm>
-            <a:off x="8298529" y="1669138"/>
-            <a:ext cx="1531188" cy="923330"/>
-          </a:xfrm>
-          <a:prstGeom prst="rect">
-            <a:avLst/>
-          </a:prstGeom>
-          <a:noFill/>
-          <a:effectLst>
-            <a:glow rad="139700">
-              <a:schemeClr val="accent2">
-                <a:satMod val="175000"/>
-                <a:alpha val="40000"/>
-              </a:schemeClr>
-            </a:glow>
-          </a:effectLst>
-        </p:spPr>
-        <p:txBody>
-          <a:bodyPr wrap="none" lIns="91440" tIns="45720" rIns="91440" bIns="45720">
-            <a:spAutoFit/>
-          </a:bodyPr>
-          <a:lstStyle/>
-          <a:p>
-            <a:pPr algn="ctr"/>
-            <a:r>
-              <a:rPr lang="en-US" sz="5400" b="0" cap="none" spc="0" dirty="0">
+            <a:off x="583367" y="0"/>
+            <a:ext cx="10348133" cy="6705001"/>
+            <a:chOff x="583367" y="0"/>
+            <a:chExt cx="10348133" cy="6705001"/>
+          </a:xfrm>
+        </p:grpSpPr>
+        <p:pic>
+          <p:nvPicPr>
+            <p:cNvPr id="5" name="Рисунок 4"/>
+            <p:cNvPicPr>
+              <a:picLocks noChangeAspect="1"/>
+            </p:cNvPicPr>
+            <p:nvPr/>
+          </p:nvPicPr>
+          <p:blipFill>
+            <a:blip r:embed="rId2" cstate="print">
+              <a:extLst>
+                <a:ext uri="{BEBA8EAE-BF5A-486C-A8C5-ECC9F3942E4B}">
+                  <a14:imgProps xmlns:a14="http://schemas.microsoft.com/office/drawing/2010/main">
+                    <a14:imgLayer r:embed="rId3">
+                      <a14:imgEffect>
+                        <a14:backgroundRemoval t="0" b="100000" l="0" r="100000">
+                          <a14:backgroundMark x1="63843" y1="31432" x2="63843" y2="33416"/>
+                          <a14:backgroundMark x1="3223" y1="30998" x2="3140" y2="45443"/>
+                          <a14:backgroundMark x1="13967" y1="66336" x2="16405" y2="59206"/>
+                        </a14:backgroundRemoval>
+                      </a14:imgEffect>
+                    </a14:imgLayer>
+                  </a14:imgProps>
+                </a:ext>
+                <a:ext uri="{28A0092B-C50C-407E-A947-70E740481C1C}">
+                  <a14:useLocalDpi xmlns:a14="http://schemas.microsoft.com/office/drawing/2010/main" val="0"/>
+                </a:ext>
+              </a:extLst>
+            </a:blip>
+            <a:stretch>
+              <a:fillRect/>
+            </a:stretch>
+          </p:blipFill>
+          <p:spPr>
+            <a:xfrm>
+              <a:off x="850265" y="0"/>
+              <a:ext cx="10058400" cy="6705001"/>
+            </a:xfrm>
+            <a:prstGeom prst="rect">
+              <a:avLst/>
+            </a:prstGeom>
+          </p:spPr>
+        </p:pic>
+        <p:sp>
+          <p:nvSpPr>
+            <p:cNvPr id="2" name="Прямоугольник 1">
+              <a:hlinkClick r:id="" action="ppaction://noaction"/>
+            </p:cNvPr>
+            <p:cNvSpPr/>
+            <p:nvPr/>
+          </p:nvSpPr>
+          <p:spPr>
+            <a:xfrm>
+              <a:off x="8298529" y="1669138"/>
+              <a:ext cx="1531188" cy="923330"/>
+            </a:xfrm>
+            <a:prstGeom prst="rect">
+              <a:avLst/>
+            </a:prstGeom>
+            <a:noFill/>
+            <a:effectLst>
+              <a:glow rad="139700">
+                <a:schemeClr val="accent2">
+                  <a:satMod val="175000"/>
+                  <a:alpha val="40000"/>
+                </a:schemeClr>
+              </a:glow>
+            </a:effectLst>
+          </p:spPr>
+          <p:txBody>
+            <a:bodyPr wrap="none" lIns="91440" tIns="45720" rIns="91440" bIns="45720">
+              <a:spAutoFit/>
+            </a:bodyPr>
+            <a:lstStyle/>
+            <a:p>
+              <a:pPr algn="ctr"/>
+              <a:r>
+                <a:rPr lang="en-US" sz="5400" b="0" cap="none" spc="0" dirty="0">
+                  <a:ln w="0"/>
+                  <a:solidFill>
+                    <a:schemeClr val="tx1"/>
+                  </a:solidFill>
+                  <a:effectLst>
+                    <a:outerShdw blurRad="38100" dist="19050" dir="2700000" algn="tl" rotWithShape="0">
+                      <a:schemeClr val="dk1">
+                        <a:alpha val="40000"/>
+                      </a:schemeClr>
+                    </a:outerShdw>
+                  </a:effectLst>
+                </a:rPr>
+                <a:t>Ohio</a:t>
+              </a:r>
+              <a:endParaRPr lang="ru-RU" sz="5400" b="0" cap="none" spc="0" dirty="0">
                 <a:ln w="0"/>
                 <a:solidFill>
                   <a:schemeClr val="tx1"/>
@@ -8536,60 +8571,60 @@
                     </a:schemeClr>
                   </a:outerShdw>
                 </a:effectLst>
-              </a:rPr>
-              <a:t>Ohio</a:t>
-            </a:r>
-            <a:endParaRPr lang="ru-RU" sz="5400" b="0" cap="none" spc="0" dirty="0">
-              <a:ln w="0"/>
-              <a:solidFill>
-                <a:schemeClr val="tx1"/>
-              </a:solidFill>
-              <a:effectLst>
-                <a:outerShdw blurRad="38100" dist="19050" dir="2700000" algn="tl" rotWithShape="0">
-                  <a:schemeClr val="dk1">
-                    <a:alpha val="40000"/>
-                  </a:schemeClr>
-                </a:outerShdw>
-              </a:effectLst>
-            </a:endParaRPr>
-          </a:p>
-        </p:txBody>
-      </p:sp>
-      <p:sp>
-        <p:nvSpPr>
-          <p:cNvPr id="11" name="Прямоугольник 10">
-            <a:hlinkClick r:id="" action="ppaction://noaction"/>
-          </p:cNvPr>
-          <p:cNvSpPr/>
-          <p:nvPr/>
-        </p:nvSpPr>
-        <p:spPr>
-          <a:xfrm>
-            <a:off x="8808803" y="3613128"/>
-            <a:ext cx="2122697" cy="923330"/>
-          </a:xfrm>
-          <a:prstGeom prst="rect">
-            <a:avLst/>
-          </a:prstGeom>
-          <a:noFill/>
-          <a:effectLst>
-            <a:glow rad="139700">
-              <a:schemeClr val="accent2">
-                <a:satMod val="175000"/>
-                <a:alpha val="40000"/>
-              </a:schemeClr>
-            </a:glow>
-          </a:effectLst>
-        </p:spPr>
-        <p:txBody>
-          <a:bodyPr wrap="none" lIns="91440" tIns="45720" rIns="91440" bIns="45720">
-            <a:spAutoFit/>
-          </a:bodyPr>
-          <a:lstStyle/>
-          <a:p>
-            <a:pPr algn="ctr"/>
-            <a:r>
-              <a:rPr lang="en-US" sz="5400" b="0" cap="none" spc="0" dirty="0">
+              </a:endParaRPr>
+            </a:p>
+          </p:txBody>
+        </p:sp>
+        <p:sp>
+          <p:nvSpPr>
+            <p:cNvPr id="11" name="Прямоугольник 10">
+              <a:hlinkClick r:id="" action="ppaction://noaction"/>
+            </p:cNvPr>
+            <p:cNvSpPr/>
+            <p:nvPr/>
+          </p:nvSpPr>
+          <p:spPr>
+            <a:xfrm>
+              <a:off x="8808803" y="3613128"/>
+              <a:ext cx="2122697" cy="923330"/>
+            </a:xfrm>
+            <a:prstGeom prst="rect">
+              <a:avLst/>
+            </a:prstGeom>
+            <a:noFill/>
+            <a:effectLst>
+              <a:glow rad="139700">
+                <a:schemeClr val="accent2">
+                  <a:satMod val="175000"/>
+                  <a:alpha val="40000"/>
+                </a:schemeClr>
+              </a:glow>
+            </a:effectLst>
+          </p:spPr>
+          <p:txBody>
+            <a:bodyPr wrap="none" lIns="91440" tIns="45720" rIns="91440" bIns="45720">
+              <a:spAutoFit/>
+            </a:bodyPr>
+            <a:lstStyle/>
+            <a:p>
+              <a:pPr algn="ctr"/>
+              <a:r>
+                <a:rPr lang="en-US" sz="5400" b="0" cap="none" spc="0" dirty="0">
+                  <a:ln w="0"/>
+                  <a:solidFill>
+                    <a:schemeClr val="tx1"/>
+                  </a:solidFill>
+                  <a:effectLst>
+                    <a:outerShdw blurRad="38100" dist="19050" dir="2700000" algn="tl" rotWithShape="0">
+                      <a:schemeClr val="dk1">
+                        <a:alpha val="40000"/>
+                      </a:schemeClr>
+                    </a:outerShdw>
+                  </a:effectLst>
+                </a:rPr>
+                <a:t>Florida</a:t>
+              </a:r>
+              <a:endParaRPr lang="ru-RU" sz="5400" b="0" cap="none" spc="0" dirty="0">
                 <a:ln w="0"/>
                 <a:solidFill>
                   <a:schemeClr val="tx1"/>
@@ -8601,60 +8636,60 @@
                     </a:schemeClr>
                   </a:outerShdw>
                 </a:effectLst>
-              </a:rPr>
-              <a:t>Florida</a:t>
-            </a:r>
-            <a:endParaRPr lang="ru-RU" sz="5400" b="0" cap="none" spc="0" dirty="0">
-              <a:ln w="0"/>
-              <a:solidFill>
-                <a:schemeClr val="tx1"/>
-              </a:solidFill>
-              <a:effectLst>
-                <a:outerShdw blurRad="38100" dist="19050" dir="2700000" algn="tl" rotWithShape="0">
-                  <a:schemeClr val="dk1">
-                    <a:alpha val="40000"/>
-                  </a:schemeClr>
-                </a:outerShdw>
-              </a:effectLst>
-            </a:endParaRPr>
-          </a:p>
-        </p:txBody>
-      </p:sp>
-      <p:sp>
-        <p:nvSpPr>
-          <p:cNvPr id="6" name="Прямоугольник 5">
-            <a:hlinkClick r:id="" action="ppaction://noaction"/>
-          </p:cNvPr>
-          <p:cNvSpPr/>
-          <p:nvPr/>
-        </p:nvSpPr>
-        <p:spPr>
-          <a:xfrm>
-            <a:off x="2466563" y="1669138"/>
-            <a:ext cx="2303131" cy="923330"/>
-          </a:xfrm>
-          <a:prstGeom prst="rect">
-            <a:avLst/>
-          </a:prstGeom>
-          <a:noFill/>
-          <a:effectLst>
-            <a:glow rad="139700">
-              <a:schemeClr val="accent2">
-                <a:satMod val="175000"/>
-                <a:alpha val="40000"/>
-              </a:schemeClr>
-            </a:glow>
-          </a:effectLst>
-        </p:spPr>
-        <p:txBody>
-          <a:bodyPr wrap="none" lIns="91440" tIns="45720" rIns="91440" bIns="45720">
-            <a:spAutoFit/>
-          </a:bodyPr>
-          <a:lstStyle/>
-          <a:p>
-            <a:pPr algn="ctr"/>
-            <a:r>
-              <a:rPr lang="en-US" sz="5400" b="0" cap="none" spc="0" dirty="0">
+              </a:endParaRPr>
+            </a:p>
+          </p:txBody>
+        </p:sp>
+        <p:sp>
+          <p:nvSpPr>
+            <p:cNvPr id="6" name="Прямоугольник 5">
+              <a:hlinkClick r:id="" action="ppaction://noaction"/>
+            </p:cNvPr>
+            <p:cNvSpPr/>
+            <p:nvPr/>
+          </p:nvSpPr>
+          <p:spPr>
+            <a:xfrm>
+              <a:off x="2466563" y="1669138"/>
+              <a:ext cx="2303131" cy="923330"/>
+            </a:xfrm>
+            <a:prstGeom prst="rect">
+              <a:avLst/>
+            </a:prstGeom>
+            <a:noFill/>
+            <a:effectLst>
+              <a:glow rad="139700">
+                <a:schemeClr val="accent2">
+                  <a:satMod val="175000"/>
+                  <a:alpha val="40000"/>
+                </a:schemeClr>
+              </a:glow>
+            </a:effectLst>
+          </p:spPr>
+          <p:txBody>
+            <a:bodyPr wrap="none" lIns="91440" tIns="45720" rIns="91440" bIns="45720">
+              <a:spAutoFit/>
+            </a:bodyPr>
+            <a:lstStyle/>
+            <a:p>
+              <a:pPr algn="ctr"/>
+              <a:r>
+                <a:rPr lang="en-US" sz="5400" b="0" cap="none" spc="0" dirty="0">
+                  <a:ln w="0"/>
+                  <a:solidFill>
+                    <a:schemeClr val="tx1"/>
+                  </a:solidFill>
+                  <a:effectLst>
+                    <a:outerShdw blurRad="38100" dist="19050" dir="2700000" algn="tl" rotWithShape="0">
+                      <a:schemeClr val="dk1">
+                        <a:alpha val="40000"/>
+                      </a:schemeClr>
+                    </a:outerShdw>
+                  </a:effectLst>
+                </a:rPr>
+                <a:t>Nevada</a:t>
+              </a:r>
+              <a:endParaRPr lang="ru-RU" sz="5400" b="0" cap="none" spc="0" dirty="0">
                 <a:ln w="0"/>
                 <a:solidFill>
                   <a:schemeClr val="tx1"/>
@@ -8666,515 +8701,501 @@
                     </a:schemeClr>
                   </a:outerShdw>
                 </a:effectLst>
-              </a:rPr>
-              <a:t>Nevada</a:t>
-            </a:r>
-            <a:endParaRPr lang="ru-RU" sz="5400" b="0" cap="none" spc="0" dirty="0">
-              <a:ln w="0"/>
+              </a:endParaRPr>
+            </a:p>
+          </p:txBody>
+        </p:sp>
+        <p:sp>
+          <p:nvSpPr>
+            <p:cNvPr id="7" name="TextBox 6"/>
+            <p:cNvSpPr txBox="1"/>
+            <p:nvPr/>
+          </p:nvSpPr>
+          <p:spPr>
+            <a:xfrm>
+              <a:off x="8496297" y="760675"/>
+              <a:ext cx="1592826" cy="369332"/>
+            </a:xfrm>
+            <a:prstGeom prst="rect">
+              <a:avLst/>
+            </a:prstGeom>
+            <a:noFill/>
+          </p:spPr>
+          <p:txBody>
+            <a:bodyPr wrap="square" rtlCol="0">
+              <a:spAutoFit/>
+            </a:bodyPr>
+            <a:lstStyle/>
+            <a:p>
+              <a:r>
+                <a:rPr lang="en-US" dirty="0"/>
+                <a:t>Cleveland</a:t>
+              </a:r>
+              <a:endParaRPr lang="ru-RU" dirty="0"/>
+            </a:p>
+          </p:txBody>
+        </p:sp>
+        <p:sp>
+          <p:nvSpPr>
+            <p:cNvPr id="9" name="TextBox 8"/>
+            <p:cNvSpPr txBox="1"/>
+            <p:nvPr/>
+          </p:nvSpPr>
+          <p:spPr>
+            <a:xfrm>
+              <a:off x="6845138" y="106211"/>
+              <a:ext cx="1592826" cy="369332"/>
+            </a:xfrm>
+            <a:prstGeom prst="rect">
+              <a:avLst/>
+            </a:prstGeom>
+            <a:noFill/>
+          </p:spPr>
+          <p:txBody>
+            <a:bodyPr wrap="square" rtlCol="0">
+              <a:spAutoFit/>
+            </a:bodyPr>
+            <a:lstStyle/>
+            <a:p>
+              <a:r>
+                <a:rPr lang="en-US" dirty="0"/>
+                <a:t>Cincinnati</a:t>
+              </a:r>
+              <a:endParaRPr lang="ru-RU" dirty="0"/>
+            </a:p>
+          </p:txBody>
+        </p:sp>
+        <p:sp>
+          <p:nvSpPr>
+            <p:cNvPr id="10" name="TextBox 9"/>
+            <p:cNvSpPr txBox="1"/>
+            <p:nvPr/>
+          </p:nvSpPr>
+          <p:spPr>
+            <a:xfrm>
+              <a:off x="7713086" y="439518"/>
+              <a:ext cx="1592826" cy="369332"/>
+            </a:xfrm>
+            <a:prstGeom prst="rect">
+              <a:avLst/>
+            </a:prstGeom>
+            <a:noFill/>
+          </p:spPr>
+          <p:txBody>
+            <a:bodyPr wrap="square" rtlCol="0">
+              <a:spAutoFit/>
+            </a:bodyPr>
+            <a:lstStyle/>
+            <a:p>
+              <a:r>
+                <a:rPr lang="en-US" dirty="0"/>
+                <a:t>Columbus</a:t>
+              </a:r>
+              <a:endParaRPr lang="ru-RU" dirty="0"/>
+            </a:p>
+          </p:txBody>
+        </p:sp>
+        <p:cxnSp>
+          <p:nvCxnSpPr>
+            <p:cNvPr id="12" name="Соединительная линия уступом 11"/>
+            <p:cNvCxnSpPr>
+              <a:stCxn id="7" idx="1"/>
+              <a:endCxn id="45" idx="1"/>
+            </p:cNvCxnSpPr>
+            <p:nvPr/>
+          </p:nvCxnSpPr>
+          <p:spPr>
+            <a:xfrm rot="10800000" flipV="1">
+              <a:off x="8226993" y="945340"/>
+              <a:ext cx="269304" cy="1260883"/>
+            </a:xfrm>
+            <a:prstGeom prst="bentConnector3">
+              <a:avLst>
+                <a:gd name="adj1" fmla="val 184885"/>
+              </a:avLst>
+            </a:prstGeom>
+            <a:ln>
               <a:solidFill>
                 <a:schemeClr val="tx1"/>
               </a:solidFill>
-              <a:effectLst>
-                <a:outerShdw blurRad="38100" dist="19050" dir="2700000" algn="tl" rotWithShape="0">
-                  <a:schemeClr val="dk1">
-                    <a:alpha val="40000"/>
-                  </a:schemeClr>
-                </a:outerShdw>
-              </a:effectLst>
-            </a:endParaRPr>
-          </a:p>
-        </p:txBody>
-      </p:sp>
-      <p:sp>
-        <p:nvSpPr>
-          <p:cNvPr id="7" name="TextBox 6"/>
-          <p:cNvSpPr txBox="1"/>
-          <p:nvPr/>
-        </p:nvSpPr>
-        <p:spPr>
-          <a:xfrm>
-            <a:off x="8496297" y="760675"/>
-            <a:ext cx="1592826" cy="369332"/>
-          </a:xfrm>
-          <a:prstGeom prst="rect">
-            <a:avLst/>
-          </a:prstGeom>
-          <a:noFill/>
-        </p:spPr>
-        <p:txBody>
-          <a:bodyPr wrap="square" rtlCol="0">
-            <a:spAutoFit/>
-          </a:bodyPr>
-          <a:lstStyle/>
-          <a:p>
-            <a:r>
-              <a:rPr lang="en-US" dirty="0"/>
-              <a:t>Cleveland</a:t>
-            </a:r>
-            <a:endParaRPr lang="ru-RU" dirty="0"/>
-          </a:p>
-        </p:txBody>
-      </p:sp>
-      <p:sp>
-        <p:nvSpPr>
-          <p:cNvPr id="9" name="TextBox 8"/>
-          <p:cNvSpPr txBox="1"/>
-          <p:nvPr/>
-        </p:nvSpPr>
-        <p:spPr>
-          <a:xfrm>
-            <a:off x="6845138" y="106211"/>
-            <a:ext cx="1592826" cy="369332"/>
-          </a:xfrm>
-          <a:prstGeom prst="rect">
-            <a:avLst/>
-          </a:prstGeom>
-          <a:noFill/>
-        </p:spPr>
-        <p:txBody>
-          <a:bodyPr wrap="square" rtlCol="0">
-            <a:spAutoFit/>
-          </a:bodyPr>
-          <a:lstStyle/>
-          <a:p>
-            <a:r>
-              <a:rPr lang="en-US" dirty="0"/>
-              <a:t>Cincinnati</a:t>
-            </a:r>
-            <a:endParaRPr lang="ru-RU" dirty="0"/>
-          </a:p>
-        </p:txBody>
-      </p:sp>
-      <p:sp>
-        <p:nvSpPr>
-          <p:cNvPr id="10" name="TextBox 9"/>
-          <p:cNvSpPr txBox="1"/>
-          <p:nvPr/>
-        </p:nvSpPr>
-        <p:spPr>
-          <a:xfrm>
-            <a:off x="7713086" y="439518"/>
-            <a:ext cx="1592826" cy="369332"/>
-          </a:xfrm>
-          <a:prstGeom prst="rect">
-            <a:avLst/>
-          </a:prstGeom>
-          <a:noFill/>
-        </p:spPr>
-        <p:txBody>
-          <a:bodyPr wrap="square" rtlCol="0">
-            <a:spAutoFit/>
-          </a:bodyPr>
-          <a:lstStyle/>
-          <a:p>
-            <a:r>
-              <a:rPr lang="en-US" dirty="0"/>
-              <a:t>Columbus</a:t>
-            </a:r>
-            <a:endParaRPr lang="ru-RU" dirty="0"/>
-          </a:p>
-        </p:txBody>
-      </p:sp>
-      <p:cxnSp>
-        <p:nvCxnSpPr>
-          <p:cNvPr id="12" name="Соединительная линия уступом 11"/>
-          <p:cNvCxnSpPr>
-            <a:stCxn id="7" idx="1"/>
-            <a:endCxn id="45" idx="1"/>
-          </p:cNvCxnSpPr>
-          <p:nvPr/>
-        </p:nvCxnSpPr>
-        <p:spPr>
-          <a:xfrm rot="10800000" flipV="1">
-            <a:off x="8226993" y="945340"/>
-            <a:ext cx="269304" cy="1260883"/>
-          </a:xfrm>
-          <a:prstGeom prst="bentConnector3">
-            <a:avLst>
-              <a:gd name="adj1" fmla="val 184885"/>
-            </a:avLst>
-          </a:prstGeom>
-          <a:ln>
-            <a:solidFill>
+            </a:ln>
+          </p:spPr>
+          <p:style>
+            <a:lnRef idx="1">
+              <a:schemeClr val="accent1"/>
+            </a:lnRef>
+            <a:fillRef idx="0">
+              <a:schemeClr val="accent1"/>
+            </a:fillRef>
+            <a:effectRef idx="0">
+              <a:schemeClr val="accent1"/>
+            </a:effectRef>
+            <a:fontRef idx="minor">
               <a:schemeClr val="tx1"/>
-            </a:solidFill>
-          </a:ln>
-        </p:spPr>
-        <p:style>
-          <a:lnRef idx="1">
-            <a:schemeClr val="accent1"/>
-          </a:lnRef>
-          <a:fillRef idx="0">
-            <a:schemeClr val="accent1"/>
-          </a:fillRef>
-          <a:effectRef idx="0">
-            <a:schemeClr val="accent1"/>
-          </a:effectRef>
-          <a:fontRef idx="minor">
-            <a:schemeClr val="tx1"/>
-          </a:fontRef>
-        </p:style>
-      </p:cxnSp>
-      <p:cxnSp>
-        <p:nvCxnSpPr>
-          <p:cNvPr id="17" name="Соединительная линия уступом 16"/>
-          <p:cNvCxnSpPr>
-            <a:stCxn id="10" idx="1"/>
-            <a:endCxn id="46" idx="1"/>
-          </p:cNvCxnSpPr>
-          <p:nvPr/>
-        </p:nvCxnSpPr>
-        <p:spPr>
-          <a:xfrm rot="10800000" flipH="1" flipV="1">
-            <a:off x="7713085" y="624183"/>
-            <a:ext cx="406605" cy="1892785"/>
-          </a:xfrm>
-          <a:prstGeom prst="bentConnector3">
-            <a:avLst>
-              <a:gd name="adj1" fmla="val -56222"/>
-            </a:avLst>
-          </a:prstGeom>
-          <a:ln>
-            <a:solidFill>
+            </a:fontRef>
+          </p:style>
+        </p:cxnSp>
+        <p:cxnSp>
+          <p:nvCxnSpPr>
+            <p:cNvPr id="17" name="Соединительная линия уступом 16"/>
+            <p:cNvCxnSpPr>
+              <a:stCxn id="10" idx="1"/>
+              <a:endCxn id="46" idx="1"/>
+            </p:cNvCxnSpPr>
+            <p:nvPr/>
+          </p:nvCxnSpPr>
+          <p:spPr>
+            <a:xfrm rot="10800000" flipH="1" flipV="1">
+              <a:off x="7713085" y="624183"/>
+              <a:ext cx="406605" cy="1892785"/>
+            </a:xfrm>
+            <a:prstGeom prst="bentConnector3">
+              <a:avLst>
+                <a:gd name="adj1" fmla="val -56222"/>
+              </a:avLst>
+            </a:prstGeom>
+            <a:ln>
+              <a:solidFill>
+                <a:schemeClr val="tx1"/>
+              </a:solidFill>
+            </a:ln>
+          </p:spPr>
+          <p:style>
+            <a:lnRef idx="1">
+              <a:schemeClr val="accent1"/>
+            </a:lnRef>
+            <a:fillRef idx="0">
+              <a:schemeClr val="accent1"/>
+            </a:fillRef>
+            <a:effectRef idx="0">
+              <a:schemeClr val="accent1"/>
+            </a:effectRef>
+            <a:fontRef idx="minor">
               <a:schemeClr val="tx1"/>
-            </a:solidFill>
-          </a:ln>
-        </p:spPr>
-        <p:style>
-          <a:lnRef idx="1">
-            <a:schemeClr val="accent1"/>
-          </a:lnRef>
-          <a:fillRef idx="0">
-            <a:schemeClr val="accent1"/>
-          </a:fillRef>
-          <a:effectRef idx="0">
-            <a:schemeClr val="accent1"/>
-          </a:effectRef>
-          <a:fontRef idx="minor">
-            <a:schemeClr val="tx1"/>
-          </a:fontRef>
-        </p:style>
-      </p:cxnSp>
-      <p:cxnSp>
-        <p:nvCxnSpPr>
-          <p:cNvPr id="20" name="Соединительная линия уступом 19"/>
-          <p:cNvCxnSpPr>
-            <a:stCxn id="9" idx="1"/>
-            <a:endCxn id="47" idx="1"/>
-          </p:cNvCxnSpPr>
-          <p:nvPr/>
-        </p:nvCxnSpPr>
-        <p:spPr>
-          <a:xfrm rot="10800000" flipH="1" flipV="1">
-            <a:off x="6845138" y="290876"/>
-            <a:ext cx="1024180" cy="2322921"/>
-          </a:xfrm>
-          <a:prstGeom prst="bentConnector3">
-            <a:avLst>
-              <a:gd name="adj1" fmla="val -22320"/>
-            </a:avLst>
-          </a:prstGeom>
-          <a:ln>
-            <a:solidFill>
+            </a:fontRef>
+          </p:style>
+        </p:cxnSp>
+        <p:cxnSp>
+          <p:nvCxnSpPr>
+            <p:cNvPr id="20" name="Соединительная линия уступом 19"/>
+            <p:cNvCxnSpPr>
+              <a:stCxn id="9" idx="1"/>
+              <a:endCxn id="47" idx="1"/>
+            </p:cNvCxnSpPr>
+            <p:nvPr/>
+          </p:nvCxnSpPr>
+          <p:spPr>
+            <a:xfrm rot="10800000" flipH="1" flipV="1">
+              <a:off x="6845138" y="290876"/>
+              <a:ext cx="1024180" cy="2322921"/>
+            </a:xfrm>
+            <a:prstGeom prst="bentConnector3">
+              <a:avLst>
+                <a:gd name="adj1" fmla="val -22320"/>
+              </a:avLst>
+            </a:prstGeom>
+            <a:ln>
+              <a:solidFill>
+                <a:schemeClr val="tx1"/>
+              </a:solidFill>
+            </a:ln>
+          </p:spPr>
+          <p:style>
+            <a:lnRef idx="1">
+              <a:schemeClr val="accent1"/>
+            </a:lnRef>
+            <a:fillRef idx="0">
+              <a:schemeClr val="accent1"/>
+            </a:fillRef>
+            <a:effectRef idx="0">
+              <a:schemeClr val="accent1"/>
+            </a:effectRef>
+            <a:fontRef idx="minor">
               <a:schemeClr val="tx1"/>
-            </a:solidFill>
-          </a:ln>
-        </p:spPr>
-        <p:style>
-          <a:lnRef idx="1">
-            <a:schemeClr val="accent1"/>
-          </a:lnRef>
-          <a:fillRef idx="0">
-            <a:schemeClr val="accent1"/>
-          </a:fillRef>
-          <a:effectRef idx="0">
-            <a:schemeClr val="accent1"/>
-          </a:effectRef>
-          <a:fontRef idx="minor">
-            <a:schemeClr val="tx1"/>
-          </a:fontRef>
-        </p:style>
-      </p:cxnSp>
-      <p:pic>
-        <p:nvPicPr>
-          <p:cNvPr id="45" name="Рисунок 44"/>
-          <p:cNvPicPr>
-            <a:picLocks noChangeAspect="1"/>
-          </p:cNvPicPr>
-          <p:nvPr/>
-        </p:nvPicPr>
-        <p:blipFill>
-          <a:blip r:embed="rId4" cstate="print">
-            <a:extLst>
-              <a:ext uri="{28A0092B-C50C-407E-A947-70E740481C1C}">
-                <a14:useLocalDpi xmlns:a14="http://schemas.microsoft.com/office/drawing/2010/main" val="0"/>
-              </a:ext>
-            </a:extLst>
-          </a:blip>
-          <a:stretch>
-            <a:fillRect/>
-          </a:stretch>
-        </p:blipFill>
-        <p:spPr>
-          <a:xfrm>
-            <a:off x="8226993" y="2134689"/>
-            <a:ext cx="143070" cy="143070"/>
-          </a:xfrm>
-          <a:prstGeom prst="rect">
-            <a:avLst/>
-          </a:prstGeom>
-        </p:spPr>
-      </p:pic>
-      <p:pic>
-        <p:nvPicPr>
-          <p:cNvPr id="46" name="Рисунок 45"/>
-          <p:cNvPicPr>
-            <a:picLocks noChangeAspect="1"/>
-          </p:cNvPicPr>
-          <p:nvPr/>
-        </p:nvPicPr>
-        <p:blipFill>
-          <a:blip r:embed="rId4" cstate="print">
-            <a:extLst>
-              <a:ext uri="{28A0092B-C50C-407E-A947-70E740481C1C}">
-                <a14:useLocalDpi xmlns:a14="http://schemas.microsoft.com/office/drawing/2010/main" val="0"/>
-              </a:ext>
-            </a:extLst>
-          </a:blip>
-          <a:stretch>
-            <a:fillRect/>
-          </a:stretch>
-        </p:blipFill>
-        <p:spPr>
-          <a:xfrm>
-            <a:off x="8119691" y="2445434"/>
-            <a:ext cx="143070" cy="143070"/>
-          </a:xfrm>
-          <a:prstGeom prst="rect">
-            <a:avLst/>
-          </a:prstGeom>
-        </p:spPr>
-      </p:pic>
-      <p:pic>
-        <p:nvPicPr>
-          <p:cNvPr id="47" name="Рисунок 46"/>
-          <p:cNvPicPr>
-            <a:picLocks noChangeAspect="1"/>
-          </p:cNvPicPr>
-          <p:nvPr/>
-        </p:nvPicPr>
-        <p:blipFill>
-          <a:blip r:embed="rId4" cstate="print">
-            <a:extLst>
-              <a:ext uri="{28A0092B-C50C-407E-A947-70E740481C1C}">
-                <a14:useLocalDpi xmlns:a14="http://schemas.microsoft.com/office/drawing/2010/main" val="0"/>
-              </a:ext>
-            </a:extLst>
-          </a:blip>
-          <a:stretch>
-            <a:fillRect/>
-          </a:stretch>
-        </p:blipFill>
-        <p:spPr>
-          <a:xfrm>
-            <a:off x="7869318" y="2542263"/>
-            <a:ext cx="143070" cy="143070"/>
-          </a:xfrm>
-          <a:prstGeom prst="rect">
-            <a:avLst/>
-          </a:prstGeom>
-        </p:spPr>
-      </p:pic>
-      <p:pic>
-        <p:nvPicPr>
-          <p:cNvPr id="60" name="Рисунок 59"/>
-          <p:cNvPicPr>
-            <a:picLocks noChangeAspect="1"/>
-          </p:cNvPicPr>
-          <p:nvPr/>
-        </p:nvPicPr>
-        <p:blipFill>
-          <a:blip r:embed="rId4" cstate="print">
-            <a:extLst>
-              <a:ext uri="{28A0092B-C50C-407E-A947-70E740481C1C}">
-                <a14:useLocalDpi xmlns:a14="http://schemas.microsoft.com/office/drawing/2010/main" val="0"/>
-              </a:ext>
-            </a:extLst>
-          </a:blip>
-          <a:stretch>
-            <a:fillRect/>
-          </a:stretch>
-        </p:blipFill>
-        <p:spPr>
-          <a:xfrm>
-            <a:off x="9412633" y="4739591"/>
-            <a:ext cx="143070" cy="143070"/>
-          </a:xfrm>
-          <a:prstGeom prst="rect">
-            <a:avLst/>
-          </a:prstGeom>
-        </p:spPr>
-      </p:pic>
-      <p:sp>
-        <p:nvSpPr>
-          <p:cNvPr id="61" name="TextBox 60"/>
-          <p:cNvSpPr txBox="1"/>
-          <p:nvPr/>
-        </p:nvSpPr>
-        <p:spPr>
-          <a:xfrm>
-            <a:off x="8748591" y="5689963"/>
-            <a:ext cx="807112" cy="369332"/>
-          </a:xfrm>
-          <a:prstGeom prst="rect">
-            <a:avLst/>
-          </a:prstGeom>
-          <a:noFill/>
-        </p:spPr>
-        <p:txBody>
-          <a:bodyPr wrap="square" rtlCol="0">
-            <a:spAutoFit/>
-          </a:bodyPr>
-          <a:lstStyle/>
-          <a:p>
-            <a:r>
-              <a:rPr lang="en-US" dirty="0"/>
-              <a:t>Miami</a:t>
-            </a:r>
-            <a:endParaRPr lang="ru-RU" dirty="0"/>
-          </a:p>
-        </p:txBody>
-      </p:sp>
-      <p:cxnSp>
-        <p:nvCxnSpPr>
-          <p:cNvPr id="63" name="Соединительная линия уступом 62"/>
-          <p:cNvCxnSpPr>
-            <a:stCxn id="61" idx="3"/>
-            <a:endCxn id="60" idx="3"/>
-          </p:cNvCxnSpPr>
-          <p:nvPr/>
-        </p:nvCxnSpPr>
-        <p:spPr>
-          <a:xfrm flipV="1">
-            <a:off x="9555703" y="4811126"/>
-            <a:ext cx="12700" cy="1063503"/>
-          </a:xfrm>
-          <a:prstGeom prst="bentConnector3">
-            <a:avLst>
-              <a:gd name="adj1" fmla="val 1800000"/>
-            </a:avLst>
-          </a:prstGeom>
-        </p:spPr>
-        <p:style>
-          <a:lnRef idx="1">
-            <a:schemeClr val="accent1"/>
-          </a:lnRef>
-          <a:fillRef idx="0">
-            <a:schemeClr val="accent1"/>
-          </a:fillRef>
-          <a:effectRef idx="0">
-            <a:schemeClr val="accent1"/>
-          </a:effectRef>
-          <a:fontRef idx="minor">
-            <a:schemeClr val="tx1"/>
-          </a:fontRef>
-        </p:style>
-      </p:cxnSp>
-      <p:pic>
-        <p:nvPicPr>
-          <p:cNvPr id="69" name="Рисунок 68"/>
-          <p:cNvPicPr>
-            <a:picLocks noChangeAspect="1"/>
-          </p:cNvPicPr>
-          <p:nvPr/>
-        </p:nvPicPr>
-        <p:blipFill>
-          <a:blip r:embed="rId4" cstate="print">
-            <a:extLst>
-              <a:ext uri="{28A0092B-C50C-407E-A947-70E740481C1C}">
-                <a14:useLocalDpi xmlns:a14="http://schemas.microsoft.com/office/drawing/2010/main" val="0"/>
-              </a:ext>
-            </a:extLst>
-          </a:blip>
-          <a:stretch>
-            <a:fillRect/>
-          </a:stretch>
-        </p:blipFill>
-        <p:spPr>
-          <a:xfrm>
-            <a:off x="2466563" y="2925539"/>
-            <a:ext cx="143070" cy="143070"/>
-          </a:xfrm>
-          <a:prstGeom prst="rect">
-            <a:avLst/>
-          </a:prstGeom>
-        </p:spPr>
-      </p:pic>
-      <p:sp>
-        <p:nvSpPr>
-          <p:cNvPr id="70" name="TextBox 69"/>
-          <p:cNvSpPr txBox="1"/>
-          <p:nvPr/>
-        </p:nvSpPr>
-        <p:spPr>
-          <a:xfrm>
-            <a:off x="583367" y="4554925"/>
-            <a:ext cx="807112" cy="646331"/>
-          </a:xfrm>
-          <a:prstGeom prst="rect">
-            <a:avLst/>
-          </a:prstGeom>
-          <a:noFill/>
-        </p:spPr>
-        <p:txBody>
-          <a:bodyPr wrap="square" rtlCol="0">
-            <a:spAutoFit/>
-          </a:bodyPr>
-          <a:lstStyle/>
-          <a:p>
-            <a:r>
-              <a:rPr lang="en-US" dirty="0"/>
-              <a:t>Las Vegas</a:t>
-            </a:r>
-            <a:endParaRPr lang="ru-RU" dirty="0"/>
-          </a:p>
-        </p:txBody>
-      </p:sp>
-      <p:cxnSp>
-        <p:nvCxnSpPr>
-          <p:cNvPr id="73" name="Соединительная линия уступом 72"/>
-          <p:cNvCxnSpPr>
-            <a:stCxn id="70" idx="1"/>
-            <a:endCxn id="69" idx="1"/>
-          </p:cNvCxnSpPr>
-          <p:nvPr/>
-        </p:nvCxnSpPr>
-        <p:spPr>
-          <a:xfrm rot="10800000" flipH="1">
-            <a:off x="583367" y="2997075"/>
-            <a:ext cx="1883196" cy="1881017"/>
-          </a:xfrm>
-          <a:prstGeom prst="bentConnector3">
-            <a:avLst>
-              <a:gd name="adj1" fmla="val -12139"/>
-            </a:avLst>
-          </a:prstGeom>
-        </p:spPr>
-        <p:style>
-          <a:lnRef idx="1">
-            <a:schemeClr val="accent1"/>
-          </a:lnRef>
-          <a:fillRef idx="0">
-            <a:schemeClr val="accent1"/>
-          </a:fillRef>
-          <a:effectRef idx="0">
-            <a:schemeClr val="accent1"/>
-          </a:effectRef>
-          <a:fontRef idx="minor">
-            <a:schemeClr val="tx1"/>
-          </a:fontRef>
-        </p:style>
-      </p:cxnSp>
+            </a:fontRef>
+          </p:style>
+        </p:cxnSp>
+        <p:pic>
+          <p:nvPicPr>
+            <p:cNvPr id="45" name="Рисунок 44"/>
+            <p:cNvPicPr>
+              <a:picLocks noChangeAspect="1"/>
+            </p:cNvPicPr>
+            <p:nvPr/>
+          </p:nvPicPr>
+          <p:blipFill>
+            <a:blip r:embed="rId4" cstate="print">
+              <a:extLst>
+                <a:ext uri="{28A0092B-C50C-407E-A947-70E740481C1C}">
+                  <a14:useLocalDpi xmlns:a14="http://schemas.microsoft.com/office/drawing/2010/main" val="0"/>
+                </a:ext>
+              </a:extLst>
+            </a:blip>
+            <a:stretch>
+              <a:fillRect/>
+            </a:stretch>
+          </p:blipFill>
+          <p:spPr>
+            <a:xfrm>
+              <a:off x="8226993" y="2134689"/>
+              <a:ext cx="143070" cy="143070"/>
+            </a:xfrm>
+            <a:prstGeom prst="rect">
+              <a:avLst/>
+            </a:prstGeom>
+          </p:spPr>
+        </p:pic>
+        <p:pic>
+          <p:nvPicPr>
+            <p:cNvPr id="46" name="Рисунок 45"/>
+            <p:cNvPicPr>
+              <a:picLocks noChangeAspect="1"/>
+            </p:cNvPicPr>
+            <p:nvPr/>
+          </p:nvPicPr>
+          <p:blipFill>
+            <a:blip r:embed="rId4" cstate="print">
+              <a:extLst>
+                <a:ext uri="{28A0092B-C50C-407E-A947-70E740481C1C}">
+                  <a14:useLocalDpi xmlns:a14="http://schemas.microsoft.com/office/drawing/2010/main" val="0"/>
+                </a:ext>
+              </a:extLst>
+            </a:blip>
+            <a:stretch>
+              <a:fillRect/>
+            </a:stretch>
+          </p:blipFill>
+          <p:spPr>
+            <a:xfrm>
+              <a:off x="8119691" y="2445434"/>
+              <a:ext cx="143070" cy="143070"/>
+            </a:xfrm>
+            <a:prstGeom prst="rect">
+              <a:avLst/>
+            </a:prstGeom>
+          </p:spPr>
+        </p:pic>
+        <p:pic>
+          <p:nvPicPr>
+            <p:cNvPr id="47" name="Рисунок 46"/>
+            <p:cNvPicPr>
+              <a:picLocks noChangeAspect="1"/>
+            </p:cNvPicPr>
+            <p:nvPr/>
+          </p:nvPicPr>
+          <p:blipFill>
+            <a:blip r:embed="rId4" cstate="print">
+              <a:extLst>
+                <a:ext uri="{28A0092B-C50C-407E-A947-70E740481C1C}">
+                  <a14:useLocalDpi xmlns:a14="http://schemas.microsoft.com/office/drawing/2010/main" val="0"/>
+                </a:ext>
+              </a:extLst>
+            </a:blip>
+            <a:stretch>
+              <a:fillRect/>
+            </a:stretch>
+          </p:blipFill>
+          <p:spPr>
+            <a:xfrm>
+              <a:off x="7869318" y="2542263"/>
+              <a:ext cx="143070" cy="143070"/>
+            </a:xfrm>
+            <a:prstGeom prst="rect">
+              <a:avLst/>
+            </a:prstGeom>
+          </p:spPr>
+        </p:pic>
+        <p:pic>
+          <p:nvPicPr>
+            <p:cNvPr id="60" name="Рисунок 59"/>
+            <p:cNvPicPr>
+              <a:picLocks noChangeAspect="1"/>
+            </p:cNvPicPr>
+            <p:nvPr/>
+          </p:nvPicPr>
+          <p:blipFill>
+            <a:blip r:embed="rId4" cstate="print">
+              <a:extLst>
+                <a:ext uri="{28A0092B-C50C-407E-A947-70E740481C1C}">
+                  <a14:useLocalDpi xmlns:a14="http://schemas.microsoft.com/office/drawing/2010/main" val="0"/>
+                </a:ext>
+              </a:extLst>
+            </a:blip>
+            <a:stretch>
+              <a:fillRect/>
+            </a:stretch>
+          </p:blipFill>
+          <p:spPr>
+            <a:xfrm>
+              <a:off x="9412633" y="4739591"/>
+              <a:ext cx="143070" cy="143070"/>
+            </a:xfrm>
+            <a:prstGeom prst="rect">
+              <a:avLst/>
+            </a:prstGeom>
+          </p:spPr>
+        </p:pic>
+        <p:sp>
+          <p:nvSpPr>
+            <p:cNvPr id="61" name="TextBox 60"/>
+            <p:cNvSpPr txBox="1"/>
+            <p:nvPr/>
+          </p:nvSpPr>
+          <p:spPr>
+            <a:xfrm>
+              <a:off x="8748591" y="5689963"/>
+              <a:ext cx="807112" cy="369332"/>
+            </a:xfrm>
+            <a:prstGeom prst="rect">
+              <a:avLst/>
+            </a:prstGeom>
+            <a:noFill/>
+          </p:spPr>
+          <p:txBody>
+            <a:bodyPr wrap="square" rtlCol="0">
+              <a:spAutoFit/>
+            </a:bodyPr>
+            <a:lstStyle/>
+            <a:p>
+              <a:r>
+                <a:rPr lang="en-US" dirty="0"/>
+                <a:t>Miami</a:t>
+              </a:r>
+              <a:endParaRPr lang="ru-RU" dirty="0"/>
+            </a:p>
+          </p:txBody>
+        </p:sp>
+        <p:cxnSp>
+          <p:nvCxnSpPr>
+            <p:cNvPr id="63" name="Соединительная линия уступом 62"/>
+            <p:cNvCxnSpPr>
+              <a:stCxn id="61" idx="3"/>
+              <a:endCxn id="60" idx="3"/>
+            </p:cNvCxnSpPr>
+            <p:nvPr/>
+          </p:nvCxnSpPr>
+          <p:spPr>
+            <a:xfrm flipV="1">
+              <a:off x="9555703" y="4811126"/>
+              <a:ext cx="12700" cy="1063503"/>
+            </a:xfrm>
+            <a:prstGeom prst="bentConnector3">
+              <a:avLst>
+                <a:gd name="adj1" fmla="val 1800000"/>
+              </a:avLst>
+            </a:prstGeom>
+          </p:spPr>
+          <p:style>
+            <a:lnRef idx="1">
+              <a:schemeClr val="accent1"/>
+            </a:lnRef>
+            <a:fillRef idx="0">
+              <a:schemeClr val="accent1"/>
+            </a:fillRef>
+            <a:effectRef idx="0">
+              <a:schemeClr val="accent1"/>
+            </a:effectRef>
+            <a:fontRef idx="minor">
+              <a:schemeClr val="tx1"/>
+            </a:fontRef>
+          </p:style>
+        </p:cxnSp>
+        <p:pic>
+          <p:nvPicPr>
+            <p:cNvPr id="69" name="Рисунок 68"/>
+            <p:cNvPicPr>
+              <a:picLocks noChangeAspect="1"/>
+            </p:cNvPicPr>
+            <p:nvPr/>
+          </p:nvPicPr>
+          <p:blipFill>
+            <a:blip r:embed="rId4" cstate="print">
+              <a:extLst>
+                <a:ext uri="{28A0092B-C50C-407E-A947-70E740481C1C}">
+                  <a14:useLocalDpi xmlns:a14="http://schemas.microsoft.com/office/drawing/2010/main" val="0"/>
+                </a:ext>
+              </a:extLst>
+            </a:blip>
+            <a:stretch>
+              <a:fillRect/>
+            </a:stretch>
+          </p:blipFill>
+          <p:spPr>
+            <a:xfrm>
+              <a:off x="2466563" y="2925539"/>
+              <a:ext cx="143070" cy="143070"/>
+            </a:xfrm>
+            <a:prstGeom prst="rect">
+              <a:avLst/>
+            </a:prstGeom>
+          </p:spPr>
+        </p:pic>
+        <p:sp>
+          <p:nvSpPr>
+            <p:cNvPr id="70" name="TextBox 69"/>
+            <p:cNvSpPr txBox="1"/>
+            <p:nvPr/>
+          </p:nvSpPr>
+          <p:spPr>
+            <a:xfrm>
+              <a:off x="583367" y="4554925"/>
+              <a:ext cx="807112" cy="646331"/>
+            </a:xfrm>
+            <a:prstGeom prst="rect">
+              <a:avLst/>
+            </a:prstGeom>
+            <a:noFill/>
+          </p:spPr>
+          <p:txBody>
+            <a:bodyPr wrap="square" rtlCol="0">
+              <a:spAutoFit/>
+            </a:bodyPr>
+            <a:lstStyle/>
+            <a:p>
+              <a:r>
+                <a:rPr lang="en-US" dirty="0"/>
+                <a:t>Las Vegas</a:t>
+              </a:r>
+              <a:endParaRPr lang="ru-RU" dirty="0"/>
+            </a:p>
+          </p:txBody>
+        </p:sp>
+        <p:cxnSp>
+          <p:nvCxnSpPr>
+            <p:cNvPr id="73" name="Соединительная линия уступом 72"/>
+            <p:cNvCxnSpPr>
+              <a:stCxn id="70" idx="1"/>
+              <a:endCxn id="69" idx="1"/>
+            </p:cNvCxnSpPr>
+            <p:nvPr/>
+          </p:nvCxnSpPr>
+          <p:spPr>
+            <a:xfrm rot="10800000" flipH="1">
+              <a:off x="583367" y="2997075"/>
+              <a:ext cx="1883196" cy="1881017"/>
+            </a:xfrm>
+            <a:prstGeom prst="bentConnector3">
+              <a:avLst>
+                <a:gd name="adj1" fmla="val -12139"/>
+              </a:avLst>
+            </a:prstGeom>
+          </p:spPr>
+          <p:style>
+            <a:lnRef idx="1">
+              <a:schemeClr val="accent1"/>
+            </a:lnRef>
+            <a:fillRef idx="0">
+              <a:schemeClr val="accent1"/>
+            </a:fillRef>
+            <a:effectRef idx="0">
+              <a:schemeClr val="accent1"/>
+            </a:effectRef>
+            <a:fontRef idx="minor">
+              <a:schemeClr val="tx1"/>
+            </a:fontRef>
+          </p:style>
+        </p:cxnSp>
+      </p:grpSp>
     </p:spTree>
     <p:extLst>
       <p:ext uri="{BB962C8B-B14F-4D97-AF65-F5344CB8AC3E}">
@@ -9205,84 +9226,130 @@
           <a:chExt cx="0" cy="0"/>
         </a:xfrm>
       </p:grpSpPr>
-      <p:pic>
-        <p:nvPicPr>
-          <p:cNvPr id="5" name="Рисунок 4"/>
-          <p:cNvPicPr>
-            <a:picLocks noChangeAspect="1"/>
-          </p:cNvPicPr>
-          <p:nvPr/>
-        </p:nvPicPr>
-        <p:blipFill>
-          <a:blip r:embed="rId3" cstate="print">
+      <p:grpSp>
+        <p:nvGrpSpPr>
+          <p:cNvPr id="39" name="Группа 38">
             <a:extLst>
-              <a:ext uri="{BEBA8EAE-BF5A-486C-A8C5-ECC9F3942E4B}">
-                <a14:imgProps xmlns:a14="http://schemas.microsoft.com/office/drawing/2010/main">
-                  <a14:imgLayer r:embed="rId4">
-                    <a14:imgEffect>
-                      <a14:backgroundRemoval t="0" b="100000" l="0" r="100000">
-                        <a14:backgroundMark x1="63843" y1="31432" x2="63843" y2="33416"/>
-                        <a14:backgroundMark x1="3223" y1="30998" x2="3140" y2="45443"/>
-                        <a14:backgroundMark x1="13967" y1="66336" x2="16405" y2="59206"/>
-                      </a14:backgroundRemoval>
-                    </a14:imgEffect>
-                  </a14:imgLayer>
-                </a14:imgProps>
-              </a:ext>
-              <a:ext uri="{28A0092B-C50C-407E-A947-70E740481C1C}">
-                <a14:useLocalDpi xmlns:a14="http://schemas.microsoft.com/office/drawing/2010/main" val="0"/>
+              <a:ext uri="{FF2B5EF4-FFF2-40B4-BE49-F238E27FC236}">
+                <a16:creationId xmlns:a16="http://schemas.microsoft.com/office/drawing/2014/main" id="{B9420C6D-FD9A-4726-BDAF-4B5D499848B3}"/>
               </a:ext>
             </a:extLst>
-          </a:blip>
-          <a:stretch>
-            <a:fillRect/>
-          </a:stretch>
-        </p:blipFill>
-        <p:spPr>
+          </p:cNvPr>
+          <p:cNvGrpSpPr/>
+          <p:nvPr/>
+        </p:nvGrpSpPr>
+        <p:grpSpPr>
           <a:xfrm>
-            <a:off x="850265" y="0"/>
-            <a:ext cx="10058400" cy="6705001"/>
-          </a:xfrm>
-          <a:prstGeom prst="rect">
-            <a:avLst/>
-          </a:prstGeom>
-        </p:spPr>
-      </p:pic>
-      <p:sp>
-        <p:nvSpPr>
-          <p:cNvPr id="2" name="Прямоугольник 1">
-            <a:hlinkClick r:id="" action="ppaction://noaction"/>
-          </p:cNvPr>
-          <p:cNvSpPr/>
-          <p:nvPr/>
-        </p:nvSpPr>
-        <p:spPr>
-          <a:xfrm>
-            <a:off x="8298529" y="1669138"/>
-            <a:ext cx="1531188" cy="923330"/>
-          </a:xfrm>
-          <a:prstGeom prst="rect">
-            <a:avLst/>
-          </a:prstGeom>
-          <a:noFill/>
-          <a:effectLst>
-            <a:glow rad="139700">
-              <a:schemeClr val="accent2">
-                <a:satMod val="175000"/>
-                <a:alpha val="40000"/>
-              </a:schemeClr>
-            </a:glow>
-          </a:effectLst>
-        </p:spPr>
-        <p:txBody>
-          <a:bodyPr wrap="none" lIns="91440" tIns="45720" rIns="91440" bIns="45720">
-            <a:spAutoFit/>
-          </a:bodyPr>
-          <a:lstStyle/>
-          <a:p>
-            <a:pPr algn="ctr"/>
-            <a:r>
-              <a:rPr lang="en-US" sz="5400" b="0" cap="none" spc="0" dirty="0">
+            <a:off x="583367" y="0"/>
+            <a:ext cx="10348133" cy="6705001"/>
+            <a:chOff x="583367" y="0"/>
+            <a:chExt cx="10348133" cy="6705001"/>
+          </a:xfrm>
+        </p:grpSpPr>
+        <p:pic>
+          <p:nvPicPr>
+            <p:cNvPr id="40" name="Рисунок 39">
+              <a:extLst>
+                <a:ext uri="{FF2B5EF4-FFF2-40B4-BE49-F238E27FC236}">
+                  <a16:creationId xmlns:a16="http://schemas.microsoft.com/office/drawing/2014/main" id="{2ED227CB-A2E2-4DE7-8165-3FE4624D66FD}"/>
+                </a:ext>
+              </a:extLst>
+            </p:cNvPr>
+            <p:cNvPicPr>
+              <a:picLocks noChangeAspect="1"/>
+            </p:cNvPicPr>
+            <p:nvPr/>
+          </p:nvPicPr>
+          <p:blipFill>
+            <a:blip r:embed="rId3" cstate="print">
+              <a:extLst>
+                <a:ext uri="{BEBA8EAE-BF5A-486C-A8C5-ECC9F3942E4B}">
+                  <a14:imgProps xmlns:a14="http://schemas.microsoft.com/office/drawing/2010/main">
+                    <a14:imgLayer r:embed="rId4">
+                      <a14:imgEffect>
+                        <a14:backgroundRemoval t="0" b="100000" l="0" r="100000">
+                          <a14:backgroundMark x1="63843" y1="31432" x2="63843" y2="33416"/>
+                          <a14:backgroundMark x1="3223" y1="30998" x2="3140" y2="45443"/>
+                          <a14:backgroundMark x1="13967" y1="66336" x2="16405" y2="59206"/>
+                        </a14:backgroundRemoval>
+                      </a14:imgEffect>
+                    </a14:imgLayer>
+                  </a14:imgProps>
+                </a:ext>
+                <a:ext uri="{28A0092B-C50C-407E-A947-70E740481C1C}">
+                  <a14:useLocalDpi xmlns:a14="http://schemas.microsoft.com/office/drawing/2010/main" val="0"/>
+                </a:ext>
+              </a:extLst>
+            </a:blip>
+            <a:stretch>
+              <a:fillRect/>
+            </a:stretch>
+          </p:blipFill>
+          <p:spPr>
+            <a:xfrm>
+              <a:off x="850265" y="0"/>
+              <a:ext cx="10058400" cy="6705001"/>
+            </a:xfrm>
+            <a:prstGeom prst="rect">
+              <a:avLst/>
+            </a:prstGeom>
+          </p:spPr>
+        </p:pic>
+        <p:sp>
+          <p:nvSpPr>
+            <p:cNvPr id="41" name="Прямоугольник 40">
+              <a:hlinkClick r:id="" action="ppaction://noaction"/>
+              <a:extLst>
+                <a:ext uri="{FF2B5EF4-FFF2-40B4-BE49-F238E27FC236}">
+                  <a16:creationId xmlns:a16="http://schemas.microsoft.com/office/drawing/2014/main" id="{E6864A71-1201-4025-B0ED-1403B8BA0667}"/>
+                </a:ext>
+              </a:extLst>
+            </p:cNvPr>
+            <p:cNvSpPr/>
+            <p:nvPr/>
+          </p:nvSpPr>
+          <p:spPr>
+            <a:xfrm>
+              <a:off x="8298529" y="1669138"/>
+              <a:ext cx="1531188" cy="923330"/>
+            </a:xfrm>
+            <a:prstGeom prst="rect">
+              <a:avLst/>
+            </a:prstGeom>
+            <a:noFill/>
+            <a:effectLst>
+              <a:glow rad="139700">
+                <a:schemeClr val="accent2">
+                  <a:satMod val="175000"/>
+                  <a:alpha val="40000"/>
+                </a:schemeClr>
+              </a:glow>
+            </a:effectLst>
+          </p:spPr>
+          <p:txBody>
+            <a:bodyPr wrap="none" lIns="91440" tIns="45720" rIns="91440" bIns="45720">
+              <a:spAutoFit/>
+            </a:bodyPr>
+            <a:lstStyle/>
+            <a:p>
+              <a:pPr algn="ctr"/>
+              <a:r>
+                <a:rPr lang="en-US" sz="5400" b="0" cap="none" spc="0" dirty="0">
+                  <a:ln w="0"/>
+                  <a:solidFill>
+                    <a:schemeClr val="tx1"/>
+                  </a:solidFill>
+                  <a:effectLst>
+                    <a:outerShdw blurRad="38100" dist="19050" dir="2700000" algn="tl" rotWithShape="0">
+                      <a:schemeClr val="dk1">
+                        <a:alpha val="40000"/>
+                      </a:schemeClr>
+                    </a:outerShdw>
+                  </a:effectLst>
+                </a:rPr>
+                <a:t>Ohio</a:t>
+              </a:r>
+              <a:endParaRPr lang="ru-RU" sz="5400" b="0" cap="none" spc="0" dirty="0">
                 <a:ln w="0"/>
                 <a:solidFill>
                   <a:schemeClr val="tx1"/>
@@ -9294,60 +9361,65 @@
                     </a:schemeClr>
                   </a:outerShdw>
                 </a:effectLst>
-              </a:rPr>
-              <a:t>Ohio</a:t>
-            </a:r>
-            <a:endParaRPr lang="ru-RU" sz="5400" b="0" cap="none" spc="0" dirty="0">
-              <a:ln w="0"/>
-              <a:solidFill>
-                <a:schemeClr val="tx1"/>
-              </a:solidFill>
-              <a:effectLst>
-                <a:outerShdw blurRad="38100" dist="19050" dir="2700000" algn="tl" rotWithShape="0">
-                  <a:schemeClr val="dk1">
-                    <a:alpha val="40000"/>
-                  </a:schemeClr>
-                </a:outerShdw>
-              </a:effectLst>
-            </a:endParaRPr>
-          </a:p>
-        </p:txBody>
-      </p:sp>
-      <p:sp>
-        <p:nvSpPr>
-          <p:cNvPr id="11" name="Прямоугольник 10">
-            <a:hlinkClick r:id="" action="ppaction://noaction"/>
-          </p:cNvPr>
-          <p:cNvSpPr/>
-          <p:nvPr/>
-        </p:nvSpPr>
-        <p:spPr>
-          <a:xfrm>
-            <a:off x="8808803" y="3613128"/>
-            <a:ext cx="2122697" cy="923330"/>
-          </a:xfrm>
-          <a:prstGeom prst="rect">
-            <a:avLst/>
-          </a:prstGeom>
-          <a:noFill/>
-          <a:effectLst>
-            <a:glow rad="139700">
-              <a:schemeClr val="accent2">
-                <a:satMod val="175000"/>
-                <a:alpha val="40000"/>
-              </a:schemeClr>
-            </a:glow>
-          </a:effectLst>
-        </p:spPr>
-        <p:txBody>
-          <a:bodyPr wrap="none" lIns="91440" tIns="45720" rIns="91440" bIns="45720">
-            <a:spAutoFit/>
-          </a:bodyPr>
-          <a:lstStyle/>
-          <a:p>
-            <a:pPr algn="ctr"/>
-            <a:r>
-              <a:rPr lang="en-US" sz="5400" b="0" cap="none" spc="0" dirty="0">
+              </a:endParaRPr>
+            </a:p>
+          </p:txBody>
+        </p:sp>
+        <p:sp>
+          <p:nvSpPr>
+            <p:cNvPr id="42" name="Прямоугольник 41">
+              <a:hlinkClick r:id="" action="ppaction://noaction"/>
+              <a:extLst>
+                <a:ext uri="{FF2B5EF4-FFF2-40B4-BE49-F238E27FC236}">
+                  <a16:creationId xmlns:a16="http://schemas.microsoft.com/office/drawing/2014/main" id="{62D8EE3D-9BA2-48BA-91C7-885500830285}"/>
+                </a:ext>
+              </a:extLst>
+            </p:cNvPr>
+            <p:cNvSpPr/>
+            <p:nvPr/>
+          </p:nvSpPr>
+          <p:spPr>
+            <a:xfrm>
+              <a:off x="8808803" y="3613128"/>
+              <a:ext cx="2122697" cy="923330"/>
+            </a:xfrm>
+            <a:prstGeom prst="rect">
+              <a:avLst/>
+            </a:prstGeom>
+            <a:noFill/>
+            <a:effectLst>
+              <a:glow rad="139700">
+                <a:schemeClr val="accent2">
+                  <a:satMod val="175000"/>
+                  <a:alpha val="40000"/>
+                </a:schemeClr>
+              </a:glow>
+            </a:effectLst>
+          </p:spPr>
+          <p:txBody>
+            <a:bodyPr wrap="none" lIns="91440" tIns="45720" rIns="91440" bIns="45720">
+              <a:spAutoFit/>
+            </a:bodyPr>
+            <a:lstStyle/>
+            <a:p>
+              <a:pPr algn="ctr"/>
+              <a:r>
+                <a:rPr lang="en-US" sz="5400" b="0" cap="none" spc="0" dirty="0">
+                  <a:ln w="0"/>
+                  <a:solidFill>
+                    <a:schemeClr val="tx1"/>
+                  </a:solidFill>
+                  <a:effectLst>
+                    <a:outerShdw blurRad="38100" dist="19050" dir="2700000" algn="tl" rotWithShape="0">
+                      <a:schemeClr val="dk1">
+                        <a:alpha val="40000"/>
+                      </a:schemeClr>
+                    </a:outerShdw>
+                  </a:effectLst>
+                </a:rPr>
+                <a:t>Florida</a:t>
+              </a:r>
+              <a:endParaRPr lang="ru-RU" sz="5400" b="0" cap="none" spc="0" dirty="0">
                 <a:ln w="0"/>
                 <a:solidFill>
                   <a:schemeClr val="tx1"/>
@@ -9359,60 +9431,65 @@
                     </a:schemeClr>
                   </a:outerShdw>
                 </a:effectLst>
-              </a:rPr>
-              <a:t>Florida</a:t>
-            </a:r>
-            <a:endParaRPr lang="ru-RU" sz="5400" b="0" cap="none" spc="0" dirty="0">
-              <a:ln w="0"/>
-              <a:solidFill>
-                <a:schemeClr val="tx1"/>
-              </a:solidFill>
-              <a:effectLst>
-                <a:outerShdw blurRad="38100" dist="19050" dir="2700000" algn="tl" rotWithShape="0">
-                  <a:schemeClr val="dk1">
-                    <a:alpha val="40000"/>
-                  </a:schemeClr>
-                </a:outerShdw>
-              </a:effectLst>
-            </a:endParaRPr>
-          </a:p>
-        </p:txBody>
-      </p:sp>
-      <p:sp>
-        <p:nvSpPr>
-          <p:cNvPr id="6" name="Прямоугольник 5">
-            <a:hlinkClick r:id="" action="ppaction://noaction"/>
-          </p:cNvPr>
-          <p:cNvSpPr/>
-          <p:nvPr/>
-        </p:nvSpPr>
-        <p:spPr>
-          <a:xfrm>
-            <a:off x="2466563" y="1669138"/>
-            <a:ext cx="2303131" cy="923330"/>
-          </a:xfrm>
-          <a:prstGeom prst="rect">
-            <a:avLst/>
-          </a:prstGeom>
-          <a:noFill/>
-          <a:effectLst>
-            <a:glow rad="139700">
-              <a:schemeClr val="accent2">
-                <a:satMod val="175000"/>
-                <a:alpha val="40000"/>
-              </a:schemeClr>
-            </a:glow>
-          </a:effectLst>
-        </p:spPr>
-        <p:txBody>
-          <a:bodyPr wrap="none" lIns="91440" tIns="45720" rIns="91440" bIns="45720">
-            <a:spAutoFit/>
-          </a:bodyPr>
-          <a:lstStyle/>
-          <a:p>
-            <a:pPr algn="ctr"/>
-            <a:r>
-              <a:rPr lang="en-US" sz="5400" b="0" cap="none" spc="0" dirty="0">
+              </a:endParaRPr>
+            </a:p>
+          </p:txBody>
+        </p:sp>
+        <p:sp>
+          <p:nvSpPr>
+            <p:cNvPr id="43" name="Прямоугольник 42">
+              <a:hlinkClick r:id="" action="ppaction://noaction"/>
+              <a:extLst>
+                <a:ext uri="{FF2B5EF4-FFF2-40B4-BE49-F238E27FC236}">
+                  <a16:creationId xmlns:a16="http://schemas.microsoft.com/office/drawing/2014/main" id="{0D8319C5-3B27-44D3-8D03-EF0D4E84E8EB}"/>
+                </a:ext>
+              </a:extLst>
+            </p:cNvPr>
+            <p:cNvSpPr/>
+            <p:nvPr/>
+          </p:nvSpPr>
+          <p:spPr>
+            <a:xfrm>
+              <a:off x="2466563" y="1669138"/>
+              <a:ext cx="2303131" cy="923330"/>
+            </a:xfrm>
+            <a:prstGeom prst="rect">
+              <a:avLst/>
+            </a:prstGeom>
+            <a:noFill/>
+            <a:effectLst>
+              <a:glow rad="139700">
+                <a:schemeClr val="accent2">
+                  <a:satMod val="175000"/>
+                  <a:alpha val="40000"/>
+                </a:schemeClr>
+              </a:glow>
+            </a:effectLst>
+          </p:spPr>
+          <p:txBody>
+            <a:bodyPr wrap="none" lIns="91440" tIns="45720" rIns="91440" bIns="45720">
+              <a:spAutoFit/>
+            </a:bodyPr>
+            <a:lstStyle/>
+            <a:p>
+              <a:pPr algn="ctr"/>
+              <a:r>
+                <a:rPr lang="en-US" sz="5400" b="0" cap="none" spc="0" dirty="0">
+                  <a:ln w="0"/>
+                  <a:solidFill>
+                    <a:schemeClr val="tx1"/>
+                  </a:solidFill>
+                  <a:effectLst>
+                    <a:outerShdw blurRad="38100" dist="19050" dir="2700000" algn="tl" rotWithShape="0">
+                      <a:schemeClr val="dk1">
+                        <a:alpha val="40000"/>
+                      </a:schemeClr>
+                    </a:outerShdw>
+                  </a:effectLst>
+                </a:rPr>
+                <a:t>Nevada</a:t>
+              </a:r>
+              <a:endParaRPr lang="ru-RU" sz="5400" b="0" cap="none" spc="0" dirty="0">
                 <a:ln w="0"/>
                 <a:solidFill>
                   <a:schemeClr val="tx1"/>
@@ -9424,515 +9501,591 @@
                     </a:schemeClr>
                   </a:outerShdw>
                 </a:effectLst>
-              </a:rPr>
-              <a:t>Nevada</a:t>
-            </a:r>
-            <a:endParaRPr lang="ru-RU" sz="5400" b="0" cap="none" spc="0" dirty="0">
-              <a:ln w="0"/>
+              </a:endParaRPr>
+            </a:p>
+          </p:txBody>
+        </p:sp>
+        <p:sp>
+          <p:nvSpPr>
+            <p:cNvPr id="44" name="TextBox 43">
+              <a:extLst>
+                <a:ext uri="{FF2B5EF4-FFF2-40B4-BE49-F238E27FC236}">
+                  <a16:creationId xmlns:a16="http://schemas.microsoft.com/office/drawing/2014/main" id="{29DC5CE2-3AE2-42E5-BCC3-04F75CABE3AB}"/>
+                </a:ext>
+              </a:extLst>
+            </p:cNvPr>
+            <p:cNvSpPr txBox="1"/>
+            <p:nvPr/>
+          </p:nvSpPr>
+          <p:spPr>
+            <a:xfrm>
+              <a:off x="8496297" y="760675"/>
+              <a:ext cx="1592826" cy="369332"/>
+            </a:xfrm>
+            <a:prstGeom prst="rect">
+              <a:avLst/>
+            </a:prstGeom>
+            <a:noFill/>
+          </p:spPr>
+          <p:txBody>
+            <a:bodyPr wrap="square" rtlCol="0">
+              <a:spAutoFit/>
+            </a:bodyPr>
+            <a:lstStyle/>
+            <a:p>
+              <a:r>
+                <a:rPr lang="en-US" dirty="0"/>
+                <a:t>Cleveland</a:t>
+              </a:r>
+              <a:endParaRPr lang="ru-RU" dirty="0"/>
+            </a:p>
+          </p:txBody>
+        </p:sp>
+        <p:sp>
+          <p:nvSpPr>
+            <p:cNvPr id="48" name="TextBox 47">
+              <a:extLst>
+                <a:ext uri="{FF2B5EF4-FFF2-40B4-BE49-F238E27FC236}">
+                  <a16:creationId xmlns:a16="http://schemas.microsoft.com/office/drawing/2014/main" id="{5ED5981A-646E-451E-B26E-FF31F33C6114}"/>
+                </a:ext>
+              </a:extLst>
+            </p:cNvPr>
+            <p:cNvSpPr txBox="1"/>
+            <p:nvPr/>
+          </p:nvSpPr>
+          <p:spPr>
+            <a:xfrm>
+              <a:off x="6845138" y="106211"/>
+              <a:ext cx="1592826" cy="369332"/>
+            </a:xfrm>
+            <a:prstGeom prst="rect">
+              <a:avLst/>
+            </a:prstGeom>
+            <a:noFill/>
+          </p:spPr>
+          <p:txBody>
+            <a:bodyPr wrap="square" rtlCol="0">
+              <a:spAutoFit/>
+            </a:bodyPr>
+            <a:lstStyle/>
+            <a:p>
+              <a:r>
+                <a:rPr lang="en-US" dirty="0"/>
+                <a:t>Cincinnati</a:t>
+              </a:r>
+              <a:endParaRPr lang="ru-RU" dirty="0"/>
+            </a:p>
+          </p:txBody>
+        </p:sp>
+        <p:sp>
+          <p:nvSpPr>
+            <p:cNvPr id="49" name="TextBox 48">
+              <a:extLst>
+                <a:ext uri="{FF2B5EF4-FFF2-40B4-BE49-F238E27FC236}">
+                  <a16:creationId xmlns:a16="http://schemas.microsoft.com/office/drawing/2014/main" id="{96386911-8085-496C-81FC-89BE7F332A62}"/>
+                </a:ext>
+              </a:extLst>
+            </p:cNvPr>
+            <p:cNvSpPr txBox="1"/>
+            <p:nvPr/>
+          </p:nvSpPr>
+          <p:spPr>
+            <a:xfrm>
+              <a:off x="7713086" y="439518"/>
+              <a:ext cx="1592826" cy="369332"/>
+            </a:xfrm>
+            <a:prstGeom prst="rect">
+              <a:avLst/>
+            </a:prstGeom>
+            <a:noFill/>
+          </p:spPr>
+          <p:txBody>
+            <a:bodyPr wrap="square" rtlCol="0">
+              <a:spAutoFit/>
+            </a:bodyPr>
+            <a:lstStyle/>
+            <a:p>
+              <a:r>
+                <a:rPr lang="en-US" dirty="0"/>
+                <a:t>Columbus</a:t>
+              </a:r>
+              <a:endParaRPr lang="ru-RU" dirty="0"/>
+            </a:p>
+          </p:txBody>
+        </p:sp>
+        <p:cxnSp>
+          <p:nvCxnSpPr>
+            <p:cNvPr id="50" name="Соединительная линия уступом 11">
+              <a:extLst>
+                <a:ext uri="{FF2B5EF4-FFF2-40B4-BE49-F238E27FC236}">
+                  <a16:creationId xmlns:a16="http://schemas.microsoft.com/office/drawing/2014/main" id="{F2F696A2-338C-4E95-89FD-198F5ABC591F}"/>
+                </a:ext>
+              </a:extLst>
+            </p:cNvPr>
+            <p:cNvCxnSpPr>
+              <a:stCxn id="44" idx="1"/>
+              <a:endCxn id="53" idx="1"/>
+            </p:cNvCxnSpPr>
+            <p:nvPr/>
+          </p:nvCxnSpPr>
+          <p:spPr>
+            <a:xfrm rot="10800000" flipV="1">
+              <a:off x="8226993" y="945340"/>
+              <a:ext cx="269304" cy="1260883"/>
+            </a:xfrm>
+            <a:prstGeom prst="bentConnector3">
+              <a:avLst>
+                <a:gd name="adj1" fmla="val 184885"/>
+              </a:avLst>
+            </a:prstGeom>
+            <a:ln>
               <a:solidFill>
                 <a:schemeClr val="tx1"/>
               </a:solidFill>
-              <a:effectLst>
-                <a:outerShdw blurRad="38100" dist="19050" dir="2700000" algn="tl" rotWithShape="0">
-                  <a:schemeClr val="dk1">
-                    <a:alpha val="40000"/>
-                  </a:schemeClr>
-                </a:outerShdw>
-              </a:effectLst>
-            </a:endParaRPr>
-          </a:p>
-        </p:txBody>
-      </p:sp>
-      <p:sp>
-        <p:nvSpPr>
-          <p:cNvPr id="7" name="TextBox 6"/>
-          <p:cNvSpPr txBox="1"/>
-          <p:nvPr/>
-        </p:nvSpPr>
-        <p:spPr>
-          <a:xfrm>
-            <a:off x="8496297" y="760675"/>
-            <a:ext cx="1592826" cy="369332"/>
-          </a:xfrm>
-          <a:prstGeom prst="rect">
-            <a:avLst/>
-          </a:prstGeom>
-          <a:noFill/>
-        </p:spPr>
-        <p:txBody>
-          <a:bodyPr wrap="square" rtlCol="0">
-            <a:spAutoFit/>
-          </a:bodyPr>
-          <a:lstStyle/>
-          <a:p>
-            <a:r>
-              <a:rPr lang="en-US" dirty="0"/>
-              <a:t>Cleveland</a:t>
-            </a:r>
-            <a:endParaRPr lang="ru-RU" dirty="0"/>
-          </a:p>
-        </p:txBody>
-      </p:sp>
-      <p:sp>
-        <p:nvSpPr>
-          <p:cNvPr id="9" name="TextBox 8"/>
-          <p:cNvSpPr txBox="1"/>
-          <p:nvPr/>
-        </p:nvSpPr>
-        <p:spPr>
-          <a:xfrm>
-            <a:off x="6845138" y="106211"/>
-            <a:ext cx="1592826" cy="369332"/>
-          </a:xfrm>
-          <a:prstGeom prst="rect">
-            <a:avLst/>
-          </a:prstGeom>
-          <a:noFill/>
-        </p:spPr>
-        <p:txBody>
-          <a:bodyPr wrap="square" rtlCol="0">
-            <a:spAutoFit/>
-          </a:bodyPr>
-          <a:lstStyle/>
-          <a:p>
-            <a:r>
-              <a:rPr lang="en-US" dirty="0"/>
-              <a:t>Cincinnati</a:t>
-            </a:r>
-            <a:endParaRPr lang="ru-RU" dirty="0"/>
-          </a:p>
-        </p:txBody>
-      </p:sp>
-      <p:sp>
-        <p:nvSpPr>
-          <p:cNvPr id="10" name="TextBox 9"/>
-          <p:cNvSpPr txBox="1"/>
-          <p:nvPr/>
-        </p:nvSpPr>
-        <p:spPr>
-          <a:xfrm>
-            <a:off x="7713086" y="439518"/>
-            <a:ext cx="1592826" cy="369332"/>
-          </a:xfrm>
-          <a:prstGeom prst="rect">
-            <a:avLst/>
-          </a:prstGeom>
-          <a:noFill/>
-        </p:spPr>
-        <p:txBody>
-          <a:bodyPr wrap="square" rtlCol="0">
-            <a:spAutoFit/>
-          </a:bodyPr>
-          <a:lstStyle/>
-          <a:p>
-            <a:r>
-              <a:rPr lang="en-US" dirty="0"/>
-              <a:t>Columbus</a:t>
-            </a:r>
-            <a:endParaRPr lang="ru-RU" dirty="0"/>
-          </a:p>
-        </p:txBody>
-      </p:sp>
-      <p:cxnSp>
-        <p:nvCxnSpPr>
-          <p:cNvPr id="12" name="Соединительная линия уступом 11"/>
-          <p:cNvCxnSpPr>
-            <a:stCxn id="7" idx="1"/>
-            <a:endCxn id="45" idx="1"/>
-          </p:cNvCxnSpPr>
-          <p:nvPr/>
-        </p:nvCxnSpPr>
-        <p:spPr>
-          <a:xfrm rot="10800000" flipV="1">
-            <a:off x="8226993" y="945340"/>
-            <a:ext cx="269304" cy="1260883"/>
-          </a:xfrm>
-          <a:prstGeom prst="bentConnector3">
-            <a:avLst>
-              <a:gd name="adj1" fmla="val 184885"/>
-            </a:avLst>
-          </a:prstGeom>
-          <a:ln>
-            <a:solidFill>
+            </a:ln>
+          </p:spPr>
+          <p:style>
+            <a:lnRef idx="1">
+              <a:schemeClr val="accent1"/>
+            </a:lnRef>
+            <a:fillRef idx="0">
+              <a:schemeClr val="accent1"/>
+            </a:fillRef>
+            <a:effectRef idx="0">
+              <a:schemeClr val="accent1"/>
+            </a:effectRef>
+            <a:fontRef idx="minor">
               <a:schemeClr val="tx1"/>
-            </a:solidFill>
-          </a:ln>
-        </p:spPr>
-        <p:style>
-          <a:lnRef idx="1">
-            <a:schemeClr val="accent1"/>
-          </a:lnRef>
-          <a:fillRef idx="0">
-            <a:schemeClr val="accent1"/>
-          </a:fillRef>
-          <a:effectRef idx="0">
-            <a:schemeClr val="accent1"/>
-          </a:effectRef>
-          <a:fontRef idx="minor">
-            <a:schemeClr val="tx1"/>
-          </a:fontRef>
-        </p:style>
-      </p:cxnSp>
-      <p:cxnSp>
-        <p:nvCxnSpPr>
-          <p:cNvPr id="17" name="Соединительная линия уступом 16"/>
-          <p:cNvCxnSpPr>
-            <a:stCxn id="10" idx="1"/>
-            <a:endCxn id="46" idx="1"/>
-          </p:cNvCxnSpPr>
-          <p:nvPr/>
-        </p:nvCxnSpPr>
-        <p:spPr>
-          <a:xfrm rot="10800000" flipH="1" flipV="1">
-            <a:off x="7713085" y="624183"/>
-            <a:ext cx="406605" cy="1892785"/>
-          </a:xfrm>
-          <a:prstGeom prst="bentConnector3">
-            <a:avLst>
-              <a:gd name="adj1" fmla="val -56222"/>
-            </a:avLst>
-          </a:prstGeom>
-          <a:ln>
-            <a:solidFill>
+            </a:fontRef>
+          </p:style>
+        </p:cxnSp>
+        <p:cxnSp>
+          <p:nvCxnSpPr>
+            <p:cNvPr id="51" name="Соединительная линия уступом 16">
+              <a:extLst>
+                <a:ext uri="{FF2B5EF4-FFF2-40B4-BE49-F238E27FC236}">
+                  <a16:creationId xmlns:a16="http://schemas.microsoft.com/office/drawing/2014/main" id="{F8231046-B651-4966-A8B0-72E7FD53DAA5}"/>
+                </a:ext>
+              </a:extLst>
+            </p:cNvPr>
+            <p:cNvCxnSpPr>
+              <a:stCxn id="49" idx="1"/>
+              <a:endCxn id="54" idx="1"/>
+            </p:cNvCxnSpPr>
+            <p:nvPr/>
+          </p:nvCxnSpPr>
+          <p:spPr>
+            <a:xfrm rot="10800000" flipH="1" flipV="1">
+              <a:off x="7713085" y="624183"/>
+              <a:ext cx="406605" cy="1892785"/>
+            </a:xfrm>
+            <a:prstGeom prst="bentConnector3">
+              <a:avLst>
+                <a:gd name="adj1" fmla="val -56222"/>
+              </a:avLst>
+            </a:prstGeom>
+            <a:ln>
+              <a:solidFill>
+                <a:schemeClr val="tx1"/>
+              </a:solidFill>
+            </a:ln>
+          </p:spPr>
+          <p:style>
+            <a:lnRef idx="1">
+              <a:schemeClr val="accent1"/>
+            </a:lnRef>
+            <a:fillRef idx="0">
+              <a:schemeClr val="accent1"/>
+            </a:fillRef>
+            <a:effectRef idx="0">
+              <a:schemeClr val="accent1"/>
+            </a:effectRef>
+            <a:fontRef idx="minor">
               <a:schemeClr val="tx1"/>
-            </a:solidFill>
-          </a:ln>
-        </p:spPr>
-        <p:style>
-          <a:lnRef idx="1">
-            <a:schemeClr val="accent1"/>
-          </a:lnRef>
-          <a:fillRef idx="0">
-            <a:schemeClr val="accent1"/>
-          </a:fillRef>
-          <a:effectRef idx="0">
-            <a:schemeClr val="accent1"/>
-          </a:effectRef>
-          <a:fontRef idx="minor">
-            <a:schemeClr val="tx1"/>
-          </a:fontRef>
-        </p:style>
-      </p:cxnSp>
-      <p:cxnSp>
-        <p:nvCxnSpPr>
-          <p:cNvPr id="20" name="Соединительная линия уступом 19"/>
-          <p:cNvCxnSpPr>
-            <a:stCxn id="9" idx="1"/>
-            <a:endCxn id="47" idx="1"/>
-          </p:cNvCxnSpPr>
-          <p:nvPr/>
-        </p:nvCxnSpPr>
-        <p:spPr>
-          <a:xfrm rot="10800000" flipH="1" flipV="1">
-            <a:off x="6845138" y="290876"/>
-            <a:ext cx="1024180" cy="2322921"/>
-          </a:xfrm>
-          <a:prstGeom prst="bentConnector3">
-            <a:avLst>
-              <a:gd name="adj1" fmla="val -22320"/>
-            </a:avLst>
-          </a:prstGeom>
-          <a:ln>
-            <a:solidFill>
+            </a:fontRef>
+          </p:style>
+        </p:cxnSp>
+        <p:cxnSp>
+          <p:nvCxnSpPr>
+            <p:cNvPr id="52" name="Соединительная линия уступом 19">
+              <a:extLst>
+                <a:ext uri="{FF2B5EF4-FFF2-40B4-BE49-F238E27FC236}">
+                  <a16:creationId xmlns:a16="http://schemas.microsoft.com/office/drawing/2014/main" id="{64558DE9-D3CF-49A0-93B4-96BF6E3B1797}"/>
+                </a:ext>
+              </a:extLst>
+            </p:cNvPr>
+            <p:cNvCxnSpPr>
+              <a:stCxn id="48" idx="1"/>
+              <a:endCxn id="55" idx="1"/>
+            </p:cNvCxnSpPr>
+            <p:nvPr/>
+          </p:nvCxnSpPr>
+          <p:spPr>
+            <a:xfrm rot="10800000" flipH="1" flipV="1">
+              <a:off x="6845138" y="290876"/>
+              <a:ext cx="1024180" cy="2322921"/>
+            </a:xfrm>
+            <a:prstGeom prst="bentConnector3">
+              <a:avLst>
+                <a:gd name="adj1" fmla="val -22320"/>
+              </a:avLst>
+            </a:prstGeom>
+            <a:ln>
+              <a:solidFill>
+                <a:schemeClr val="tx1"/>
+              </a:solidFill>
+            </a:ln>
+          </p:spPr>
+          <p:style>
+            <a:lnRef idx="1">
+              <a:schemeClr val="accent1"/>
+            </a:lnRef>
+            <a:fillRef idx="0">
+              <a:schemeClr val="accent1"/>
+            </a:fillRef>
+            <a:effectRef idx="0">
+              <a:schemeClr val="accent1"/>
+            </a:effectRef>
+            <a:fontRef idx="minor">
               <a:schemeClr val="tx1"/>
-            </a:solidFill>
-          </a:ln>
-        </p:spPr>
-        <p:style>
-          <a:lnRef idx="1">
-            <a:schemeClr val="accent1"/>
-          </a:lnRef>
-          <a:fillRef idx="0">
-            <a:schemeClr val="accent1"/>
-          </a:fillRef>
-          <a:effectRef idx="0">
-            <a:schemeClr val="accent1"/>
-          </a:effectRef>
-          <a:fontRef idx="minor">
-            <a:schemeClr val="tx1"/>
-          </a:fontRef>
-        </p:style>
-      </p:cxnSp>
-      <p:pic>
-        <p:nvPicPr>
-          <p:cNvPr id="45" name="Рисунок 44"/>
-          <p:cNvPicPr>
-            <a:picLocks noChangeAspect="1"/>
-          </p:cNvPicPr>
-          <p:nvPr/>
-        </p:nvPicPr>
-        <p:blipFill>
-          <a:blip r:embed="rId5" cstate="print">
-            <a:extLst>
-              <a:ext uri="{28A0092B-C50C-407E-A947-70E740481C1C}">
-                <a14:useLocalDpi xmlns:a14="http://schemas.microsoft.com/office/drawing/2010/main" val="0"/>
-              </a:ext>
-            </a:extLst>
-          </a:blip>
-          <a:stretch>
-            <a:fillRect/>
-          </a:stretch>
-        </p:blipFill>
-        <p:spPr>
-          <a:xfrm>
-            <a:off x="8226993" y="2134689"/>
-            <a:ext cx="143070" cy="143070"/>
-          </a:xfrm>
-          <a:prstGeom prst="rect">
-            <a:avLst/>
-          </a:prstGeom>
-        </p:spPr>
-      </p:pic>
-      <p:pic>
-        <p:nvPicPr>
-          <p:cNvPr id="46" name="Рисунок 45"/>
-          <p:cNvPicPr>
-            <a:picLocks noChangeAspect="1"/>
-          </p:cNvPicPr>
-          <p:nvPr/>
-        </p:nvPicPr>
-        <p:blipFill>
-          <a:blip r:embed="rId5" cstate="print">
-            <a:extLst>
-              <a:ext uri="{28A0092B-C50C-407E-A947-70E740481C1C}">
-                <a14:useLocalDpi xmlns:a14="http://schemas.microsoft.com/office/drawing/2010/main" val="0"/>
-              </a:ext>
-            </a:extLst>
-          </a:blip>
-          <a:stretch>
-            <a:fillRect/>
-          </a:stretch>
-        </p:blipFill>
-        <p:spPr>
-          <a:xfrm>
-            <a:off x="8119691" y="2445434"/>
-            <a:ext cx="143070" cy="143070"/>
-          </a:xfrm>
-          <a:prstGeom prst="rect">
-            <a:avLst/>
-          </a:prstGeom>
-        </p:spPr>
-      </p:pic>
-      <p:pic>
-        <p:nvPicPr>
-          <p:cNvPr id="47" name="Рисунок 46"/>
-          <p:cNvPicPr>
-            <a:picLocks noChangeAspect="1"/>
-          </p:cNvPicPr>
-          <p:nvPr/>
-        </p:nvPicPr>
-        <p:blipFill>
-          <a:blip r:embed="rId5" cstate="print">
-            <a:extLst>
-              <a:ext uri="{28A0092B-C50C-407E-A947-70E740481C1C}">
-                <a14:useLocalDpi xmlns:a14="http://schemas.microsoft.com/office/drawing/2010/main" val="0"/>
-              </a:ext>
-            </a:extLst>
-          </a:blip>
-          <a:stretch>
-            <a:fillRect/>
-          </a:stretch>
-        </p:blipFill>
-        <p:spPr>
-          <a:xfrm>
-            <a:off x="7869318" y="2542263"/>
-            <a:ext cx="143070" cy="143070"/>
-          </a:xfrm>
-          <a:prstGeom prst="rect">
-            <a:avLst/>
-          </a:prstGeom>
-        </p:spPr>
-      </p:pic>
-      <p:pic>
-        <p:nvPicPr>
-          <p:cNvPr id="60" name="Рисунок 59"/>
-          <p:cNvPicPr>
-            <a:picLocks noChangeAspect="1"/>
-          </p:cNvPicPr>
-          <p:nvPr/>
-        </p:nvPicPr>
-        <p:blipFill>
-          <a:blip r:embed="rId5" cstate="print">
-            <a:extLst>
-              <a:ext uri="{28A0092B-C50C-407E-A947-70E740481C1C}">
-                <a14:useLocalDpi xmlns:a14="http://schemas.microsoft.com/office/drawing/2010/main" val="0"/>
-              </a:ext>
-            </a:extLst>
-          </a:blip>
-          <a:stretch>
-            <a:fillRect/>
-          </a:stretch>
-        </p:blipFill>
-        <p:spPr>
-          <a:xfrm>
-            <a:off x="9412633" y="4739591"/>
-            <a:ext cx="143070" cy="143070"/>
-          </a:xfrm>
-          <a:prstGeom prst="rect">
-            <a:avLst/>
-          </a:prstGeom>
-        </p:spPr>
-      </p:pic>
-      <p:sp>
-        <p:nvSpPr>
-          <p:cNvPr id="61" name="TextBox 60"/>
-          <p:cNvSpPr txBox="1"/>
-          <p:nvPr/>
-        </p:nvSpPr>
-        <p:spPr>
-          <a:xfrm>
-            <a:off x="8748591" y="5689963"/>
-            <a:ext cx="807112" cy="369332"/>
-          </a:xfrm>
-          <a:prstGeom prst="rect">
-            <a:avLst/>
-          </a:prstGeom>
-          <a:noFill/>
-        </p:spPr>
-        <p:txBody>
-          <a:bodyPr wrap="square" rtlCol="0">
-            <a:spAutoFit/>
-          </a:bodyPr>
-          <a:lstStyle/>
-          <a:p>
-            <a:r>
-              <a:rPr lang="en-US" dirty="0"/>
-              <a:t>Miami</a:t>
-            </a:r>
-            <a:endParaRPr lang="ru-RU" dirty="0"/>
-          </a:p>
-        </p:txBody>
-      </p:sp>
-      <p:cxnSp>
-        <p:nvCxnSpPr>
-          <p:cNvPr id="63" name="Соединительная линия уступом 62"/>
-          <p:cNvCxnSpPr>
-            <a:stCxn id="61" idx="3"/>
-            <a:endCxn id="60" idx="3"/>
-          </p:cNvCxnSpPr>
-          <p:nvPr/>
-        </p:nvCxnSpPr>
-        <p:spPr>
-          <a:xfrm flipV="1">
-            <a:off x="9555703" y="4811126"/>
-            <a:ext cx="12700" cy="1063503"/>
-          </a:xfrm>
-          <a:prstGeom prst="bentConnector3">
-            <a:avLst>
-              <a:gd name="adj1" fmla="val 1800000"/>
-            </a:avLst>
-          </a:prstGeom>
-        </p:spPr>
-        <p:style>
-          <a:lnRef idx="1">
-            <a:schemeClr val="accent1"/>
-          </a:lnRef>
-          <a:fillRef idx="0">
-            <a:schemeClr val="accent1"/>
-          </a:fillRef>
-          <a:effectRef idx="0">
-            <a:schemeClr val="accent1"/>
-          </a:effectRef>
-          <a:fontRef idx="minor">
-            <a:schemeClr val="tx1"/>
-          </a:fontRef>
-        </p:style>
-      </p:cxnSp>
-      <p:pic>
-        <p:nvPicPr>
-          <p:cNvPr id="69" name="Рисунок 68"/>
-          <p:cNvPicPr>
-            <a:picLocks noChangeAspect="1"/>
-          </p:cNvPicPr>
-          <p:nvPr/>
-        </p:nvPicPr>
-        <p:blipFill>
-          <a:blip r:embed="rId5" cstate="print">
-            <a:extLst>
-              <a:ext uri="{28A0092B-C50C-407E-A947-70E740481C1C}">
-                <a14:useLocalDpi xmlns:a14="http://schemas.microsoft.com/office/drawing/2010/main" val="0"/>
-              </a:ext>
-            </a:extLst>
-          </a:blip>
-          <a:stretch>
-            <a:fillRect/>
-          </a:stretch>
-        </p:blipFill>
-        <p:spPr>
-          <a:xfrm>
-            <a:off x="2466563" y="2925539"/>
-            <a:ext cx="143070" cy="143070"/>
-          </a:xfrm>
-          <a:prstGeom prst="rect">
-            <a:avLst/>
-          </a:prstGeom>
-        </p:spPr>
-      </p:pic>
-      <p:sp>
-        <p:nvSpPr>
-          <p:cNvPr id="70" name="TextBox 69"/>
-          <p:cNvSpPr txBox="1"/>
-          <p:nvPr/>
-        </p:nvSpPr>
-        <p:spPr>
-          <a:xfrm>
-            <a:off x="583367" y="4554925"/>
-            <a:ext cx="807112" cy="646331"/>
-          </a:xfrm>
-          <a:prstGeom prst="rect">
-            <a:avLst/>
-          </a:prstGeom>
-          <a:noFill/>
-        </p:spPr>
-        <p:txBody>
-          <a:bodyPr wrap="square" rtlCol="0">
-            <a:spAutoFit/>
-          </a:bodyPr>
-          <a:lstStyle/>
-          <a:p>
-            <a:r>
-              <a:rPr lang="en-US" dirty="0"/>
-              <a:t>Las Vegas</a:t>
-            </a:r>
-            <a:endParaRPr lang="ru-RU" dirty="0"/>
-          </a:p>
-        </p:txBody>
-      </p:sp>
-      <p:cxnSp>
-        <p:nvCxnSpPr>
-          <p:cNvPr id="73" name="Соединительная линия уступом 72"/>
-          <p:cNvCxnSpPr>
-            <a:stCxn id="70" idx="1"/>
-            <a:endCxn id="69" idx="1"/>
-          </p:cNvCxnSpPr>
-          <p:nvPr/>
-        </p:nvCxnSpPr>
-        <p:spPr>
-          <a:xfrm rot="10800000" flipH="1">
-            <a:off x="583367" y="2997075"/>
-            <a:ext cx="1883196" cy="1881017"/>
-          </a:xfrm>
-          <a:prstGeom prst="bentConnector3">
-            <a:avLst>
-              <a:gd name="adj1" fmla="val -12139"/>
-            </a:avLst>
-          </a:prstGeom>
-        </p:spPr>
-        <p:style>
-          <a:lnRef idx="1">
-            <a:schemeClr val="accent1"/>
-          </a:lnRef>
-          <a:fillRef idx="0">
-            <a:schemeClr val="accent1"/>
-          </a:fillRef>
-          <a:effectRef idx="0">
-            <a:schemeClr val="accent1"/>
-          </a:effectRef>
-          <a:fontRef idx="minor">
-            <a:schemeClr val="tx1"/>
-          </a:fontRef>
-        </p:style>
-      </p:cxnSp>
+            </a:fontRef>
+          </p:style>
+        </p:cxnSp>
+        <p:pic>
+          <p:nvPicPr>
+            <p:cNvPr id="53" name="Рисунок 52">
+              <a:extLst>
+                <a:ext uri="{FF2B5EF4-FFF2-40B4-BE49-F238E27FC236}">
+                  <a16:creationId xmlns:a16="http://schemas.microsoft.com/office/drawing/2014/main" id="{28500A08-1F68-4CAC-92B2-DE8C05DD0EC3}"/>
+                </a:ext>
+              </a:extLst>
+            </p:cNvPr>
+            <p:cNvPicPr>
+              <a:picLocks noChangeAspect="1"/>
+            </p:cNvPicPr>
+            <p:nvPr/>
+          </p:nvPicPr>
+          <p:blipFill>
+            <a:blip r:embed="rId5" cstate="print">
+              <a:extLst>
+                <a:ext uri="{28A0092B-C50C-407E-A947-70E740481C1C}">
+                  <a14:useLocalDpi xmlns:a14="http://schemas.microsoft.com/office/drawing/2010/main" val="0"/>
+                </a:ext>
+              </a:extLst>
+            </a:blip>
+            <a:stretch>
+              <a:fillRect/>
+            </a:stretch>
+          </p:blipFill>
+          <p:spPr>
+            <a:xfrm>
+              <a:off x="8226993" y="2134689"/>
+              <a:ext cx="143070" cy="143070"/>
+            </a:xfrm>
+            <a:prstGeom prst="rect">
+              <a:avLst/>
+            </a:prstGeom>
+          </p:spPr>
+        </p:pic>
+        <p:pic>
+          <p:nvPicPr>
+            <p:cNvPr id="54" name="Рисунок 53">
+              <a:extLst>
+                <a:ext uri="{FF2B5EF4-FFF2-40B4-BE49-F238E27FC236}">
+                  <a16:creationId xmlns:a16="http://schemas.microsoft.com/office/drawing/2014/main" id="{A53E0AD2-5102-4B90-AC4D-60AC927A5E7B}"/>
+                </a:ext>
+              </a:extLst>
+            </p:cNvPr>
+            <p:cNvPicPr>
+              <a:picLocks noChangeAspect="1"/>
+            </p:cNvPicPr>
+            <p:nvPr/>
+          </p:nvPicPr>
+          <p:blipFill>
+            <a:blip r:embed="rId5" cstate="print">
+              <a:extLst>
+                <a:ext uri="{28A0092B-C50C-407E-A947-70E740481C1C}">
+                  <a14:useLocalDpi xmlns:a14="http://schemas.microsoft.com/office/drawing/2010/main" val="0"/>
+                </a:ext>
+              </a:extLst>
+            </a:blip>
+            <a:stretch>
+              <a:fillRect/>
+            </a:stretch>
+          </p:blipFill>
+          <p:spPr>
+            <a:xfrm>
+              <a:off x="8119691" y="2445434"/>
+              <a:ext cx="143070" cy="143070"/>
+            </a:xfrm>
+            <a:prstGeom prst="rect">
+              <a:avLst/>
+            </a:prstGeom>
+          </p:spPr>
+        </p:pic>
+        <p:pic>
+          <p:nvPicPr>
+            <p:cNvPr id="55" name="Рисунок 54">
+              <a:extLst>
+                <a:ext uri="{FF2B5EF4-FFF2-40B4-BE49-F238E27FC236}">
+                  <a16:creationId xmlns:a16="http://schemas.microsoft.com/office/drawing/2014/main" id="{9B39FC11-5E64-4E5C-A939-B70E43DD41B2}"/>
+                </a:ext>
+              </a:extLst>
+            </p:cNvPr>
+            <p:cNvPicPr>
+              <a:picLocks noChangeAspect="1"/>
+            </p:cNvPicPr>
+            <p:nvPr/>
+          </p:nvPicPr>
+          <p:blipFill>
+            <a:blip r:embed="rId5" cstate="print">
+              <a:extLst>
+                <a:ext uri="{28A0092B-C50C-407E-A947-70E740481C1C}">
+                  <a14:useLocalDpi xmlns:a14="http://schemas.microsoft.com/office/drawing/2010/main" val="0"/>
+                </a:ext>
+              </a:extLst>
+            </a:blip>
+            <a:stretch>
+              <a:fillRect/>
+            </a:stretch>
+          </p:blipFill>
+          <p:spPr>
+            <a:xfrm>
+              <a:off x="7869318" y="2542263"/>
+              <a:ext cx="143070" cy="143070"/>
+            </a:xfrm>
+            <a:prstGeom prst="rect">
+              <a:avLst/>
+            </a:prstGeom>
+          </p:spPr>
+        </p:pic>
+        <p:pic>
+          <p:nvPicPr>
+            <p:cNvPr id="56" name="Рисунок 55">
+              <a:extLst>
+                <a:ext uri="{FF2B5EF4-FFF2-40B4-BE49-F238E27FC236}">
+                  <a16:creationId xmlns:a16="http://schemas.microsoft.com/office/drawing/2014/main" id="{A0B4F0BC-C1A3-4612-902A-D61107E22237}"/>
+                </a:ext>
+              </a:extLst>
+            </p:cNvPr>
+            <p:cNvPicPr>
+              <a:picLocks noChangeAspect="1"/>
+            </p:cNvPicPr>
+            <p:nvPr/>
+          </p:nvPicPr>
+          <p:blipFill>
+            <a:blip r:embed="rId5" cstate="print">
+              <a:extLst>
+                <a:ext uri="{28A0092B-C50C-407E-A947-70E740481C1C}">
+                  <a14:useLocalDpi xmlns:a14="http://schemas.microsoft.com/office/drawing/2010/main" val="0"/>
+                </a:ext>
+              </a:extLst>
+            </a:blip>
+            <a:stretch>
+              <a:fillRect/>
+            </a:stretch>
+          </p:blipFill>
+          <p:spPr>
+            <a:xfrm>
+              <a:off x="9412633" y="4739591"/>
+              <a:ext cx="143070" cy="143070"/>
+            </a:xfrm>
+            <a:prstGeom prst="rect">
+              <a:avLst/>
+            </a:prstGeom>
+          </p:spPr>
+        </p:pic>
+        <p:sp>
+          <p:nvSpPr>
+            <p:cNvPr id="57" name="TextBox 56">
+              <a:extLst>
+                <a:ext uri="{FF2B5EF4-FFF2-40B4-BE49-F238E27FC236}">
+                  <a16:creationId xmlns:a16="http://schemas.microsoft.com/office/drawing/2014/main" id="{18E1B320-0437-414E-BBAC-E6A44F959779}"/>
+                </a:ext>
+              </a:extLst>
+            </p:cNvPr>
+            <p:cNvSpPr txBox="1"/>
+            <p:nvPr/>
+          </p:nvSpPr>
+          <p:spPr>
+            <a:xfrm>
+              <a:off x="8748591" y="5689963"/>
+              <a:ext cx="807112" cy="369332"/>
+            </a:xfrm>
+            <a:prstGeom prst="rect">
+              <a:avLst/>
+            </a:prstGeom>
+            <a:noFill/>
+          </p:spPr>
+          <p:txBody>
+            <a:bodyPr wrap="square" rtlCol="0">
+              <a:spAutoFit/>
+            </a:bodyPr>
+            <a:lstStyle/>
+            <a:p>
+              <a:r>
+                <a:rPr lang="en-US" dirty="0"/>
+                <a:t>Miami</a:t>
+              </a:r>
+              <a:endParaRPr lang="ru-RU" dirty="0"/>
+            </a:p>
+          </p:txBody>
+        </p:sp>
+        <p:cxnSp>
+          <p:nvCxnSpPr>
+            <p:cNvPr id="58" name="Соединительная линия уступом 62">
+              <a:extLst>
+                <a:ext uri="{FF2B5EF4-FFF2-40B4-BE49-F238E27FC236}">
+                  <a16:creationId xmlns:a16="http://schemas.microsoft.com/office/drawing/2014/main" id="{A16CEDB5-26BE-4746-835A-3FC45224B7CC}"/>
+                </a:ext>
+              </a:extLst>
+            </p:cNvPr>
+            <p:cNvCxnSpPr>
+              <a:stCxn id="57" idx="3"/>
+              <a:endCxn id="56" idx="3"/>
+            </p:cNvCxnSpPr>
+            <p:nvPr/>
+          </p:nvCxnSpPr>
+          <p:spPr>
+            <a:xfrm flipV="1">
+              <a:off x="9555703" y="4811126"/>
+              <a:ext cx="12700" cy="1063503"/>
+            </a:xfrm>
+            <a:prstGeom prst="bentConnector3">
+              <a:avLst>
+                <a:gd name="adj1" fmla="val 1800000"/>
+              </a:avLst>
+            </a:prstGeom>
+          </p:spPr>
+          <p:style>
+            <a:lnRef idx="1">
+              <a:schemeClr val="accent1"/>
+            </a:lnRef>
+            <a:fillRef idx="0">
+              <a:schemeClr val="accent1"/>
+            </a:fillRef>
+            <a:effectRef idx="0">
+              <a:schemeClr val="accent1"/>
+            </a:effectRef>
+            <a:fontRef idx="minor">
+              <a:schemeClr val="tx1"/>
+            </a:fontRef>
+          </p:style>
+        </p:cxnSp>
+        <p:pic>
+          <p:nvPicPr>
+            <p:cNvPr id="59" name="Рисунок 58">
+              <a:extLst>
+                <a:ext uri="{FF2B5EF4-FFF2-40B4-BE49-F238E27FC236}">
+                  <a16:creationId xmlns:a16="http://schemas.microsoft.com/office/drawing/2014/main" id="{FA9B3154-7A22-4A55-98E3-3B885A6865F2}"/>
+                </a:ext>
+              </a:extLst>
+            </p:cNvPr>
+            <p:cNvPicPr>
+              <a:picLocks noChangeAspect="1"/>
+            </p:cNvPicPr>
+            <p:nvPr/>
+          </p:nvPicPr>
+          <p:blipFill>
+            <a:blip r:embed="rId5" cstate="print">
+              <a:extLst>
+                <a:ext uri="{28A0092B-C50C-407E-A947-70E740481C1C}">
+                  <a14:useLocalDpi xmlns:a14="http://schemas.microsoft.com/office/drawing/2010/main" val="0"/>
+                </a:ext>
+              </a:extLst>
+            </a:blip>
+            <a:stretch>
+              <a:fillRect/>
+            </a:stretch>
+          </p:blipFill>
+          <p:spPr>
+            <a:xfrm>
+              <a:off x="2466563" y="2925539"/>
+              <a:ext cx="143070" cy="143070"/>
+            </a:xfrm>
+            <a:prstGeom prst="rect">
+              <a:avLst/>
+            </a:prstGeom>
+          </p:spPr>
+        </p:pic>
+        <p:sp>
+          <p:nvSpPr>
+            <p:cNvPr id="62" name="TextBox 61">
+              <a:extLst>
+                <a:ext uri="{FF2B5EF4-FFF2-40B4-BE49-F238E27FC236}">
+                  <a16:creationId xmlns:a16="http://schemas.microsoft.com/office/drawing/2014/main" id="{6FC70F66-AF78-4A07-A19D-F192968C0F04}"/>
+                </a:ext>
+              </a:extLst>
+            </p:cNvPr>
+            <p:cNvSpPr txBox="1"/>
+            <p:nvPr/>
+          </p:nvSpPr>
+          <p:spPr>
+            <a:xfrm>
+              <a:off x="583367" y="4554925"/>
+              <a:ext cx="807112" cy="646331"/>
+            </a:xfrm>
+            <a:prstGeom prst="rect">
+              <a:avLst/>
+            </a:prstGeom>
+            <a:noFill/>
+          </p:spPr>
+          <p:txBody>
+            <a:bodyPr wrap="square" rtlCol="0">
+              <a:spAutoFit/>
+            </a:bodyPr>
+            <a:lstStyle/>
+            <a:p>
+              <a:r>
+                <a:rPr lang="en-US" dirty="0"/>
+                <a:t>Las Vegas</a:t>
+              </a:r>
+              <a:endParaRPr lang="ru-RU" dirty="0"/>
+            </a:p>
+          </p:txBody>
+        </p:sp>
+        <p:cxnSp>
+          <p:nvCxnSpPr>
+            <p:cNvPr id="64" name="Соединительная линия уступом 72">
+              <a:extLst>
+                <a:ext uri="{FF2B5EF4-FFF2-40B4-BE49-F238E27FC236}">
+                  <a16:creationId xmlns:a16="http://schemas.microsoft.com/office/drawing/2014/main" id="{99B9EC10-5C43-412D-8257-7BBD0FE50B8D}"/>
+                </a:ext>
+              </a:extLst>
+            </p:cNvPr>
+            <p:cNvCxnSpPr>
+              <a:stCxn id="62" idx="1"/>
+              <a:endCxn id="59" idx="1"/>
+            </p:cNvCxnSpPr>
+            <p:nvPr/>
+          </p:nvCxnSpPr>
+          <p:spPr>
+            <a:xfrm rot="10800000" flipH="1">
+              <a:off x="583367" y="2997075"/>
+              <a:ext cx="1883196" cy="1881017"/>
+            </a:xfrm>
+            <a:prstGeom prst="bentConnector3">
+              <a:avLst>
+                <a:gd name="adj1" fmla="val -12139"/>
+              </a:avLst>
+            </a:prstGeom>
+          </p:spPr>
+          <p:style>
+            <a:lnRef idx="1">
+              <a:schemeClr val="accent1"/>
+            </a:lnRef>
+            <a:fillRef idx="0">
+              <a:schemeClr val="accent1"/>
+            </a:fillRef>
+            <a:effectRef idx="0">
+              <a:schemeClr val="accent1"/>
+            </a:effectRef>
+            <a:fontRef idx="minor">
+              <a:schemeClr val="tx1"/>
+            </a:fontRef>
+          </p:style>
+        </p:cxnSp>
+      </p:grpSp>
       <p:pic>
         <p:nvPicPr>
           <p:cNvPr id="3" name="Рисунок 2"/>
@@ -9955,7 +10108,7 @@
         </p:blipFill>
         <p:spPr>
           <a:xfrm>
-            <a:off x="31897" y="563880"/>
+            <a:off x="-7122058" y="475543"/>
             <a:ext cx="6517950" cy="5974080"/>
           </a:xfrm>
           <a:prstGeom prst="rect">
@@ -9963,66 +10116,6 @@
           </a:prstGeom>
         </p:spPr>
       </p:pic>
-      <p:cxnSp>
-        <p:nvCxnSpPr>
-          <p:cNvPr id="8" name="Прямая соединительная линия 7"/>
-          <p:cNvCxnSpPr/>
-          <p:nvPr/>
-        </p:nvCxnSpPr>
-        <p:spPr>
-          <a:xfrm>
-            <a:off x="5096560" y="1879083"/>
-            <a:ext cx="3158060" cy="310662"/>
-          </a:xfrm>
-          <a:prstGeom prst="line">
-            <a:avLst/>
-          </a:prstGeom>
-        </p:spPr>
-        <p:style>
-          <a:lnRef idx="1">
-            <a:schemeClr val="accent1"/>
-          </a:lnRef>
-          <a:fillRef idx="0">
-            <a:schemeClr val="accent1"/>
-          </a:fillRef>
-          <a:effectRef idx="0">
-            <a:schemeClr val="accent1"/>
-          </a:effectRef>
-          <a:fontRef idx="minor">
-            <a:schemeClr val="tx1"/>
-          </a:fontRef>
-        </p:style>
-      </p:cxnSp>
-      <p:cxnSp>
-        <p:nvCxnSpPr>
-          <p:cNvPr id="15" name="Прямая соединительная линия 14"/>
-          <p:cNvCxnSpPr/>
-          <p:nvPr/>
-        </p:nvCxnSpPr>
-        <p:spPr>
-          <a:xfrm flipH="1">
-            <a:off x="5129259" y="2762437"/>
-            <a:ext cx="3119016" cy="3296858"/>
-          </a:xfrm>
-          <a:prstGeom prst="line">
-            <a:avLst/>
-          </a:prstGeom>
-        </p:spPr>
-        <p:style>
-          <a:lnRef idx="1">
-            <a:schemeClr val="accent1"/>
-          </a:lnRef>
-          <a:fillRef idx="0">
-            <a:schemeClr val="accent1"/>
-          </a:fillRef>
-          <a:effectRef idx="0">
-            <a:schemeClr val="accent1"/>
-          </a:effectRef>
-          <a:fontRef idx="minor">
-            <a:schemeClr val="tx1"/>
-          </a:fontRef>
-        </p:style>
-      </p:cxnSp>
       <p:graphicFrame>
         <p:nvGraphicFramePr>
           <p:cNvPr id="26" name="Диаграмма 25">
@@ -10122,7 +10215,7 @@
           <p:nvPr>
             <p:extLst>
               <p:ext uri="{D42A27DB-BD31-4B8C-83A1-F6EECF244321}">
-                <p14:modId xmlns:p14="http://schemas.microsoft.com/office/powerpoint/2010/main" val="480028860"/>
+                <p14:modId xmlns:p14="http://schemas.microsoft.com/office/powerpoint/2010/main" val="1239464243"/>
               </p:ext>
             </p:extLst>
           </p:nvPr>
@@ -10152,13 +10245,13 @@
           <p:nvPr>
             <p:extLst>
               <p:ext uri="{D42A27DB-BD31-4B8C-83A1-F6EECF244321}">
-                <p14:modId xmlns:p14="http://schemas.microsoft.com/office/powerpoint/2010/main" val="3959996265"/>
+                <p14:modId xmlns:p14="http://schemas.microsoft.com/office/powerpoint/2010/main" val="431156658"/>
               </p:ext>
             </p:extLst>
           </p:nvPr>
         </p:nvGraphicFramePr>
         <p:xfrm>
-          <a:off x="6752973" y="1059180"/>
+          <a:off x="13217273" y="959469"/>
           <a:ext cx="5182870" cy="5490154"/>
         </p:xfrm>
         <a:graphic>
@@ -10273,7 +10366,7 @@
                     <a:lstStyle/>
                     <a:p>
                       <a:pPr algn="l" fontAlgn="b"/>
-                      <a:endParaRPr lang="ru-RU" sz="1100" b="0" i="0" u="none" strike="noStrike">
+                      <a:endParaRPr lang="ru-RU" sz="1100" b="0" i="0" u="none" strike="noStrike" dirty="0">
                         <a:solidFill>
                           <a:srgbClr val="000000"/>
                         </a:solidFill>
@@ -10348,7 +10441,7 @@
                     <a:lstStyle/>
                     <a:p>
                       <a:pPr algn="l" fontAlgn="b"/>
-                      <a:endParaRPr lang="ru-RU" sz="1100" b="0" i="0" u="none" strike="noStrike">
+                      <a:endParaRPr lang="ru-RU" sz="1100" b="0" i="0" u="none" strike="noStrike" dirty="0">
                         <a:solidFill>
                           <a:srgbClr val="000000"/>
                         </a:solidFill>
@@ -10423,7 +10516,7 @@
                     <a:lstStyle/>
                     <a:p>
                       <a:pPr algn="l" fontAlgn="b"/>
-                      <a:endParaRPr lang="ru-RU" sz="1100" b="0" i="0" u="none" strike="noStrike">
+                      <a:endParaRPr lang="ru-RU" sz="1100" b="0" i="0" u="none" strike="noStrike" dirty="0">
                         <a:solidFill>
                           <a:srgbClr val="000000"/>
                         </a:solidFill>
@@ -11554,6 +11647,67 @@
           </a:graphicData>
         </a:graphic>
       </p:graphicFrame>
+      <p:sp>
+        <p:nvSpPr>
+          <p:cNvPr id="38" name="Прямоугольник 37">
+            <a:extLst>
+              <a:ext uri="{FF2B5EF4-FFF2-40B4-BE49-F238E27FC236}">
+                <a16:creationId xmlns:a16="http://schemas.microsoft.com/office/drawing/2014/main" id="{1637A747-1332-4B72-AE60-E0E585D61C47}"/>
+              </a:ext>
+            </a:extLst>
+          </p:cNvPr>
+          <p:cNvSpPr/>
+          <p:nvPr/>
+        </p:nvSpPr>
+        <p:spPr>
+          <a:xfrm>
+            <a:off x="444871" y="-1528062"/>
+            <a:ext cx="1592103" cy="923330"/>
+          </a:xfrm>
+          <a:prstGeom prst="rect">
+            <a:avLst/>
+          </a:prstGeom>
+          <a:noFill/>
+        </p:spPr>
+        <p:txBody>
+          <a:bodyPr wrap="none" lIns="91440" tIns="45720" rIns="91440" bIns="45720">
+            <a:spAutoFit/>
+          </a:bodyPr>
+          <a:lstStyle/>
+          <a:p>
+            <a:pPr algn="ctr"/>
+            <a:r>
+              <a:rPr lang="en-US" sz="5400" b="1" cap="none" spc="50" dirty="0">
+                <a:ln w="0"/>
+                <a:solidFill>
+                  <a:schemeClr val="bg2"/>
+                </a:solidFill>
+                <a:effectLst>
+                  <a:innerShdw blurRad="63500" dist="50800" dir="13500000">
+                    <a:srgbClr val="000000">
+                      <a:alpha val="50000"/>
+                    </a:srgbClr>
+                  </a:innerShdw>
+                </a:effectLst>
+              </a:rPr>
+              <a:t>Ohio</a:t>
+            </a:r>
+            <a:endParaRPr lang="ru-RU" sz="5400" b="1" cap="none" spc="50" dirty="0">
+              <a:ln w="0"/>
+              <a:solidFill>
+                <a:schemeClr val="bg2"/>
+              </a:solidFill>
+              <a:effectLst>
+                <a:innerShdw blurRad="63500" dist="50800" dir="13500000">
+                  <a:srgbClr val="000000">
+                    <a:alpha val="50000"/>
+                  </a:srgbClr>
+                </a:innerShdw>
+              </a:effectLst>
+            </a:endParaRPr>
+          </a:p>
+        </p:txBody>
+      </p:sp>
     </p:spTree>
     <p:custDataLst>
       <p:tags r:id="rId1"/>
@@ -11587,6 +11741,9 @@
                     <p:cTn id="3" fill="hold">
                       <p:stCondLst>
                         <p:cond delay="indefinite"/>
+                        <p:cond evt="onBegin" delay="0">
+                          <p:tn val="2"/>
+                        </p:cond>
                       </p:stCondLst>
                       <p:childTnLst>
                         <p:par>
@@ -11596,20 +11753,42 @@
                             </p:stCondLst>
                             <p:childTnLst>
                               <p:par>
-                                <p:cTn id="5" presetID="53" presetClass="entr" presetSubtype="16" fill="hold" nodeType="clickEffect">
+                                <p:cTn id="5" presetID="42" presetClass="path" presetSubtype="0" accel="50000" decel="50000" fill="hold" nodeType="withEffect">
                                   <p:stCondLst>
-                                    <p:cond delay="0"/>
+                                    <p:cond delay="500"/>
+                                  </p:stCondLst>
+                                  <p:childTnLst>
+                                    <p:animMotion origin="layout" path="M -3.125E-6 -1.11111E-6 L 0.58451 0.0581 " pathEditMode="relative" rAng="0" ptsTypes="AA">
+                                      <p:cBhvr>
+                                        <p:cTn id="6" dur="2000" fill="hold"/>
+                                        <p:tgtEl>
+                                          <p:spTgt spid="3"/>
+                                        </p:tgtEl>
+                                        <p:attrNameLst>
+                                          <p:attrName>ppt_x</p:attrName>
+                                          <p:attrName>ppt_y</p:attrName>
+                                        </p:attrNameLst>
+                                      </p:cBhvr>
+                                      <p:rCtr x="29232" y="2894"/>
+                                    </p:animMotion>
+                                  </p:childTnLst>
+                                </p:cTn>
+                              </p:par>
+                              <p:par>
+                                <p:cTn id="7" presetID="53" presetClass="entr" presetSubtype="16" fill="hold" grpId="0" nodeType="withEffect">
+                                  <p:stCondLst>
+                                    <p:cond delay="2000"/>
                                   </p:stCondLst>
                                   <p:childTnLst>
                                     <p:set>
                                       <p:cBhvr>
-                                        <p:cTn id="6" dur="1" fill="hold">
+                                        <p:cTn id="8" dur="1" fill="hold">
                                           <p:stCondLst>
                                             <p:cond delay="0"/>
                                           </p:stCondLst>
                                         </p:cTn>
                                         <p:tgtEl>
-                                          <p:spTgt spid="3"/>
+                                          <p:spTgt spid="28"/>
                                         </p:tgtEl>
                                         <p:attrNameLst>
                                           <p:attrName>style.visibility</p:attrName>
@@ -11621,9 +11800,9 @@
                                     </p:set>
                                     <p:anim calcmode="lin" valueType="num">
                                       <p:cBhvr>
-                                        <p:cTn id="7" dur="500" fill="hold"/>
+                                        <p:cTn id="9" dur="500" fill="hold"/>
                                         <p:tgtEl>
-                                          <p:spTgt spid="3"/>
+                                          <p:spTgt spid="28"/>
                                         </p:tgtEl>
                                         <p:attrNameLst>
                                           <p:attrName>ppt_w</p:attrName>
@@ -11644,9 +11823,9 @@
                                     </p:anim>
                                     <p:anim calcmode="lin" valueType="num">
                                       <p:cBhvr>
-                                        <p:cTn id="8" dur="500" fill="hold"/>
+                                        <p:cTn id="10" dur="500" fill="hold"/>
                                         <p:tgtEl>
-                                          <p:spTgt spid="3"/>
+                                          <p:spTgt spid="28"/>
                                         </p:tgtEl>
                                         <p:attrNameLst>
                                           <p:attrName>ppt_h</p:attrName>
@@ -11667,42 +11846,105 @@
                                     </p:anim>
                                     <p:animEffect transition="in" filter="fade">
                                       <p:cBhvr>
-                                        <p:cTn id="9" dur="500"/>
+                                        <p:cTn id="11" dur="500"/>
                                         <p:tgtEl>
-                                          <p:spTgt spid="3"/>
+                                          <p:spTgt spid="28"/>
                                         </p:tgtEl>
                                       </p:cBhvr>
                                     </p:animEffect>
                                   </p:childTnLst>
                                 </p:cTn>
                               </p:par>
-                            </p:childTnLst>
-                          </p:cTn>
-                        </p:par>
-                      </p:childTnLst>
-                    </p:cTn>
-                  </p:par>
-                  <p:par>
-                    <p:cTn id="10" fill="hold">
-                      <p:stCondLst>
-                        <p:cond delay="indefinite"/>
-                      </p:stCondLst>
-                      <p:childTnLst>
-                        <p:par>
-                          <p:cTn id="11" fill="hold">
-                            <p:stCondLst>
-                              <p:cond delay="0"/>
-                            </p:stCondLst>
-                            <p:childTnLst>
                               <p:par>
-                                <p:cTn id="12" presetID="53" presetClass="entr" presetSubtype="16" fill="hold" grpId="0" nodeType="clickEffect">
+                                <p:cTn id="12" presetID="53" presetClass="entr" presetSubtype="16" fill="hold" grpId="0" nodeType="withEffect">
                                   <p:stCondLst>
-                                    <p:cond delay="0"/>
+                                    <p:cond delay="2250"/>
                                   </p:stCondLst>
                                   <p:childTnLst>
                                     <p:set>
                                       <p:cBhvr>
                                         <p:cTn id="13" dur="1" fill="hold">
+                                          <p:stCondLst>
+                                            <p:cond delay="0"/>
+                                          </p:stCondLst>
+                                        </p:cTn>
+                                        <p:tgtEl>
+                                          <p:spTgt spid="29"/>
+                                        </p:tgtEl>
+                                        <p:attrNameLst>
+                                          <p:attrName>style.visibility</p:attrName>
+                                        </p:attrNameLst>
+                                      </p:cBhvr>
+                                      <p:to>
+                                        <p:strVal val="visible"/>
+                                      </p:to>
+                                    </p:set>
+                                    <p:anim calcmode="lin" valueType="num">
+                                      <p:cBhvr>
+                                        <p:cTn id="14" dur="500" fill="hold"/>
+                                        <p:tgtEl>
+                                          <p:spTgt spid="29"/>
+                                        </p:tgtEl>
+                                        <p:attrNameLst>
+                                          <p:attrName>ppt_w</p:attrName>
+                                        </p:attrNameLst>
+                                      </p:cBhvr>
+                                      <p:tavLst>
+                                        <p:tav tm="0">
+                                          <p:val>
+                                            <p:fltVal val="0"/>
+                                          </p:val>
+                                        </p:tav>
+                                        <p:tav tm="100000">
+                                          <p:val>
+                                            <p:strVal val="#ppt_w"/>
+                                          </p:val>
+                                        </p:tav>
+                                      </p:tavLst>
+                                    </p:anim>
+                                    <p:anim calcmode="lin" valueType="num">
+                                      <p:cBhvr>
+                                        <p:cTn id="15" dur="500" fill="hold"/>
+                                        <p:tgtEl>
+                                          <p:spTgt spid="29"/>
+                                        </p:tgtEl>
+                                        <p:attrNameLst>
+                                          <p:attrName>ppt_h</p:attrName>
+                                        </p:attrNameLst>
+                                      </p:cBhvr>
+                                      <p:tavLst>
+                                        <p:tav tm="0">
+                                          <p:val>
+                                            <p:fltVal val="0"/>
+                                          </p:val>
+                                        </p:tav>
+                                        <p:tav tm="100000">
+                                          <p:val>
+                                            <p:strVal val="#ppt_h"/>
+                                          </p:val>
+                                        </p:tav>
+                                      </p:tavLst>
+                                    </p:anim>
+                                    <p:animEffect transition="in" filter="fade">
+                                      <p:cBhvr>
+                                        <p:cTn id="16" dur="500"/>
+                                        <p:tgtEl>
+                                          <p:spTgt spid="29"/>
+                                        </p:tgtEl>
+                                      </p:cBhvr>
+                                    </p:animEffect>
+                                  </p:childTnLst>
+                                </p:cTn>
+                              </p:par>
+                              <p:par>
+                                <p:cTn id="17" presetID="53" presetClass="entr" presetSubtype="16" fill="hold" grpId="0" nodeType="withEffect">
+                                  <p:stCondLst>
+                                    <p:cond delay="2500"/>
+                                  </p:stCondLst>
+                                  <p:childTnLst>
+                                    <p:set>
+                                      <p:cBhvr>
+                                        <p:cTn id="18" dur="1" fill="hold">
                                           <p:stCondLst>
                                             <p:cond delay="0"/>
                                           </p:stCondLst>
@@ -11720,7 +11962,7 @@
                                     </p:set>
                                     <p:anim calcmode="lin" valueType="num">
                                       <p:cBhvr>
-                                        <p:cTn id="14" dur="500" fill="hold"/>
+                                        <p:cTn id="19" dur="500" fill="hold"/>
                                         <p:tgtEl>
                                           <p:spTgt spid="30"/>
                                         </p:tgtEl>
@@ -11743,7 +11985,7 @@
                                     </p:anim>
                                     <p:anim calcmode="lin" valueType="num">
                                       <p:cBhvr>
-                                        <p:cTn id="15" dur="500" fill="hold"/>
+                                        <p:cTn id="20" dur="500" fill="hold"/>
                                         <p:tgtEl>
                                           <p:spTgt spid="30"/>
                                         </p:tgtEl>
@@ -11766,7 +12008,7 @@
                                     </p:anim>
                                     <p:animEffect transition="in" filter="fade">
                                       <p:cBhvr>
-                                        <p:cTn id="16" dur="500"/>
+                                        <p:cTn id="21" dur="500"/>
                                         <p:tgtEl>
                                           <p:spTgt spid="30"/>
                                         </p:tgtEl>
@@ -11775,201 +12017,25 @@
                                   </p:childTnLst>
                                 </p:cTn>
                               </p:par>
-                            </p:childTnLst>
-                          </p:cTn>
-                        </p:par>
-                      </p:childTnLst>
-                    </p:cTn>
-                  </p:par>
-                  <p:par>
-                    <p:cTn id="17" fill="hold">
-                      <p:stCondLst>
-                        <p:cond delay="indefinite"/>
-                      </p:stCondLst>
-                      <p:childTnLst>
-                        <p:par>
-                          <p:cTn id="18" fill="hold">
-                            <p:stCondLst>
-                              <p:cond delay="0"/>
-                            </p:stCondLst>
-                            <p:childTnLst>
                               <p:par>
-                                <p:cTn id="19" presetID="53" presetClass="entr" presetSubtype="16" fill="hold" grpId="0" nodeType="clickEffect">
+                                <p:cTn id="22" presetID="42" presetClass="path" presetSubtype="0" accel="50000" decel="50000" fill="hold" grpId="0" nodeType="withEffect">
                                   <p:stCondLst>
-                                    <p:cond delay="0"/>
+                                    <p:cond delay="500"/>
                                   </p:stCondLst>
                                   <p:childTnLst>
-                                    <p:set>
+                                    <p:animMotion origin="layout" path="M -2.70833E-6 -4.44444E-6 L -2.70833E-6 0.25 " pathEditMode="relative" rAng="0" ptsTypes="AA">
                                       <p:cBhvr>
-                                        <p:cTn id="20" dur="1" fill="hold">
-                                          <p:stCondLst>
-                                            <p:cond delay="0"/>
-                                          </p:stCondLst>
-                                        </p:cTn>
+                                        <p:cTn id="23" dur="2000" fill="hold"/>
                                         <p:tgtEl>
-                                          <p:spTgt spid="28"/>
+                                          <p:spTgt spid="38"/>
                                         </p:tgtEl>
                                         <p:attrNameLst>
-                                          <p:attrName>style.visibility</p:attrName>
+                                          <p:attrName>ppt_x</p:attrName>
+                                          <p:attrName>ppt_y</p:attrName>
                                         </p:attrNameLst>
                                       </p:cBhvr>
-                                      <p:to>
-                                        <p:strVal val="visible"/>
-                                      </p:to>
-                                    </p:set>
-                                    <p:anim calcmode="lin" valueType="num">
-                                      <p:cBhvr>
-                                        <p:cTn id="21" dur="500" fill="hold"/>
-                                        <p:tgtEl>
-                                          <p:spTgt spid="28"/>
-                                        </p:tgtEl>
-                                        <p:attrNameLst>
-                                          <p:attrName>ppt_w</p:attrName>
-                                        </p:attrNameLst>
-                                      </p:cBhvr>
-                                      <p:tavLst>
-                                        <p:tav tm="0">
-                                          <p:val>
-                                            <p:fltVal val="0"/>
-                                          </p:val>
-                                        </p:tav>
-                                        <p:tav tm="100000">
-                                          <p:val>
-                                            <p:strVal val="#ppt_w"/>
-                                          </p:val>
-                                        </p:tav>
-                                      </p:tavLst>
-                                    </p:anim>
-                                    <p:anim calcmode="lin" valueType="num">
-                                      <p:cBhvr>
-                                        <p:cTn id="22" dur="500" fill="hold"/>
-                                        <p:tgtEl>
-                                          <p:spTgt spid="28"/>
-                                        </p:tgtEl>
-                                        <p:attrNameLst>
-                                          <p:attrName>ppt_h</p:attrName>
-                                        </p:attrNameLst>
-                                      </p:cBhvr>
-                                      <p:tavLst>
-                                        <p:tav tm="0">
-                                          <p:val>
-                                            <p:fltVal val="0"/>
-                                          </p:val>
-                                        </p:tav>
-                                        <p:tav tm="100000">
-                                          <p:val>
-                                            <p:strVal val="#ppt_h"/>
-                                          </p:val>
-                                        </p:tav>
-                                      </p:tavLst>
-                                    </p:anim>
-                                    <p:animEffect transition="in" filter="fade">
-                                      <p:cBhvr>
-                                        <p:cTn id="23" dur="500"/>
-                                        <p:tgtEl>
-                                          <p:spTgt spid="28"/>
-                                        </p:tgtEl>
-                                      </p:cBhvr>
-                                    </p:animEffect>
-                                  </p:childTnLst>
-                                </p:cTn>
-                              </p:par>
-                            </p:childTnLst>
-                          </p:cTn>
-                        </p:par>
-                      </p:childTnLst>
-                    </p:cTn>
-                  </p:par>
-                  <p:par>
-                    <p:cTn id="24" fill="hold">
-                      <p:stCondLst>
-                        <p:cond delay="indefinite"/>
-                      </p:stCondLst>
-                      <p:childTnLst>
-                        <p:par>
-                          <p:cTn id="25" fill="hold">
-                            <p:stCondLst>
-                              <p:cond delay="0"/>
-                            </p:stCondLst>
-                            <p:childTnLst>
-                              <p:par>
-                                <p:cTn id="26" presetID="53" presetClass="entr" presetSubtype="16" fill="hold" grpId="0" nodeType="clickEffect">
-                                  <p:stCondLst>
-                                    <p:cond delay="0"/>
-                                  </p:stCondLst>
-                                  <p:childTnLst>
-                                    <p:set>
-                                      <p:cBhvr>
-                                        <p:cTn id="27" dur="1" fill="hold">
-                                          <p:stCondLst>
-                                            <p:cond delay="0"/>
-                                          </p:stCondLst>
-                                        </p:cTn>
-                                        <p:tgtEl>
-                                          <p:spTgt spid="29"/>
-                                        </p:tgtEl>
-                                        <p:attrNameLst>
-                                          <p:attrName>style.visibility</p:attrName>
-                                        </p:attrNameLst>
-                                      </p:cBhvr>
-                                      <p:to>
-                                        <p:strVal val="visible"/>
-                                      </p:to>
-                                    </p:set>
-                                    <p:anim calcmode="lin" valueType="num">
-                                      <p:cBhvr>
-                                        <p:cTn id="28" dur="500" fill="hold"/>
-                                        <p:tgtEl>
-                                          <p:spTgt spid="29"/>
-                                        </p:tgtEl>
-                                        <p:attrNameLst>
-                                          <p:attrName>ppt_w</p:attrName>
-                                        </p:attrNameLst>
-                                      </p:cBhvr>
-                                      <p:tavLst>
-                                        <p:tav tm="0">
-                                          <p:val>
-                                            <p:fltVal val="0"/>
-                                          </p:val>
-                                        </p:tav>
-                                        <p:tav tm="100000">
-                                          <p:val>
-                                            <p:strVal val="#ppt_w"/>
-                                          </p:val>
-                                        </p:tav>
-                                      </p:tavLst>
-                                    </p:anim>
-                                    <p:anim calcmode="lin" valueType="num">
-                                      <p:cBhvr>
-                                        <p:cTn id="29" dur="500" fill="hold"/>
-                                        <p:tgtEl>
-                                          <p:spTgt spid="29"/>
-                                        </p:tgtEl>
-                                        <p:attrNameLst>
-                                          <p:attrName>ppt_h</p:attrName>
-                                        </p:attrNameLst>
-                                      </p:cBhvr>
-                                      <p:tavLst>
-                                        <p:tav tm="0">
-                                          <p:val>
-                                            <p:fltVal val="0"/>
-                                          </p:val>
-                                        </p:tav>
-                                        <p:tav tm="100000">
-                                          <p:val>
-                                            <p:strVal val="#ppt_h"/>
-                                          </p:val>
-                                        </p:tav>
-                                      </p:tavLst>
-                                    </p:anim>
-                                    <p:animEffect transition="in" filter="fade">
-                                      <p:cBhvr>
-                                        <p:cTn id="30" dur="500"/>
-                                        <p:tgtEl>
-                                          <p:spTgt spid="29"/>
-                                        </p:tgtEl>
-                                      </p:cBhvr>
-                                    </p:animEffect>
+                                      <p:rCtr x="0" y="12500"/>
+                                    </p:animMotion>
                                   </p:childTnLst>
                                 </p:cTn>
                               </p:par>
@@ -12010,6 +12076,7 @@
       <p:bldGraphic spid="30" grpId="0">
         <p:bldAsOne/>
       </p:bldGraphic>
+      <p:bldP spid="38" grpId="0"/>
     </p:bldLst>
   </p:timing>
 </p:sld>
@@ -12950,7 +13017,7 @@
           <p:nvPr>
             <p:extLst>
               <p:ext uri="{D42A27DB-BD31-4B8C-83A1-F6EECF244321}">
-                <p14:modId xmlns:p14="http://schemas.microsoft.com/office/powerpoint/2010/main" val="2760368539"/>
+                <p14:modId xmlns:p14="http://schemas.microsoft.com/office/powerpoint/2010/main" val="1863102777"/>
               </p:ext>
             </p:extLst>
           </p:nvPr>
@@ -12980,7 +13047,7 @@
           <p:nvPr>
             <p:extLst>
               <p:ext uri="{D42A27DB-BD31-4B8C-83A1-F6EECF244321}">
-                <p14:modId xmlns:p14="http://schemas.microsoft.com/office/powerpoint/2010/main" val="1625616045"/>
+                <p14:modId xmlns:p14="http://schemas.microsoft.com/office/powerpoint/2010/main" val="3669353937"/>
               </p:ext>
             </p:extLst>
           </p:nvPr>
@@ -13010,7 +13077,7 @@
           <p:nvPr>
             <p:extLst>
               <p:ext uri="{D42A27DB-BD31-4B8C-83A1-F6EECF244321}">
-                <p14:modId xmlns:p14="http://schemas.microsoft.com/office/powerpoint/2010/main" val="3644592558"/>
+                <p14:modId xmlns:p14="http://schemas.microsoft.com/office/powerpoint/2010/main" val="3475346477"/>
               </p:ext>
             </p:extLst>
           </p:nvPr>
